--- a/Perceptron.pptx
+++ b/Perceptron.pptx
@@ -6,8 +6,11 @@
   </p:sldMasterIdLst>
   <p:sldIdLst>
     <p:sldId id="256" r:id="rId2"/>
-    <p:sldId id="257" r:id="rId3"/>
-    <p:sldId id="258" r:id="rId4"/>
+    <p:sldId id="259" r:id="rId3"/>
+    <p:sldId id="257" r:id="rId4"/>
+    <p:sldId id="258" r:id="rId5"/>
+    <p:sldId id="260" r:id="rId6"/>
+    <p:sldId id="261" r:id="rId7"/>
   </p:sldIdLst>
   <p:sldSz cx="12192000" cy="6858000"/>
   <p:notesSz cx="6858000" cy="9144000"/>
@@ -112,6 +115,87 @@
     </p:ext>
   </p:extLst>
 </p:presentation>
+</file>
+
+<file path=ppt/ink/ink1.xml><?xml version="1.0" encoding="utf-8"?>
+<inkml:ink xmlns:inkml="http://www.w3.org/2003/InkML">
+  <inkml:definitions>
+    <inkml:context xml:id="ctx0">
+      <inkml:inkSource xml:id="inkSrc0">
+        <inkml:traceFormat>
+          <inkml:channel name="X" type="integer" min="-2.14748E9" max="2.14748E9" units="cm"/>
+          <inkml:channel name="Y" type="integer" min="-2.14748E9" max="2.14748E9" units="cm"/>
+          <inkml:channel name="F" type="integer" max="32767" units="dev"/>
+        </inkml:traceFormat>
+        <inkml:channelProperties>
+          <inkml:channelProperty channel="X" name="resolution" value="1000" units="1/cm"/>
+          <inkml:channelProperty channel="Y" name="resolution" value="1000" units="1/cm"/>
+          <inkml:channelProperty channel="F" name="resolution" value="0" units="1/dev"/>
+        </inkml:channelProperties>
+      </inkml:inkSource>
+      <inkml:timestamp xml:id="ts0" timeString="2020-05-20T14:46:50.293"/>
+    </inkml:context>
+    <inkml:brush xml:id="br0">
+      <inkml:brushProperty name="width" value="0.05" units="cm"/>
+      <inkml:brushProperty name="height" value="0.05" units="cm"/>
+    </inkml:brush>
+  </inkml:definitions>
+  <inkml:trace contextRef="#ctx0" brushRef="#br0">0 0 24575,'4'4'0,"0"-2"0,-2 0 0,0-1 0,-1 1 0,1-2 0,-1 2 0,1-1 0,-2 1 0,2-2 0,-2 2 0,3-2 0,-3 3 0,2-3 0,-2 2 0,2-2 0,0 2 0,0-1 0,0 2 0,0-1 0,1-1 0,-2 1 0,1-2 0,-2 2 0,2-1 0,0 0 0,-1 0 0,1-1 0,-2 2 0,3-1 0,-3 1 0,2-2 0,-1 2 0,2-1 0,-1 2 0,0-2 0,-1 1 0,1-2 0,0 2 0,0-2 0,0 1 0,-1 0 0,1 0 0,-2 1 0,2-2 0,-1 2 0,1-2 0,-2 2 0,2-1 0,-1 0 0,2 0 0,-2 1 0,1-2 0,-1 2 0,1-1 0,1 1 0,-2 0 0,1-2 0,-2 2 0,2-2 0,0 1 0,-1 0 0,1-1 0,-2 3 0,2-3 0,-2 2 0,2-2 0,-2 2 0,1 0 0,-1 0 0,1-1 0,0 1 0,0-1 0,-1 0 0,0 0 0</inkml:trace>
+</inkml:ink>
+</file>
+
+<file path=ppt/ink/ink2.xml><?xml version="1.0" encoding="utf-8"?>
+<inkml:ink xmlns:inkml="http://www.w3.org/2003/InkML">
+  <inkml:definitions>
+    <inkml:context xml:id="ctx0">
+      <inkml:inkSource xml:id="inkSrc0">
+        <inkml:traceFormat>
+          <inkml:channel name="X" type="integer" min="-2.14748E9" max="2.14748E9" units="cm"/>
+          <inkml:channel name="Y" type="integer" min="-2.14748E9" max="2.14748E9" units="cm"/>
+          <inkml:channel name="F" type="integer" max="32767" units="dev"/>
+        </inkml:traceFormat>
+        <inkml:channelProperties>
+          <inkml:channelProperty channel="X" name="resolution" value="1000" units="1/cm"/>
+          <inkml:channelProperty channel="Y" name="resolution" value="1000" units="1/cm"/>
+          <inkml:channelProperty channel="F" name="resolution" value="0" units="1/dev"/>
+        </inkml:channelProperties>
+      </inkml:inkSource>
+      <inkml:timestamp xml:id="ts0" timeString="2020-05-20T14:46:58.181"/>
+    </inkml:context>
+    <inkml:brush xml:id="br0">
+      <inkml:brushProperty name="width" value="0.05" units="cm"/>
+      <inkml:brushProperty name="height" value="0.05" units="cm"/>
+    </inkml:brush>
+  </inkml:definitions>
+  <inkml:trace contextRef="#ctx0" brushRef="#br0">1 0 24575,'2'5'0,"0"-2"0,1-1 0,-1-2 0,0 2 0,0-1 0,0 0 0,-1 0 0,1-1 0,-1 2 0,1-2 0,-1 1 0,1-1 0,0 0 0,0 0 0,0 1 0,-1-1 0,1 1 0,-1 0 0,0 0 0,0 1 0,-1 0 0,1-1 0,0 1 0,-1 0 0,1 0 0,0-1 0,0 0 0,1 0 0,0-1 0,-1 2 0,1 0 0,0-1 0,-1 1 0,1-1 0,-2 1 0,2-1 0,-2 1 0,3-1 0,-3 1 0,1-1 0,0 0 0,-1 1 0,2-2 0,-1 2 0,1-2 0,-2 2 0,2-1 0,-1 1 0,1-2 0,0 0 0,0 1 0,0 0 0,-1 0 0,1 0 0,-1 1 0,1-1 0,0 0 0,-2 1 0,2-2 0,-2 2 0,2-2 0,-2 2 0,2-1 0,-1 1 0,1-2 0,-1 2 0,1-1 0,0 0 0,-1 1 0,1-2 0,-1 2 0,0-1 0,1 1 0,-1-1 0,1 0 0,0-1 0,-1 1 0,1 0 0,-1 1 0,1 0 0,-1-2 0,0 2 0,1-2 0,-1 1 0,0 0 0,1-1 0,-2 2 0,3-2 0,-2 2 0,1-1 0,-1 0 0,1 0 0,-1 0 0,1 0 0,0-1 0,-1 1 0,1-1 0,0 0 0,0 1 0,0-1 0,1 1 0,-2 0 0,1 0 0,-1 0 0</inkml:trace>
+</inkml:ink>
+</file>
+
+<file path=ppt/ink/ink3.xml><?xml version="1.0" encoding="utf-8"?>
+<inkml:ink xmlns:inkml="http://www.w3.org/2003/InkML">
+  <inkml:definitions>
+    <inkml:context xml:id="ctx0">
+      <inkml:inkSource xml:id="inkSrc0">
+        <inkml:traceFormat>
+          <inkml:channel name="X" type="integer" min="-2.14748E9" max="2.14748E9" units="cm"/>
+          <inkml:channel name="Y" type="integer" min="-2.14748E9" max="2.14748E9" units="cm"/>
+          <inkml:channel name="F" type="integer" max="32767" units="dev"/>
+        </inkml:traceFormat>
+        <inkml:channelProperties>
+          <inkml:channelProperty channel="X" name="resolution" value="1000" units="1/cm"/>
+          <inkml:channelProperty channel="Y" name="resolution" value="1000" units="1/cm"/>
+          <inkml:channelProperty channel="F" name="resolution" value="0" units="1/dev"/>
+        </inkml:channelProperties>
+      </inkml:inkSource>
+      <inkml:timestamp xml:id="ts0" timeString="2020-05-20T14:47:10.179"/>
+    </inkml:context>
+    <inkml:brush xml:id="br0">
+      <inkml:brushProperty name="width" value="0.05" units="cm"/>
+      <inkml:brushProperty name="height" value="0.05" units="cm"/>
+    </inkml:brush>
+  </inkml:definitions>
+  <inkml:trace contextRef="#ctx0" brushRef="#br0">0 1 24575,'4'2'0,"0"-1"0,-3 1 0,1-2 0,-1 2 0,1-2 0,-1 2 0,1-2 0,-2 2 0,1-1 0,0 1 0,-1-1 0,2 1 0,-1-1 0,0 1 0,1-2 0,-1 1 0,1 0 0,-1-1 0,1 1 0,0-1 0,0 1 0,0-1 0,0 1 0,-1 0 0,1-1 0,-1 2 0,0 0 0,1-1 0,-2 1 0,2-1 0,-1 0 0,0 1 0,1-2 0,-2 2 0,2-2 0,-2 2 0,2-1 0,-2 1 0,2-1 0,0 0 0,-1 1 0,1-1 0,-1 0 0,0 1 0,1-2 0,-1 1 0,0 0 0,1 0 0,-1 1 0,0-2 0,1 1 0,-1 0 0,1-1 0,-1 2 0,1-2 0,-1 2 0,1-1 0,-1 1 0,1-1 0,0 0 0,-1 0 0,0-1 0,0 0 0</inkml:trace>
+</inkml:ink>
 </file>
 
 <file path=ppt/slideLayouts/slideLayout1.xml><?xml version="1.0" encoding="utf-8"?>
@@ -8815,6 +8899,3444 @@
         </p:nvGrpSpPr>
         <p:grpSpPr>
           <a:xfrm>
+            <a:off x="1653747" y="1711679"/>
+            <a:ext cx="719328" cy="719328"/>
+            <a:chOff x="1381615" y="1886712"/>
+            <a:chExt cx="719328" cy="719328"/>
+          </a:xfrm>
+        </p:grpSpPr>
+        <p:sp>
+          <p:nvSpPr>
+            <p:cNvPr id="4" name="Oval 3">
+              <a:extLst>
+                <a:ext uri="{FF2B5EF4-FFF2-40B4-BE49-F238E27FC236}">
+                  <a16:creationId xmlns:a16="http://schemas.microsoft.com/office/drawing/2014/main" id="{ECB64703-DECF-AD4C-8CBD-9028C3CC164D}"/>
+                </a:ext>
+              </a:extLst>
+            </p:cNvPr>
+            <p:cNvSpPr/>
+            <p:nvPr/>
+          </p:nvSpPr>
+          <p:spPr>
+            <a:xfrm>
+              <a:off x="1381615" y="1886712"/>
+              <a:ext cx="719328" cy="719328"/>
+            </a:xfrm>
+            <a:prstGeom prst="ellipse">
+              <a:avLst/>
+            </a:prstGeom>
+            <a:noFill/>
+            <a:ln w="31750" cap="flat" cmpd="sng" algn="ctr">
+              <a:solidFill>
+                <a:schemeClr val="accent5"/>
+              </a:solidFill>
+              <a:prstDash val="solid"/>
+              <a:round/>
+              <a:headEnd type="none" w="med" len="med"/>
+              <a:tailEnd type="none" w="med" len="med"/>
+            </a:ln>
+          </p:spPr>
+          <p:style>
+            <a:lnRef idx="0">
+              <a:scrgbClr r="0" g="0" b="0"/>
+            </a:lnRef>
+            <a:fillRef idx="0">
+              <a:scrgbClr r="0" g="0" b="0"/>
+            </a:fillRef>
+            <a:effectRef idx="0">
+              <a:scrgbClr r="0" g="0" b="0"/>
+            </a:effectRef>
+            <a:fontRef idx="minor">
+              <a:schemeClr val="accent5"/>
+            </a:fontRef>
+          </p:style>
+          <p:txBody>
+            <a:bodyPr rtlCol="0" anchor="ctr"/>
+            <a:lstStyle/>
+            <a:p>
+              <a:pPr algn="ctr"/>
+              <a:endParaRPr lang="en-VN"/>
+            </a:p>
+          </p:txBody>
+        </p:sp>
+        <mc:AlternateContent xmlns:mc="http://schemas.openxmlformats.org/markup-compatibility/2006" xmlns:a14="http://schemas.microsoft.com/office/drawing/2010/main">
+          <mc:Choice Requires="a14">
+            <p:sp>
+              <p:nvSpPr>
+                <p:cNvPr id="5" name="TextBox 4">
+                  <a:extLst>
+                    <a:ext uri="{FF2B5EF4-FFF2-40B4-BE49-F238E27FC236}">
+                      <a16:creationId xmlns:a16="http://schemas.microsoft.com/office/drawing/2014/main" id="{F9B8FC14-6107-EF4C-B8DE-CA27B543F911}"/>
+                    </a:ext>
+                  </a:extLst>
+                </p:cNvPr>
+                <p:cNvSpPr txBox="1"/>
+                <p:nvPr/>
+              </p:nvSpPr>
+              <p:spPr>
+                <a:xfrm>
+                  <a:off x="1548035" y="2053197"/>
+                  <a:ext cx="460767" cy="369332"/>
+                </a:xfrm>
+                <a:prstGeom prst="rect">
+                  <a:avLst/>
+                </a:prstGeom>
+                <a:noFill/>
+              </p:spPr>
+              <p:txBody>
+                <a:bodyPr wrap="none" rtlCol="0">
+                  <a:spAutoFit/>
+                </a:bodyPr>
+                <a:lstStyle/>
+                <a:p>
+                  <a:pPr/>
+                  <a14:m>
+                    <m:oMathPara xmlns:m="http://schemas.openxmlformats.org/officeDocument/2006/math">
+                      <m:oMathParaPr>
+                        <m:jc m:val="centerGroup"/>
+                      </m:oMathParaPr>
+                      <m:oMath xmlns:m="http://schemas.openxmlformats.org/officeDocument/2006/math">
+                        <m:sSub>
+                          <m:sSubPr>
+                            <m:ctrlPr>
+                              <a:rPr lang="en-US" b="0" i="1">
+                                <a:latin typeface="Cambria Math" panose="02040503050406030204" pitchFamily="18" charset="0"/>
+                              </a:rPr>
+                            </m:ctrlPr>
+                          </m:sSubPr>
+                          <m:e>
+                            <m:r>
+                              <m:rPr>
+                                <m:sty m:val="p"/>
+                              </m:rPr>
+                              <a:rPr lang="en-US" b="0" i="0">
+                                <a:latin typeface="Cambria Math" panose="02040503050406030204" pitchFamily="18" charset="0"/>
+                              </a:rPr>
+                              <m:t>x</m:t>
+                            </m:r>
+                          </m:e>
+                          <m:sub>
+                            <m:r>
+                              <a:rPr lang="en-US" b="0" i="0">
+                                <a:latin typeface="Cambria Math" panose="02040503050406030204" pitchFamily="18" charset="0"/>
+                              </a:rPr>
+                              <m:t>1</m:t>
+                            </m:r>
+                          </m:sub>
+                        </m:sSub>
+                      </m:oMath>
+                    </m:oMathPara>
+                  </a14:m>
+                  <a:endParaRPr lang="en-VN"/>
+                </a:p>
+              </p:txBody>
+            </p:sp>
+          </mc:Choice>
+          <mc:Fallback xmlns="">
+            <p:sp>
+              <p:nvSpPr>
+                <p:cNvPr id="5" name="TextBox 4">
+                  <a:extLst>
+                    <a:ext uri="{FF2B5EF4-FFF2-40B4-BE49-F238E27FC236}">
+                      <a16:creationId xmlns:a16="http://schemas.microsoft.com/office/drawing/2014/main" id="{F9B8FC14-6107-EF4C-B8DE-CA27B543F911}"/>
+                    </a:ext>
+                  </a:extLst>
+                </p:cNvPr>
+                <p:cNvSpPr txBox="1">
+                  <a:spLocks noRot="1" noChangeAspect="1" noMove="1" noResize="1" noEditPoints="1" noAdjustHandles="1" noChangeArrowheads="1" noChangeShapeType="1" noTextEdit="1"/>
+                </p:cNvSpPr>
+                <p:nvPr/>
+              </p:nvSpPr>
+              <p:spPr>
+                <a:xfrm>
+                  <a:off x="1548035" y="2053197"/>
+                  <a:ext cx="460767" cy="369332"/>
+                </a:xfrm>
+                <a:prstGeom prst="rect">
+                  <a:avLst/>
+                </a:prstGeom>
+                <a:blipFill>
+                  <a:blip r:embed="rId2"/>
+                  <a:stretch>
+                    <a:fillRect/>
+                  </a:stretch>
+                </a:blipFill>
+              </p:spPr>
+              <p:txBody>
+                <a:bodyPr/>
+                <a:lstStyle/>
+                <a:p>
+                  <a:r>
+                    <a:rPr lang="en-VN">
+                      <a:noFill/>
+                    </a:rPr>
+                    <a:t> </a:t>
+                  </a:r>
+                </a:p>
+              </p:txBody>
+            </p:sp>
+          </mc:Fallback>
+        </mc:AlternateContent>
+      </p:grpSp>
+      <p:grpSp>
+        <p:nvGrpSpPr>
+          <p:cNvPr id="16" name="Group 15">
+            <a:extLst>
+              <a:ext uri="{FF2B5EF4-FFF2-40B4-BE49-F238E27FC236}">
+                <a16:creationId xmlns:a16="http://schemas.microsoft.com/office/drawing/2014/main" id="{9F26464C-F1E0-384D-934C-C77175801D78}"/>
+              </a:ext>
+            </a:extLst>
+          </p:cNvPr>
+          <p:cNvGrpSpPr/>
+          <p:nvPr/>
+        </p:nvGrpSpPr>
+        <p:grpSpPr>
+          <a:xfrm>
+            <a:off x="1653747" y="2890203"/>
+            <a:ext cx="719328" cy="719328"/>
+            <a:chOff x="1381615" y="3069336"/>
+            <a:chExt cx="719328" cy="719328"/>
+          </a:xfrm>
+        </p:grpSpPr>
+        <p:sp>
+          <p:nvSpPr>
+            <p:cNvPr id="8" name="Oval 7">
+              <a:extLst>
+                <a:ext uri="{FF2B5EF4-FFF2-40B4-BE49-F238E27FC236}">
+                  <a16:creationId xmlns:a16="http://schemas.microsoft.com/office/drawing/2014/main" id="{EB5FAF5B-E388-7345-8521-61F56AF97166}"/>
+                </a:ext>
+              </a:extLst>
+            </p:cNvPr>
+            <p:cNvSpPr/>
+            <p:nvPr/>
+          </p:nvSpPr>
+          <p:spPr>
+            <a:xfrm>
+              <a:off x="1381615" y="3069336"/>
+              <a:ext cx="719328" cy="719328"/>
+            </a:xfrm>
+            <a:prstGeom prst="ellipse">
+              <a:avLst/>
+            </a:prstGeom>
+            <a:noFill/>
+            <a:ln w="31750" cap="flat" cmpd="sng" algn="ctr">
+              <a:solidFill>
+                <a:schemeClr val="accent5"/>
+              </a:solidFill>
+              <a:prstDash val="solid"/>
+              <a:round/>
+              <a:headEnd type="none" w="med" len="med"/>
+              <a:tailEnd type="none" w="med" len="med"/>
+            </a:ln>
+          </p:spPr>
+          <p:style>
+            <a:lnRef idx="0">
+              <a:scrgbClr r="0" g="0" b="0"/>
+            </a:lnRef>
+            <a:fillRef idx="0">
+              <a:scrgbClr r="0" g="0" b="0"/>
+            </a:fillRef>
+            <a:effectRef idx="0">
+              <a:scrgbClr r="0" g="0" b="0"/>
+            </a:effectRef>
+            <a:fontRef idx="minor">
+              <a:schemeClr val="accent5"/>
+            </a:fontRef>
+          </p:style>
+          <p:txBody>
+            <a:bodyPr rtlCol="0" anchor="ctr"/>
+            <a:lstStyle/>
+            <a:p>
+              <a:pPr algn="ctr"/>
+              <a:endParaRPr lang="en-VN"/>
+            </a:p>
+          </p:txBody>
+        </p:sp>
+        <mc:AlternateContent xmlns:mc="http://schemas.openxmlformats.org/markup-compatibility/2006" xmlns:a14="http://schemas.microsoft.com/office/drawing/2010/main">
+          <mc:Choice Requires="a14">
+            <p:sp>
+              <p:nvSpPr>
+                <p:cNvPr id="9" name="TextBox 8">
+                  <a:extLst>
+                    <a:ext uri="{FF2B5EF4-FFF2-40B4-BE49-F238E27FC236}">
+                      <a16:creationId xmlns:a16="http://schemas.microsoft.com/office/drawing/2014/main" id="{49858C29-F51A-D243-AC60-4F1A26398E46}"/>
+                    </a:ext>
+                  </a:extLst>
+                </p:cNvPr>
+                <p:cNvSpPr txBox="1"/>
+                <p:nvPr/>
+              </p:nvSpPr>
+              <p:spPr>
+                <a:xfrm>
+                  <a:off x="1532224" y="3217786"/>
+                  <a:ext cx="461601" cy="369332"/>
+                </a:xfrm>
+                <a:prstGeom prst="rect">
+                  <a:avLst/>
+                </a:prstGeom>
+                <a:noFill/>
+              </p:spPr>
+              <p:txBody>
+                <a:bodyPr wrap="none" rtlCol="0">
+                  <a:spAutoFit/>
+                </a:bodyPr>
+                <a:lstStyle/>
+                <a:p>
+                  <a:pPr/>
+                  <a14:m>
+                    <m:oMathPara xmlns:m="http://schemas.openxmlformats.org/officeDocument/2006/math">
+                      <m:oMathParaPr>
+                        <m:jc m:val="centerGroup"/>
+                      </m:oMathParaPr>
+                      <m:oMath xmlns:m="http://schemas.openxmlformats.org/officeDocument/2006/math">
+                        <m:sSub>
+                          <m:sSubPr>
+                            <m:ctrlPr>
+                              <a:rPr lang="en-US" b="0" i="1">
+                                <a:latin typeface="Cambria Math" panose="02040503050406030204" pitchFamily="18" charset="0"/>
+                              </a:rPr>
+                            </m:ctrlPr>
+                          </m:sSubPr>
+                          <m:e>
+                            <m:r>
+                              <m:rPr>
+                                <m:sty m:val="p"/>
+                              </m:rPr>
+                              <a:rPr lang="en-US" b="0" i="0">
+                                <a:latin typeface="Cambria Math" panose="02040503050406030204" pitchFamily="18" charset="0"/>
+                              </a:rPr>
+                              <m:t>x</m:t>
+                            </m:r>
+                          </m:e>
+                          <m:sub>
+                            <m:r>
+                              <a:rPr lang="en-US" b="0" i="0">
+                                <a:latin typeface="Cambria Math" panose="02040503050406030204" pitchFamily="18" charset="0"/>
+                              </a:rPr>
+                              <m:t>2</m:t>
+                            </m:r>
+                          </m:sub>
+                        </m:sSub>
+                      </m:oMath>
+                    </m:oMathPara>
+                  </a14:m>
+                  <a:endParaRPr lang="en-VN"/>
+                </a:p>
+              </p:txBody>
+            </p:sp>
+          </mc:Choice>
+          <mc:Fallback xmlns="">
+            <p:sp>
+              <p:nvSpPr>
+                <p:cNvPr id="9" name="TextBox 8">
+                  <a:extLst>
+                    <a:ext uri="{FF2B5EF4-FFF2-40B4-BE49-F238E27FC236}">
+                      <a16:creationId xmlns:a16="http://schemas.microsoft.com/office/drawing/2014/main" id="{49858C29-F51A-D243-AC60-4F1A26398E46}"/>
+                    </a:ext>
+                  </a:extLst>
+                </p:cNvPr>
+                <p:cNvSpPr txBox="1">
+                  <a:spLocks noRot="1" noChangeAspect="1" noMove="1" noResize="1" noEditPoints="1" noAdjustHandles="1" noChangeArrowheads="1" noChangeShapeType="1" noTextEdit="1"/>
+                </p:cNvSpPr>
+                <p:nvPr/>
+              </p:nvSpPr>
+              <p:spPr>
+                <a:xfrm>
+                  <a:off x="1532224" y="3217786"/>
+                  <a:ext cx="461601" cy="369332"/>
+                </a:xfrm>
+                <a:prstGeom prst="rect">
+                  <a:avLst/>
+                </a:prstGeom>
+                <a:blipFill>
+                  <a:blip r:embed="rId3"/>
+                  <a:stretch>
+                    <a:fillRect/>
+                  </a:stretch>
+                </a:blipFill>
+              </p:spPr>
+              <p:txBody>
+                <a:bodyPr/>
+                <a:lstStyle/>
+                <a:p>
+                  <a:r>
+                    <a:rPr lang="en-VN">
+                      <a:noFill/>
+                    </a:rPr>
+                    <a:t> </a:t>
+                  </a:r>
+                </a:p>
+              </p:txBody>
+            </p:sp>
+          </mc:Fallback>
+        </mc:AlternateContent>
+      </p:grpSp>
+      <p:grpSp>
+        <p:nvGrpSpPr>
+          <p:cNvPr id="29" name="Group 28">
+            <a:extLst>
+              <a:ext uri="{FF2B5EF4-FFF2-40B4-BE49-F238E27FC236}">
+                <a16:creationId xmlns:a16="http://schemas.microsoft.com/office/drawing/2014/main" id="{4B3F3AA9-03CA-5A44-858F-8AC723293183}"/>
+              </a:ext>
+            </a:extLst>
+          </p:cNvPr>
+          <p:cNvGrpSpPr/>
+          <p:nvPr/>
+        </p:nvGrpSpPr>
+        <p:grpSpPr>
+          <a:xfrm>
+            <a:off x="3683621" y="1724447"/>
+            <a:ext cx="719328" cy="719328"/>
+            <a:chOff x="1381615" y="1886712"/>
+            <a:chExt cx="719328" cy="719328"/>
+          </a:xfrm>
+        </p:grpSpPr>
+        <p:sp>
+          <p:nvSpPr>
+            <p:cNvPr id="30" name="Oval 29">
+              <a:extLst>
+                <a:ext uri="{FF2B5EF4-FFF2-40B4-BE49-F238E27FC236}">
+                  <a16:creationId xmlns:a16="http://schemas.microsoft.com/office/drawing/2014/main" id="{8E25914E-0DFF-0446-9D5C-217FE753B2A8}"/>
+                </a:ext>
+              </a:extLst>
+            </p:cNvPr>
+            <p:cNvSpPr/>
+            <p:nvPr/>
+          </p:nvSpPr>
+          <p:spPr>
+            <a:xfrm>
+              <a:off x="1381615" y="1886712"/>
+              <a:ext cx="719328" cy="719328"/>
+            </a:xfrm>
+            <a:prstGeom prst="ellipse">
+              <a:avLst/>
+            </a:prstGeom>
+            <a:noFill/>
+            <a:ln w="31750" cap="flat" cmpd="sng" algn="ctr">
+              <a:solidFill>
+                <a:schemeClr val="accent5"/>
+              </a:solidFill>
+              <a:prstDash val="solid"/>
+              <a:round/>
+              <a:headEnd type="none" w="med" len="med"/>
+              <a:tailEnd type="none" w="med" len="med"/>
+            </a:ln>
+          </p:spPr>
+          <p:style>
+            <a:lnRef idx="0">
+              <a:scrgbClr r="0" g="0" b="0"/>
+            </a:lnRef>
+            <a:fillRef idx="0">
+              <a:scrgbClr r="0" g="0" b="0"/>
+            </a:fillRef>
+            <a:effectRef idx="0">
+              <a:scrgbClr r="0" g="0" b="0"/>
+            </a:effectRef>
+            <a:fontRef idx="minor">
+              <a:schemeClr val="accent5"/>
+            </a:fontRef>
+          </p:style>
+          <p:txBody>
+            <a:bodyPr rtlCol="0" anchor="ctr"/>
+            <a:lstStyle/>
+            <a:p>
+              <a:pPr algn="ctr"/>
+              <a:endParaRPr lang="en-VN"/>
+            </a:p>
+          </p:txBody>
+        </p:sp>
+        <mc:AlternateContent xmlns:mc="http://schemas.openxmlformats.org/markup-compatibility/2006" xmlns:a14="http://schemas.microsoft.com/office/drawing/2010/main">
+          <mc:Choice Requires="a14">
+            <p:sp>
+              <p:nvSpPr>
+                <p:cNvPr id="31" name="TextBox 30">
+                  <a:extLst>
+                    <a:ext uri="{FF2B5EF4-FFF2-40B4-BE49-F238E27FC236}">
+                      <a16:creationId xmlns:a16="http://schemas.microsoft.com/office/drawing/2014/main" id="{4B285419-7D65-9B46-8312-7F2DA57A0D9C}"/>
+                    </a:ext>
+                  </a:extLst>
+                </p:cNvPr>
+                <p:cNvSpPr txBox="1"/>
+                <p:nvPr/>
+              </p:nvSpPr>
+              <p:spPr>
+                <a:xfrm>
+                  <a:off x="1515528" y="2040429"/>
+                  <a:ext cx="467820" cy="369332"/>
+                </a:xfrm>
+                <a:prstGeom prst="rect">
+                  <a:avLst/>
+                </a:prstGeom>
+                <a:noFill/>
+              </p:spPr>
+              <p:txBody>
+                <a:bodyPr wrap="none" rtlCol="0">
+                  <a:spAutoFit/>
+                </a:bodyPr>
+                <a:lstStyle/>
+                <a:p>
+                  <a:pPr/>
+                  <a14:m>
+                    <m:oMathPara xmlns:m="http://schemas.openxmlformats.org/officeDocument/2006/math">
+                      <m:oMathParaPr>
+                        <m:jc m:val="centerGroup"/>
+                      </m:oMathParaPr>
+                      <m:oMath xmlns:m="http://schemas.openxmlformats.org/officeDocument/2006/math">
+                        <m:sSub>
+                          <m:sSubPr>
+                            <m:ctrlPr>
+                              <a:rPr lang="en-US" b="0" i="1">
+                                <a:latin typeface="Cambria Math" panose="02040503050406030204" pitchFamily="18" charset="0"/>
+                              </a:rPr>
+                            </m:ctrlPr>
+                          </m:sSubPr>
+                          <m:e>
+                            <m:r>
+                              <m:rPr>
+                                <m:sty m:val="p"/>
+                              </m:rPr>
+                              <a:rPr lang="en-US" i="0">
+                                <a:latin typeface="Cambria Math" panose="02040503050406030204" pitchFamily="18" charset="0"/>
+                              </a:rPr>
+                              <m:t>h</m:t>
+                            </m:r>
+                          </m:e>
+                          <m:sub>
+                            <m:r>
+                              <a:rPr lang="en-US" b="0" i="0">
+                                <a:latin typeface="Cambria Math" panose="02040503050406030204" pitchFamily="18" charset="0"/>
+                              </a:rPr>
+                              <m:t>1</m:t>
+                            </m:r>
+                          </m:sub>
+                        </m:sSub>
+                      </m:oMath>
+                    </m:oMathPara>
+                  </a14:m>
+                  <a:endParaRPr lang="en-VN"/>
+                </a:p>
+              </p:txBody>
+            </p:sp>
+          </mc:Choice>
+          <mc:Fallback xmlns="">
+            <p:sp>
+              <p:nvSpPr>
+                <p:cNvPr id="31" name="TextBox 30">
+                  <a:extLst>
+                    <a:ext uri="{FF2B5EF4-FFF2-40B4-BE49-F238E27FC236}">
+                      <a16:creationId xmlns:a16="http://schemas.microsoft.com/office/drawing/2014/main" id="{4B285419-7D65-9B46-8312-7F2DA57A0D9C}"/>
+                    </a:ext>
+                  </a:extLst>
+                </p:cNvPr>
+                <p:cNvSpPr txBox="1">
+                  <a:spLocks noRot="1" noChangeAspect="1" noMove="1" noResize="1" noEditPoints="1" noAdjustHandles="1" noChangeArrowheads="1" noChangeShapeType="1" noTextEdit="1"/>
+                </p:cNvSpPr>
+                <p:nvPr/>
+              </p:nvSpPr>
+              <p:spPr>
+                <a:xfrm>
+                  <a:off x="1515528" y="2040429"/>
+                  <a:ext cx="467820" cy="369332"/>
+                </a:xfrm>
+                <a:prstGeom prst="rect">
+                  <a:avLst/>
+                </a:prstGeom>
+                <a:blipFill>
+                  <a:blip r:embed="rId4"/>
+                  <a:stretch>
+                    <a:fillRect/>
+                  </a:stretch>
+                </a:blipFill>
+              </p:spPr>
+              <p:txBody>
+                <a:bodyPr/>
+                <a:lstStyle/>
+                <a:p>
+                  <a:r>
+                    <a:rPr lang="en-VN">
+                      <a:noFill/>
+                    </a:rPr>
+                    <a:t> </a:t>
+                  </a:r>
+                </a:p>
+              </p:txBody>
+            </p:sp>
+          </mc:Fallback>
+        </mc:AlternateContent>
+      </p:grpSp>
+      <p:sp>
+        <p:nvSpPr>
+          <p:cNvPr id="33" name="Oval 32">
+            <a:extLst>
+              <a:ext uri="{FF2B5EF4-FFF2-40B4-BE49-F238E27FC236}">
+                <a16:creationId xmlns:a16="http://schemas.microsoft.com/office/drawing/2014/main" id="{922FB380-21C4-3948-BD26-A9774D742C00}"/>
+              </a:ext>
+            </a:extLst>
+          </p:cNvPr>
+          <p:cNvSpPr/>
+          <p:nvPr/>
+        </p:nvSpPr>
+        <p:spPr>
+          <a:xfrm>
+            <a:off x="3683621" y="2902971"/>
+            <a:ext cx="719328" cy="719328"/>
+          </a:xfrm>
+          <a:prstGeom prst="ellipse">
+            <a:avLst/>
+          </a:prstGeom>
+          <a:noFill/>
+          <a:ln w="31750" cap="flat" cmpd="sng" algn="ctr">
+            <a:solidFill>
+              <a:schemeClr val="accent5"/>
+            </a:solidFill>
+            <a:prstDash val="solid"/>
+            <a:round/>
+            <a:headEnd type="none" w="med" len="med"/>
+            <a:tailEnd type="none" w="med" len="med"/>
+          </a:ln>
+        </p:spPr>
+        <p:style>
+          <a:lnRef idx="0">
+            <a:scrgbClr r="0" g="0" b="0"/>
+          </a:lnRef>
+          <a:fillRef idx="0">
+            <a:scrgbClr r="0" g="0" b="0"/>
+          </a:fillRef>
+          <a:effectRef idx="0">
+            <a:scrgbClr r="0" g="0" b="0"/>
+          </a:effectRef>
+          <a:fontRef idx="minor">
+            <a:schemeClr val="accent5"/>
+          </a:fontRef>
+        </p:style>
+        <p:txBody>
+          <a:bodyPr rtlCol="0" anchor="ctr"/>
+          <a:lstStyle/>
+          <a:p>
+            <a:pPr algn="ctr"/>
+            <a:endParaRPr lang="en-VN"/>
+          </a:p>
+        </p:txBody>
+      </p:sp>
+      <p:cxnSp>
+        <p:nvCxnSpPr>
+          <p:cNvPr id="42" name="Straight Arrow Connector 41">
+            <a:extLst>
+              <a:ext uri="{FF2B5EF4-FFF2-40B4-BE49-F238E27FC236}">
+                <a16:creationId xmlns:a16="http://schemas.microsoft.com/office/drawing/2014/main" id="{15C5501C-9C28-8E4E-8DC7-9149148C74B6}"/>
+              </a:ext>
+            </a:extLst>
+          </p:cNvPr>
+          <p:cNvCxnSpPr>
+            <a:stCxn id="4" idx="6"/>
+            <a:endCxn id="30" idx="2"/>
+          </p:cNvCxnSpPr>
+          <p:nvPr/>
+        </p:nvCxnSpPr>
+        <p:spPr>
+          <a:xfrm>
+            <a:off x="2373075" y="2071343"/>
+            <a:ext cx="1310546" cy="12768"/>
+          </a:xfrm>
+          <a:prstGeom prst="straightConnector1">
+            <a:avLst/>
+          </a:prstGeom>
+          <a:ln>
+            <a:tailEnd type="triangle"/>
+          </a:ln>
+        </p:spPr>
+        <p:style>
+          <a:lnRef idx="1">
+            <a:schemeClr val="accent1"/>
+          </a:lnRef>
+          <a:fillRef idx="0">
+            <a:schemeClr val="accent1"/>
+          </a:fillRef>
+          <a:effectRef idx="0">
+            <a:schemeClr val="accent1"/>
+          </a:effectRef>
+          <a:fontRef idx="minor">
+            <a:schemeClr val="tx1"/>
+          </a:fontRef>
+        </p:style>
+      </p:cxnSp>
+      <p:cxnSp>
+        <p:nvCxnSpPr>
+          <p:cNvPr id="44" name="Straight Arrow Connector 43">
+            <a:extLst>
+              <a:ext uri="{FF2B5EF4-FFF2-40B4-BE49-F238E27FC236}">
+                <a16:creationId xmlns:a16="http://schemas.microsoft.com/office/drawing/2014/main" id="{31578657-3D21-4047-8FC1-15EA7517CA14}"/>
+              </a:ext>
+            </a:extLst>
+          </p:cNvPr>
+          <p:cNvCxnSpPr>
+            <a:cxnSpLocks/>
+            <a:stCxn id="4" idx="6"/>
+            <a:endCxn id="33" idx="1"/>
+          </p:cNvCxnSpPr>
+          <p:nvPr/>
+        </p:nvCxnSpPr>
+        <p:spPr>
+          <a:xfrm>
+            <a:off x="2373075" y="2071343"/>
+            <a:ext cx="1415889" cy="936971"/>
+          </a:xfrm>
+          <a:prstGeom prst="straightConnector1">
+            <a:avLst/>
+          </a:prstGeom>
+          <a:ln>
+            <a:tailEnd type="triangle"/>
+          </a:ln>
+        </p:spPr>
+        <p:style>
+          <a:lnRef idx="1">
+            <a:schemeClr val="accent1"/>
+          </a:lnRef>
+          <a:fillRef idx="0">
+            <a:schemeClr val="accent1"/>
+          </a:fillRef>
+          <a:effectRef idx="0">
+            <a:schemeClr val="accent1"/>
+          </a:effectRef>
+          <a:fontRef idx="minor">
+            <a:schemeClr val="tx1"/>
+          </a:fontRef>
+        </p:style>
+      </p:cxnSp>
+      <p:cxnSp>
+        <p:nvCxnSpPr>
+          <p:cNvPr id="54" name="Straight Arrow Connector 53">
+            <a:extLst>
+              <a:ext uri="{FF2B5EF4-FFF2-40B4-BE49-F238E27FC236}">
+                <a16:creationId xmlns:a16="http://schemas.microsoft.com/office/drawing/2014/main" id="{6BEE8D9F-C821-CF46-B057-50EF78562B40}"/>
+              </a:ext>
+            </a:extLst>
+          </p:cNvPr>
+          <p:cNvCxnSpPr>
+            <a:cxnSpLocks/>
+            <a:stCxn id="8" idx="6"/>
+            <a:endCxn id="30" idx="3"/>
+          </p:cNvCxnSpPr>
+          <p:nvPr/>
+        </p:nvCxnSpPr>
+        <p:spPr>
+          <a:xfrm flipV="1">
+            <a:off x="2373075" y="2338432"/>
+            <a:ext cx="1415889" cy="911435"/>
+          </a:xfrm>
+          <a:prstGeom prst="straightConnector1">
+            <a:avLst/>
+          </a:prstGeom>
+          <a:ln>
+            <a:tailEnd type="triangle"/>
+          </a:ln>
+        </p:spPr>
+        <p:style>
+          <a:lnRef idx="1">
+            <a:schemeClr val="accent1"/>
+          </a:lnRef>
+          <a:fillRef idx="0">
+            <a:schemeClr val="accent1"/>
+          </a:fillRef>
+          <a:effectRef idx="0">
+            <a:schemeClr val="accent1"/>
+          </a:effectRef>
+          <a:fontRef idx="minor">
+            <a:schemeClr val="tx1"/>
+          </a:fontRef>
+        </p:style>
+      </p:cxnSp>
+      <p:cxnSp>
+        <p:nvCxnSpPr>
+          <p:cNvPr id="56" name="Straight Arrow Connector 55">
+            <a:extLst>
+              <a:ext uri="{FF2B5EF4-FFF2-40B4-BE49-F238E27FC236}">
+                <a16:creationId xmlns:a16="http://schemas.microsoft.com/office/drawing/2014/main" id="{631015F8-C765-2E43-9975-0510F86C7994}"/>
+              </a:ext>
+            </a:extLst>
+          </p:cNvPr>
+          <p:cNvCxnSpPr>
+            <a:cxnSpLocks/>
+            <a:stCxn id="8" idx="6"/>
+            <a:endCxn id="33" idx="2"/>
+          </p:cNvCxnSpPr>
+          <p:nvPr/>
+        </p:nvCxnSpPr>
+        <p:spPr>
+          <a:xfrm>
+            <a:off x="2373075" y="3249867"/>
+            <a:ext cx="1310546" cy="12768"/>
+          </a:xfrm>
+          <a:prstGeom prst="straightConnector1">
+            <a:avLst/>
+          </a:prstGeom>
+          <a:ln>
+            <a:tailEnd type="triangle"/>
+          </a:ln>
+        </p:spPr>
+        <p:style>
+          <a:lnRef idx="1">
+            <a:schemeClr val="accent1"/>
+          </a:lnRef>
+          <a:fillRef idx="0">
+            <a:schemeClr val="accent1"/>
+          </a:fillRef>
+          <a:effectRef idx="0">
+            <a:schemeClr val="accent1"/>
+          </a:effectRef>
+          <a:fontRef idx="minor">
+            <a:schemeClr val="tx1"/>
+          </a:fontRef>
+        </p:style>
+      </p:cxnSp>
+      <p:cxnSp>
+        <p:nvCxnSpPr>
+          <p:cNvPr id="62" name="Straight Arrow Connector 61">
+            <a:extLst>
+              <a:ext uri="{FF2B5EF4-FFF2-40B4-BE49-F238E27FC236}">
+                <a16:creationId xmlns:a16="http://schemas.microsoft.com/office/drawing/2014/main" id="{0E267EAF-29B4-AA40-B9C9-9932C5E526C3}"/>
+              </a:ext>
+            </a:extLst>
+          </p:cNvPr>
+          <p:cNvCxnSpPr>
+            <a:cxnSpLocks/>
+            <a:stCxn id="30" idx="6"/>
+            <a:endCxn id="92" idx="2"/>
+          </p:cNvCxnSpPr>
+          <p:nvPr/>
+        </p:nvCxnSpPr>
+        <p:spPr>
+          <a:xfrm>
+            <a:off x="4402949" y="2084111"/>
+            <a:ext cx="1335091" cy="12768"/>
+          </a:xfrm>
+          <a:prstGeom prst="straightConnector1">
+            <a:avLst/>
+          </a:prstGeom>
+          <a:ln>
+            <a:tailEnd type="triangle"/>
+          </a:ln>
+        </p:spPr>
+        <p:style>
+          <a:lnRef idx="1">
+            <a:schemeClr val="accent1"/>
+          </a:lnRef>
+          <a:fillRef idx="0">
+            <a:schemeClr val="accent1"/>
+          </a:fillRef>
+          <a:effectRef idx="0">
+            <a:schemeClr val="accent1"/>
+          </a:effectRef>
+          <a:fontRef idx="minor">
+            <a:schemeClr val="tx1"/>
+          </a:fontRef>
+        </p:style>
+      </p:cxnSp>
+      <p:cxnSp>
+        <p:nvCxnSpPr>
+          <p:cNvPr id="64" name="Straight Arrow Connector 63">
+            <a:extLst>
+              <a:ext uri="{FF2B5EF4-FFF2-40B4-BE49-F238E27FC236}">
+                <a16:creationId xmlns:a16="http://schemas.microsoft.com/office/drawing/2014/main" id="{61FE5D2E-707C-634D-BC98-FE0462552266}"/>
+              </a:ext>
+            </a:extLst>
+          </p:cNvPr>
+          <p:cNvCxnSpPr>
+            <a:cxnSpLocks/>
+            <a:stCxn id="33" idx="6"/>
+            <a:endCxn id="92" idx="3"/>
+          </p:cNvCxnSpPr>
+          <p:nvPr/>
+        </p:nvCxnSpPr>
+        <p:spPr>
+          <a:xfrm flipV="1">
+            <a:off x="4402949" y="2351200"/>
+            <a:ext cx="1440434" cy="911435"/>
+          </a:xfrm>
+          <a:prstGeom prst="straightConnector1">
+            <a:avLst/>
+          </a:prstGeom>
+          <a:ln>
+            <a:tailEnd type="triangle"/>
+          </a:ln>
+        </p:spPr>
+        <p:style>
+          <a:lnRef idx="1">
+            <a:schemeClr val="accent1"/>
+          </a:lnRef>
+          <a:fillRef idx="0">
+            <a:schemeClr val="accent1"/>
+          </a:fillRef>
+          <a:effectRef idx="0">
+            <a:schemeClr val="accent1"/>
+          </a:effectRef>
+          <a:fontRef idx="minor">
+            <a:schemeClr val="tx1"/>
+          </a:fontRef>
+        </p:style>
+      </p:cxnSp>
+      <mc:AlternateContent xmlns:mc="http://schemas.openxmlformats.org/markup-compatibility/2006" xmlns:a14="http://schemas.microsoft.com/office/drawing/2010/main">
+        <mc:Choice Requires="a14">
+          <p:sp>
+            <p:nvSpPr>
+              <p:cNvPr id="74" name="TextBox 73">
+                <a:extLst>
+                  <a:ext uri="{FF2B5EF4-FFF2-40B4-BE49-F238E27FC236}">
+                    <a16:creationId xmlns:a16="http://schemas.microsoft.com/office/drawing/2014/main" id="{FEBCEBBE-8976-EF4D-B844-D329A5CCABC1}"/>
+                  </a:ext>
+                </a:extLst>
+              </p:cNvPr>
+              <p:cNvSpPr txBox="1"/>
+              <p:nvPr/>
+            </p:nvSpPr>
+            <p:spPr>
+              <a:xfrm>
+                <a:off x="3860187" y="3051421"/>
+                <a:ext cx="471539" cy="369332"/>
+              </a:xfrm>
+              <a:prstGeom prst="rect">
+                <a:avLst/>
+              </a:prstGeom>
+              <a:noFill/>
+            </p:spPr>
+            <p:txBody>
+              <a:bodyPr wrap="none" rtlCol="0">
+                <a:spAutoFit/>
+              </a:bodyPr>
+              <a:lstStyle/>
+              <a:p>
+                <a:pPr/>
+                <a14:m>
+                  <m:oMathPara xmlns:m="http://schemas.openxmlformats.org/officeDocument/2006/math">
+                    <m:oMathParaPr>
+                      <m:jc m:val="centerGroup"/>
+                    </m:oMathParaPr>
+                    <m:oMath xmlns:m="http://schemas.openxmlformats.org/officeDocument/2006/math">
+                      <m:sSub>
+                        <m:sSubPr>
+                          <m:ctrlPr>
+                            <a:rPr lang="en-US" i="1">
+                              <a:latin typeface="Cambria Math" panose="02040503050406030204" pitchFamily="18" charset="0"/>
+                            </a:rPr>
+                          </m:ctrlPr>
+                        </m:sSubPr>
+                        <m:e>
+                          <m:r>
+                            <m:rPr>
+                              <m:sty m:val="p"/>
+                            </m:rPr>
+                            <a:rPr lang="en-US">
+                              <a:latin typeface="Cambria Math" panose="02040503050406030204" pitchFamily="18" charset="0"/>
+                            </a:rPr>
+                            <m:t>h</m:t>
+                          </m:r>
+                        </m:e>
+                        <m:sub>
+                          <m:r>
+                            <a:rPr lang="en-US" b="0" i="0">
+                              <a:latin typeface="Cambria Math" panose="02040503050406030204" pitchFamily="18" charset="0"/>
+                            </a:rPr>
+                            <m:t>2</m:t>
+                          </m:r>
+                        </m:sub>
+                      </m:sSub>
+                    </m:oMath>
+                  </m:oMathPara>
+                </a14:m>
+                <a:endParaRPr lang="en-VN"/>
+              </a:p>
+            </p:txBody>
+          </p:sp>
+        </mc:Choice>
+        <mc:Fallback xmlns="">
+          <p:sp>
+            <p:nvSpPr>
+              <p:cNvPr id="74" name="TextBox 73">
+                <a:extLst>
+                  <a:ext uri="{FF2B5EF4-FFF2-40B4-BE49-F238E27FC236}">
+                    <a16:creationId xmlns:a16="http://schemas.microsoft.com/office/drawing/2014/main" id="{FEBCEBBE-8976-EF4D-B844-D329A5CCABC1}"/>
+                  </a:ext>
+                </a:extLst>
+              </p:cNvPr>
+              <p:cNvSpPr txBox="1">
+                <a:spLocks noRot="1" noChangeAspect="1" noMove="1" noResize="1" noEditPoints="1" noAdjustHandles="1" noChangeArrowheads="1" noChangeShapeType="1" noTextEdit="1"/>
+              </p:cNvSpPr>
+              <p:nvPr/>
+            </p:nvSpPr>
+            <p:spPr>
+              <a:xfrm>
+                <a:off x="3860187" y="3051421"/>
+                <a:ext cx="471539" cy="369332"/>
+              </a:xfrm>
+              <a:prstGeom prst="rect">
+                <a:avLst/>
+              </a:prstGeom>
+              <a:blipFill>
+                <a:blip r:embed="rId5"/>
+                <a:stretch>
+                  <a:fillRect/>
+                </a:stretch>
+              </a:blipFill>
+            </p:spPr>
+            <p:txBody>
+              <a:bodyPr/>
+              <a:lstStyle/>
+              <a:p>
+                <a:r>
+                  <a:rPr lang="en-VN">
+                    <a:noFill/>
+                  </a:rPr>
+                  <a:t> </a:t>
+                </a:r>
+              </a:p>
+            </p:txBody>
+          </p:sp>
+        </mc:Fallback>
+      </mc:AlternateContent>
+      <p:grpSp>
+        <p:nvGrpSpPr>
+          <p:cNvPr id="77" name="Group 76">
+            <a:extLst>
+              <a:ext uri="{FF2B5EF4-FFF2-40B4-BE49-F238E27FC236}">
+                <a16:creationId xmlns:a16="http://schemas.microsoft.com/office/drawing/2014/main" id="{0BE39BC1-F39A-DF40-A9A5-8F761E4F7D83}"/>
+              </a:ext>
+            </a:extLst>
+          </p:cNvPr>
+          <p:cNvGrpSpPr/>
+          <p:nvPr/>
+        </p:nvGrpSpPr>
+        <p:grpSpPr>
+          <a:xfrm>
+            <a:off x="3028348" y="947523"/>
+            <a:ext cx="531402" cy="531402"/>
+            <a:chOff x="1381615" y="1886712"/>
+            <a:chExt cx="719328" cy="719328"/>
+          </a:xfrm>
+        </p:grpSpPr>
+        <p:sp>
+          <p:nvSpPr>
+            <p:cNvPr id="78" name="Oval 77">
+              <a:extLst>
+                <a:ext uri="{FF2B5EF4-FFF2-40B4-BE49-F238E27FC236}">
+                  <a16:creationId xmlns:a16="http://schemas.microsoft.com/office/drawing/2014/main" id="{2CA5FBAC-36D3-C547-B9F8-DCFEC403AC0B}"/>
+                </a:ext>
+              </a:extLst>
+            </p:cNvPr>
+            <p:cNvSpPr/>
+            <p:nvPr/>
+          </p:nvSpPr>
+          <p:spPr>
+            <a:xfrm>
+              <a:off x="1381615" y="1886712"/>
+              <a:ext cx="719328" cy="719328"/>
+            </a:xfrm>
+            <a:prstGeom prst="ellipse">
+              <a:avLst/>
+            </a:prstGeom>
+            <a:noFill/>
+            <a:ln w="31750" cap="flat" cmpd="sng" algn="ctr">
+              <a:solidFill>
+                <a:schemeClr val="accent5"/>
+              </a:solidFill>
+              <a:prstDash val="solid"/>
+              <a:round/>
+              <a:headEnd type="none" w="med" len="med"/>
+              <a:tailEnd type="none" w="med" len="med"/>
+            </a:ln>
+          </p:spPr>
+          <p:style>
+            <a:lnRef idx="0">
+              <a:scrgbClr r="0" g="0" b="0"/>
+            </a:lnRef>
+            <a:fillRef idx="0">
+              <a:scrgbClr r="0" g="0" b="0"/>
+            </a:fillRef>
+            <a:effectRef idx="0">
+              <a:scrgbClr r="0" g="0" b="0"/>
+            </a:effectRef>
+            <a:fontRef idx="minor">
+              <a:schemeClr val="accent5"/>
+            </a:fontRef>
+          </p:style>
+          <p:txBody>
+            <a:bodyPr rtlCol="0" anchor="ctr"/>
+            <a:lstStyle/>
+            <a:p>
+              <a:pPr algn="ctr"/>
+              <a:endParaRPr lang="en-VN"/>
+            </a:p>
+          </p:txBody>
+        </p:sp>
+        <mc:AlternateContent xmlns:mc="http://schemas.openxmlformats.org/markup-compatibility/2006" xmlns:a14="http://schemas.microsoft.com/office/drawing/2010/main">
+          <mc:Choice Requires="a14">
+            <p:sp>
+              <p:nvSpPr>
+                <p:cNvPr id="79" name="TextBox 78">
+                  <a:extLst>
+                    <a:ext uri="{FF2B5EF4-FFF2-40B4-BE49-F238E27FC236}">
+                      <a16:creationId xmlns:a16="http://schemas.microsoft.com/office/drawing/2014/main" id="{0AD708F4-A847-CC47-8664-BF9B540ECEFB}"/>
+                    </a:ext>
+                  </a:extLst>
+                </p:cNvPr>
+                <p:cNvSpPr txBox="1"/>
+                <p:nvPr/>
+              </p:nvSpPr>
+              <p:spPr>
+                <a:xfrm>
+                  <a:off x="1469851" y="1982440"/>
+                  <a:ext cx="631092" cy="499943"/>
+                </a:xfrm>
+                <a:prstGeom prst="rect">
+                  <a:avLst/>
+                </a:prstGeom>
+                <a:noFill/>
+              </p:spPr>
+              <p:txBody>
+                <a:bodyPr wrap="none" rtlCol="0">
+                  <a:spAutoFit/>
+                </a:bodyPr>
+                <a:lstStyle/>
+                <a:p>
+                  <a:pPr/>
+                  <a14:m>
+                    <m:oMathPara xmlns:m="http://schemas.openxmlformats.org/officeDocument/2006/math">
+                      <m:oMathParaPr>
+                        <m:jc m:val="centerGroup"/>
+                      </m:oMathParaPr>
+                      <m:oMath xmlns:m="http://schemas.openxmlformats.org/officeDocument/2006/math">
+                        <m:sSub>
+                          <m:sSubPr>
+                            <m:ctrlPr>
+                              <a:rPr lang="en-US" b="0" i="1">
+                                <a:latin typeface="Cambria Math" panose="02040503050406030204" pitchFamily="18" charset="0"/>
+                              </a:rPr>
+                            </m:ctrlPr>
+                          </m:sSubPr>
+                          <m:e>
+                            <m:r>
+                              <m:rPr>
+                                <m:sty m:val="p"/>
+                              </m:rPr>
+                              <a:rPr lang="en-US" b="0" i="0">
+                                <a:latin typeface="Cambria Math" panose="02040503050406030204" pitchFamily="18" charset="0"/>
+                              </a:rPr>
+                              <m:t>b</m:t>
+                            </m:r>
+                          </m:e>
+                          <m:sub>
+                            <m:r>
+                              <a:rPr lang="en-US" b="0" i="0">
+                                <a:latin typeface="Cambria Math" panose="02040503050406030204" pitchFamily="18" charset="0"/>
+                              </a:rPr>
+                              <m:t>1</m:t>
+                            </m:r>
+                          </m:sub>
+                        </m:sSub>
+                      </m:oMath>
+                    </m:oMathPara>
+                  </a14:m>
+                  <a:endParaRPr lang="en-VN"/>
+                </a:p>
+              </p:txBody>
+            </p:sp>
+          </mc:Choice>
+          <mc:Fallback xmlns="">
+            <p:sp>
+              <p:nvSpPr>
+                <p:cNvPr id="79" name="TextBox 78">
+                  <a:extLst>
+                    <a:ext uri="{FF2B5EF4-FFF2-40B4-BE49-F238E27FC236}">
+                      <a16:creationId xmlns:a16="http://schemas.microsoft.com/office/drawing/2014/main" id="{0AD708F4-A847-CC47-8664-BF9B540ECEFB}"/>
+                    </a:ext>
+                  </a:extLst>
+                </p:cNvPr>
+                <p:cNvSpPr txBox="1">
+                  <a:spLocks noRot="1" noChangeAspect="1" noMove="1" noResize="1" noEditPoints="1" noAdjustHandles="1" noChangeArrowheads="1" noChangeShapeType="1" noTextEdit="1"/>
+                </p:cNvSpPr>
+                <p:nvPr/>
+              </p:nvSpPr>
+              <p:spPr>
+                <a:xfrm>
+                  <a:off x="1469851" y="1982440"/>
+                  <a:ext cx="631092" cy="499943"/>
+                </a:xfrm>
+                <a:prstGeom prst="rect">
+                  <a:avLst/>
+                </a:prstGeom>
+                <a:blipFill>
+                  <a:blip r:embed="rId6"/>
+                  <a:stretch>
+                    <a:fillRect/>
+                  </a:stretch>
+                </a:blipFill>
+              </p:spPr>
+              <p:txBody>
+                <a:bodyPr/>
+                <a:lstStyle/>
+                <a:p>
+                  <a:r>
+                    <a:rPr lang="en-VN">
+                      <a:noFill/>
+                    </a:rPr>
+                    <a:t> </a:t>
+                  </a:r>
+                </a:p>
+              </p:txBody>
+            </p:sp>
+          </mc:Fallback>
+        </mc:AlternateContent>
+      </p:grpSp>
+      <p:grpSp>
+        <p:nvGrpSpPr>
+          <p:cNvPr id="80" name="Group 79">
+            <a:extLst>
+              <a:ext uri="{FF2B5EF4-FFF2-40B4-BE49-F238E27FC236}">
+                <a16:creationId xmlns:a16="http://schemas.microsoft.com/office/drawing/2014/main" id="{8A3CE6B1-49C7-A64C-B836-E020283497F8}"/>
+              </a:ext>
+            </a:extLst>
+          </p:cNvPr>
+          <p:cNvGrpSpPr/>
+          <p:nvPr/>
+        </p:nvGrpSpPr>
+        <p:grpSpPr>
+          <a:xfrm>
+            <a:off x="3090449" y="3855702"/>
+            <a:ext cx="531402" cy="531402"/>
+            <a:chOff x="1381615" y="1886712"/>
+            <a:chExt cx="719328" cy="719328"/>
+          </a:xfrm>
+        </p:grpSpPr>
+        <p:sp>
+          <p:nvSpPr>
+            <p:cNvPr id="81" name="Oval 80">
+              <a:extLst>
+                <a:ext uri="{FF2B5EF4-FFF2-40B4-BE49-F238E27FC236}">
+                  <a16:creationId xmlns:a16="http://schemas.microsoft.com/office/drawing/2014/main" id="{C4B08637-FDA8-1D4C-868F-681A7922F4B3}"/>
+                </a:ext>
+              </a:extLst>
+            </p:cNvPr>
+            <p:cNvSpPr/>
+            <p:nvPr/>
+          </p:nvSpPr>
+          <p:spPr>
+            <a:xfrm>
+              <a:off x="1381615" y="1886712"/>
+              <a:ext cx="719328" cy="719328"/>
+            </a:xfrm>
+            <a:prstGeom prst="ellipse">
+              <a:avLst/>
+            </a:prstGeom>
+            <a:noFill/>
+            <a:ln w="31750" cap="flat" cmpd="sng" algn="ctr">
+              <a:solidFill>
+                <a:schemeClr val="accent5"/>
+              </a:solidFill>
+              <a:prstDash val="solid"/>
+              <a:round/>
+              <a:headEnd type="none" w="med" len="med"/>
+              <a:tailEnd type="none" w="med" len="med"/>
+            </a:ln>
+          </p:spPr>
+          <p:style>
+            <a:lnRef idx="0">
+              <a:scrgbClr r="0" g="0" b="0"/>
+            </a:lnRef>
+            <a:fillRef idx="0">
+              <a:scrgbClr r="0" g="0" b="0"/>
+            </a:fillRef>
+            <a:effectRef idx="0">
+              <a:scrgbClr r="0" g="0" b="0"/>
+            </a:effectRef>
+            <a:fontRef idx="minor">
+              <a:schemeClr val="accent5"/>
+            </a:fontRef>
+          </p:style>
+          <p:txBody>
+            <a:bodyPr rtlCol="0" anchor="ctr"/>
+            <a:lstStyle/>
+            <a:p>
+              <a:pPr algn="ctr"/>
+              <a:endParaRPr lang="en-VN"/>
+            </a:p>
+          </p:txBody>
+        </p:sp>
+        <mc:AlternateContent xmlns:mc="http://schemas.openxmlformats.org/markup-compatibility/2006" xmlns:a14="http://schemas.microsoft.com/office/drawing/2010/main">
+          <mc:Choice Requires="a14">
+            <p:sp>
+              <p:nvSpPr>
+                <p:cNvPr id="82" name="TextBox 81">
+                  <a:extLst>
+                    <a:ext uri="{FF2B5EF4-FFF2-40B4-BE49-F238E27FC236}">
+                      <a16:creationId xmlns:a16="http://schemas.microsoft.com/office/drawing/2014/main" id="{2F02EB89-BE17-5E47-991F-7EA55FCAA534}"/>
+                    </a:ext>
+                  </a:extLst>
+                </p:cNvPr>
+                <p:cNvSpPr txBox="1"/>
+                <p:nvPr/>
+              </p:nvSpPr>
+              <p:spPr>
+                <a:xfrm>
+                  <a:off x="1439673" y="2015458"/>
+                  <a:ext cx="638295" cy="499943"/>
+                </a:xfrm>
+                <a:prstGeom prst="rect">
+                  <a:avLst/>
+                </a:prstGeom>
+                <a:noFill/>
+              </p:spPr>
+              <p:txBody>
+                <a:bodyPr wrap="none" rtlCol="0">
+                  <a:spAutoFit/>
+                </a:bodyPr>
+                <a:lstStyle/>
+                <a:p>
+                  <a:pPr/>
+                  <a14:m>
+                    <m:oMathPara xmlns:m="http://schemas.openxmlformats.org/officeDocument/2006/math">
+                      <m:oMathParaPr>
+                        <m:jc m:val="centerGroup"/>
+                      </m:oMathParaPr>
+                      <m:oMath xmlns:m="http://schemas.openxmlformats.org/officeDocument/2006/math">
+                        <m:sSub>
+                          <m:sSubPr>
+                            <m:ctrlPr>
+                              <a:rPr lang="en-US" b="0" i="1">
+                                <a:latin typeface="Cambria Math" panose="02040503050406030204" pitchFamily="18" charset="0"/>
+                              </a:rPr>
+                            </m:ctrlPr>
+                          </m:sSubPr>
+                          <m:e>
+                            <m:r>
+                              <m:rPr>
+                                <m:sty m:val="p"/>
+                              </m:rPr>
+                              <a:rPr lang="en-US" b="0" i="0">
+                                <a:latin typeface="Cambria Math" panose="02040503050406030204" pitchFamily="18" charset="0"/>
+                              </a:rPr>
+                              <m:t>b</m:t>
+                            </m:r>
+                          </m:e>
+                          <m:sub>
+                            <m:r>
+                              <a:rPr lang="en-US" b="0" i="0">
+                                <a:latin typeface="Cambria Math" panose="02040503050406030204" pitchFamily="18" charset="0"/>
+                              </a:rPr>
+                              <m:t>2</m:t>
+                            </m:r>
+                          </m:sub>
+                        </m:sSub>
+                      </m:oMath>
+                    </m:oMathPara>
+                  </a14:m>
+                  <a:endParaRPr lang="en-VN"/>
+                </a:p>
+              </p:txBody>
+            </p:sp>
+          </mc:Choice>
+          <mc:Fallback xmlns="">
+            <p:sp>
+              <p:nvSpPr>
+                <p:cNvPr id="82" name="TextBox 81">
+                  <a:extLst>
+                    <a:ext uri="{FF2B5EF4-FFF2-40B4-BE49-F238E27FC236}">
+                      <a16:creationId xmlns:a16="http://schemas.microsoft.com/office/drawing/2014/main" id="{2F02EB89-BE17-5E47-991F-7EA55FCAA534}"/>
+                    </a:ext>
+                  </a:extLst>
+                </p:cNvPr>
+                <p:cNvSpPr txBox="1">
+                  <a:spLocks noRot="1" noChangeAspect="1" noMove="1" noResize="1" noEditPoints="1" noAdjustHandles="1" noChangeArrowheads="1" noChangeShapeType="1" noTextEdit="1"/>
+                </p:cNvSpPr>
+                <p:nvPr/>
+              </p:nvSpPr>
+              <p:spPr>
+                <a:xfrm>
+                  <a:off x="1439673" y="2015458"/>
+                  <a:ext cx="638295" cy="499943"/>
+                </a:xfrm>
+                <a:prstGeom prst="rect">
+                  <a:avLst/>
+                </a:prstGeom>
+                <a:blipFill>
+                  <a:blip r:embed="rId7"/>
+                  <a:stretch>
+                    <a:fillRect/>
+                  </a:stretch>
+                </a:blipFill>
+              </p:spPr>
+              <p:txBody>
+                <a:bodyPr/>
+                <a:lstStyle/>
+                <a:p>
+                  <a:r>
+                    <a:rPr lang="en-VN">
+                      <a:noFill/>
+                    </a:rPr>
+                    <a:t> </a:t>
+                  </a:r>
+                </a:p>
+              </p:txBody>
+            </p:sp>
+          </mc:Fallback>
+        </mc:AlternateContent>
+      </p:grpSp>
+      <p:cxnSp>
+        <p:nvCxnSpPr>
+          <p:cNvPr id="90" name="Straight Arrow Connector 89">
+            <a:extLst>
+              <a:ext uri="{FF2B5EF4-FFF2-40B4-BE49-F238E27FC236}">
+                <a16:creationId xmlns:a16="http://schemas.microsoft.com/office/drawing/2014/main" id="{95D0D505-2ABF-A64C-B370-F3E7DE5CBFD9}"/>
+              </a:ext>
+            </a:extLst>
+          </p:cNvPr>
+          <p:cNvCxnSpPr>
+            <a:cxnSpLocks/>
+            <a:stCxn id="78" idx="5"/>
+            <a:endCxn id="30" idx="1"/>
+          </p:cNvCxnSpPr>
+          <p:nvPr/>
+        </p:nvCxnSpPr>
+        <p:spPr>
+          <a:xfrm>
+            <a:off x="3481928" y="1401103"/>
+            <a:ext cx="307036" cy="428687"/>
+          </a:xfrm>
+          <a:prstGeom prst="straightConnector1">
+            <a:avLst/>
+          </a:prstGeom>
+          <a:ln>
+            <a:tailEnd type="triangle"/>
+          </a:ln>
+        </p:spPr>
+        <p:style>
+          <a:lnRef idx="1">
+            <a:schemeClr val="accent1"/>
+          </a:lnRef>
+          <a:fillRef idx="0">
+            <a:schemeClr val="accent1"/>
+          </a:fillRef>
+          <a:effectRef idx="0">
+            <a:schemeClr val="accent1"/>
+          </a:effectRef>
+          <a:fontRef idx="minor">
+            <a:schemeClr val="tx1"/>
+          </a:fontRef>
+        </p:style>
+      </p:cxnSp>
+      <p:cxnSp>
+        <p:nvCxnSpPr>
+          <p:cNvPr id="98" name="Straight Arrow Connector 97">
+            <a:extLst>
+              <a:ext uri="{FF2B5EF4-FFF2-40B4-BE49-F238E27FC236}">
+                <a16:creationId xmlns:a16="http://schemas.microsoft.com/office/drawing/2014/main" id="{6872592F-BA38-A249-8B9A-B86B287FD2D8}"/>
+              </a:ext>
+            </a:extLst>
+          </p:cNvPr>
+          <p:cNvCxnSpPr>
+            <a:cxnSpLocks/>
+            <a:stCxn id="81" idx="7"/>
+            <a:endCxn id="33" idx="3"/>
+          </p:cNvCxnSpPr>
+          <p:nvPr/>
+        </p:nvCxnSpPr>
+        <p:spPr>
+          <a:xfrm flipV="1">
+            <a:off x="3544029" y="3516956"/>
+            <a:ext cx="244935" cy="416568"/>
+          </a:xfrm>
+          <a:prstGeom prst="straightConnector1">
+            <a:avLst/>
+          </a:prstGeom>
+          <a:ln>
+            <a:tailEnd type="triangle"/>
+          </a:ln>
+        </p:spPr>
+        <p:style>
+          <a:lnRef idx="1">
+            <a:schemeClr val="accent1"/>
+          </a:lnRef>
+          <a:fillRef idx="0">
+            <a:schemeClr val="accent1"/>
+          </a:fillRef>
+          <a:effectRef idx="0">
+            <a:schemeClr val="accent1"/>
+          </a:effectRef>
+          <a:fontRef idx="minor">
+            <a:schemeClr val="tx1"/>
+          </a:fontRef>
+        </p:style>
+      </p:cxnSp>
+      <mc:AlternateContent xmlns:mc="http://schemas.openxmlformats.org/markup-compatibility/2006" xmlns:a14="http://schemas.microsoft.com/office/drawing/2010/main">
+        <mc:Choice Requires="a14">
+          <p:sp>
+            <p:nvSpPr>
+              <p:cNvPr id="172" name="TextBox 171">
+                <a:extLst>
+                  <a:ext uri="{FF2B5EF4-FFF2-40B4-BE49-F238E27FC236}">
+                    <a16:creationId xmlns:a16="http://schemas.microsoft.com/office/drawing/2014/main" id="{B86452B9-0FAE-BD48-9A93-69EDA825B2A6}"/>
+                  </a:ext>
+                </a:extLst>
+              </p:cNvPr>
+              <p:cNvSpPr txBox="1"/>
+              <p:nvPr/>
+            </p:nvSpPr>
+            <p:spPr>
+              <a:xfrm>
+                <a:off x="2427412" y="1776334"/>
+                <a:ext cx="524759" cy="307777"/>
+              </a:xfrm>
+              <a:prstGeom prst="rect">
+                <a:avLst/>
+              </a:prstGeom>
+              <a:noFill/>
+            </p:spPr>
+            <p:txBody>
+              <a:bodyPr wrap="none" rtlCol="0">
+                <a:spAutoFit/>
+              </a:bodyPr>
+              <a:lstStyle/>
+              <a:p>
+                <a:pPr/>
+                <a14:m>
+                  <m:oMathPara xmlns:m="http://schemas.openxmlformats.org/officeDocument/2006/math">
+                    <m:oMathParaPr>
+                      <m:jc m:val="centerGroup"/>
+                    </m:oMathParaPr>
+                    <m:oMath xmlns:m="http://schemas.openxmlformats.org/officeDocument/2006/math">
+                      <m:sSub>
+                        <m:sSubPr>
+                          <m:ctrlPr>
+                            <a:rPr lang="en-US" sz="1400" b="0" i="1">
+                              <a:latin typeface="Cambria Math" panose="02040503050406030204" pitchFamily="18" charset="0"/>
+                            </a:rPr>
+                          </m:ctrlPr>
+                        </m:sSubPr>
+                        <m:e>
+                          <m:r>
+                            <m:rPr>
+                              <m:sty m:val="p"/>
+                            </m:rPr>
+                            <a:rPr lang="en-US" sz="1400" b="0" i="0">
+                              <a:latin typeface="Cambria Math" panose="02040503050406030204" pitchFamily="18" charset="0"/>
+                            </a:rPr>
+                            <m:t>W</m:t>
+                          </m:r>
+                        </m:e>
+                        <m:sub>
+                          <m:r>
+                            <a:rPr lang="en-US" sz="1400" b="0" i="0">
+                              <a:latin typeface="Cambria Math" panose="02040503050406030204" pitchFamily="18" charset="0"/>
+                            </a:rPr>
+                            <m:t>11</m:t>
+                          </m:r>
+                        </m:sub>
+                      </m:sSub>
+                    </m:oMath>
+                  </m:oMathPara>
+                </a14:m>
+                <a:endParaRPr lang="en-VN" sz="1400"/>
+              </a:p>
+            </p:txBody>
+          </p:sp>
+        </mc:Choice>
+        <mc:Fallback xmlns="">
+          <p:sp>
+            <p:nvSpPr>
+              <p:cNvPr id="172" name="TextBox 171">
+                <a:extLst>
+                  <a:ext uri="{FF2B5EF4-FFF2-40B4-BE49-F238E27FC236}">
+                    <a16:creationId xmlns:a16="http://schemas.microsoft.com/office/drawing/2014/main" id="{B86452B9-0FAE-BD48-9A93-69EDA825B2A6}"/>
+                  </a:ext>
+                </a:extLst>
+              </p:cNvPr>
+              <p:cNvSpPr txBox="1">
+                <a:spLocks noRot="1" noChangeAspect="1" noMove="1" noResize="1" noEditPoints="1" noAdjustHandles="1" noChangeArrowheads="1" noChangeShapeType="1" noTextEdit="1"/>
+              </p:cNvSpPr>
+              <p:nvPr/>
+            </p:nvSpPr>
+            <p:spPr>
+              <a:xfrm>
+                <a:off x="2427412" y="1776334"/>
+                <a:ext cx="524759" cy="307777"/>
+              </a:xfrm>
+              <a:prstGeom prst="rect">
+                <a:avLst/>
+              </a:prstGeom>
+              <a:blipFill>
+                <a:blip r:embed="rId8"/>
+                <a:stretch>
+                  <a:fillRect/>
+                </a:stretch>
+              </a:blipFill>
+            </p:spPr>
+            <p:txBody>
+              <a:bodyPr/>
+              <a:lstStyle/>
+              <a:p>
+                <a:r>
+                  <a:rPr lang="en-VN">
+                    <a:noFill/>
+                  </a:rPr>
+                  <a:t> </a:t>
+                </a:r>
+              </a:p>
+            </p:txBody>
+          </p:sp>
+        </mc:Fallback>
+      </mc:AlternateContent>
+      <mc:AlternateContent xmlns:mc="http://schemas.openxmlformats.org/markup-compatibility/2006" xmlns:a14="http://schemas.microsoft.com/office/drawing/2010/main">
+        <mc:Choice Requires="a14">
+          <p:sp>
+            <p:nvSpPr>
+              <p:cNvPr id="173" name="TextBox 172">
+                <a:extLst>
+                  <a:ext uri="{FF2B5EF4-FFF2-40B4-BE49-F238E27FC236}">
+                    <a16:creationId xmlns:a16="http://schemas.microsoft.com/office/drawing/2014/main" id="{37F17E80-C6E2-A943-A65C-87E62A80A180}"/>
+                  </a:ext>
+                </a:extLst>
+              </p:cNvPr>
+              <p:cNvSpPr txBox="1"/>
+              <p:nvPr/>
+            </p:nvSpPr>
+            <p:spPr>
+              <a:xfrm rot="1932312">
+                <a:off x="2382091" y="2182267"/>
+                <a:ext cx="528030" cy="307777"/>
+              </a:xfrm>
+              <a:prstGeom prst="rect">
+                <a:avLst/>
+              </a:prstGeom>
+              <a:noFill/>
+            </p:spPr>
+            <p:txBody>
+              <a:bodyPr wrap="none" rtlCol="0">
+                <a:spAutoFit/>
+              </a:bodyPr>
+              <a:lstStyle/>
+              <a:p>
+                <a:pPr/>
+                <a14:m>
+                  <m:oMathPara xmlns:m="http://schemas.openxmlformats.org/officeDocument/2006/math">
+                    <m:oMathParaPr>
+                      <m:jc m:val="centerGroup"/>
+                    </m:oMathParaPr>
+                    <m:oMath xmlns:m="http://schemas.openxmlformats.org/officeDocument/2006/math">
+                      <m:sSub>
+                        <m:sSubPr>
+                          <m:ctrlPr>
+                            <a:rPr lang="en-US" sz="1400" b="0" i="1">
+                              <a:latin typeface="Cambria Math" panose="02040503050406030204" pitchFamily="18" charset="0"/>
+                            </a:rPr>
+                          </m:ctrlPr>
+                        </m:sSubPr>
+                        <m:e>
+                          <m:r>
+                            <m:rPr>
+                              <m:sty m:val="p"/>
+                            </m:rPr>
+                            <a:rPr lang="en-US" sz="1400" b="0" i="0">
+                              <a:latin typeface="Cambria Math" panose="02040503050406030204" pitchFamily="18" charset="0"/>
+                            </a:rPr>
+                            <m:t>W</m:t>
+                          </m:r>
+                        </m:e>
+                        <m:sub>
+                          <m:r>
+                            <a:rPr lang="en-US" sz="1400" b="0" i="0">
+                              <a:latin typeface="Cambria Math" panose="02040503050406030204" pitchFamily="18" charset="0"/>
+                            </a:rPr>
+                            <m:t>12</m:t>
+                          </m:r>
+                        </m:sub>
+                      </m:sSub>
+                    </m:oMath>
+                  </m:oMathPara>
+                </a14:m>
+                <a:endParaRPr lang="en-VN" sz="1400"/>
+              </a:p>
+            </p:txBody>
+          </p:sp>
+        </mc:Choice>
+        <mc:Fallback xmlns="">
+          <p:sp>
+            <p:nvSpPr>
+              <p:cNvPr id="173" name="TextBox 172">
+                <a:extLst>
+                  <a:ext uri="{FF2B5EF4-FFF2-40B4-BE49-F238E27FC236}">
+                    <a16:creationId xmlns:a16="http://schemas.microsoft.com/office/drawing/2014/main" id="{37F17E80-C6E2-A943-A65C-87E62A80A180}"/>
+                  </a:ext>
+                </a:extLst>
+              </p:cNvPr>
+              <p:cNvSpPr txBox="1">
+                <a:spLocks noRot="1" noChangeAspect="1" noMove="1" noResize="1" noEditPoints="1" noAdjustHandles="1" noChangeArrowheads="1" noChangeShapeType="1" noTextEdit="1"/>
+              </p:cNvSpPr>
+              <p:nvPr/>
+            </p:nvSpPr>
+            <p:spPr>
+              <a:xfrm rot="1932312">
+                <a:off x="2382091" y="2182267"/>
+                <a:ext cx="528030" cy="307777"/>
+              </a:xfrm>
+              <a:prstGeom prst="rect">
+                <a:avLst/>
+              </a:prstGeom>
+              <a:blipFill>
+                <a:blip r:embed="rId9"/>
+                <a:stretch>
+                  <a:fillRect/>
+                </a:stretch>
+              </a:blipFill>
+            </p:spPr>
+            <p:txBody>
+              <a:bodyPr/>
+              <a:lstStyle/>
+              <a:p>
+                <a:r>
+                  <a:rPr lang="en-VN">
+                    <a:noFill/>
+                  </a:rPr>
+                  <a:t> </a:t>
+                </a:r>
+              </a:p>
+            </p:txBody>
+          </p:sp>
+        </mc:Fallback>
+      </mc:AlternateContent>
+      <mc:AlternateContent xmlns:mc="http://schemas.openxmlformats.org/markup-compatibility/2006" xmlns:a14="http://schemas.microsoft.com/office/drawing/2010/main">
+        <mc:Choice Requires="a14">
+          <p:sp>
+            <p:nvSpPr>
+              <p:cNvPr id="175" name="TextBox 174">
+                <a:extLst>
+                  <a:ext uri="{FF2B5EF4-FFF2-40B4-BE49-F238E27FC236}">
+                    <a16:creationId xmlns:a16="http://schemas.microsoft.com/office/drawing/2014/main" id="{B3D026AC-7C41-A24A-AD64-4EF5880A548A}"/>
+                  </a:ext>
+                </a:extLst>
+              </p:cNvPr>
+              <p:cNvSpPr txBox="1"/>
+              <p:nvPr/>
+            </p:nvSpPr>
+            <p:spPr>
+              <a:xfrm rot="19609797">
+                <a:off x="2350326" y="2823476"/>
+                <a:ext cx="532197" cy="307777"/>
+              </a:xfrm>
+              <a:prstGeom prst="rect">
+                <a:avLst/>
+              </a:prstGeom>
+              <a:noFill/>
+            </p:spPr>
+            <p:txBody>
+              <a:bodyPr wrap="none" rtlCol="0">
+                <a:spAutoFit/>
+              </a:bodyPr>
+              <a:lstStyle/>
+              <a:p>
+                <a:pPr/>
+                <a14:m>
+                  <m:oMathPara xmlns:m="http://schemas.openxmlformats.org/officeDocument/2006/math">
+                    <m:oMathParaPr>
+                      <m:jc m:val="centerGroup"/>
+                    </m:oMathParaPr>
+                    <m:oMath xmlns:m="http://schemas.openxmlformats.org/officeDocument/2006/math">
+                      <m:sSub>
+                        <m:sSubPr>
+                          <m:ctrlPr>
+                            <a:rPr lang="en-US" sz="1400" b="0" i="1">
+                              <a:latin typeface="Cambria Math" panose="02040503050406030204" pitchFamily="18" charset="0"/>
+                            </a:rPr>
+                          </m:ctrlPr>
+                        </m:sSubPr>
+                        <m:e>
+                          <m:r>
+                            <m:rPr>
+                              <m:sty m:val="p"/>
+                            </m:rPr>
+                            <a:rPr lang="en-US" sz="1400" b="0" i="0">
+                              <a:latin typeface="Cambria Math" panose="02040503050406030204" pitchFamily="18" charset="0"/>
+                            </a:rPr>
+                            <m:t>W</m:t>
+                          </m:r>
+                        </m:e>
+                        <m:sub>
+                          <m:r>
+                            <a:rPr lang="en-US" sz="1400" b="0" i="0">
+                              <a:latin typeface="Cambria Math" panose="02040503050406030204" pitchFamily="18" charset="0"/>
+                            </a:rPr>
+                            <m:t>21</m:t>
+                          </m:r>
+                        </m:sub>
+                      </m:sSub>
+                    </m:oMath>
+                  </m:oMathPara>
+                </a14:m>
+                <a:endParaRPr lang="en-VN" sz="1400"/>
+              </a:p>
+            </p:txBody>
+          </p:sp>
+        </mc:Choice>
+        <mc:Fallback xmlns="">
+          <p:sp>
+            <p:nvSpPr>
+              <p:cNvPr id="175" name="TextBox 174">
+                <a:extLst>
+                  <a:ext uri="{FF2B5EF4-FFF2-40B4-BE49-F238E27FC236}">
+                    <a16:creationId xmlns:a16="http://schemas.microsoft.com/office/drawing/2014/main" id="{B3D026AC-7C41-A24A-AD64-4EF5880A548A}"/>
+                  </a:ext>
+                </a:extLst>
+              </p:cNvPr>
+              <p:cNvSpPr txBox="1">
+                <a:spLocks noRot="1" noChangeAspect="1" noMove="1" noResize="1" noEditPoints="1" noAdjustHandles="1" noChangeArrowheads="1" noChangeShapeType="1" noTextEdit="1"/>
+              </p:cNvSpPr>
+              <p:nvPr/>
+            </p:nvSpPr>
+            <p:spPr>
+              <a:xfrm rot="19609797">
+                <a:off x="2350326" y="2823476"/>
+                <a:ext cx="532197" cy="307777"/>
+              </a:xfrm>
+              <a:prstGeom prst="rect">
+                <a:avLst/>
+              </a:prstGeom>
+              <a:blipFill>
+                <a:blip r:embed="rId10"/>
+                <a:stretch>
+                  <a:fillRect/>
+                </a:stretch>
+              </a:blipFill>
+            </p:spPr>
+            <p:txBody>
+              <a:bodyPr/>
+              <a:lstStyle/>
+              <a:p>
+                <a:r>
+                  <a:rPr lang="en-VN">
+                    <a:noFill/>
+                  </a:rPr>
+                  <a:t> </a:t>
+                </a:r>
+              </a:p>
+            </p:txBody>
+          </p:sp>
+        </mc:Fallback>
+      </mc:AlternateContent>
+      <mc:AlternateContent xmlns:mc="http://schemas.openxmlformats.org/markup-compatibility/2006" xmlns:a14="http://schemas.microsoft.com/office/drawing/2010/main">
+        <mc:Choice Requires="a14">
+          <p:sp>
+            <p:nvSpPr>
+              <p:cNvPr id="176" name="TextBox 175">
+                <a:extLst>
+                  <a:ext uri="{FF2B5EF4-FFF2-40B4-BE49-F238E27FC236}">
+                    <a16:creationId xmlns:a16="http://schemas.microsoft.com/office/drawing/2014/main" id="{16920435-FEB2-3040-B759-BA662FB2B677}"/>
+                  </a:ext>
+                </a:extLst>
+              </p:cNvPr>
+              <p:cNvSpPr txBox="1"/>
+              <p:nvPr/>
+            </p:nvSpPr>
+            <p:spPr>
+              <a:xfrm>
+                <a:off x="2430918" y="3228616"/>
+                <a:ext cx="532197" cy="307777"/>
+              </a:xfrm>
+              <a:prstGeom prst="rect">
+                <a:avLst/>
+              </a:prstGeom>
+              <a:noFill/>
+            </p:spPr>
+            <p:txBody>
+              <a:bodyPr wrap="none" rtlCol="0">
+                <a:spAutoFit/>
+              </a:bodyPr>
+              <a:lstStyle/>
+              <a:p>
+                <a:pPr/>
+                <a14:m>
+                  <m:oMathPara xmlns:m="http://schemas.openxmlformats.org/officeDocument/2006/math">
+                    <m:oMathParaPr>
+                      <m:jc m:val="centerGroup"/>
+                    </m:oMathParaPr>
+                    <m:oMath xmlns:m="http://schemas.openxmlformats.org/officeDocument/2006/math">
+                      <m:sSub>
+                        <m:sSubPr>
+                          <m:ctrlPr>
+                            <a:rPr lang="en-US" sz="1400" b="0" i="1">
+                              <a:latin typeface="Cambria Math" panose="02040503050406030204" pitchFamily="18" charset="0"/>
+                            </a:rPr>
+                          </m:ctrlPr>
+                        </m:sSubPr>
+                        <m:e>
+                          <m:r>
+                            <m:rPr>
+                              <m:sty m:val="p"/>
+                            </m:rPr>
+                            <a:rPr lang="en-US" sz="1400" b="0" i="0">
+                              <a:latin typeface="Cambria Math" panose="02040503050406030204" pitchFamily="18" charset="0"/>
+                            </a:rPr>
+                            <m:t>W</m:t>
+                          </m:r>
+                        </m:e>
+                        <m:sub>
+                          <m:r>
+                            <a:rPr lang="en-US" sz="1400" b="0" i="0">
+                              <a:latin typeface="Cambria Math" panose="02040503050406030204" pitchFamily="18" charset="0"/>
+                            </a:rPr>
+                            <m:t>22</m:t>
+                          </m:r>
+                        </m:sub>
+                      </m:sSub>
+                    </m:oMath>
+                  </m:oMathPara>
+                </a14:m>
+                <a:endParaRPr lang="en-VN" sz="1400"/>
+              </a:p>
+            </p:txBody>
+          </p:sp>
+        </mc:Choice>
+        <mc:Fallback xmlns="">
+          <p:sp>
+            <p:nvSpPr>
+              <p:cNvPr id="176" name="TextBox 175">
+                <a:extLst>
+                  <a:ext uri="{FF2B5EF4-FFF2-40B4-BE49-F238E27FC236}">
+                    <a16:creationId xmlns:a16="http://schemas.microsoft.com/office/drawing/2014/main" id="{16920435-FEB2-3040-B759-BA662FB2B677}"/>
+                  </a:ext>
+                </a:extLst>
+              </p:cNvPr>
+              <p:cNvSpPr txBox="1">
+                <a:spLocks noRot="1" noChangeAspect="1" noMove="1" noResize="1" noEditPoints="1" noAdjustHandles="1" noChangeArrowheads="1" noChangeShapeType="1" noTextEdit="1"/>
+              </p:cNvSpPr>
+              <p:nvPr/>
+            </p:nvSpPr>
+            <p:spPr>
+              <a:xfrm>
+                <a:off x="2430918" y="3228616"/>
+                <a:ext cx="532197" cy="307777"/>
+              </a:xfrm>
+              <a:prstGeom prst="rect">
+                <a:avLst/>
+              </a:prstGeom>
+              <a:blipFill>
+                <a:blip r:embed="rId11"/>
+                <a:stretch>
+                  <a:fillRect/>
+                </a:stretch>
+              </a:blipFill>
+            </p:spPr>
+            <p:txBody>
+              <a:bodyPr/>
+              <a:lstStyle/>
+              <a:p>
+                <a:r>
+                  <a:rPr lang="en-VN">
+                    <a:noFill/>
+                  </a:rPr>
+                  <a:t> </a:t>
+                </a:r>
+              </a:p>
+            </p:txBody>
+          </p:sp>
+        </mc:Fallback>
+      </mc:AlternateContent>
+      <p:grpSp>
+        <p:nvGrpSpPr>
+          <p:cNvPr id="91" name="Group 90">
+            <a:extLst>
+              <a:ext uri="{FF2B5EF4-FFF2-40B4-BE49-F238E27FC236}">
+                <a16:creationId xmlns:a16="http://schemas.microsoft.com/office/drawing/2014/main" id="{3A0436A8-E8C3-4148-87D1-7209E4ADA7F3}"/>
+              </a:ext>
+            </a:extLst>
+          </p:cNvPr>
+          <p:cNvGrpSpPr/>
+          <p:nvPr/>
+        </p:nvGrpSpPr>
+        <p:grpSpPr>
+          <a:xfrm>
+            <a:off x="5738040" y="1737215"/>
+            <a:ext cx="753033" cy="719328"/>
+            <a:chOff x="1381615" y="1886712"/>
+            <a:chExt cx="753033" cy="719328"/>
+          </a:xfrm>
+        </p:grpSpPr>
+        <p:sp>
+          <p:nvSpPr>
+            <p:cNvPr id="92" name="Oval 91">
+              <a:extLst>
+                <a:ext uri="{FF2B5EF4-FFF2-40B4-BE49-F238E27FC236}">
+                  <a16:creationId xmlns:a16="http://schemas.microsoft.com/office/drawing/2014/main" id="{D40CDD6B-5A6E-854B-97B1-5665356DDE6D}"/>
+                </a:ext>
+              </a:extLst>
+            </p:cNvPr>
+            <p:cNvSpPr/>
+            <p:nvPr/>
+          </p:nvSpPr>
+          <p:spPr>
+            <a:xfrm>
+              <a:off x="1381615" y="1886712"/>
+              <a:ext cx="719328" cy="719328"/>
+            </a:xfrm>
+            <a:prstGeom prst="ellipse">
+              <a:avLst/>
+            </a:prstGeom>
+            <a:noFill/>
+            <a:ln w="31750" cap="flat" cmpd="sng" algn="ctr">
+              <a:solidFill>
+                <a:schemeClr val="accent5"/>
+              </a:solidFill>
+              <a:prstDash val="solid"/>
+              <a:round/>
+              <a:headEnd type="none" w="med" len="med"/>
+              <a:tailEnd type="none" w="med" len="med"/>
+            </a:ln>
+          </p:spPr>
+          <p:style>
+            <a:lnRef idx="0">
+              <a:scrgbClr r="0" g="0" b="0"/>
+            </a:lnRef>
+            <a:fillRef idx="0">
+              <a:scrgbClr r="0" g="0" b="0"/>
+            </a:fillRef>
+            <a:effectRef idx="0">
+              <a:scrgbClr r="0" g="0" b="0"/>
+            </a:effectRef>
+            <a:fontRef idx="minor">
+              <a:schemeClr val="accent5"/>
+            </a:fontRef>
+          </p:style>
+          <p:txBody>
+            <a:bodyPr rtlCol="0" anchor="ctr"/>
+            <a:lstStyle/>
+            <a:p>
+              <a:pPr algn="ctr"/>
+              <a:endParaRPr lang="en-VN"/>
+            </a:p>
+          </p:txBody>
+        </p:sp>
+        <mc:AlternateContent xmlns:mc="http://schemas.openxmlformats.org/markup-compatibility/2006" xmlns:a14="http://schemas.microsoft.com/office/drawing/2010/main">
+          <mc:Choice Requires="a14">
+            <p:sp>
+              <p:nvSpPr>
+                <p:cNvPr id="93" name="TextBox 92">
+                  <a:extLst>
+                    <a:ext uri="{FF2B5EF4-FFF2-40B4-BE49-F238E27FC236}">
+                      <a16:creationId xmlns:a16="http://schemas.microsoft.com/office/drawing/2014/main" id="{5B1BCB63-8174-CC49-BA06-BFB504C7241B}"/>
+                    </a:ext>
+                  </a:extLst>
+                </p:cNvPr>
+                <p:cNvSpPr txBox="1"/>
+                <p:nvPr/>
+              </p:nvSpPr>
+              <p:spPr>
+                <a:xfrm>
+                  <a:off x="1404063" y="2055326"/>
+                  <a:ext cx="730585" cy="369332"/>
+                </a:xfrm>
+                <a:prstGeom prst="rect">
+                  <a:avLst/>
+                </a:prstGeom>
+                <a:noFill/>
+              </p:spPr>
+              <p:txBody>
+                <a:bodyPr wrap="none" rtlCol="0">
+                  <a:spAutoFit/>
+                </a:bodyPr>
+                <a:lstStyle/>
+                <a:p>
+                  <a:pPr/>
+                  <a14:m>
+                    <m:oMathPara xmlns:m="http://schemas.openxmlformats.org/officeDocument/2006/math">
+                      <m:oMathParaPr>
+                        <m:jc m:val="centerGroup"/>
+                      </m:oMathParaPr>
+                      <m:oMath xmlns:m="http://schemas.openxmlformats.org/officeDocument/2006/math">
+                        <m:r>
+                          <a:rPr lang="en-US" b="0" i="1">
+                            <a:latin typeface="Cambria Math" panose="02040503050406030204" pitchFamily="18" charset="0"/>
+                          </a:rPr>
+                          <m:t>𝑝𝑟𝑒𝑑</m:t>
+                        </m:r>
+                      </m:oMath>
+                    </m:oMathPara>
+                  </a14:m>
+                  <a:endParaRPr lang="en-VN"/>
+                </a:p>
+              </p:txBody>
+            </p:sp>
+          </mc:Choice>
+          <mc:Fallback xmlns="">
+            <p:sp>
+              <p:nvSpPr>
+                <p:cNvPr id="93" name="TextBox 92">
+                  <a:extLst>
+                    <a:ext uri="{FF2B5EF4-FFF2-40B4-BE49-F238E27FC236}">
+                      <a16:creationId xmlns:a16="http://schemas.microsoft.com/office/drawing/2014/main" id="{5B1BCB63-8174-CC49-BA06-BFB504C7241B}"/>
+                    </a:ext>
+                  </a:extLst>
+                </p:cNvPr>
+                <p:cNvSpPr txBox="1">
+                  <a:spLocks noRot="1" noChangeAspect="1" noMove="1" noResize="1" noEditPoints="1" noAdjustHandles="1" noChangeArrowheads="1" noChangeShapeType="1" noTextEdit="1"/>
+                </p:cNvSpPr>
+                <p:nvPr/>
+              </p:nvSpPr>
+              <p:spPr>
+                <a:xfrm>
+                  <a:off x="1404063" y="2055326"/>
+                  <a:ext cx="730585" cy="369332"/>
+                </a:xfrm>
+                <a:prstGeom prst="rect">
+                  <a:avLst/>
+                </a:prstGeom>
+                <a:blipFill>
+                  <a:blip r:embed="rId12"/>
+                  <a:stretch>
+                    <a:fillRect b="-13333"/>
+                  </a:stretch>
+                </a:blipFill>
+              </p:spPr>
+              <p:txBody>
+                <a:bodyPr/>
+                <a:lstStyle/>
+                <a:p>
+                  <a:r>
+                    <a:rPr lang="en-VN">
+                      <a:noFill/>
+                    </a:rPr>
+                    <a:t> </a:t>
+                  </a:r>
+                </a:p>
+              </p:txBody>
+            </p:sp>
+          </mc:Fallback>
+        </mc:AlternateContent>
+      </p:grpSp>
+      <mc:AlternateContent xmlns:mc="http://schemas.openxmlformats.org/markup-compatibility/2006" xmlns:a14="http://schemas.microsoft.com/office/drawing/2010/main">
+        <mc:Choice Requires="a14">
+          <p:sp>
+            <p:nvSpPr>
+              <p:cNvPr id="21" name="TextBox 20">
+                <a:extLst>
+                  <a:ext uri="{FF2B5EF4-FFF2-40B4-BE49-F238E27FC236}">
+                    <a16:creationId xmlns:a16="http://schemas.microsoft.com/office/drawing/2014/main" id="{3277D277-CEDD-3943-B0C9-945B707E4A1C}"/>
+                  </a:ext>
+                </a:extLst>
+              </p:cNvPr>
+              <p:cNvSpPr txBox="1"/>
+              <p:nvPr/>
+            </p:nvSpPr>
+            <p:spPr>
+              <a:xfrm>
+                <a:off x="2309490" y="1219200"/>
+                <a:ext cx="628634" cy="380810"/>
+              </a:xfrm>
+              <a:prstGeom prst="rect">
+                <a:avLst/>
+              </a:prstGeom>
+              <a:noFill/>
+            </p:spPr>
+            <p:txBody>
+              <a:bodyPr wrap="none" rtlCol="0">
+                <a:spAutoFit/>
+              </a:bodyPr>
+              <a:lstStyle/>
+              <a:p>
+                <a:pPr/>
+                <a14:m>
+                  <m:oMathPara xmlns:m="http://schemas.openxmlformats.org/officeDocument/2006/math">
+                    <m:oMathParaPr>
+                      <m:jc m:val="centerGroup"/>
+                    </m:oMathParaPr>
+                    <m:oMath xmlns:m="http://schemas.openxmlformats.org/officeDocument/2006/math">
+                      <m:sSup>
+                        <m:sSupPr>
+                          <m:ctrlPr>
+                            <a:rPr lang="en-VN" b="1" i="1">
+                              <a:latin typeface="Cambria Math" panose="02040503050406030204" pitchFamily="18" charset="0"/>
+                            </a:rPr>
+                          </m:ctrlPr>
+                        </m:sSupPr>
+                        <m:e>
+                          <m:r>
+                            <a:rPr lang="en-US" b="1" i="1">
+                              <a:latin typeface="Cambria Math" panose="02040503050406030204" pitchFamily="18" charset="0"/>
+                            </a:rPr>
+                            <m:t>𝒃</m:t>
+                          </m:r>
+                        </m:e>
+                        <m:sup>
+                          <m:r>
+                            <a:rPr lang="en-US" b="1">
+                              <a:latin typeface="Cambria Math" panose="02040503050406030204" pitchFamily="18" charset="0"/>
+                            </a:rPr>
+                            <m:t>(</m:t>
+                          </m:r>
+                          <m:r>
+                            <a:rPr lang="en-US" b="1" i="1">
+                              <a:latin typeface="Cambria Math" panose="02040503050406030204" pitchFamily="18" charset="0"/>
+                            </a:rPr>
+                            <m:t>𝟏</m:t>
+                          </m:r>
+                          <m:r>
+                            <a:rPr lang="en-US" b="1">
+                              <a:latin typeface="Cambria Math" panose="02040503050406030204" pitchFamily="18" charset="0"/>
+                            </a:rPr>
+                            <m:t>)</m:t>
+                          </m:r>
+                        </m:sup>
+                      </m:sSup>
+                    </m:oMath>
+                  </m:oMathPara>
+                </a14:m>
+                <a:endParaRPr lang="en-VN" b="1"/>
+              </a:p>
+            </p:txBody>
+          </p:sp>
+        </mc:Choice>
+        <mc:Fallback xmlns="">
+          <p:sp>
+            <p:nvSpPr>
+              <p:cNvPr id="21" name="TextBox 20">
+                <a:extLst>
+                  <a:ext uri="{FF2B5EF4-FFF2-40B4-BE49-F238E27FC236}">
+                    <a16:creationId xmlns:a16="http://schemas.microsoft.com/office/drawing/2014/main" id="{3277D277-CEDD-3943-B0C9-945B707E4A1C}"/>
+                  </a:ext>
+                </a:extLst>
+              </p:cNvPr>
+              <p:cNvSpPr txBox="1">
+                <a:spLocks noRot="1" noChangeAspect="1" noMove="1" noResize="1" noEditPoints="1" noAdjustHandles="1" noChangeArrowheads="1" noChangeShapeType="1" noTextEdit="1"/>
+              </p:cNvSpPr>
+              <p:nvPr/>
+            </p:nvSpPr>
+            <p:spPr>
+              <a:xfrm>
+                <a:off x="2309490" y="1219200"/>
+                <a:ext cx="628634" cy="380810"/>
+              </a:xfrm>
+              <a:prstGeom prst="rect">
+                <a:avLst/>
+              </a:prstGeom>
+              <a:blipFill>
+                <a:blip r:embed="rId13"/>
+                <a:stretch>
+                  <a:fillRect/>
+                </a:stretch>
+              </a:blipFill>
+            </p:spPr>
+            <p:txBody>
+              <a:bodyPr/>
+              <a:lstStyle/>
+              <a:p>
+                <a:r>
+                  <a:rPr lang="en-VN">
+                    <a:noFill/>
+                  </a:rPr>
+                  <a:t> </a:t>
+                </a:r>
+              </a:p>
+            </p:txBody>
+          </p:sp>
+        </mc:Fallback>
+      </mc:AlternateContent>
+      <mc:AlternateContent xmlns:mc="http://schemas.openxmlformats.org/markup-compatibility/2006" xmlns:a14="http://schemas.microsoft.com/office/drawing/2010/main">
+        <mc:Choice Requires="a14">
+          <p:sp>
+            <p:nvSpPr>
+              <p:cNvPr id="99" name="TextBox 98">
+                <a:extLst>
+                  <a:ext uri="{FF2B5EF4-FFF2-40B4-BE49-F238E27FC236}">
+                    <a16:creationId xmlns:a16="http://schemas.microsoft.com/office/drawing/2014/main" id="{2F28BF9D-0C38-CC4F-B726-8A2A8D61E36C}"/>
+                  </a:ext>
+                </a:extLst>
+              </p:cNvPr>
+              <p:cNvSpPr txBox="1"/>
+              <p:nvPr/>
+            </p:nvSpPr>
+            <p:spPr>
+              <a:xfrm>
+                <a:off x="4777550" y="1248175"/>
+                <a:ext cx="628634" cy="380810"/>
+              </a:xfrm>
+              <a:prstGeom prst="rect">
+                <a:avLst/>
+              </a:prstGeom>
+              <a:noFill/>
+            </p:spPr>
+            <p:txBody>
+              <a:bodyPr wrap="none" rtlCol="0">
+                <a:spAutoFit/>
+              </a:bodyPr>
+              <a:lstStyle/>
+              <a:p>
+                <a:pPr/>
+                <a14:m>
+                  <m:oMathPara xmlns:m="http://schemas.openxmlformats.org/officeDocument/2006/math">
+                    <m:oMathParaPr>
+                      <m:jc m:val="centerGroup"/>
+                    </m:oMathParaPr>
+                    <m:oMath xmlns:m="http://schemas.openxmlformats.org/officeDocument/2006/math">
+                      <m:sSup>
+                        <m:sSupPr>
+                          <m:ctrlPr>
+                            <a:rPr lang="en-VN" b="1" i="1">
+                              <a:latin typeface="Cambria Math" panose="02040503050406030204" pitchFamily="18" charset="0"/>
+                            </a:rPr>
+                          </m:ctrlPr>
+                        </m:sSupPr>
+                        <m:e>
+                          <m:r>
+                            <a:rPr lang="en-US" b="1" i="1">
+                              <a:latin typeface="Cambria Math" panose="02040503050406030204" pitchFamily="18" charset="0"/>
+                            </a:rPr>
+                            <m:t>𝒃</m:t>
+                          </m:r>
+                        </m:e>
+                        <m:sup>
+                          <m:r>
+                            <a:rPr lang="en-US" b="1">
+                              <a:latin typeface="Cambria Math" panose="02040503050406030204" pitchFamily="18" charset="0"/>
+                            </a:rPr>
+                            <m:t>(</m:t>
+                          </m:r>
+                          <m:r>
+                            <a:rPr lang="en-US" b="1" i="0">
+                              <a:latin typeface="Cambria Math" panose="02040503050406030204" pitchFamily="18" charset="0"/>
+                            </a:rPr>
+                            <m:t>𝟐</m:t>
+                          </m:r>
+                          <m:r>
+                            <a:rPr lang="en-US" b="1">
+                              <a:latin typeface="Cambria Math" panose="02040503050406030204" pitchFamily="18" charset="0"/>
+                            </a:rPr>
+                            <m:t>)</m:t>
+                          </m:r>
+                        </m:sup>
+                      </m:sSup>
+                    </m:oMath>
+                  </m:oMathPara>
+                </a14:m>
+                <a:endParaRPr lang="en-VN" b="1"/>
+              </a:p>
+            </p:txBody>
+          </p:sp>
+        </mc:Choice>
+        <mc:Fallback xmlns="">
+          <p:sp>
+            <p:nvSpPr>
+              <p:cNvPr id="99" name="TextBox 98">
+                <a:extLst>
+                  <a:ext uri="{FF2B5EF4-FFF2-40B4-BE49-F238E27FC236}">
+                    <a16:creationId xmlns:a16="http://schemas.microsoft.com/office/drawing/2014/main" id="{2F28BF9D-0C38-CC4F-B726-8A2A8D61E36C}"/>
+                  </a:ext>
+                </a:extLst>
+              </p:cNvPr>
+              <p:cNvSpPr txBox="1">
+                <a:spLocks noRot="1" noChangeAspect="1" noMove="1" noResize="1" noEditPoints="1" noAdjustHandles="1" noChangeArrowheads="1" noChangeShapeType="1" noTextEdit="1"/>
+              </p:cNvSpPr>
+              <p:nvPr/>
+            </p:nvSpPr>
+            <p:spPr>
+              <a:xfrm>
+                <a:off x="4777550" y="1248175"/>
+                <a:ext cx="628634" cy="380810"/>
+              </a:xfrm>
+              <a:prstGeom prst="rect">
+                <a:avLst/>
+              </a:prstGeom>
+              <a:blipFill>
+                <a:blip r:embed="rId14"/>
+                <a:stretch>
+                  <a:fillRect/>
+                </a:stretch>
+              </a:blipFill>
+            </p:spPr>
+            <p:txBody>
+              <a:bodyPr/>
+              <a:lstStyle/>
+              <a:p>
+                <a:r>
+                  <a:rPr lang="en-VN">
+                    <a:noFill/>
+                  </a:rPr>
+                  <a:t> </a:t>
+                </a:r>
+              </a:p>
+            </p:txBody>
+          </p:sp>
+        </mc:Fallback>
+      </mc:AlternateContent>
+      <mc:AlternateContent xmlns:mc="http://schemas.openxmlformats.org/markup-compatibility/2006" xmlns:a14="http://schemas.microsoft.com/office/drawing/2010/main">
+        <mc:Choice Requires="a14">
+          <p:sp>
+            <p:nvSpPr>
+              <p:cNvPr id="101" name="TextBox 100">
+                <a:extLst>
+                  <a:ext uri="{FF2B5EF4-FFF2-40B4-BE49-F238E27FC236}">
+                    <a16:creationId xmlns:a16="http://schemas.microsoft.com/office/drawing/2014/main" id="{4CB9875B-9B23-C443-BDBB-188289B2D5D5}"/>
+                  </a:ext>
+                </a:extLst>
+              </p:cNvPr>
+              <p:cNvSpPr txBox="1"/>
+              <p:nvPr/>
+            </p:nvSpPr>
+            <p:spPr>
+              <a:xfrm>
+                <a:off x="2351567" y="3787086"/>
+                <a:ext cx="722634" cy="380810"/>
+              </a:xfrm>
+              <a:prstGeom prst="rect">
+                <a:avLst/>
+              </a:prstGeom>
+              <a:noFill/>
+            </p:spPr>
+            <p:txBody>
+              <a:bodyPr wrap="none" rtlCol="0">
+                <a:spAutoFit/>
+              </a:bodyPr>
+              <a:lstStyle/>
+              <a:p>
+                <a:pPr/>
+                <a14:m>
+                  <m:oMathPara xmlns:m="http://schemas.openxmlformats.org/officeDocument/2006/math">
+                    <m:oMathParaPr>
+                      <m:jc m:val="centerGroup"/>
+                    </m:oMathParaPr>
+                    <m:oMath xmlns:m="http://schemas.openxmlformats.org/officeDocument/2006/math">
+                      <m:sSup>
+                        <m:sSupPr>
+                          <m:ctrlPr>
+                            <a:rPr lang="en-VN" b="1" i="1">
+                              <a:latin typeface="Cambria Math" panose="02040503050406030204" pitchFamily="18" charset="0"/>
+                            </a:rPr>
+                          </m:ctrlPr>
+                        </m:sSupPr>
+                        <m:e>
+                          <m:r>
+                            <a:rPr lang="en-US" b="1" i="0">
+                              <a:latin typeface="Cambria Math" panose="02040503050406030204" pitchFamily="18" charset="0"/>
+                            </a:rPr>
+                            <m:t>𝐖</m:t>
+                          </m:r>
+                        </m:e>
+                        <m:sup>
+                          <m:r>
+                            <a:rPr lang="en-US" b="1">
+                              <a:latin typeface="Cambria Math" panose="02040503050406030204" pitchFamily="18" charset="0"/>
+                            </a:rPr>
+                            <m:t>(</m:t>
+                          </m:r>
+                          <m:r>
+                            <a:rPr lang="en-US" b="1" i="1">
+                              <a:latin typeface="Cambria Math" panose="02040503050406030204" pitchFamily="18" charset="0"/>
+                            </a:rPr>
+                            <m:t>𝟏</m:t>
+                          </m:r>
+                          <m:r>
+                            <a:rPr lang="en-US" b="1">
+                              <a:latin typeface="Cambria Math" panose="02040503050406030204" pitchFamily="18" charset="0"/>
+                            </a:rPr>
+                            <m:t>)</m:t>
+                          </m:r>
+                        </m:sup>
+                      </m:sSup>
+                    </m:oMath>
+                  </m:oMathPara>
+                </a14:m>
+                <a:endParaRPr lang="en-VN" b="1"/>
+              </a:p>
+            </p:txBody>
+          </p:sp>
+        </mc:Choice>
+        <mc:Fallback xmlns="">
+          <p:sp>
+            <p:nvSpPr>
+              <p:cNvPr id="101" name="TextBox 100">
+                <a:extLst>
+                  <a:ext uri="{FF2B5EF4-FFF2-40B4-BE49-F238E27FC236}">
+                    <a16:creationId xmlns:a16="http://schemas.microsoft.com/office/drawing/2014/main" id="{4CB9875B-9B23-C443-BDBB-188289B2D5D5}"/>
+                  </a:ext>
+                </a:extLst>
+              </p:cNvPr>
+              <p:cNvSpPr txBox="1">
+                <a:spLocks noRot="1" noChangeAspect="1" noMove="1" noResize="1" noEditPoints="1" noAdjustHandles="1" noChangeArrowheads="1" noChangeShapeType="1" noTextEdit="1"/>
+              </p:cNvSpPr>
+              <p:nvPr/>
+            </p:nvSpPr>
+            <p:spPr>
+              <a:xfrm>
+                <a:off x="2351567" y="3787086"/>
+                <a:ext cx="722634" cy="380810"/>
+              </a:xfrm>
+              <a:prstGeom prst="rect">
+                <a:avLst/>
+              </a:prstGeom>
+              <a:blipFill>
+                <a:blip r:embed="rId15"/>
+                <a:stretch>
+                  <a:fillRect/>
+                </a:stretch>
+              </a:blipFill>
+            </p:spPr>
+            <p:txBody>
+              <a:bodyPr/>
+              <a:lstStyle/>
+              <a:p>
+                <a:r>
+                  <a:rPr lang="en-VN">
+                    <a:noFill/>
+                  </a:rPr>
+                  <a:t> </a:t>
+                </a:r>
+              </a:p>
+            </p:txBody>
+          </p:sp>
+        </mc:Fallback>
+      </mc:AlternateContent>
+      <mc:AlternateContent xmlns:mc="http://schemas.openxmlformats.org/markup-compatibility/2006" xmlns:a14="http://schemas.microsoft.com/office/drawing/2010/main">
+        <mc:Choice Requires="a14">
+          <p:sp>
+            <p:nvSpPr>
+              <p:cNvPr id="102" name="TextBox 101">
+                <a:extLst>
+                  <a:ext uri="{FF2B5EF4-FFF2-40B4-BE49-F238E27FC236}">
+                    <a16:creationId xmlns:a16="http://schemas.microsoft.com/office/drawing/2014/main" id="{4AD9D7F8-E378-FE40-9F06-AF340340135C}"/>
+                  </a:ext>
+                </a:extLst>
+              </p:cNvPr>
+              <p:cNvSpPr txBox="1"/>
+              <p:nvPr/>
+            </p:nvSpPr>
+            <p:spPr>
+              <a:xfrm>
+                <a:off x="4761338" y="3792077"/>
+                <a:ext cx="722634" cy="380810"/>
+              </a:xfrm>
+              <a:prstGeom prst="rect">
+                <a:avLst/>
+              </a:prstGeom>
+              <a:noFill/>
+            </p:spPr>
+            <p:txBody>
+              <a:bodyPr wrap="none" rtlCol="0">
+                <a:spAutoFit/>
+              </a:bodyPr>
+              <a:lstStyle/>
+              <a:p>
+                <a:pPr/>
+                <a14:m>
+                  <m:oMathPara xmlns:m="http://schemas.openxmlformats.org/officeDocument/2006/math">
+                    <m:oMathParaPr>
+                      <m:jc m:val="centerGroup"/>
+                    </m:oMathParaPr>
+                    <m:oMath xmlns:m="http://schemas.openxmlformats.org/officeDocument/2006/math">
+                      <m:sSup>
+                        <m:sSupPr>
+                          <m:ctrlPr>
+                            <a:rPr lang="en-VN" b="1" i="1">
+                              <a:latin typeface="Cambria Math" panose="02040503050406030204" pitchFamily="18" charset="0"/>
+                            </a:rPr>
+                          </m:ctrlPr>
+                        </m:sSupPr>
+                        <m:e>
+                          <m:r>
+                            <a:rPr lang="en-US" b="1" i="0">
+                              <a:latin typeface="Cambria Math" panose="02040503050406030204" pitchFamily="18" charset="0"/>
+                            </a:rPr>
+                            <m:t>𝐖</m:t>
+                          </m:r>
+                        </m:e>
+                        <m:sup>
+                          <m:r>
+                            <a:rPr lang="en-US" b="1">
+                              <a:latin typeface="Cambria Math" panose="02040503050406030204" pitchFamily="18" charset="0"/>
+                            </a:rPr>
+                            <m:t>(</m:t>
+                          </m:r>
+                          <m:r>
+                            <a:rPr lang="en-US" b="1" i="0">
+                              <a:latin typeface="Cambria Math" panose="02040503050406030204" pitchFamily="18" charset="0"/>
+                            </a:rPr>
+                            <m:t>𝟐</m:t>
+                          </m:r>
+                          <m:r>
+                            <a:rPr lang="en-US" b="1">
+                              <a:latin typeface="Cambria Math" panose="02040503050406030204" pitchFamily="18" charset="0"/>
+                            </a:rPr>
+                            <m:t>)</m:t>
+                          </m:r>
+                        </m:sup>
+                      </m:sSup>
+                    </m:oMath>
+                  </m:oMathPara>
+                </a14:m>
+                <a:endParaRPr lang="en-VN" b="1"/>
+              </a:p>
+            </p:txBody>
+          </p:sp>
+        </mc:Choice>
+        <mc:Fallback xmlns="">
+          <p:sp>
+            <p:nvSpPr>
+              <p:cNvPr id="102" name="TextBox 101">
+                <a:extLst>
+                  <a:ext uri="{FF2B5EF4-FFF2-40B4-BE49-F238E27FC236}">
+                    <a16:creationId xmlns:a16="http://schemas.microsoft.com/office/drawing/2014/main" id="{4AD9D7F8-E378-FE40-9F06-AF340340135C}"/>
+                  </a:ext>
+                </a:extLst>
+              </p:cNvPr>
+              <p:cNvSpPr txBox="1">
+                <a:spLocks noRot="1" noChangeAspect="1" noMove="1" noResize="1" noEditPoints="1" noAdjustHandles="1" noChangeArrowheads="1" noChangeShapeType="1" noTextEdit="1"/>
+              </p:cNvSpPr>
+              <p:nvPr/>
+            </p:nvSpPr>
+            <p:spPr>
+              <a:xfrm>
+                <a:off x="4761338" y="3792077"/>
+                <a:ext cx="722634" cy="380810"/>
+              </a:xfrm>
+              <a:prstGeom prst="rect">
+                <a:avLst/>
+              </a:prstGeom>
+              <a:blipFill>
+                <a:blip r:embed="rId16"/>
+                <a:stretch>
+                  <a:fillRect/>
+                </a:stretch>
+              </a:blipFill>
+            </p:spPr>
+            <p:txBody>
+              <a:bodyPr/>
+              <a:lstStyle/>
+              <a:p>
+                <a:r>
+                  <a:rPr lang="en-VN">
+                    <a:noFill/>
+                  </a:rPr>
+                  <a:t> </a:t>
+                </a:r>
+              </a:p>
+            </p:txBody>
+          </p:sp>
+        </mc:Fallback>
+      </mc:AlternateContent>
+      <mc:AlternateContent xmlns:mc="http://schemas.openxmlformats.org/markup-compatibility/2006" xmlns:a14="http://schemas.microsoft.com/office/drawing/2010/main">
+        <mc:Choice Requires="a14">
+          <p:sp>
+            <p:nvSpPr>
+              <p:cNvPr id="104" name="TextBox 103">
+                <a:extLst>
+                  <a:ext uri="{FF2B5EF4-FFF2-40B4-BE49-F238E27FC236}">
+                    <a16:creationId xmlns:a16="http://schemas.microsoft.com/office/drawing/2014/main" id="{34001569-244B-234F-B39B-47B6F4726FFB}"/>
+                  </a:ext>
+                </a:extLst>
+              </p:cNvPr>
+              <p:cNvSpPr txBox="1"/>
+              <p:nvPr/>
+            </p:nvSpPr>
+            <p:spPr>
+              <a:xfrm>
+                <a:off x="1361098" y="4407913"/>
+                <a:ext cx="1503938" cy="369332"/>
+              </a:xfrm>
+              <a:prstGeom prst="rect">
+                <a:avLst/>
+              </a:prstGeom>
+              <a:noFill/>
+            </p:spPr>
+            <p:txBody>
+              <a:bodyPr wrap="none" rtlCol="0">
+                <a:spAutoFit/>
+              </a:bodyPr>
+              <a:lstStyle/>
+              <a:p>
+                <a:pPr/>
+                <a14:m>
+                  <m:oMathPara xmlns:m="http://schemas.openxmlformats.org/officeDocument/2006/math">
+                    <m:oMathParaPr>
+                      <m:jc m:val="centerGroup"/>
+                    </m:oMathParaPr>
+                    <m:oMath xmlns:m="http://schemas.openxmlformats.org/officeDocument/2006/math">
+                      <m:r>
+                        <a:rPr lang="en-VN" b="1" i="0">
+                          <a:latin typeface="Cambria Math" panose="02040503050406030204" pitchFamily="18" charset="0"/>
+                        </a:rPr>
+                        <m:t>𝐈𝐧𝐩𝐮𝐭</m:t>
+                      </m:r>
+                      <m:r>
+                        <a:rPr lang="en-VN" b="1" i="0">
+                          <a:latin typeface="Cambria Math" panose="02040503050406030204" pitchFamily="18" charset="0"/>
+                        </a:rPr>
+                        <m:t> </m:t>
+                      </m:r>
+                      <m:r>
+                        <a:rPr lang="en-VN" b="1" i="0">
+                          <a:latin typeface="Cambria Math" panose="02040503050406030204" pitchFamily="18" charset="0"/>
+                        </a:rPr>
+                        <m:t>𝐋𝐚𝐲𝐞𝐫</m:t>
+                      </m:r>
+                    </m:oMath>
+                  </m:oMathPara>
+                </a14:m>
+                <a:endParaRPr lang="en-VN" b="1"/>
+              </a:p>
+            </p:txBody>
+          </p:sp>
+        </mc:Choice>
+        <mc:Fallback xmlns="">
+          <p:sp>
+            <p:nvSpPr>
+              <p:cNvPr id="104" name="TextBox 103">
+                <a:extLst>
+                  <a:ext uri="{FF2B5EF4-FFF2-40B4-BE49-F238E27FC236}">
+                    <a16:creationId xmlns:a16="http://schemas.microsoft.com/office/drawing/2014/main" id="{34001569-244B-234F-B39B-47B6F4726FFB}"/>
+                  </a:ext>
+                </a:extLst>
+              </p:cNvPr>
+              <p:cNvSpPr txBox="1">
+                <a:spLocks noRot="1" noChangeAspect="1" noMove="1" noResize="1" noEditPoints="1" noAdjustHandles="1" noChangeArrowheads="1" noChangeShapeType="1" noTextEdit="1"/>
+              </p:cNvSpPr>
+              <p:nvPr/>
+            </p:nvSpPr>
+            <p:spPr>
+              <a:xfrm>
+                <a:off x="1361098" y="4407913"/>
+                <a:ext cx="1503938" cy="369332"/>
+              </a:xfrm>
+              <a:prstGeom prst="rect">
+                <a:avLst/>
+              </a:prstGeom>
+              <a:blipFill>
+                <a:blip r:embed="rId17"/>
+                <a:stretch>
+                  <a:fillRect b="-16667"/>
+                </a:stretch>
+              </a:blipFill>
+            </p:spPr>
+            <p:txBody>
+              <a:bodyPr/>
+              <a:lstStyle/>
+              <a:p>
+                <a:r>
+                  <a:rPr lang="en-VN">
+                    <a:noFill/>
+                  </a:rPr>
+                  <a:t> </a:t>
+                </a:r>
+              </a:p>
+            </p:txBody>
+          </p:sp>
+        </mc:Fallback>
+      </mc:AlternateContent>
+      <mc:AlternateContent xmlns:mc="http://schemas.openxmlformats.org/markup-compatibility/2006" xmlns:a14="http://schemas.microsoft.com/office/drawing/2010/main">
+        <mc:Choice Requires="a14">
+          <p:sp>
+            <p:nvSpPr>
+              <p:cNvPr id="106" name="TextBox 105">
+                <a:extLst>
+                  <a:ext uri="{FF2B5EF4-FFF2-40B4-BE49-F238E27FC236}">
+                    <a16:creationId xmlns:a16="http://schemas.microsoft.com/office/drawing/2014/main" id="{D584ED0C-FAF1-9348-858A-7EF9189A65B1}"/>
+                  </a:ext>
+                </a:extLst>
+              </p:cNvPr>
+              <p:cNvSpPr txBox="1"/>
+              <p:nvPr/>
+            </p:nvSpPr>
+            <p:spPr>
+              <a:xfrm>
+                <a:off x="3294049" y="4407913"/>
+                <a:ext cx="1704313" cy="369332"/>
+              </a:xfrm>
+              <a:prstGeom prst="rect">
+                <a:avLst/>
+              </a:prstGeom>
+              <a:noFill/>
+            </p:spPr>
+            <p:txBody>
+              <a:bodyPr wrap="none" rtlCol="0">
+                <a:spAutoFit/>
+              </a:bodyPr>
+              <a:lstStyle/>
+              <a:p>
+                <a:pPr/>
+                <a14:m>
+                  <m:oMathPara xmlns:m="http://schemas.openxmlformats.org/officeDocument/2006/math">
+                    <m:oMathParaPr>
+                      <m:jc m:val="centerGroup"/>
+                    </m:oMathParaPr>
+                    <m:oMath xmlns:m="http://schemas.openxmlformats.org/officeDocument/2006/math">
+                      <m:r>
+                        <a:rPr lang="en-US" b="1" i="0">
+                          <a:latin typeface="Cambria Math" panose="02040503050406030204" pitchFamily="18" charset="0"/>
+                        </a:rPr>
+                        <m:t>𝐇𝐢𝐝𝐝𝐞𝐧</m:t>
+                      </m:r>
+                      <m:r>
+                        <a:rPr lang="en-VN" b="1" i="0">
+                          <a:latin typeface="Cambria Math" panose="02040503050406030204" pitchFamily="18" charset="0"/>
+                        </a:rPr>
+                        <m:t> </m:t>
+                      </m:r>
+                      <m:r>
+                        <a:rPr lang="en-VN" b="1" i="0">
+                          <a:latin typeface="Cambria Math" panose="02040503050406030204" pitchFamily="18" charset="0"/>
+                        </a:rPr>
+                        <m:t>𝐋𝐚𝐲𝐞𝐫</m:t>
+                      </m:r>
+                    </m:oMath>
+                  </m:oMathPara>
+                </a14:m>
+                <a:endParaRPr lang="en-VN" b="1"/>
+              </a:p>
+            </p:txBody>
+          </p:sp>
+        </mc:Choice>
+        <mc:Fallback xmlns="">
+          <p:sp>
+            <p:nvSpPr>
+              <p:cNvPr id="106" name="TextBox 105">
+                <a:extLst>
+                  <a:ext uri="{FF2B5EF4-FFF2-40B4-BE49-F238E27FC236}">
+                    <a16:creationId xmlns:a16="http://schemas.microsoft.com/office/drawing/2014/main" id="{D584ED0C-FAF1-9348-858A-7EF9189A65B1}"/>
+                  </a:ext>
+                </a:extLst>
+              </p:cNvPr>
+              <p:cNvSpPr txBox="1">
+                <a:spLocks noRot="1" noChangeAspect="1" noMove="1" noResize="1" noEditPoints="1" noAdjustHandles="1" noChangeArrowheads="1" noChangeShapeType="1" noTextEdit="1"/>
+              </p:cNvSpPr>
+              <p:nvPr/>
+            </p:nvSpPr>
+            <p:spPr>
+              <a:xfrm>
+                <a:off x="3294049" y="4407913"/>
+                <a:ext cx="1704313" cy="369332"/>
+              </a:xfrm>
+              <a:prstGeom prst="rect">
+                <a:avLst/>
+              </a:prstGeom>
+              <a:blipFill>
+                <a:blip r:embed="rId18"/>
+                <a:stretch>
+                  <a:fillRect b="-16667"/>
+                </a:stretch>
+              </a:blipFill>
+            </p:spPr>
+            <p:txBody>
+              <a:bodyPr/>
+              <a:lstStyle/>
+              <a:p>
+                <a:r>
+                  <a:rPr lang="en-VN">
+                    <a:noFill/>
+                  </a:rPr>
+                  <a:t> </a:t>
+                </a:r>
+              </a:p>
+            </p:txBody>
+          </p:sp>
+        </mc:Fallback>
+      </mc:AlternateContent>
+      <mc:AlternateContent xmlns:mc="http://schemas.openxmlformats.org/markup-compatibility/2006" xmlns:a14="http://schemas.microsoft.com/office/drawing/2010/main">
+        <mc:Choice Requires="a14">
+          <p:sp>
+            <p:nvSpPr>
+              <p:cNvPr id="107" name="TextBox 106">
+                <a:extLst>
+                  <a:ext uri="{FF2B5EF4-FFF2-40B4-BE49-F238E27FC236}">
+                    <a16:creationId xmlns:a16="http://schemas.microsoft.com/office/drawing/2014/main" id="{396FE580-7BFA-004D-A384-4BF89FFA6F65}"/>
+                  </a:ext>
+                </a:extLst>
+              </p:cNvPr>
+              <p:cNvSpPr txBox="1"/>
+              <p:nvPr/>
+            </p:nvSpPr>
+            <p:spPr>
+              <a:xfrm>
+                <a:off x="5406548" y="4407913"/>
+                <a:ext cx="1670650" cy="369332"/>
+              </a:xfrm>
+              <a:prstGeom prst="rect">
+                <a:avLst/>
+              </a:prstGeom>
+              <a:noFill/>
+            </p:spPr>
+            <p:txBody>
+              <a:bodyPr wrap="none" rtlCol="0">
+                <a:spAutoFit/>
+              </a:bodyPr>
+              <a:lstStyle/>
+              <a:p>
+                <a:pPr/>
+                <a14:m>
+                  <m:oMathPara xmlns:m="http://schemas.openxmlformats.org/officeDocument/2006/math">
+                    <m:oMathParaPr>
+                      <m:jc m:val="centerGroup"/>
+                    </m:oMathParaPr>
+                    <m:oMath xmlns:m="http://schemas.openxmlformats.org/officeDocument/2006/math">
+                      <m:r>
+                        <a:rPr lang="en-US" b="1" i="0">
+                          <a:latin typeface="Cambria Math" panose="02040503050406030204" pitchFamily="18" charset="0"/>
+                        </a:rPr>
+                        <m:t>𝐎𝐮𝐭𝐩𝐮𝐭</m:t>
+                      </m:r>
+                      <m:r>
+                        <a:rPr lang="en-VN" b="1" i="0">
+                          <a:latin typeface="Cambria Math" panose="02040503050406030204" pitchFamily="18" charset="0"/>
+                        </a:rPr>
+                        <m:t> </m:t>
+                      </m:r>
+                      <m:r>
+                        <a:rPr lang="en-VN" b="1" i="0">
+                          <a:latin typeface="Cambria Math" panose="02040503050406030204" pitchFamily="18" charset="0"/>
+                        </a:rPr>
+                        <m:t>𝐋𝐚𝐲𝐞𝐫</m:t>
+                      </m:r>
+                    </m:oMath>
+                  </m:oMathPara>
+                </a14:m>
+                <a:endParaRPr lang="en-VN" b="1"/>
+              </a:p>
+            </p:txBody>
+          </p:sp>
+        </mc:Choice>
+        <mc:Fallback xmlns="">
+          <p:sp>
+            <p:nvSpPr>
+              <p:cNvPr id="107" name="TextBox 106">
+                <a:extLst>
+                  <a:ext uri="{FF2B5EF4-FFF2-40B4-BE49-F238E27FC236}">
+                    <a16:creationId xmlns:a16="http://schemas.microsoft.com/office/drawing/2014/main" id="{396FE580-7BFA-004D-A384-4BF89FFA6F65}"/>
+                  </a:ext>
+                </a:extLst>
+              </p:cNvPr>
+              <p:cNvSpPr txBox="1">
+                <a:spLocks noRot="1" noChangeAspect="1" noMove="1" noResize="1" noEditPoints="1" noAdjustHandles="1" noChangeArrowheads="1" noChangeShapeType="1" noTextEdit="1"/>
+              </p:cNvSpPr>
+              <p:nvPr/>
+            </p:nvSpPr>
+            <p:spPr>
+              <a:xfrm>
+                <a:off x="5406548" y="4407913"/>
+                <a:ext cx="1670650" cy="369332"/>
+              </a:xfrm>
+              <a:prstGeom prst="rect">
+                <a:avLst/>
+              </a:prstGeom>
+              <a:blipFill>
+                <a:blip r:embed="rId19"/>
+                <a:stretch>
+                  <a:fillRect b="-16667"/>
+                </a:stretch>
+              </a:blipFill>
+            </p:spPr>
+            <p:txBody>
+              <a:bodyPr/>
+              <a:lstStyle/>
+              <a:p>
+                <a:r>
+                  <a:rPr lang="en-VN">
+                    <a:noFill/>
+                  </a:rPr>
+                  <a:t> </a:t>
+                </a:r>
+              </a:p>
+            </p:txBody>
+          </p:sp>
+        </mc:Fallback>
+      </mc:AlternateContent>
+      <p:grpSp>
+        <p:nvGrpSpPr>
+          <p:cNvPr id="108" name="Group 107">
+            <a:extLst>
+              <a:ext uri="{FF2B5EF4-FFF2-40B4-BE49-F238E27FC236}">
+                <a16:creationId xmlns:a16="http://schemas.microsoft.com/office/drawing/2014/main" id="{DB213AFB-26E5-1741-A126-3BBEED84205A}"/>
+              </a:ext>
+            </a:extLst>
+          </p:cNvPr>
+          <p:cNvGrpSpPr/>
+          <p:nvPr/>
+        </p:nvGrpSpPr>
+        <p:grpSpPr>
+          <a:xfrm>
+            <a:off x="5830297" y="2957618"/>
+            <a:ext cx="531401" cy="531402"/>
+            <a:chOff x="1381615" y="1886712"/>
+            <a:chExt cx="719328" cy="719328"/>
+          </a:xfrm>
+        </p:grpSpPr>
+        <p:sp>
+          <p:nvSpPr>
+            <p:cNvPr id="111" name="Oval 110">
+              <a:extLst>
+                <a:ext uri="{FF2B5EF4-FFF2-40B4-BE49-F238E27FC236}">
+                  <a16:creationId xmlns:a16="http://schemas.microsoft.com/office/drawing/2014/main" id="{34A8FEA5-E6F6-0B43-80BB-9FE9233941F4}"/>
+                </a:ext>
+              </a:extLst>
+            </p:cNvPr>
+            <p:cNvSpPr/>
+            <p:nvPr/>
+          </p:nvSpPr>
+          <p:spPr>
+            <a:xfrm>
+              <a:off x="1381615" y="1886712"/>
+              <a:ext cx="719328" cy="719328"/>
+            </a:xfrm>
+            <a:prstGeom prst="ellipse">
+              <a:avLst/>
+            </a:prstGeom>
+            <a:noFill/>
+            <a:ln w="31750" cap="flat" cmpd="sng" algn="ctr">
+              <a:solidFill>
+                <a:schemeClr val="accent5"/>
+              </a:solidFill>
+              <a:prstDash val="solid"/>
+              <a:round/>
+              <a:headEnd type="none" w="med" len="med"/>
+              <a:tailEnd type="none" w="med" len="med"/>
+            </a:ln>
+          </p:spPr>
+          <p:style>
+            <a:lnRef idx="0">
+              <a:scrgbClr r="0" g="0" b="0"/>
+            </a:lnRef>
+            <a:fillRef idx="0">
+              <a:scrgbClr r="0" g="0" b="0"/>
+            </a:fillRef>
+            <a:effectRef idx="0">
+              <a:scrgbClr r="0" g="0" b="0"/>
+            </a:effectRef>
+            <a:fontRef idx="minor">
+              <a:schemeClr val="accent5"/>
+            </a:fontRef>
+          </p:style>
+          <p:txBody>
+            <a:bodyPr rtlCol="0" anchor="ctr"/>
+            <a:lstStyle/>
+            <a:p>
+              <a:pPr algn="ctr"/>
+              <a:endParaRPr lang="en-VN"/>
+            </a:p>
+          </p:txBody>
+        </p:sp>
+        <mc:AlternateContent xmlns:mc="http://schemas.openxmlformats.org/markup-compatibility/2006" xmlns:a14="http://schemas.microsoft.com/office/drawing/2010/main">
+          <mc:Choice Requires="a14">
+            <p:sp>
+              <p:nvSpPr>
+                <p:cNvPr id="112" name="TextBox 111">
+                  <a:extLst>
+                    <a:ext uri="{FF2B5EF4-FFF2-40B4-BE49-F238E27FC236}">
+                      <a16:creationId xmlns:a16="http://schemas.microsoft.com/office/drawing/2014/main" id="{4C6A44F1-585B-3B44-9835-27409C2ECBEA}"/>
+                    </a:ext>
+                  </a:extLst>
+                </p:cNvPr>
+                <p:cNvSpPr txBox="1"/>
+                <p:nvPr/>
+              </p:nvSpPr>
+              <p:spPr>
+                <a:xfrm>
+                  <a:off x="1500985" y="1979822"/>
+                  <a:ext cx="497688" cy="499943"/>
+                </a:xfrm>
+                <a:prstGeom prst="rect">
+                  <a:avLst/>
+                </a:prstGeom>
+                <a:noFill/>
+              </p:spPr>
+              <p:txBody>
+                <a:bodyPr wrap="none" rtlCol="0">
+                  <a:spAutoFit/>
+                </a:bodyPr>
+                <a:lstStyle/>
+                <a:p>
+                  <a:pPr/>
+                  <a14:m>
+                    <m:oMathPara xmlns:m="http://schemas.openxmlformats.org/officeDocument/2006/math">
+                      <m:oMathParaPr>
+                        <m:jc m:val="centerGroup"/>
+                      </m:oMathParaPr>
+                      <m:oMath xmlns:m="http://schemas.openxmlformats.org/officeDocument/2006/math">
+                        <m:r>
+                          <m:rPr>
+                            <m:sty m:val="p"/>
+                          </m:rPr>
+                          <a:rPr lang="en-US" b="0" i="0">
+                            <a:latin typeface="Cambria Math" panose="02040503050406030204" pitchFamily="18" charset="0"/>
+                          </a:rPr>
+                          <m:t>b</m:t>
+                        </m:r>
+                      </m:oMath>
+                    </m:oMathPara>
+                  </a14:m>
+                  <a:endParaRPr lang="en-VN"/>
+                </a:p>
+              </p:txBody>
+            </p:sp>
+          </mc:Choice>
+          <mc:Fallback xmlns="">
+            <p:sp>
+              <p:nvSpPr>
+                <p:cNvPr id="112" name="TextBox 111">
+                  <a:extLst>
+                    <a:ext uri="{FF2B5EF4-FFF2-40B4-BE49-F238E27FC236}">
+                      <a16:creationId xmlns:a16="http://schemas.microsoft.com/office/drawing/2014/main" id="{4C6A44F1-585B-3B44-9835-27409C2ECBEA}"/>
+                    </a:ext>
+                  </a:extLst>
+                </p:cNvPr>
+                <p:cNvSpPr txBox="1">
+                  <a:spLocks noRot="1" noChangeAspect="1" noMove="1" noResize="1" noEditPoints="1" noAdjustHandles="1" noChangeArrowheads="1" noChangeShapeType="1" noTextEdit="1"/>
+                </p:cNvSpPr>
+                <p:nvPr/>
+              </p:nvSpPr>
+              <p:spPr>
+                <a:xfrm>
+                  <a:off x="1500985" y="1979822"/>
+                  <a:ext cx="497688" cy="499943"/>
+                </a:xfrm>
+                <a:prstGeom prst="rect">
+                  <a:avLst/>
+                </a:prstGeom>
+                <a:blipFill>
+                  <a:blip r:embed="rId20"/>
+                  <a:stretch>
+                    <a:fillRect/>
+                  </a:stretch>
+                </a:blipFill>
+              </p:spPr>
+              <p:txBody>
+                <a:bodyPr/>
+                <a:lstStyle/>
+                <a:p>
+                  <a:r>
+                    <a:rPr lang="en-VN">
+                      <a:noFill/>
+                    </a:rPr>
+                    <a:t> </a:t>
+                  </a:r>
+                </a:p>
+              </p:txBody>
+            </p:sp>
+          </mc:Fallback>
+        </mc:AlternateContent>
+      </p:grpSp>
+      <p:cxnSp>
+        <p:nvCxnSpPr>
+          <p:cNvPr id="124" name="Straight Arrow Connector 123">
+            <a:extLst>
+              <a:ext uri="{FF2B5EF4-FFF2-40B4-BE49-F238E27FC236}">
+                <a16:creationId xmlns:a16="http://schemas.microsoft.com/office/drawing/2014/main" id="{62E399DC-C45F-C84C-B24F-4073D4AD0D3B}"/>
+              </a:ext>
+            </a:extLst>
+          </p:cNvPr>
+          <p:cNvCxnSpPr>
+            <a:cxnSpLocks/>
+            <a:stCxn id="111" idx="0"/>
+            <a:endCxn id="92" idx="4"/>
+          </p:cNvCxnSpPr>
+          <p:nvPr/>
+        </p:nvCxnSpPr>
+        <p:spPr>
+          <a:xfrm flipV="1">
+            <a:off x="6096000" y="2456543"/>
+            <a:ext cx="1704" cy="501075"/>
+          </a:xfrm>
+          <a:prstGeom prst="straightConnector1">
+            <a:avLst/>
+          </a:prstGeom>
+          <a:ln>
+            <a:tailEnd type="triangle"/>
+          </a:ln>
+        </p:spPr>
+        <p:style>
+          <a:lnRef idx="1">
+            <a:schemeClr val="accent1"/>
+          </a:lnRef>
+          <a:fillRef idx="0">
+            <a:schemeClr val="accent1"/>
+          </a:fillRef>
+          <a:effectRef idx="0">
+            <a:schemeClr val="accent1"/>
+          </a:effectRef>
+          <a:fontRef idx="minor">
+            <a:schemeClr val="tx1"/>
+          </a:fontRef>
+        </p:style>
+      </p:cxnSp>
+      <mc:AlternateContent xmlns:mc="http://schemas.openxmlformats.org/markup-compatibility/2006" xmlns:a14="http://schemas.microsoft.com/office/drawing/2010/main">
+        <mc:Choice Requires="a14">
+          <p:sp>
+            <p:nvSpPr>
+              <p:cNvPr id="125" name="TextBox 124">
+                <a:extLst>
+                  <a:ext uri="{FF2B5EF4-FFF2-40B4-BE49-F238E27FC236}">
+                    <a16:creationId xmlns:a16="http://schemas.microsoft.com/office/drawing/2014/main" id="{09540CAF-2EF0-AE43-982F-07262BA15A9E}"/>
+                  </a:ext>
+                </a:extLst>
+              </p:cNvPr>
+              <p:cNvSpPr txBox="1"/>
+              <p:nvPr/>
+            </p:nvSpPr>
+            <p:spPr>
+              <a:xfrm>
+                <a:off x="4425546" y="1810201"/>
+                <a:ext cx="452688" cy="307777"/>
+              </a:xfrm>
+              <a:prstGeom prst="rect">
+                <a:avLst/>
+              </a:prstGeom>
+              <a:noFill/>
+            </p:spPr>
+            <p:txBody>
+              <a:bodyPr wrap="none" rtlCol="0">
+                <a:spAutoFit/>
+              </a:bodyPr>
+              <a:lstStyle/>
+              <a:p>
+                <a:pPr/>
+                <a14:m>
+                  <m:oMathPara xmlns:m="http://schemas.openxmlformats.org/officeDocument/2006/math">
+                    <m:oMathParaPr>
+                      <m:jc m:val="centerGroup"/>
+                    </m:oMathParaPr>
+                    <m:oMath xmlns:m="http://schemas.openxmlformats.org/officeDocument/2006/math">
+                      <m:sSub>
+                        <m:sSubPr>
+                          <m:ctrlPr>
+                            <a:rPr lang="en-US" sz="1400" b="0" i="1">
+                              <a:latin typeface="Cambria Math" panose="02040503050406030204" pitchFamily="18" charset="0"/>
+                            </a:rPr>
+                          </m:ctrlPr>
+                        </m:sSubPr>
+                        <m:e>
+                          <m:r>
+                            <m:rPr>
+                              <m:sty m:val="p"/>
+                            </m:rPr>
+                            <a:rPr lang="en-US" sz="1400" b="0" i="0">
+                              <a:latin typeface="Cambria Math" panose="02040503050406030204" pitchFamily="18" charset="0"/>
+                            </a:rPr>
+                            <m:t>W</m:t>
+                          </m:r>
+                        </m:e>
+                        <m:sub>
+                          <m:r>
+                            <a:rPr lang="en-US" sz="1400" b="0" i="0">
+                              <a:latin typeface="Cambria Math" panose="02040503050406030204" pitchFamily="18" charset="0"/>
+                            </a:rPr>
+                            <m:t>1</m:t>
+                          </m:r>
+                        </m:sub>
+                      </m:sSub>
+                    </m:oMath>
+                  </m:oMathPara>
+                </a14:m>
+                <a:endParaRPr lang="en-VN" sz="1400"/>
+              </a:p>
+            </p:txBody>
+          </p:sp>
+        </mc:Choice>
+        <mc:Fallback xmlns="">
+          <p:sp>
+            <p:nvSpPr>
+              <p:cNvPr id="125" name="TextBox 124">
+                <a:extLst>
+                  <a:ext uri="{FF2B5EF4-FFF2-40B4-BE49-F238E27FC236}">
+                    <a16:creationId xmlns:a16="http://schemas.microsoft.com/office/drawing/2014/main" id="{09540CAF-2EF0-AE43-982F-07262BA15A9E}"/>
+                  </a:ext>
+                </a:extLst>
+              </p:cNvPr>
+              <p:cNvSpPr txBox="1">
+                <a:spLocks noRot="1" noChangeAspect="1" noMove="1" noResize="1" noEditPoints="1" noAdjustHandles="1" noChangeArrowheads="1" noChangeShapeType="1" noTextEdit="1"/>
+              </p:cNvSpPr>
+              <p:nvPr/>
+            </p:nvSpPr>
+            <p:spPr>
+              <a:xfrm>
+                <a:off x="4425546" y="1810201"/>
+                <a:ext cx="452688" cy="307777"/>
+              </a:xfrm>
+              <a:prstGeom prst="rect">
+                <a:avLst/>
+              </a:prstGeom>
+              <a:blipFill>
+                <a:blip r:embed="rId21"/>
+                <a:stretch>
+                  <a:fillRect/>
+                </a:stretch>
+              </a:blipFill>
+            </p:spPr>
+            <p:txBody>
+              <a:bodyPr/>
+              <a:lstStyle/>
+              <a:p>
+                <a:r>
+                  <a:rPr lang="en-VN">
+                    <a:noFill/>
+                  </a:rPr>
+                  <a:t> </a:t>
+                </a:r>
+              </a:p>
+            </p:txBody>
+          </p:sp>
+        </mc:Fallback>
+      </mc:AlternateContent>
+      <mc:AlternateContent xmlns:mc="http://schemas.openxmlformats.org/markup-compatibility/2006" xmlns:a14="http://schemas.microsoft.com/office/drawing/2010/main">
+        <mc:Choice Requires="a14">
+          <p:sp>
+            <p:nvSpPr>
+              <p:cNvPr id="126" name="TextBox 125">
+                <a:extLst>
+                  <a:ext uri="{FF2B5EF4-FFF2-40B4-BE49-F238E27FC236}">
+                    <a16:creationId xmlns:a16="http://schemas.microsoft.com/office/drawing/2014/main" id="{747136D0-6411-644E-AD94-01583F301BDA}"/>
+                  </a:ext>
+                </a:extLst>
+              </p:cNvPr>
+              <p:cNvSpPr txBox="1"/>
+              <p:nvPr/>
+            </p:nvSpPr>
+            <p:spPr>
+              <a:xfrm rot="19723207">
+                <a:off x="4391763" y="2826201"/>
+                <a:ext cx="456856" cy="307777"/>
+              </a:xfrm>
+              <a:prstGeom prst="rect">
+                <a:avLst/>
+              </a:prstGeom>
+              <a:noFill/>
+            </p:spPr>
+            <p:txBody>
+              <a:bodyPr wrap="none" rtlCol="0">
+                <a:spAutoFit/>
+              </a:bodyPr>
+              <a:lstStyle/>
+              <a:p>
+                <a:pPr/>
+                <a14:m>
+                  <m:oMathPara xmlns:m="http://schemas.openxmlformats.org/officeDocument/2006/math">
+                    <m:oMathParaPr>
+                      <m:jc m:val="centerGroup"/>
+                    </m:oMathParaPr>
+                    <m:oMath xmlns:m="http://schemas.openxmlformats.org/officeDocument/2006/math">
+                      <m:sSub>
+                        <m:sSubPr>
+                          <m:ctrlPr>
+                            <a:rPr lang="en-US" sz="1400" b="0" i="1">
+                              <a:latin typeface="Cambria Math" panose="02040503050406030204" pitchFamily="18" charset="0"/>
+                            </a:rPr>
+                          </m:ctrlPr>
+                        </m:sSubPr>
+                        <m:e>
+                          <m:r>
+                            <m:rPr>
+                              <m:sty m:val="p"/>
+                            </m:rPr>
+                            <a:rPr lang="en-US" sz="1400" b="0" i="0">
+                              <a:latin typeface="Cambria Math" panose="02040503050406030204" pitchFamily="18" charset="0"/>
+                            </a:rPr>
+                            <m:t>W</m:t>
+                          </m:r>
+                        </m:e>
+                        <m:sub>
+                          <m:r>
+                            <a:rPr lang="en-US" sz="1400" b="0" i="0">
+                              <a:latin typeface="Cambria Math" panose="02040503050406030204" pitchFamily="18" charset="0"/>
+                            </a:rPr>
+                            <m:t>2</m:t>
+                          </m:r>
+                        </m:sub>
+                      </m:sSub>
+                    </m:oMath>
+                  </m:oMathPara>
+                </a14:m>
+                <a:endParaRPr lang="en-VN" sz="1400"/>
+              </a:p>
+            </p:txBody>
+          </p:sp>
+        </mc:Choice>
+        <mc:Fallback xmlns="">
+          <p:sp>
+            <p:nvSpPr>
+              <p:cNvPr id="126" name="TextBox 125">
+                <a:extLst>
+                  <a:ext uri="{FF2B5EF4-FFF2-40B4-BE49-F238E27FC236}">
+                    <a16:creationId xmlns:a16="http://schemas.microsoft.com/office/drawing/2014/main" id="{747136D0-6411-644E-AD94-01583F301BDA}"/>
+                  </a:ext>
+                </a:extLst>
+              </p:cNvPr>
+              <p:cNvSpPr txBox="1">
+                <a:spLocks noRot="1" noChangeAspect="1" noMove="1" noResize="1" noEditPoints="1" noAdjustHandles="1" noChangeArrowheads="1" noChangeShapeType="1" noTextEdit="1"/>
+              </p:cNvSpPr>
+              <p:nvPr/>
+            </p:nvSpPr>
+            <p:spPr>
+              <a:xfrm rot="19723207">
+                <a:off x="4391763" y="2826201"/>
+                <a:ext cx="456856" cy="307777"/>
+              </a:xfrm>
+              <a:prstGeom prst="rect">
+                <a:avLst/>
+              </a:prstGeom>
+              <a:blipFill>
+                <a:blip r:embed="rId22"/>
+                <a:stretch>
+                  <a:fillRect/>
+                </a:stretch>
+              </a:blipFill>
+            </p:spPr>
+            <p:txBody>
+              <a:bodyPr/>
+              <a:lstStyle/>
+              <a:p>
+                <a:r>
+                  <a:rPr lang="en-VN">
+                    <a:noFill/>
+                  </a:rPr>
+                  <a:t> </a:t>
+                </a:r>
+              </a:p>
+            </p:txBody>
+          </p:sp>
+        </mc:Fallback>
+      </mc:AlternateContent>
+    </p:spTree>
+    <p:extLst>
+      <p:ext uri="{BB962C8B-B14F-4D97-AF65-F5344CB8AC3E}">
+        <p14:creationId xmlns:p14="http://schemas.microsoft.com/office/powerpoint/2010/main" val="2752294760"/>
+      </p:ext>
+    </p:extLst>
+  </p:cSld>
+  <p:clrMapOvr>
+    <a:masterClrMapping/>
+  </p:clrMapOvr>
+</p:sld>
+</file>
+
+<file path=ppt/slides/slide3.xml><?xml version="1.0" encoding="utf-8"?>
+<p:sld xmlns:a="http://schemas.openxmlformats.org/drawingml/2006/main" xmlns:r="http://schemas.openxmlformats.org/officeDocument/2006/relationships" xmlns:p="http://schemas.openxmlformats.org/presentationml/2006/main">
+  <p:cSld>
+    <p:spTree>
+      <p:nvGrpSpPr>
+        <p:cNvPr id="1" name=""/>
+        <p:cNvGrpSpPr/>
+        <p:nvPr/>
+      </p:nvGrpSpPr>
+      <p:grpSpPr>
+        <a:xfrm>
+          <a:off x="0" y="0"/>
+          <a:ext cx="0" cy="0"/>
+          <a:chOff x="0" y="0"/>
+          <a:chExt cx="0" cy="0"/>
+        </a:xfrm>
+      </p:grpSpPr>
+      <p:grpSp>
+        <p:nvGrpSpPr>
+          <p:cNvPr id="15" name="Group 14">
+            <a:extLst>
+              <a:ext uri="{FF2B5EF4-FFF2-40B4-BE49-F238E27FC236}">
+                <a16:creationId xmlns:a16="http://schemas.microsoft.com/office/drawing/2014/main" id="{782FFF62-E05A-424D-BB8B-E36D1B39F167}"/>
+              </a:ext>
+            </a:extLst>
+          </p:cNvPr>
+          <p:cNvGrpSpPr/>
+          <p:nvPr/>
+        </p:nvGrpSpPr>
+        <p:grpSpPr>
+          <a:xfrm>
             <a:off x="2986849" y="1810244"/>
             <a:ext cx="719328" cy="719328"/>
             <a:chOff x="1381615" y="1886712"/>
@@ -10335,7 +13857,7 @@
 </p:sld>
 </file>
 
-<file path=ppt/slides/slide3.xml><?xml version="1.0" encoding="utf-8"?>
+<file path=ppt/slides/slide4.xml><?xml version="1.0" encoding="utf-8"?>
 <p:sld xmlns:a="http://schemas.openxmlformats.org/drawingml/2006/main" xmlns:r="http://schemas.openxmlformats.org/officeDocument/2006/relationships" xmlns:p="http://schemas.openxmlformats.org/presentationml/2006/main">
   <p:cSld>
     <p:spTree>
@@ -10352,8 +13874,8 @@
           <a:chExt cx="0" cy="0"/>
         </a:xfrm>
       </p:grpSpPr>
-      <mc:AlternateContent xmlns:mc="http://schemas.openxmlformats.org/markup-compatibility/2006">
-        <mc:Choice xmlns:a14="http://schemas.microsoft.com/office/drawing/2010/main" Requires="a14">
+      <mc:AlternateContent xmlns:mc="http://schemas.openxmlformats.org/markup-compatibility/2006" xmlns:a14="http://schemas.microsoft.com/office/drawing/2010/main">
+        <mc:Choice Requires="a14">
           <p:sp>
             <p:nvSpPr>
               <p:cNvPr id="4" name="Rectangle 3">
@@ -10381,6 +13903,7 @@
               </a:bodyPr>
               <a:lstStyle/>
               <a:p>
+                <a:pPr/>
                 <a14:m>
                   <m:oMathPara xmlns:m="http://schemas.openxmlformats.org/officeDocument/2006/math">
                     <m:oMathParaPr>
@@ -10462,7 +13985,7 @@
             </p:txBody>
           </p:sp>
         </mc:Choice>
-        <mc:Fallback>
+        <mc:Fallback xmlns="">
           <p:sp>
             <p:nvSpPr>
               <p:cNvPr id="4" name="Rectangle 3">
@@ -10527,8 +14050,8 @@
             <a:chExt cx="5205984" cy="951414"/>
           </a:xfrm>
         </p:grpSpPr>
-        <mc:AlternateContent xmlns:mc="http://schemas.openxmlformats.org/markup-compatibility/2006">
-          <mc:Choice xmlns:a14="http://schemas.microsoft.com/office/drawing/2010/main" Requires="a14">
+        <mc:AlternateContent xmlns:mc="http://schemas.openxmlformats.org/markup-compatibility/2006" xmlns:a14="http://schemas.microsoft.com/office/drawing/2010/main">
+          <mc:Choice Requires="a14">
             <p:sp>
               <p:nvSpPr>
                 <p:cNvPr id="5" name="TextBox 4">
@@ -10557,6 +14080,7 @@
                 </a:bodyPr>
                 <a:lstStyle/>
                 <a:p>
+                  <a:pPr/>
                   <a14:m>
                     <m:oMathPara xmlns:m="http://schemas.openxmlformats.org/officeDocument/2006/math">
                       <m:oMathParaPr>
@@ -10694,7 +14218,7 @@
               </p:txBody>
             </p:sp>
           </mc:Choice>
-          <mc:Fallback>
+          <mc:Fallback xmlns="">
             <p:sp>
               <p:nvSpPr>
                 <p:cNvPr id="5" name="TextBox 4">
@@ -10739,8 +14263,8 @@
             </p:sp>
           </mc:Fallback>
         </mc:AlternateContent>
-        <mc:AlternateContent xmlns:mc="http://schemas.openxmlformats.org/markup-compatibility/2006">
-          <mc:Choice xmlns:a14="http://schemas.microsoft.com/office/drawing/2010/main" Requires="a14">
+        <mc:AlternateContent xmlns:mc="http://schemas.openxmlformats.org/markup-compatibility/2006" xmlns:a14="http://schemas.microsoft.com/office/drawing/2010/main">
+          <mc:Choice Requires="a14">
             <p:sp>
               <p:nvSpPr>
                 <p:cNvPr id="6" name="TextBox 5">
@@ -10769,6 +14293,7 @@
                 </a:bodyPr>
                 <a:lstStyle/>
                 <a:p>
+                  <a:pPr/>
                   <a14:m>
                     <m:oMathPara xmlns:m="http://schemas.openxmlformats.org/officeDocument/2006/math">
                       <m:oMathParaPr>
@@ -10852,7 +14377,7 @@
               </p:txBody>
             </p:sp>
           </mc:Choice>
-          <mc:Fallback>
+          <mc:Fallback xmlns="">
             <p:sp>
               <p:nvSpPr>
                 <p:cNvPr id="6" name="TextBox 5">
@@ -11192,8 +14717,8 @@
           </a:fontRef>
         </p:style>
       </p:cxnSp>
-      <mc:AlternateContent xmlns:mc="http://schemas.openxmlformats.org/markup-compatibility/2006">
-        <mc:Choice xmlns:a14="http://schemas.microsoft.com/office/drawing/2010/main" Requires="a14">
+      <mc:AlternateContent xmlns:mc="http://schemas.openxmlformats.org/markup-compatibility/2006" xmlns:a14="http://schemas.microsoft.com/office/drawing/2010/main">
+        <mc:Choice Requires="a14">
           <p:sp>
             <p:nvSpPr>
               <p:cNvPr id="18" name="TextBox 17">
@@ -11222,6 +14747,7 @@
               </a:bodyPr>
               <a:lstStyle/>
               <a:p>
+                <a:pPr/>
                 <a14:m>
                   <m:oMathPara xmlns:m="http://schemas.openxmlformats.org/officeDocument/2006/math">
                     <m:oMathParaPr>
@@ -11251,7 +14777,7 @@
             </p:txBody>
           </p:sp>
         </mc:Choice>
-        <mc:Fallback>
+        <mc:Fallback xmlns="">
           <p:sp>
             <p:nvSpPr>
               <p:cNvPr id="18" name="TextBox 17">
@@ -11296,8 +14822,8 @@
           </p:sp>
         </mc:Fallback>
       </mc:AlternateContent>
-      <mc:AlternateContent xmlns:mc="http://schemas.openxmlformats.org/markup-compatibility/2006">
-        <mc:Choice xmlns:a14="http://schemas.microsoft.com/office/drawing/2010/main" Requires="a14">
+      <mc:AlternateContent xmlns:mc="http://schemas.openxmlformats.org/markup-compatibility/2006" xmlns:a14="http://schemas.microsoft.com/office/drawing/2010/main">
+        <mc:Choice Requires="a14">
           <p:sp>
             <p:nvSpPr>
               <p:cNvPr id="19" name="TextBox 18">
@@ -11326,6 +14852,7 @@
               </a:bodyPr>
               <a:lstStyle/>
               <a:p>
+                <a:pPr/>
                 <a14:m>
                   <m:oMathPara xmlns:m="http://schemas.openxmlformats.org/officeDocument/2006/math">
                     <m:oMathParaPr>
@@ -11361,7 +14888,7 @@
             </p:txBody>
           </p:sp>
         </mc:Choice>
-        <mc:Fallback>
+        <mc:Fallback xmlns="">
           <p:sp>
             <p:nvSpPr>
               <p:cNvPr id="19" name="TextBox 18">
@@ -11406,8 +14933,8 @@
           </p:sp>
         </mc:Fallback>
       </mc:AlternateContent>
-      <mc:AlternateContent xmlns:mc="http://schemas.openxmlformats.org/markup-compatibility/2006">
-        <mc:Choice xmlns:a14="http://schemas.microsoft.com/office/drawing/2010/main" Requires="a14">
+      <mc:AlternateContent xmlns:mc="http://schemas.openxmlformats.org/markup-compatibility/2006" xmlns:a14="http://schemas.microsoft.com/office/drawing/2010/main">
+        <mc:Choice Requires="a14">
           <p:sp>
             <p:nvSpPr>
               <p:cNvPr id="20" name="TextBox 19">
@@ -11436,6 +14963,7 @@
               </a:bodyPr>
               <a:lstStyle/>
               <a:p>
+                <a:pPr/>
                 <a14:m>
                   <m:oMathPara xmlns:m="http://schemas.openxmlformats.org/officeDocument/2006/math">
                     <m:oMathParaPr>
@@ -11471,7 +14999,7 @@
             </p:txBody>
           </p:sp>
         </mc:Choice>
-        <mc:Fallback>
+        <mc:Fallback xmlns="">
           <p:sp>
             <p:nvSpPr>
               <p:cNvPr id="20" name="TextBox 19">
@@ -11516,8 +15044,8 @@
           </p:sp>
         </mc:Fallback>
       </mc:AlternateContent>
-      <mc:AlternateContent xmlns:mc="http://schemas.openxmlformats.org/markup-compatibility/2006">
-        <mc:Choice xmlns:a14="http://schemas.microsoft.com/office/drawing/2010/main" Requires="a14">
+      <mc:AlternateContent xmlns:mc="http://schemas.openxmlformats.org/markup-compatibility/2006" xmlns:a14="http://schemas.microsoft.com/office/drawing/2010/main">
+        <mc:Choice Requires="a14">
           <p:sp>
             <p:nvSpPr>
               <p:cNvPr id="21" name="TextBox 20">
@@ -11546,6 +15074,7 @@
               </a:bodyPr>
               <a:lstStyle/>
               <a:p>
+                <a:pPr/>
                 <a14:m>
                   <m:oMathPara xmlns:m="http://schemas.openxmlformats.org/officeDocument/2006/math">
                     <m:oMathParaPr>
@@ -11590,6 +15119,7 @@
                 </a:endParaRPr>
               </a:p>
               <a:p>
+                <a:pPr/>
                 <a14:m>
                   <m:oMathPara xmlns:m="http://schemas.openxmlformats.org/officeDocument/2006/math">
                     <m:oMathParaPr>
@@ -11643,7 +15173,7 @@
             </p:txBody>
           </p:sp>
         </mc:Choice>
-        <mc:Fallback>
+        <mc:Fallback xmlns="">
           <p:sp>
             <p:nvSpPr>
               <p:cNvPr id="21" name="TextBox 20">
@@ -11688,8 +15218,8 @@
           </p:sp>
         </mc:Fallback>
       </mc:AlternateContent>
-      <mc:AlternateContent xmlns:mc="http://schemas.openxmlformats.org/markup-compatibility/2006">
-        <mc:Choice xmlns:a14="http://schemas.microsoft.com/office/drawing/2010/main" Requires="a14">
+      <mc:AlternateContent xmlns:mc="http://schemas.openxmlformats.org/markup-compatibility/2006" xmlns:a14="http://schemas.microsoft.com/office/drawing/2010/main">
+        <mc:Choice Requires="a14">
           <p:sp>
             <p:nvSpPr>
               <p:cNvPr id="22" name="TextBox 21">
@@ -11718,6 +15248,7 @@
               </a:bodyPr>
               <a:lstStyle/>
               <a:p>
+                <a:pPr/>
                 <a14:m>
                   <m:oMathPara xmlns:m="http://schemas.openxmlformats.org/officeDocument/2006/math">
                     <m:oMathParaPr>
@@ -11750,7 +15281,7 @@
             </p:txBody>
           </p:sp>
         </mc:Choice>
-        <mc:Fallback>
+        <mc:Fallback xmlns="">
           <p:sp>
             <p:nvSpPr>
               <p:cNvPr id="22" name="TextBox 21">
@@ -11795,8 +15326,8 @@
           </p:sp>
         </mc:Fallback>
       </mc:AlternateContent>
-      <mc:AlternateContent xmlns:mc="http://schemas.openxmlformats.org/markup-compatibility/2006">
-        <mc:Choice xmlns:a14="http://schemas.microsoft.com/office/drawing/2010/main" Requires="a14">
+      <mc:AlternateContent xmlns:mc="http://schemas.openxmlformats.org/markup-compatibility/2006" xmlns:a14="http://schemas.microsoft.com/office/drawing/2010/main">
+        <mc:Choice Requires="a14">
           <p:sp>
             <p:nvSpPr>
               <p:cNvPr id="23" name="TextBox 22">
@@ -11825,6 +15356,7 @@
               </a:bodyPr>
               <a:lstStyle/>
               <a:p>
+                <a:pPr/>
                 <a14:m>
                   <m:oMathPara xmlns:m="http://schemas.openxmlformats.org/officeDocument/2006/math">
                     <m:oMathParaPr>
@@ -11899,6 +15431,7 @@
                 </a:endParaRPr>
               </a:p>
               <a:p>
+                <a:pPr/>
                 <a14:m>
                   <m:oMathPara xmlns:m="http://schemas.openxmlformats.org/officeDocument/2006/math">
                     <m:oMathParaPr>
@@ -11967,7 +15500,7 @@
             </p:txBody>
           </p:sp>
         </mc:Choice>
-        <mc:Fallback>
+        <mc:Fallback xmlns="">
           <p:sp>
             <p:nvSpPr>
               <p:cNvPr id="23" name="TextBox 22">
@@ -12016,6 +15549,338 @@
     <p:extLst>
       <p:ext uri="{BB962C8B-B14F-4D97-AF65-F5344CB8AC3E}">
         <p14:creationId xmlns:p14="http://schemas.microsoft.com/office/powerpoint/2010/main" val="2264919470"/>
+      </p:ext>
+    </p:extLst>
+  </p:cSld>
+  <p:clrMapOvr>
+    <a:masterClrMapping/>
+  </p:clrMapOvr>
+</p:sld>
+</file>
+
+<file path=ppt/slides/slide5.xml><?xml version="1.0" encoding="utf-8"?>
+<p:sld xmlns:a="http://schemas.openxmlformats.org/drawingml/2006/main" xmlns:r="http://schemas.openxmlformats.org/officeDocument/2006/relationships" xmlns:p="http://schemas.openxmlformats.org/presentationml/2006/main">
+  <p:cSld>
+    <p:spTree>
+      <p:nvGrpSpPr>
+        <p:cNvPr id="1" name=""/>
+        <p:cNvGrpSpPr/>
+        <p:nvPr/>
+      </p:nvGrpSpPr>
+      <p:grpSpPr>
+        <a:xfrm>
+          <a:off x="0" y="0"/>
+          <a:ext cx="0" cy="0"/>
+          <a:chOff x="0" y="0"/>
+          <a:chExt cx="0" cy="0"/>
+        </a:xfrm>
+      </p:grpSpPr>
+      <p:pic>
+        <p:nvPicPr>
+          <p:cNvPr id="5" name="Picture 4">
+            <a:extLst>
+              <a:ext uri="{FF2B5EF4-FFF2-40B4-BE49-F238E27FC236}">
+                <a16:creationId xmlns:a16="http://schemas.microsoft.com/office/drawing/2014/main" id="{9B4480B0-0824-0C4E-BD9A-7A5EA8652239}"/>
+              </a:ext>
+            </a:extLst>
+          </p:cNvPr>
+          <p:cNvPicPr>
+            <a:picLocks noChangeAspect="1"/>
+          </p:cNvPicPr>
+          <p:nvPr/>
+        </p:nvPicPr>
+        <p:blipFill>
+          <a:blip r:embed="rId2"/>
+          <a:stretch>
+            <a:fillRect/>
+          </a:stretch>
+        </p:blipFill>
+        <p:spPr>
+          <a:xfrm>
+            <a:off x="2411143" y="293632"/>
+            <a:ext cx="4978400" cy="2819400"/>
+          </a:xfrm>
+          <a:prstGeom prst="rect">
+            <a:avLst/>
+          </a:prstGeom>
+        </p:spPr>
+      </p:pic>
+      <p:pic>
+        <p:nvPicPr>
+          <p:cNvPr id="6" name="Picture 5">
+            <a:extLst>
+              <a:ext uri="{FF2B5EF4-FFF2-40B4-BE49-F238E27FC236}">
+                <a16:creationId xmlns:a16="http://schemas.microsoft.com/office/drawing/2014/main" id="{52BECDD5-CCDC-E845-8CDD-54E283614E18}"/>
+              </a:ext>
+            </a:extLst>
+          </p:cNvPr>
+          <p:cNvPicPr>
+            <a:picLocks noChangeAspect="1"/>
+          </p:cNvPicPr>
+          <p:nvPr/>
+        </p:nvPicPr>
+        <p:blipFill>
+          <a:blip r:embed="rId3"/>
+          <a:stretch>
+            <a:fillRect/>
+          </a:stretch>
+        </p:blipFill>
+        <p:spPr>
+          <a:xfrm>
+            <a:off x="6402219" y="1924050"/>
+            <a:ext cx="5270500" cy="3009900"/>
+          </a:xfrm>
+          <a:prstGeom prst="rect">
+            <a:avLst/>
+          </a:prstGeom>
+        </p:spPr>
+      </p:pic>
+    </p:spTree>
+    <p:extLst>
+      <p:ext uri="{BB962C8B-B14F-4D97-AF65-F5344CB8AC3E}">
+        <p14:creationId xmlns:p14="http://schemas.microsoft.com/office/powerpoint/2010/main" val="982454794"/>
+      </p:ext>
+    </p:extLst>
+  </p:cSld>
+  <p:clrMapOvr>
+    <a:masterClrMapping/>
+  </p:clrMapOvr>
+</p:sld>
+</file>
+
+<file path=ppt/slides/slide6.xml><?xml version="1.0" encoding="utf-8"?>
+<p:sld xmlns:a="http://schemas.openxmlformats.org/drawingml/2006/main" xmlns:r="http://schemas.openxmlformats.org/officeDocument/2006/relationships" xmlns:p="http://schemas.openxmlformats.org/presentationml/2006/main">
+  <p:cSld>
+    <p:spTree>
+      <p:nvGrpSpPr>
+        <p:cNvPr id="1" name=""/>
+        <p:cNvGrpSpPr/>
+        <p:nvPr/>
+      </p:nvGrpSpPr>
+      <p:grpSpPr>
+        <a:xfrm>
+          <a:off x="0" y="0"/>
+          <a:ext cx="0" cy="0"/>
+          <a:chOff x="0" y="0"/>
+          <a:chExt cx="0" cy="0"/>
+        </a:xfrm>
+      </p:grpSpPr>
+      <p:pic>
+        <p:nvPicPr>
+          <p:cNvPr id="8" name="Picture 7">
+            <a:extLst>
+              <a:ext uri="{FF2B5EF4-FFF2-40B4-BE49-F238E27FC236}">
+                <a16:creationId xmlns:a16="http://schemas.microsoft.com/office/drawing/2014/main" id="{6D682840-6155-A748-B836-B8DB78CE8EA7}"/>
+              </a:ext>
+            </a:extLst>
+          </p:cNvPr>
+          <p:cNvPicPr>
+            <a:picLocks noChangeAspect="1"/>
+          </p:cNvPicPr>
+          <p:nvPr/>
+        </p:nvPicPr>
+        <p:blipFill>
+          <a:blip r:embed="rId2"/>
+          <a:stretch>
+            <a:fillRect/>
+          </a:stretch>
+        </p:blipFill>
+        <p:spPr>
+          <a:xfrm>
+            <a:off x="5273565" y="1701800"/>
+            <a:ext cx="5334000" cy="3454400"/>
+          </a:xfrm>
+          <a:prstGeom prst="rect">
+            <a:avLst/>
+          </a:prstGeom>
+        </p:spPr>
+      </p:pic>
+      <p:pic>
+        <p:nvPicPr>
+          <p:cNvPr id="9" name="Picture 8">
+            <a:extLst>
+              <a:ext uri="{FF2B5EF4-FFF2-40B4-BE49-F238E27FC236}">
+                <a16:creationId xmlns:a16="http://schemas.microsoft.com/office/drawing/2014/main" id="{D1CBD523-9C13-EB49-A710-A5D108B6233C}"/>
+              </a:ext>
+            </a:extLst>
+          </p:cNvPr>
+          <p:cNvPicPr>
+            <a:picLocks noChangeAspect="1"/>
+          </p:cNvPicPr>
+          <p:nvPr/>
+        </p:nvPicPr>
+        <p:blipFill rotWithShape="1">
+          <a:blip r:embed="rId3"/>
+          <a:srcRect l="1935" r="2111"/>
+          <a:stretch/>
+        </p:blipFill>
+        <p:spPr>
+          <a:xfrm>
+            <a:off x="1392312" y="1254454"/>
+            <a:ext cx="4776953" cy="2819400"/>
+          </a:xfrm>
+          <a:prstGeom prst="rect">
+            <a:avLst/>
+          </a:prstGeom>
+        </p:spPr>
+      </p:pic>
+      <mc:AlternateContent xmlns:mc="http://schemas.openxmlformats.org/markup-compatibility/2006">
+        <mc:Choice xmlns:p14="http://schemas.microsoft.com/office/powerpoint/2010/main" Requires="p14">
+          <p:contentPart p14:bwMode="auto" r:id="rId4">
+            <p14:nvContentPartPr>
+              <p14:cNvPr id="21" name="Ink 20">
+                <a:extLst>
+                  <a:ext uri="{FF2B5EF4-FFF2-40B4-BE49-F238E27FC236}">
+                    <a16:creationId xmlns:a16="http://schemas.microsoft.com/office/drawing/2014/main" id="{8CB6C725-67B7-604E-A034-D76BA973E227}"/>
+                  </a:ext>
+                </a:extLst>
+              </p14:cNvPr>
+              <p14:cNvContentPartPr/>
+              <p14:nvPr/>
+            </p14:nvContentPartPr>
+            <p14:xfrm>
+              <a:off x="6111865" y="2474930"/>
+              <a:ext cx="39960" cy="35280"/>
+            </p14:xfrm>
+          </p:contentPart>
+        </mc:Choice>
+        <mc:Fallback>
+          <p:pic>
+            <p:nvPicPr>
+              <p:cNvPr id="21" name="Ink 20">
+                <a:extLst>
+                  <a:ext uri="{FF2B5EF4-FFF2-40B4-BE49-F238E27FC236}">
+                    <a16:creationId xmlns:a16="http://schemas.microsoft.com/office/drawing/2014/main" id="{8CB6C725-67B7-604E-A034-D76BA973E227}"/>
+                  </a:ext>
+                </a:extLst>
+              </p:cNvPr>
+              <p:cNvPicPr/>
+              <p:nvPr/>
+            </p:nvPicPr>
+            <p:blipFill>
+              <a:blip r:embed="rId5"/>
+              <a:stretch>
+                <a:fillRect/>
+              </a:stretch>
+            </p:blipFill>
+            <p:spPr>
+              <a:xfrm>
+                <a:off x="6102865" y="2465930"/>
+                <a:ext cx="57600" cy="52920"/>
+              </a:xfrm>
+              <a:prstGeom prst="rect">
+                <a:avLst/>
+              </a:prstGeom>
+            </p:spPr>
+          </p:pic>
+        </mc:Fallback>
+      </mc:AlternateContent>
+      <mc:AlternateContent xmlns:mc="http://schemas.openxmlformats.org/markup-compatibility/2006">
+        <mc:Choice xmlns:p14="http://schemas.microsoft.com/office/powerpoint/2010/main" Requires="p14">
+          <p:contentPart p14:bwMode="auto" r:id="rId6">
+            <p14:nvContentPartPr>
+              <p14:cNvPr id="23" name="Ink 22">
+                <a:extLst>
+                  <a:ext uri="{FF2B5EF4-FFF2-40B4-BE49-F238E27FC236}">
+                    <a16:creationId xmlns:a16="http://schemas.microsoft.com/office/drawing/2014/main" id="{9794E9C6-ACFB-114B-BB0A-77E9ACC829C3}"/>
+                  </a:ext>
+                </a:extLst>
+              </p14:cNvPr>
+              <p14:cNvContentPartPr/>
+              <p14:nvPr/>
+            </p14:nvContentPartPr>
+            <p14:xfrm>
+              <a:off x="6113665" y="2477450"/>
+              <a:ext cx="55800" cy="42480"/>
+            </p14:xfrm>
+          </p:contentPart>
+        </mc:Choice>
+        <mc:Fallback>
+          <p:pic>
+            <p:nvPicPr>
+              <p:cNvPr id="23" name="Ink 22">
+                <a:extLst>
+                  <a:ext uri="{FF2B5EF4-FFF2-40B4-BE49-F238E27FC236}">
+                    <a16:creationId xmlns:a16="http://schemas.microsoft.com/office/drawing/2014/main" id="{9794E9C6-ACFB-114B-BB0A-77E9ACC829C3}"/>
+                  </a:ext>
+                </a:extLst>
+              </p:cNvPr>
+              <p:cNvPicPr/>
+              <p:nvPr/>
+            </p:nvPicPr>
+            <p:blipFill>
+              <a:blip r:embed="rId7"/>
+              <a:stretch>
+                <a:fillRect/>
+              </a:stretch>
+            </p:blipFill>
+            <p:spPr>
+              <a:xfrm>
+                <a:off x="6105025" y="2468450"/>
+                <a:ext cx="73440" cy="60120"/>
+              </a:xfrm>
+              <a:prstGeom prst="rect">
+                <a:avLst/>
+              </a:prstGeom>
+            </p:spPr>
+          </p:pic>
+        </mc:Fallback>
+      </mc:AlternateContent>
+      <mc:AlternateContent xmlns:mc="http://schemas.openxmlformats.org/markup-compatibility/2006">
+        <mc:Choice xmlns:p14="http://schemas.microsoft.com/office/powerpoint/2010/main" Requires="p14">
+          <p:contentPart p14:bwMode="auto" r:id="rId8">
+            <p14:nvContentPartPr>
+              <p14:cNvPr id="26" name="Ink 25">
+                <a:extLst>
+                  <a:ext uri="{FF2B5EF4-FFF2-40B4-BE49-F238E27FC236}">
+                    <a16:creationId xmlns:a16="http://schemas.microsoft.com/office/drawing/2014/main" id="{33D23946-5E4C-8945-8F90-EF94B755CA91}"/>
+                  </a:ext>
+                </a:extLst>
+              </p14:cNvPr>
+              <p14:cNvContentPartPr/>
+              <p14:nvPr/>
+            </p14:nvContentPartPr>
+            <p14:xfrm>
+              <a:off x="6112225" y="2473490"/>
+              <a:ext cx="33480" cy="25560"/>
+            </p14:xfrm>
+          </p:contentPart>
+        </mc:Choice>
+        <mc:Fallback>
+          <p:pic>
+            <p:nvPicPr>
+              <p:cNvPr id="26" name="Ink 25">
+                <a:extLst>
+                  <a:ext uri="{FF2B5EF4-FFF2-40B4-BE49-F238E27FC236}">
+                    <a16:creationId xmlns:a16="http://schemas.microsoft.com/office/drawing/2014/main" id="{33D23946-5E4C-8945-8F90-EF94B755CA91}"/>
+                  </a:ext>
+                </a:extLst>
+              </p:cNvPr>
+              <p:cNvPicPr/>
+              <p:nvPr/>
+            </p:nvPicPr>
+            <p:blipFill>
+              <a:blip r:embed="rId9"/>
+              <a:stretch>
+                <a:fillRect/>
+              </a:stretch>
+            </p:blipFill>
+            <p:spPr>
+              <a:xfrm>
+                <a:off x="6103225" y="2464850"/>
+                <a:ext cx="51120" cy="43200"/>
+              </a:xfrm>
+              <a:prstGeom prst="rect">
+                <a:avLst/>
+              </a:prstGeom>
+            </p:spPr>
+          </p:pic>
+        </mc:Fallback>
+      </mc:AlternateContent>
+    </p:spTree>
+    <p:extLst>
+      <p:ext uri="{BB962C8B-B14F-4D97-AF65-F5344CB8AC3E}">
+        <p14:creationId xmlns:p14="http://schemas.microsoft.com/office/powerpoint/2010/main" val="3444572756"/>
       </p:ext>
     </p:extLst>
   </p:cSld>

--- a/Perceptron.pptx
+++ b/Perceptron.pptx
@@ -6,11 +6,12 @@
   </p:sldMasterIdLst>
   <p:sldIdLst>
     <p:sldId id="256" r:id="rId2"/>
-    <p:sldId id="259" r:id="rId3"/>
-    <p:sldId id="257" r:id="rId4"/>
-    <p:sldId id="258" r:id="rId5"/>
-    <p:sldId id="260" r:id="rId6"/>
-    <p:sldId id="261" r:id="rId7"/>
+    <p:sldId id="262" r:id="rId3"/>
+    <p:sldId id="259" r:id="rId4"/>
+    <p:sldId id="257" r:id="rId5"/>
+    <p:sldId id="258" r:id="rId6"/>
+    <p:sldId id="260" r:id="rId7"/>
+    <p:sldId id="261" r:id="rId8"/>
   </p:sldIdLst>
   <p:sldSz cx="12192000" cy="6858000"/>
   <p:notesSz cx="6858000" cy="9144000"/>
@@ -346,7 +347,7 @@
           <a:lstStyle/>
           <a:p>
             <a:fld id="{7EE0D05D-1BF7-6844-A448-DE6324502727}" type="datetimeFigureOut">
-              <a:t>5/20/20</a:t>
+              <a:t>6/13/20</a:t>
             </a:fld>
             <a:endParaRPr lang="en-VN"/>
           </a:p>
@@ -544,7 +545,7 @@
           <a:lstStyle/>
           <a:p>
             <a:fld id="{7EE0D05D-1BF7-6844-A448-DE6324502727}" type="datetimeFigureOut">
-              <a:t>5/20/20</a:t>
+              <a:t>6/13/20</a:t>
             </a:fld>
             <a:endParaRPr lang="en-VN"/>
           </a:p>
@@ -752,7 +753,7 @@
           <a:lstStyle/>
           <a:p>
             <a:fld id="{7EE0D05D-1BF7-6844-A448-DE6324502727}" type="datetimeFigureOut">
-              <a:t>5/20/20</a:t>
+              <a:t>6/13/20</a:t>
             </a:fld>
             <a:endParaRPr lang="en-VN"/>
           </a:p>
@@ -950,7 +951,7 @@
           <a:lstStyle/>
           <a:p>
             <a:fld id="{7EE0D05D-1BF7-6844-A448-DE6324502727}" type="datetimeFigureOut">
-              <a:t>5/20/20</a:t>
+              <a:t>6/13/20</a:t>
             </a:fld>
             <a:endParaRPr lang="en-VN"/>
           </a:p>
@@ -1224,7 +1225,7 @@
           <a:lstStyle/>
           <a:p>
             <a:fld id="{7EE0D05D-1BF7-6844-A448-DE6324502727}" type="datetimeFigureOut">
-              <a:t>5/20/20</a:t>
+              <a:t>6/13/20</a:t>
             </a:fld>
             <a:endParaRPr lang="en-VN"/>
           </a:p>
@@ -1490,7 +1491,7 @@
           <a:lstStyle/>
           <a:p>
             <a:fld id="{7EE0D05D-1BF7-6844-A448-DE6324502727}" type="datetimeFigureOut">
-              <a:t>5/20/20</a:t>
+              <a:t>6/13/20</a:t>
             </a:fld>
             <a:endParaRPr lang="en-VN"/>
           </a:p>
@@ -1903,7 +1904,7 @@
           <a:lstStyle/>
           <a:p>
             <a:fld id="{7EE0D05D-1BF7-6844-A448-DE6324502727}" type="datetimeFigureOut">
-              <a:t>5/20/20</a:t>
+              <a:t>6/13/20</a:t>
             </a:fld>
             <a:endParaRPr lang="en-VN"/>
           </a:p>
@@ -2043,7 +2044,7 @@
           <a:lstStyle/>
           <a:p>
             <a:fld id="{7EE0D05D-1BF7-6844-A448-DE6324502727}" type="datetimeFigureOut">
-              <a:t>5/20/20</a:t>
+              <a:t>6/13/20</a:t>
             </a:fld>
             <a:endParaRPr lang="en-VN"/>
           </a:p>
@@ -2154,7 +2155,7 @@
           <a:lstStyle/>
           <a:p>
             <a:fld id="{7EE0D05D-1BF7-6844-A448-DE6324502727}" type="datetimeFigureOut">
-              <a:t>5/20/20</a:t>
+              <a:t>6/13/20</a:t>
             </a:fld>
             <a:endParaRPr lang="en-VN"/>
           </a:p>
@@ -2465,7 +2466,7 @@
           <a:lstStyle/>
           <a:p>
             <a:fld id="{7EE0D05D-1BF7-6844-A448-DE6324502727}" type="datetimeFigureOut">
-              <a:t>5/20/20</a:t>
+              <a:t>6/13/20</a:t>
             </a:fld>
             <a:endParaRPr lang="en-VN"/>
           </a:p>
@@ -2752,7 +2753,7 @@
           <a:lstStyle/>
           <a:p>
             <a:fld id="{7EE0D05D-1BF7-6844-A448-DE6324502727}" type="datetimeFigureOut">
-              <a:t>5/20/20</a:t>
+              <a:t>6/13/20</a:t>
             </a:fld>
             <a:endParaRPr lang="en-VN"/>
           </a:p>
@@ -2993,7 +2994,7 @@
           </a:lstStyle>
           <a:p>
             <a:fld id="{7EE0D05D-1BF7-6844-A448-DE6324502727}" type="datetimeFigureOut">
-              <a:t>5/20/20</a:t>
+              <a:t>6/13/20</a:t>
             </a:fld>
             <a:endParaRPr lang="en-VN"/>
           </a:p>
@@ -8887,6 +8888,4733 @@
       </p:grpSpPr>
       <p:grpSp>
         <p:nvGrpSpPr>
+          <p:cNvPr id="4" name="Group 3">
+            <a:extLst>
+              <a:ext uri="{FF2B5EF4-FFF2-40B4-BE49-F238E27FC236}">
+                <a16:creationId xmlns:a16="http://schemas.microsoft.com/office/drawing/2014/main" id="{1B382AD4-46C4-C94F-91B5-16D54AE0E79B}"/>
+              </a:ext>
+            </a:extLst>
+          </p:cNvPr>
+          <p:cNvGrpSpPr/>
+          <p:nvPr/>
+        </p:nvGrpSpPr>
+        <p:grpSpPr>
+          <a:xfrm>
+            <a:off x="1799222" y="687285"/>
+            <a:ext cx="719328" cy="719328"/>
+            <a:chOff x="1381615" y="1886712"/>
+            <a:chExt cx="719328" cy="719328"/>
+          </a:xfrm>
+        </p:grpSpPr>
+        <p:sp>
+          <p:nvSpPr>
+            <p:cNvPr id="5" name="Oval 4">
+              <a:extLst>
+                <a:ext uri="{FF2B5EF4-FFF2-40B4-BE49-F238E27FC236}">
+                  <a16:creationId xmlns:a16="http://schemas.microsoft.com/office/drawing/2014/main" id="{DA774EE8-527F-EE40-B407-E5C3F1988793}"/>
+                </a:ext>
+              </a:extLst>
+            </p:cNvPr>
+            <p:cNvSpPr/>
+            <p:nvPr/>
+          </p:nvSpPr>
+          <p:spPr>
+            <a:xfrm>
+              <a:off x="1381615" y="1886712"/>
+              <a:ext cx="719328" cy="719328"/>
+            </a:xfrm>
+            <a:prstGeom prst="ellipse">
+              <a:avLst/>
+            </a:prstGeom>
+            <a:noFill/>
+            <a:ln w="31750" cap="flat" cmpd="sng" algn="ctr">
+              <a:solidFill>
+                <a:schemeClr val="accent5"/>
+              </a:solidFill>
+              <a:prstDash val="solid"/>
+              <a:round/>
+              <a:headEnd type="none" w="med" len="med"/>
+              <a:tailEnd type="none" w="med" len="med"/>
+            </a:ln>
+          </p:spPr>
+          <p:style>
+            <a:lnRef idx="0">
+              <a:scrgbClr r="0" g="0" b="0"/>
+            </a:lnRef>
+            <a:fillRef idx="0">
+              <a:scrgbClr r="0" g="0" b="0"/>
+            </a:fillRef>
+            <a:effectRef idx="0">
+              <a:scrgbClr r="0" g="0" b="0"/>
+            </a:effectRef>
+            <a:fontRef idx="minor">
+              <a:schemeClr val="accent5"/>
+            </a:fontRef>
+          </p:style>
+          <p:txBody>
+            <a:bodyPr rtlCol="0" anchor="ctr"/>
+            <a:lstStyle/>
+            <a:p>
+              <a:pPr algn="ctr"/>
+              <a:endParaRPr lang="en-VN"/>
+            </a:p>
+          </p:txBody>
+        </p:sp>
+        <mc:AlternateContent xmlns:mc="http://schemas.openxmlformats.org/markup-compatibility/2006" xmlns:a14="http://schemas.microsoft.com/office/drawing/2010/main">
+          <mc:Choice Requires="a14">
+            <p:sp>
+              <p:nvSpPr>
+                <p:cNvPr id="6" name="TextBox 5">
+                  <a:extLst>
+                    <a:ext uri="{FF2B5EF4-FFF2-40B4-BE49-F238E27FC236}">
+                      <a16:creationId xmlns:a16="http://schemas.microsoft.com/office/drawing/2014/main" id="{BC36DCDB-A300-9D42-9197-B6753EC1C629}"/>
+                    </a:ext>
+                  </a:extLst>
+                </p:cNvPr>
+                <p:cNvSpPr txBox="1"/>
+                <p:nvPr/>
+              </p:nvSpPr>
+              <p:spPr>
+                <a:xfrm>
+                  <a:off x="1548035" y="2053197"/>
+                  <a:ext cx="460767" cy="369332"/>
+                </a:xfrm>
+                <a:prstGeom prst="rect">
+                  <a:avLst/>
+                </a:prstGeom>
+                <a:noFill/>
+              </p:spPr>
+              <p:txBody>
+                <a:bodyPr wrap="none" rtlCol="0">
+                  <a:spAutoFit/>
+                </a:bodyPr>
+                <a:lstStyle/>
+                <a:p>
+                  <a:pPr/>
+                  <a14:m>
+                    <m:oMathPara xmlns:m="http://schemas.openxmlformats.org/officeDocument/2006/math">
+                      <m:oMathParaPr>
+                        <m:jc m:val="centerGroup"/>
+                      </m:oMathParaPr>
+                      <m:oMath xmlns:m="http://schemas.openxmlformats.org/officeDocument/2006/math">
+                        <m:sSub>
+                          <m:sSubPr>
+                            <m:ctrlPr>
+                              <a:rPr lang="en-US" b="0" i="1">
+                                <a:latin typeface="Cambria Math" panose="02040503050406030204" pitchFamily="18" charset="0"/>
+                              </a:rPr>
+                            </m:ctrlPr>
+                          </m:sSubPr>
+                          <m:e>
+                            <m:r>
+                              <m:rPr>
+                                <m:sty m:val="p"/>
+                              </m:rPr>
+                              <a:rPr lang="en-US" b="0" i="0">
+                                <a:latin typeface="Cambria Math" panose="02040503050406030204" pitchFamily="18" charset="0"/>
+                              </a:rPr>
+                              <m:t>x</m:t>
+                            </m:r>
+                          </m:e>
+                          <m:sub>
+                            <m:r>
+                              <a:rPr lang="en-US" b="0" i="0">
+                                <a:latin typeface="Cambria Math" panose="02040503050406030204" pitchFamily="18" charset="0"/>
+                              </a:rPr>
+                              <m:t>1</m:t>
+                            </m:r>
+                          </m:sub>
+                        </m:sSub>
+                      </m:oMath>
+                    </m:oMathPara>
+                  </a14:m>
+                  <a:endParaRPr lang="en-VN"/>
+                </a:p>
+              </p:txBody>
+            </p:sp>
+          </mc:Choice>
+          <mc:Fallback xmlns="">
+            <p:sp>
+              <p:nvSpPr>
+                <p:cNvPr id="5" name="TextBox 4">
+                  <a:extLst>
+                    <a:ext uri="{FF2B5EF4-FFF2-40B4-BE49-F238E27FC236}">
+                      <a16:creationId xmlns:a16="http://schemas.microsoft.com/office/drawing/2014/main" id="{F9B8FC14-6107-EF4C-B8DE-CA27B543F911}"/>
+                    </a:ext>
+                  </a:extLst>
+                </p:cNvPr>
+                <p:cNvSpPr txBox="1">
+                  <a:spLocks noRot="1" noChangeAspect="1" noMove="1" noResize="1" noEditPoints="1" noAdjustHandles="1" noChangeArrowheads="1" noChangeShapeType="1" noTextEdit="1"/>
+                </p:cNvSpPr>
+                <p:nvPr/>
+              </p:nvSpPr>
+              <p:spPr>
+                <a:xfrm>
+                  <a:off x="1548035" y="2053197"/>
+                  <a:ext cx="460767" cy="369332"/>
+                </a:xfrm>
+                <a:prstGeom prst="rect">
+                  <a:avLst/>
+                </a:prstGeom>
+                <a:blipFill>
+                  <a:blip r:embed="rId2"/>
+                  <a:stretch>
+                    <a:fillRect/>
+                  </a:stretch>
+                </a:blipFill>
+              </p:spPr>
+              <p:txBody>
+                <a:bodyPr/>
+                <a:lstStyle/>
+                <a:p>
+                  <a:r>
+                    <a:rPr lang="en-VN">
+                      <a:noFill/>
+                    </a:rPr>
+                    <a:t> </a:t>
+                  </a:r>
+                </a:p>
+              </p:txBody>
+            </p:sp>
+          </mc:Fallback>
+        </mc:AlternateContent>
+      </p:grpSp>
+      <p:grpSp>
+        <p:nvGrpSpPr>
+          <p:cNvPr id="7" name="Group 6">
+            <a:extLst>
+              <a:ext uri="{FF2B5EF4-FFF2-40B4-BE49-F238E27FC236}">
+                <a16:creationId xmlns:a16="http://schemas.microsoft.com/office/drawing/2014/main" id="{D60E192E-022D-5448-8541-6C362AEF9BAA}"/>
+              </a:ext>
+            </a:extLst>
+          </p:cNvPr>
+          <p:cNvGrpSpPr/>
+          <p:nvPr/>
+        </p:nvGrpSpPr>
+        <p:grpSpPr>
+          <a:xfrm>
+            <a:off x="1799222" y="1716188"/>
+            <a:ext cx="719328" cy="719328"/>
+            <a:chOff x="1381615" y="3069336"/>
+            <a:chExt cx="719328" cy="719328"/>
+          </a:xfrm>
+        </p:grpSpPr>
+        <p:sp>
+          <p:nvSpPr>
+            <p:cNvPr id="8" name="Oval 7">
+              <a:extLst>
+                <a:ext uri="{FF2B5EF4-FFF2-40B4-BE49-F238E27FC236}">
+                  <a16:creationId xmlns:a16="http://schemas.microsoft.com/office/drawing/2014/main" id="{22F4DF1E-5940-DD40-9AA1-D64F1E4ACFB1}"/>
+                </a:ext>
+              </a:extLst>
+            </p:cNvPr>
+            <p:cNvSpPr/>
+            <p:nvPr/>
+          </p:nvSpPr>
+          <p:spPr>
+            <a:xfrm>
+              <a:off x="1381615" y="3069336"/>
+              <a:ext cx="719328" cy="719328"/>
+            </a:xfrm>
+            <a:prstGeom prst="ellipse">
+              <a:avLst/>
+            </a:prstGeom>
+            <a:noFill/>
+            <a:ln w="31750" cap="flat" cmpd="sng" algn="ctr">
+              <a:solidFill>
+                <a:schemeClr val="accent5"/>
+              </a:solidFill>
+              <a:prstDash val="solid"/>
+              <a:round/>
+              <a:headEnd type="none" w="med" len="med"/>
+              <a:tailEnd type="none" w="med" len="med"/>
+            </a:ln>
+          </p:spPr>
+          <p:style>
+            <a:lnRef idx="0">
+              <a:scrgbClr r="0" g="0" b="0"/>
+            </a:lnRef>
+            <a:fillRef idx="0">
+              <a:scrgbClr r="0" g="0" b="0"/>
+            </a:fillRef>
+            <a:effectRef idx="0">
+              <a:scrgbClr r="0" g="0" b="0"/>
+            </a:effectRef>
+            <a:fontRef idx="minor">
+              <a:schemeClr val="accent5"/>
+            </a:fontRef>
+          </p:style>
+          <p:txBody>
+            <a:bodyPr rtlCol="0" anchor="ctr"/>
+            <a:lstStyle/>
+            <a:p>
+              <a:pPr algn="ctr"/>
+              <a:endParaRPr lang="en-VN"/>
+            </a:p>
+          </p:txBody>
+        </p:sp>
+        <mc:AlternateContent xmlns:mc="http://schemas.openxmlformats.org/markup-compatibility/2006" xmlns:a14="http://schemas.microsoft.com/office/drawing/2010/main">
+          <mc:Choice Requires="a14">
+            <p:sp>
+              <p:nvSpPr>
+                <p:cNvPr id="9" name="TextBox 8">
+                  <a:extLst>
+                    <a:ext uri="{FF2B5EF4-FFF2-40B4-BE49-F238E27FC236}">
+                      <a16:creationId xmlns:a16="http://schemas.microsoft.com/office/drawing/2014/main" id="{9A449CEA-EC09-6548-97D7-89650B88B3DA}"/>
+                    </a:ext>
+                  </a:extLst>
+                </p:cNvPr>
+                <p:cNvSpPr txBox="1"/>
+                <p:nvPr/>
+              </p:nvSpPr>
+              <p:spPr>
+                <a:xfrm>
+                  <a:off x="1532224" y="3217786"/>
+                  <a:ext cx="461601" cy="369332"/>
+                </a:xfrm>
+                <a:prstGeom prst="rect">
+                  <a:avLst/>
+                </a:prstGeom>
+                <a:noFill/>
+              </p:spPr>
+              <p:txBody>
+                <a:bodyPr wrap="none" rtlCol="0">
+                  <a:spAutoFit/>
+                </a:bodyPr>
+                <a:lstStyle/>
+                <a:p>
+                  <a:pPr/>
+                  <a14:m>
+                    <m:oMathPara xmlns:m="http://schemas.openxmlformats.org/officeDocument/2006/math">
+                      <m:oMathParaPr>
+                        <m:jc m:val="centerGroup"/>
+                      </m:oMathParaPr>
+                      <m:oMath xmlns:m="http://schemas.openxmlformats.org/officeDocument/2006/math">
+                        <m:sSub>
+                          <m:sSubPr>
+                            <m:ctrlPr>
+                              <a:rPr lang="en-US" b="0" i="1">
+                                <a:latin typeface="Cambria Math" panose="02040503050406030204" pitchFamily="18" charset="0"/>
+                              </a:rPr>
+                            </m:ctrlPr>
+                          </m:sSubPr>
+                          <m:e>
+                            <m:r>
+                              <m:rPr>
+                                <m:sty m:val="p"/>
+                              </m:rPr>
+                              <a:rPr lang="en-US" b="0" i="0">
+                                <a:latin typeface="Cambria Math" panose="02040503050406030204" pitchFamily="18" charset="0"/>
+                              </a:rPr>
+                              <m:t>x</m:t>
+                            </m:r>
+                          </m:e>
+                          <m:sub>
+                            <m:r>
+                              <a:rPr lang="en-US" b="0" i="0">
+                                <a:latin typeface="Cambria Math" panose="02040503050406030204" pitchFamily="18" charset="0"/>
+                              </a:rPr>
+                              <m:t>2</m:t>
+                            </m:r>
+                          </m:sub>
+                        </m:sSub>
+                      </m:oMath>
+                    </m:oMathPara>
+                  </a14:m>
+                  <a:endParaRPr lang="en-VN"/>
+                </a:p>
+              </p:txBody>
+            </p:sp>
+          </mc:Choice>
+          <mc:Fallback xmlns="">
+            <p:sp>
+              <p:nvSpPr>
+                <p:cNvPr id="9" name="TextBox 8">
+                  <a:extLst>
+                    <a:ext uri="{FF2B5EF4-FFF2-40B4-BE49-F238E27FC236}">
+                      <a16:creationId xmlns:a16="http://schemas.microsoft.com/office/drawing/2014/main" id="{49858C29-F51A-D243-AC60-4F1A26398E46}"/>
+                    </a:ext>
+                  </a:extLst>
+                </p:cNvPr>
+                <p:cNvSpPr txBox="1">
+                  <a:spLocks noRot="1" noChangeAspect="1" noMove="1" noResize="1" noEditPoints="1" noAdjustHandles="1" noChangeArrowheads="1" noChangeShapeType="1" noTextEdit="1"/>
+                </p:cNvSpPr>
+                <p:nvPr/>
+              </p:nvSpPr>
+              <p:spPr>
+                <a:xfrm>
+                  <a:off x="1532224" y="3217786"/>
+                  <a:ext cx="461601" cy="369332"/>
+                </a:xfrm>
+                <a:prstGeom prst="rect">
+                  <a:avLst/>
+                </a:prstGeom>
+                <a:blipFill>
+                  <a:blip r:embed="rId3"/>
+                  <a:stretch>
+                    <a:fillRect/>
+                  </a:stretch>
+                </a:blipFill>
+              </p:spPr>
+              <p:txBody>
+                <a:bodyPr/>
+                <a:lstStyle/>
+                <a:p>
+                  <a:r>
+                    <a:rPr lang="en-VN">
+                      <a:noFill/>
+                    </a:rPr>
+                    <a:t> </a:t>
+                  </a:r>
+                </a:p>
+              </p:txBody>
+            </p:sp>
+          </mc:Fallback>
+        </mc:AlternateContent>
+      </p:grpSp>
+      <p:grpSp>
+        <p:nvGrpSpPr>
+          <p:cNvPr id="10" name="Group 9">
+            <a:extLst>
+              <a:ext uri="{FF2B5EF4-FFF2-40B4-BE49-F238E27FC236}">
+                <a16:creationId xmlns:a16="http://schemas.microsoft.com/office/drawing/2014/main" id="{88488963-B55A-AD47-9284-8E452920AD6A}"/>
+              </a:ext>
+            </a:extLst>
+          </p:cNvPr>
+          <p:cNvGrpSpPr/>
+          <p:nvPr/>
+        </p:nvGrpSpPr>
+        <p:grpSpPr>
+          <a:xfrm>
+            <a:off x="4603787" y="1455486"/>
+            <a:ext cx="719328" cy="719328"/>
+            <a:chOff x="1381615" y="1886712"/>
+            <a:chExt cx="719328" cy="719328"/>
+          </a:xfrm>
+        </p:grpSpPr>
+        <p:sp>
+          <p:nvSpPr>
+            <p:cNvPr id="11" name="Oval 10">
+              <a:extLst>
+                <a:ext uri="{FF2B5EF4-FFF2-40B4-BE49-F238E27FC236}">
+                  <a16:creationId xmlns:a16="http://schemas.microsoft.com/office/drawing/2014/main" id="{E3BBC086-03D9-E14B-BC85-EB24A3E9E6CA}"/>
+                </a:ext>
+              </a:extLst>
+            </p:cNvPr>
+            <p:cNvSpPr/>
+            <p:nvPr/>
+          </p:nvSpPr>
+          <p:spPr>
+            <a:xfrm>
+              <a:off x="1381615" y="1886712"/>
+              <a:ext cx="719328" cy="719328"/>
+            </a:xfrm>
+            <a:prstGeom prst="ellipse">
+              <a:avLst/>
+            </a:prstGeom>
+            <a:noFill/>
+            <a:ln w="31750" cap="flat" cmpd="sng" algn="ctr">
+              <a:solidFill>
+                <a:schemeClr val="accent5"/>
+              </a:solidFill>
+              <a:prstDash val="solid"/>
+              <a:round/>
+              <a:headEnd type="none" w="med" len="med"/>
+              <a:tailEnd type="none" w="med" len="med"/>
+            </a:ln>
+          </p:spPr>
+          <p:style>
+            <a:lnRef idx="0">
+              <a:scrgbClr r="0" g="0" b="0"/>
+            </a:lnRef>
+            <a:fillRef idx="0">
+              <a:scrgbClr r="0" g="0" b="0"/>
+            </a:fillRef>
+            <a:effectRef idx="0">
+              <a:scrgbClr r="0" g="0" b="0"/>
+            </a:effectRef>
+            <a:fontRef idx="minor">
+              <a:schemeClr val="accent5"/>
+            </a:fontRef>
+          </p:style>
+          <p:txBody>
+            <a:bodyPr rtlCol="0" anchor="ctr"/>
+            <a:lstStyle/>
+            <a:p>
+              <a:pPr algn="ctr"/>
+              <a:endParaRPr lang="en-VN"/>
+            </a:p>
+          </p:txBody>
+        </p:sp>
+        <mc:AlternateContent xmlns:mc="http://schemas.openxmlformats.org/markup-compatibility/2006" xmlns:a14="http://schemas.microsoft.com/office/drawing/2010/main">
+          <mc:Choice Requires="a14">
+            <p:sp>
+              <p:nvSpPr>
+                <p:cNvPr id="12" name="TextBox 11">
+                  <a:extLst>
+                    <a:ext uri="{FF2B5EF4-FFF2-40B4-BE49-F238E27FC236}">
+                      <a16:creationId xmlns:a16="http://schemas.microsoft.com/office/drawing/2014/main" id="{3658AE54-E3BE-3740-99CE-5C9F2CCB4F7E}"/>
+                    </a:ext>
+                  </a:extLst>
+                </p:cNvPr>
+                <p:cNvSpPr txBox="1"/>
+                <p:nvPr/>
+              </p:nvSpPr>
+              <p:spPr>
+                <a:xfrm>
+                  <a:off x="1536713" y="2000503"/>
+                  <a:ext cx="483274" cy="539507"/>
+                </a:xfrm>
+                <a:prstGeom prst="rect">
+                  <a:avLst/>
+                </a:prstGeom>
+                <a:noFill/>
+              </p:spPr>
+              <p:txBody>
+                <a:bodyPr wrap="none" rtlCol="0">
+                  <a:spAutoFit/>
+                </a:bodyPr>
+                <a:lstStyle/>
+                <a:p>
+                  <a:pPr/>
+                  <a14:m>
+                    <m:oMathPara xmlns:m="http://schemas.openxmlformats.org/officeDocument/2006/math">
+                      <m:oMathParaPr>
+                        <m:jc m:val="centerGroup"/>
+                      </m:oMathParaPr>
+                      <m:oMath xmlns:m="http://schemas.openxmlformats.org/officeDocument/2006/math">
+                        <m:nary>
+                          <m:naryPr>
+                            <m:chr m:val="∑"/>
+                            <m:subHide m:val="on"/>
+                            <m:supHide m:val="on"/>
+                            <m:ctrlPr>
+                              <a:rPr lang="en-VN" sz="1200" i="1">
+                                <a:latin typeface="Cambria Math" panose="02040503050406030204" pitchFamily="18" charset="0"/>
+                              </a:rPr>
+                            </m:ctrlPr>
+                          </m:naryPr>
+                          <m:sub/>
+                          <m:sup/>
+                          <m:e>
+                            <m:r>
+                              <a:rPr lang="en-US" sz="1200" b="0" i="1">
+                                <a:latin typeface="Cambria Math" panose="02040503050406030204" pitchFamily="18" charset="0"/>
+                              </a:rPr>
+                              <m:t> </m:t>
+                            </m:r>
+                          </m:e>
+                        </m:nary>
+                      </m:oMath>
+                    </m:oMathPara>
+                  </a14:m>
+                  <a:endParaRPr lang="en-VN" sz="1200"/>
+                </a:p>
+              </p:txBody>
+            </p:sp>
+          </mc:Choice>
+          <mc:Fallback xmlns="">
+            <p:sp>
+              <p:nvSpPr>
+                <p:cNvPr id="12" name="TextBox 11">
+                  <a:extLst>
+                    <a:ext uri="{FF2B5EF4-FFF2-40B4-BE49-F238E27FC236}">
+                      <a16:creationId xmlns:a16="http://schemas.microsoft.com/office/drawing/2014/main" id="{3658AE54-E3BE-3740-99CE-5C9F2CCB4F7E}"/>
+                    </a:ext>
+                  </a:extLst>
+                </p:cNvPr>
+                <p:cNvSpPr txBox="1">
+                  <a:spLocks noRot="1" noChangeAspect="1" noMove="1" noResize="1" noEditPoints="1" noAdjustHandles="1" noChangeArrowheads="1" noChangeShapeType="1" noTextEdit="1"/>
+                </p:cNvSpPr>
+                <p:nvPr/>
+              </p:nvSpPr>
+              <p:spPr>
+                <a:xfrm>
+                  <a:off x="1536713" y="2000503"/>
+                  <a:ext cx="483274" cy="539507"/>
+                </a:xfrm>
+                <a:prstGeom prst="rect">
+                  <a:avLst/>
+                </a:prstGeom>
+                <a:blipFill>
+                  <a:blip r:embed="rId4"/>
+                  <a:stretch>
+                    <a:fillRect l="-94872" t="-113953" r="-43590" b="-162791"/>
+                  </a:stretch>
+                </a:blipFill>
+              </p:spPr>
+              <p:txBody>
+                <a:bodyPr/>
+                <a:lstStyle/>
+                <a:p>
+                  <a:r>
+                    <a:rPr lang="en-VN">
+                      <a:noFill/>
+                    </a:rPr>
+                    <a:t> </a:t>
+                  </a:r>
+                </a:p>
+              </p:txBody>
+            </p:sp>
+          </mc:Fallback>
+        </mc:AlternateContent>
+      </p:grpSp>
+      <p:sp>
+        <p:nvSpPr>
+          <p:cNvPr id="13" name="Oval 12">
+            <a:extLst>
+              <a:ext uri="{FF2B5EF4-FFF2-40B4-BE49-F238E27FC236}">
+                <a16:creationId xmlns:a16="http://schemas.microsoft.com/office/drawing/2014/main" id="{2CC293DC-39BC-1B45-A30D-73D4C3227277}"/>
+              </a:ext>
+            </a:extLst>
+          </p:cNvPr>
+          <p:cNvSpPr/>
+          <p:nvPr/>
+        </p:nvSpPr>
+        <p:spPr>
+          <a:xfrm>
+            <a:off x="4603787" y="2471817"/>
+            <a:ext cx="719328" cy="719328"/>
+          </a:xfrm>
+          <a:prstGeom prst="ellipse">
+            <a:avLst/>
+          </a:prstGeom>
+          <a:noFill/>
+          <a:ln w="31750" cap="flat" cmpd="sng" algn="ctr">
+            <a:solidFill>
+              <a:schemeClr val="accent5"/>
+            </a:solidFill>
+            <a:prstDash val="solid"/>
+            <a:round/>
+            <a:headEnd type="none" w="med" len="med"/>
+            <a:tailEnd type="none" w="med" len="med"/>
+          </a:ln>
+        </p:spPr>
+        <p:style>
+          <a:lnRef idx="0">
+            <a:scrgbClr r="0" g="0" b="0"/>
+          </a:lnRef>
+          <a:fillRef idx="0">
+            <a:scrgbClr r="0" g="0" b="0"/>
+          </a:fillRef>
+          <a:effectRef idx="0">
+            <a:scrgbClr r="0" g="0" b="0"/>
+          </a:effectRef>
+          <a:fontRef idx="minor">
+            <a:schemeClr val="accent5"/>
+          </a:fontRef>
+        </p:style>
+        <p:txBody>
+          <a:bodyPr rtlCol="0" anchor="ctr"/>
+          <a:lstStyle/>
+          <a:p>
+            <a:pPr algn="ctr"/>
+            <a:endParaRPr lang="en-VN"/>
+          </a:p>
+        </p:txBody>
+      </p:sp>
+      <p:sp>
+        <p:nvSpPr>
+          <p:cNvPr id="14" name="Oval 13">
+            <a:extLst>
+              <a:ext uri="{FF2B5EF4-FFF2-40B4-BE49-F238E27FC236}">
+                <a16:creationId xmlns:a16="http://schemas.microsoft.com/office/drawing/2014/main" id="{59C256C6-3025-8542-8A1C-13CC2A2A86FC}"/>
+              </a:ext>
+            </a:extLst>
+          </p:cNvPr>
+          <p:cNvSpPr/>
+          <p:nvPr/>
+        </p:nvSpPr>
+        <p:spPr>
+          <a:xfrm>
+            <a:off x="4567211" y="4037953"/>
+            <a:ext cx="719328" cy="719328"/>
+          </a:xfrm>
+          <a:prstGeom prst="ellipse">
+            <a:avLst/>
+          </a:prstGeom>
+          <a:noFill/>
+          <a:ln w="31750" cap="flat" cmpd="sng" algn="ctr">
+            <a:solidFill>
+              <a:schemeClr val="accent5"/>
+            </a:solidFill>
+            <a:prstDash val="solid"/>
+            <a:round/>
+            <a:headEnd type="none" w="med" len="med"/>
+            <a:tailEnd type="none" w="med" len="med"/>
+          </a:ln>
+        </p:spPr>
+        <p:style>
+          <a:lnRef idx="0">
+            <a:scrgbClr r="0" g="0" b="0"/>
+          </a:lnRef>
+          <a:fillRef idx="0">
+            <a:scrgbClr r="0" g="0" b="0"/>
+          </a:fillRef>
+          <a:effectRef idx="0">
+            <a:scrgbClr r="0" g="0" b="0"/>
+          </a:effectRef>
+          <a:fontRef idx="minor">
+            <a:schemeClr val="accent5"/>
+          </a:fontRef>
+        </p:style>
+        <p:txBody>
+          <a:bodyPr rtlCol="0" anchor="ctr"/>
+          <a:lstStyle/>
+          <a:p>
+            <a:pPr algn="ctr"/>
+            <a:endParaRPr lang="en-VN"/>
+          </a:p>
+        </p:txBody>
+      </p:sp>
+      <p:cxnSp>
+        <p:nvCxnSpPr>
+          <p:cNvPr id="15" name="Straight Arrow Connector 14">
+            <a:extLst>
+              <a:ext uri="{FF2B5EF4-FFF2-40B4-BE49-F238E27FC236}">
+                <a16:creationId xmlns:a16="http://schemas.microsoft.com/office/drawing/2014/main" id="{C235AB40-0614-394B-9C29-BE5739112CAF}"/>
+              </a:ext>
+            </a:extLst>
+          </p:cNvPr>
+          <p:cNvCxnSpPr>
+            <a:stCxn id="5" idx="6"/>
+            <a:endCxn id="11" idx="2"/>
+          </p:cNvCxnSpPr>
+          <p:nvPr/>
+        </p:nvCxnSpPr>
+        <p:spPr>
+          <a:xfrm>
+            <a:off x="2518550" y="1046949"/>
+            <a:ext cx="2085237" cy="768201"/>
+          </a:xfrm>
+          <a:prstGeom prst="straightConnector1">
+            <a:avLst/>
+          </a:prstGeom>
+          <a:ln>
+            <a:tailEnd type="triangle"/>
+          </a:ln>
+        </p:spPr>
+        <p:style>
+          <a:lnRef idx="1">
+            <a:schemeClr val="accent1"/>
+          </a:lnRef>
+          <a:fillRef idx="0">
+            <a:schemeClr val="accent1"/>
+          </a:fillRef>
+          <a:effectRef idx="0">
+            <a:schemeClr val="accent1"/>
+          </a:effectRef>
+          <a:fontRef idx="minor">
+            <a:schemeClr val="tx1"/>
+          </a:fontRef>
+        </p:style>
+      </p:cxnSp>
+      <p:cxnSp>
+        <p:nvCxnSpPr>
+          <p:cNvPr id="16" name="Straight Arrow Connector 15">
+            <a:extLst>
+              <a:ext uri="{FF2B5EF4-FFF2-40B4-BE49-F238E27FC236}">
+                <a16:creationId xmlns:a16="http://schemas.microsoft.com/office/drawing/2014/main" id="{D13223FC-22FE-8549-AF19-74782C809CF4}"/>
+              </a:ext>
+            </a:extLst>
+          </p:cNvPr>
+          <p:cNvCxnSpPr>
+            <a:cxnSpLocks/>
+            <a:stCxn id="5" idx="6"/>
+            <a:endCxn id="13" idx="2"/>
+          </p:cNvCxnSpPr>
+          <p:nvPr/>
+        </p:nvCxnSpPr>
+        <p:spPr>
+          <a:xfrm>
+            <a:off x="2518550" y="1046949"/>
+            <a:ext cx="2085237" cy="1784532"/>
+          </a:xfrm>
+          <a:prstGeom prst="straightConnector1">
+            <a:avLst/>
+          </a:prstGeom>
+          <a:ln>
+            <a:tailEnd type="triangle"/>
+          </a:ln>
+        </p:spPr>
+        <p:style>
+          <a:lnRef idx="1">
+            <a:schemeClr val="accent1"/>
+          </a:lnRef>
+          <a:fillRef idx="0">
+            <a:schemeClr val="accent1"/>
+          </a:fillRef>
+          <a:effectRef idx="0">
+            <a:schemeClr val="accent1"/>
+          </a:effectRef>
+          <a:fontRef idx="minor">
+            <a:schemeClr val="tx1"/>
+          </a:fontRef>
+        </p:style>
+      </p:cxnSp>
+      <p:cxnSp>
+        <p:nvCxnSpPr>
+          <p:cNvPr id="17" name="Straight Arrow Connector 16">
+            <a:extLst>
+              <a:ext uri="{FF2B5EF4-FFF2-40B4-BE49-F238E27FC236}">
+                <a16:creationId xmlns:a16="http://schemas.microsoft.com/office/drawing/2014/main" id="{0E421B3F-3265-FD4D-937C-1E4BF2D5137E}"/>
+              </a:ext>
+            </a:extLst>
+          </p:cNvPr>
+          <p:cNvCxnSpPr>
+            <a:cxnSpLocks/>
+            <a:stCxn id="5" idx="6"/>
+            <a:endCxn id="14" idx="2"/>
+          </p:cNvCxnSpPr>
+          <p:nvPr/>
+        </p:nvCxnSpPr>
+        <p:spPr>
+          <a:xfrm>
+            <a:off x="2518550" y="1046949"/>
+            <a:ext cx="2048661" cy="3350668"/>
+          </a:xfrm>
+          <a:prstGeom prst="straightConnector1">
+            <a:avLst/>
+          </a:prstGeom>
+          <a:ln>
+            <a:tailEnd type="triangle"/>
+          </a:ln>
+        </p:spPr>
+        <p:style>
+          <a:lnRef idx="1">
+            <a:schemeClr val="accent1"/>
+          </a:lnRef>
+          <a:fillRef idx="0">
+            <a:schemeClr val="accent1"/>
+          </a:fillRef>
+          <a:effectRef idx="0">
+            <a:schemeClr val="accent1"/>
+          </a:effectRef>
+          <a:fontRef idx="minor">
+            <a:schemeClr val="tx1"/>
+          </a:fontRef>
+        </p:style>
+      </p:cxnSp>
+      <p:cxnSp>
+        <p:nvCxnSpPr>
+          <p:cNvPr id="18" name="Straight Arrow Connector 17">
+            <a:extLst>
+              <a:ext uri="{FF2B5EF4-FFF2-40B4-BE49-F238E27FC236}">
+                <a16:creationId xmlns:a16="http://schemas.microsoft.com/office/drawing/2014/main" id="{83205BA2-8686-6D4A-969F-8B85C045F7A6}"/>
+              </a:ext>
+            </a:extLst>
+          </p:cNvPr>
+          <p:cNvCxnSpPr>
+            <a:cxnSpLocks/>
+            <a:stCxn id="8" idx="6"/>
+            <a:endCxn id="11" idx="2"/>
+          </p:cNvCxnSpPr>
+          <p:nvPr/>
+        </p:nvCxnSpPr>
+        <p:spPr>
+          <a:xfrm flipV="1">
+            <a:off x="2518550" y="1815150"/>
+            <a:ext cx="2085237" cy="260702"/>
+          </a:xfrm>
+          <a:prstGeom prst="straightConnector1">
+            <a:avLst/>
+          </a:prstGeom>
+          <a:ln>
+            <a:tailEnd type="triangle"/>
+          </a:ln>
+        </p:spPr>
+        <p:style>
+          <a:lnRef idx="1">
+            <a:schemeClr val="accent1"/>
+          </a:lnRef>
+          <a:fillRef idx="0">
+            <a:schemeClr val="accent1"/>
+          </a:fillRef>
+          <a:effectRef idx="0">
+            <a:schemeClr val="accent1"/>
+          </a:effectRef>
+          <a:fontRef idx="minor">
+            <a:schemeClr val="tx1"/>
+          </a:fontRef>
+        </p:style>
+      </p:cxnSp>
+      <p:cxnSp>
+        <p:nvCxnSpPr>
+          <p:cNvPr id="19" name="Straight Arrow Connector 18">
+            <a:extLst>
+              <a:ext uri="{FF2B5EF4-FFF2-40B4-BE49-F238E27FC236}">
+                <a16:creationId xmlns:a16="http://schemas.microsoft.com/office/drawing/2014/main" id="{56B12910-DEFB-114E-9EA4-F8C4B32D5024}"/>
+              </a:ext>
+            </a:extLst>
+          </p:cNvPr>
+          <p:cNvCxnSpPr>
+            <a:cxnSpLocks/>
+            <a:stCxn id="8" idx="6"/>
+            <a:endCxn id="13" idx="2"/>
+          </p:cNvCxnSpPr>
+          <p:nvPr/>
+        </p:nvCxnSpPr>
+        <p:spPr>
+          <a:xfrm>
+            <a:off x="2518550" y="2075852"/>
+            <a:ext cx="2085237" cy="755629"/>
+          </a:xfrm>
+          <a:prstGeom prst="straightConnector1">
+            <a:avLst/>
+          </a:prstGeom>
+          <a:ln>
+            <a:tailEnd type="triangle"/>
+          </a:ln>
+        </p:spPr>
+        <p:style>
+          <a:lnRef idx="1">
+            <a:schemeClr val="accent1"/>
+          </a:lnRef>
+          <a:fillRef idx="0">
+            <a:schemeClr val="accent1"/>
+          </a:fillRef>
+          <a:effectRef idx="0">
+            <a:schemeClr val="accent1"/>
+          </a:effectRef>
+          <a:fontRef idx="minor">
+            <a:schemeClr val="tx1"/>
+          </a:fontRef>
+        </p:style>
+      </p:cxnSp>
+      <p:cxnSp>
+        <p:nvCxnSpPr>
+          <p:cNvPr id="20" name="Straight Arrow Connector 19">
+            <a:extLst>
+              <a:ext uri="{FF2B5EF4-FFF2-40B4-BE49-F238E27FC236}">
+                <a16:creationId xmlns:a16="http://schemas.microsoft.com/office/drawing/2014/main" id="{EBF1DAC7-0527-554F-B129-38ABD0FCE5D1}"/>
+              </a:ext>
+            </a:extLst>
+          </p:cNvPr>
+          <p:cNvCxnSpPr>
+            <a:stCxn id="8" idx="6"/>
+            <a:endCxn id="14" idx="2"/>
+          </p:cNvCxnSpPr>
+          <p:nvPr/>
+        </p:nvCxnSpPr>
+        <p:spPr>
+          <a:xfrm>
+            <a:off x="2518550" y="2075852"/>
+            <a:ext cx="2048661" cy="2321765"/>
+          </a:xfrm>
+          <a:prstGeom prst="straightConnector1">
+            <a:avLst/>
+          </a:prstGeom>
+          <a:ln>
+            <a:tailEnd type="triangle"/>
+          </a:ln>
+        </p:spPr>
+        <p:style>
+          <a:lnRef idx="1">
+            <a:schemeClr val="accent1"/>
+          </a:lnRef>
+          <a:fillRef idx="0">
+            <a:schemeClr val="accent1"/>
+          </a:fillRef>
+          <a:effectRef idx="0">
+            <a:schemeClr val="accent1"/>
+          </a:effectRef>
+          <a:fontRef idx="minor">
+            <a:schemeClr val="tx1"/>
+          </a:fontRef>
+        </p:style>
+      </p:cxnSp>
+      <p:cxnSp>
+        <p:nvCxnSpPr>
+          <p:cNvPr id="21" name="Straight Arrow Connector 20">
+            <a:extLst>
+              <a:ext uri="{FF2B5EF4-FFF2-40B4-BE49-F238E27FC236}">
+                <a16:creationId xmlns:a16="http://schemas.microsoft.com/office/drawing/2014/main" id="{F51B97FB-CCCF-0342-8234-44A4B115B43A}"/>
+              </a:ext>
+            </a:extLst>
+          </p:cNvPr>
+          <p:cNvCxnSpPr>
+            <a:cxnSpLocks/>
+            <a:stCxn id="11" idx="6"/>
+            <a:endCxn id="86" idx="2"/>
+          </p:cNvCxnSpPr>
+          <p:nvPr/>
+        </p:nvCxnSpPr>
+        <p:spPr>
+          <a:xfrm>
+            <a:off x="5323115" y="1815150"/>
+            <a:ext cx="902151" cy="391815"/>
+          </a:xfrm>
+          <a:prstGeom prst="straightConnector1">
+            <a:avLst/>
+          </a:prstGeom>
+          <a:ln>
+            <a:tailEnd type="triangle"/>
+          </a:ln>
+        </p:spPr>
+        <p:style>
+          <a:lnRef idx="1">
+            <a:schemeClr val="accent1"/>
+          </a:lnRef>
+          <a:fillRef idx="0">
+            <a:schemeClr val="accent1"/>
+          </a:fillRef>
+          <a:effectRef idx="0">
+            <a:schemeClr val="accent1"/>
+          </a:effectRef>
+          <a:fontRef idx="minor">
+            <a:schemeClr val="tx1"/>
+          </a:fontRef>
+        </p:style>
+      </p:cxnSp>
+      <p:cxnSp>
+        <p:nvCxnSpPr>
+          <p:cNvPr id="22" name="Straight Arrow Connector 21">
+            <a:extLst>
+              <a:ext uri="{FF2B5EF4-FFF2-40B4-BE49-F238E27FC236}">
+                <a16:creationId xmlns:a16="http://schemas.microsoft.com/office/drawing/2014/main" id="{D515E34D-74AF-B141-9BD9-55F7635E1C28}"/>
+              </a:ext>
+            </a:extLst>
+          </p:cNvPr>
+          <p:cNvCxnSpPr>
+            <a:cxnSpLocks/>
+            <a:stCxn id="13" idx="6"/>
+            <a:endCxn id="86" idx="2"/>
+          </p:cNvCxnSpPr>
+          <p:nvPr/>
+        </p:nvCxnSpPr>
+        <p:spPr>
+          <a:xfrm flipV="1">
+            <a:off x="5323115" y="2206965"/>
+            <a:ext cx="902151" cy="624516"/>
+          </a:xfrm>
+          <a:prstGeom prst="straightConnector1">
+            <a:avLst/>
+          </a:prstGeom>
+          <a:ln>
+            <a:tailEnd type="triangle"/>
+          </a:ln>
+        </p:spPr>
+        <p:style>
+          <a:lnRef idx="1">
+            <a:schemeClr val="accent1"/>
+          </a:lnRef>
+          <a:fillRef idx="0">
+            <a:schemeClr val="accent1"/>
+          </a:fillRef>
+          <a:effectRef idx="0">
+            <a:schemeClr val="accent1"/>
+          </a:effectRef>
+          <a:fontRef idx="minor">
+            <a:schemeClr val="tx1"/>
+          </a:fontRef>
+        </p:style>
+      </p:cxnSp>
+      <p:cxnSp>
+        <p:nvCxnSpPr>
+          <p:cNvPr id="23" name="Straight Arrow Connector 22">
+            <a:extLst>
+              <a:ext uri="{FF2B5EF4-FFF2-40B4-BE49-F238E27FC236}">
+                <a16:creationId xmlns:a16="http://schemas.microsoft.com/office/drawing/2014/main" id="{8D37D34E-CA73-AC4B-B20C-D9FDB83B44B0}"/>
+              </a:ext>
+            </a:extLst>
+          </p:cNvPr>
+          <p:cNvCxnSpPr>
+            <a:cxnSpLocks/>
+            <a:stCxn id="14" idx="6"/>
+            <a:endCxn id="92" idx="2"/>
+          </p:cNvCxnSpPr>
+          <p:nvPr/>
+        </p:nvCxnSpPr>
+        <p:spPr>
+          <a:xfrm flipV="1">
+            <a:off x="5286539" y="4090254"/>
+            <a:ext cx="938417" cy="307363"/>
+          </a:xfrm>
+          <a:prstGeom prst="straightConnector1">
+            <a:avLst/>
+          </a:prstGeom>
+          <a:ln>
+            <a:tailEnd type="triangle"/>
+          </a:ln>
+        </p:spPr>
+        <p:style>
+          <a:lnRef idx="1">
+            <a:schemeClr val="accent1"/>
+          </a:lnRef>
+          <a:fillRef idx="0">
+            <a:schemeClr val="accent1"/>
+          </a:fillRef>
+          <a:effectRef idx="0">
+            <a:schemeClr val="accent1"/>
+          </a:effectRef>
+          <a:fontRef idx="minor">
+            <a:schemeClr val="tx1"/>
+          </a:fontRef>
+        </p:style>
+      </p:cxnSp>
+      <mc:AlternateContent xmlns:mc="http://schemas.openxmlformats.org/markup-compatibility/2006" xmlns:a14="http://schemas.microsoft.com/office/drawing/2010/main">
+        <mc:Choice Requires="a14">
+          <p:sp>
+            <p:nvSpPr>
+              <p:cNvPr id="24" name="TextBox 23">
+                <a:extLst>
+                  <a:ext uri="{FF2B5EF4-FFF2-40B4-BE49-F238E27FC236}">
+                    <a16:creationId xmlns:a16="http://schemas.microsoft.com/office/drawing/2014/main" id="{B944A766-52A5-DD4D-988B-AC755FE15BF0}"/>
+                  </a:ext>
+                </a:extLst>
+              </p:cNvPr>
+              <p:cNvSpPr txBox="1"/>
+              <p:nvPr/>
+            </p:nvSpPr>
+            <p:spPr>
+              <a:xfrm>
+                <a:off x="4746235" y="2586519"/>
+                <a:ext cx="483274" cy="539507"/>
+              </a:xfrm>
+              <a:prstGeom prst="rect">
+                <a:avLst/>
+              </a:prstGeom>
+              <a:noFill/>
+            </p:spPr>
+            <p:txBody>
+              <a:bodyPr wrap="none" rtlCol="0">
+                <a:spAutoFit/>
+              </a:bodyPr>
+              <a:lstStyle/>
+              <a:p>
+                <a:pPr/>
+                <a14:m>
+                  <m:oMathPara xmlns:m="http://schemas.openxmlformats.org/officeDocument/2006/math">
+                    <m:oMathParaPr>
+                      <m:jc m:val="centerGroup"/>
+                    </m:oMathParaPr>
+                    <m:oMath xmlns:m="http://schemas.openxmlformats.org/officeDocument/2006/math">
+                      <m:nary>
+                        <m:naryPr>
+                          <m:chr m:val="∑"/>
+                          <m:subHide m:val="on"/>
+                          <m:supHide m:val="on"/>
+                          <m:ctrlPr>
+                            <a:rPr lang="en-VN" sz="1200" i="1">
+                              <a:latin typeface="Cambria Math" panose="02040503050406030204" pitchFamily="18" charset="0"/>
+                            </a:rPr>
+                          </m:ctrlPr>
+                        </m:naryPr>
+                        <m:sub/>
+                        <m:sup/>
+                        <m:e>
+                          <m:r>
+                            <a:rPr lang="en-US" sz="1200" b="0" i="1">
+                              <a:latin typeface="Cambria Math" panose="02040503050406030204" pitchFamily="18" charset="0"/>
+                            </a:rPr>
+                            <m:t> </m:t>
+                          </m:r>
+                        </m:e>
+                      </m:nary>
+                    </m:oMath>
+                  </m:oMathPara>
+                </a14:m>
+                <a:endParaRPr lang="en-VN" sz="1200"/>
+              </a:p>
+            </p:txBody>
+          </p:sp>
+        </mc:Choice>
+        <mc:Fallback xmlns="">
+          <p:sp>
+            <p:nvSpPr>
+              <p:cNvPr id="24" name="TextBox 23">
+                <a:extLst>
+                  <a:ext uri="{FF2B5EF4-FFF2-40B4-BE49-F238E27FC236}">
+                    <a16:creationId xmlns:a16="http://schemas.microsoft.com/office/drawing/2014/main" id="{B944A766-52A5-DD4D-988B-AC755FE15BF0}"/>
+                  </a:ext>
+                </a:extLst>
+              </p:cNvPr>
+              <p:cNvSpPr txBox="1">
+                <a:spLocks noRot="1" noChangeAspect="1" noMove="1" noResize="1" noEditPoints="1" noAdjustHandles="1" noChangeArrowheads="1" noChangeShapeType="1" noTextEdit="1"/>
+              </p:cNvSpPr>
+              <p:nvPr/>
+            </p:nvSpPr>
+            <p:spPr>
+              <a:xfrm>
+                <a:off x="4746235" y="2586519"/>
+                <a:ext cx="483274" cy="539507"/>
+              </a:xfrm>
+              <a:prstGeom prst="rect">
+                <a:avLst/>
+              </a:prstGeom>
+              <a:blipFill>
+                <a:blip r:embed="rId5"/>
+                <a:stretch>
+                  <a:fillRect l="-94872" t="-116667" r="-43590" b="-166667"/>
+                </a:stretch>
+              </a:blipFill>
+            </p:spPr>
+            <p:txBody>
+              <a:bodyPr/>
+              <a:lstStyle/>
+              <a:p>
+                <a:r>
+                  <a:rPr lang="en-VN">
+                    <a:noFill/>
+                  </a:rPr>
+                  <a:t> </a:t>
+                </a:r>
+              </a:p>
+            </p:txBody>
+          </p:sp>
+        </mc:Fallback>
+      </mc:AlternateContent>
+      <mc:AlternateContent xmlns:mc="http://schemas.openxmlformats.org/markup-compatibility/2006" xmlns:a14="http://schemas.microsoft.com/office/drawing/2010/main">
+        <mc:Choice Requires="a14">
+          <p:sp>
+            <p:nvSpPr>
+              <p:cNvPr id="25" name="TextBox 24">
+                <a:extLst>
+                  <a:ext uri="{FF2B5EF4-FFF2-40B4-BE49-F238E27FC236}">
+                    <a16:creationId xmlns:a16="http://schemas.microsoft.com/office/drawing/2014/main" id="{84F2F320-8538-D044-83E7-753C09F84CA2}"/>
+                  </a:ext>
+                </a:extLst>
+              </p:cNvPr>
+              <p:cNvSpPr txBox="1"/>
+              <p:nvPr/>
+            </p:nvSpPr>
+            <p:spPr>
+              <a:xfrm>
+                <a:off x="4722306" y="4162309"/>
+                <a:ext cx="483274" cy="539507"/>
+              </a:xfrm>
+              <a:prstGeom prst="rect">
+                <a:avLst/>
+              </a:prstGeom>
+              <a:noFill/>
+            </p:spPr>
+            <p:txBody>
+              <a:bodyPr wrap="none" rtlCol="0">
+                <a:spAutoFit/>
+              </a:bodyPr>
+              <a:lstStyle/>
+              <a:p>
+                <a:pPr/>
+                <a14:m>
+                  <m:oMathPara xmlns:m="http://schemas.openxmlformats.org/officeDocument/2006/math">
+                    <m:oMathParaPr>
+                      <m:jc m:val="centerGroup"/>
+                    </m:oMathParaPr>
+                    <m:oMath xmlns:m="http://schemas.openxmlformats.org/officeDocument/2006/math">
+                      <m:nary>
+                        <m:naryPr>
+                          <m:chr m:val="∑"/>
+                          <m:subHide m:val="on"/>
+                          <m:supHide m:val="on"/>
+                          <m:ctrlPr>
+                            <a:rPr lang="en-VN" sz="1200" i="1">
+                              <a:latin typeface="Cambria Math" panose="02040503050406030204" pitchFamily="18" charset="0"/>
+                            </a:rPr>
+                          </m:ctrlPr>
+                        </m:naryPr>
+                        <m:sub/>
+                        <m:sup/>
+                        <m:e>
+                          <m:r>
+                            <a:rPr lang="en-US" sz="1200" b="0" i="1">
+                              <a:latin typeface="Cambria Math" panose="02040503050406030204" pitchFamily="18" charset="0"/>
+                            </a:rPr>
+                            <m:t> </m:t>
+                          </m:r>
+                        </m:e>
+                      </m:nary>
+                    </m:oMath>
+                  </m:oMathPara>
+                </a14:m>
+                <a:endParaRPr lang="en-VN" sz="1200"/>
+              </a:p>
+            </p:txBody>
+          </p:sp>
+        </mc:Choice>
+        <mc:Fallback xmlns="">
+          <p:sp>
+            <p:nvSpPr>
+              <p:cNvPr id="25" name="TextBox 24">
+                <a:extLst>
+                  <a:ext uri="{FF2B5EF4-FFF2-40B4-BE49-F238E27FC236}">
+                    <a16:creationId xmlns:a16="http://schemas.microsoft.com/office/drawing/2014/main" id="{84F2F320-8538-D044-83E7-753C09F84CA2}"/>
+                  </a:ext>
+                </a:extLst>
+              </p:cNvPr>
+              <p:cNvSpPr txBox="1">
+                <a:spLocks noRot="1" noChangeAspect="1" noMove="1" noResize="1" noEditPoints="1" noAdjustHandles="1" noChangeArrowheads="1" noChangeShapeType="1" noTextEdit="1"/>
+              </p:cNvSpPr>
+              <p:nvPr/>
+            </p:nvSpPr>
+            <p:spPr>
+              <a:xfrm>
+                <a:off x="4722306" y="4162309"/>
+                <a:ext cx="483274" cy="539507"/>
+              </a:xfrm>
+              <a:prstGeom prst="rect">
+                <a:avLst/>
+              </a:prstGeom>
+              <a:blipFill>
+                <a:blip r:embed="rId6"/>
+                <a:stretch>
+                  <a:fillRect l="-100000" t="-113953" r="-44737" b="-162791"/>
+                </a:stretch>
+              </a:blipFill>
+            </p:spPr>
+            <p:txBody>
+              <a:bodyPr/>
+              <a:lstStyle/>
+              <a:p>
+                <a:r>
+                  <a:rPr lang="en-VN">
+                    <a:noFill/>
+                  </a:rPr>
+                  <a:t> </a:t>
+                </a:r>
+              </a:p>
+            </p:txBody>
+          </p:sp>
+        </mc:Fallback>
+      </mc:AlternateContent>
+      <p:sp>
+        <p:nvSpPr>
+          <p:cNvPr id="38" name="Rounded Rectangle 37">
+            <a:extLst>
+              <a:ext uri="{FF2B5EF4-FFF2-40B4-BE49-F238E27FC236}">
+                <a16:creationId xmlns:a16="http://schemas.microsoft.com/office/drawing/2014/main" id="{46993025-11CB-ED41-AC80-AB8B427E8BE5}"/>
+              </a:ext>
+            </a:extLst>
+          </p:cNvPr>
+          <p:cNvSpPr/>
+          <p:nvPr/>
+        </p:nvSpPr>
+        <p:spPr>
+          <a:xfrm>
+            <a:off x="7336972" y="1273886"/>
+            <a:ext cx="508000" cy="3953812"/>
+          </a:xfrm>
+          <a:prstGeom prst="roundRect">
+            <a:avLst/>
+          </a:prstGeom>
+        </p:spPr>
+        <p:style>
+          <a:lnRef idx="2">
+            <a:schemeClr val="accent6">
+              <a:shade val="50000"/>
+            </a:schemeClr>
+          </a:lnRef>
+          <a:fillRef idx="1">
+            <a:schemeClr val="accent6"/>
+          </a:fillRef>
+          <a:effectRef idx="0">
+            <a:schemeClr val="accent6"/>
+          </a:effectRef>
+          <a:fontRef idx="minor">
+            <a:schemeClr val="lt1"/>
+          </a:fontRef>
+        </p:style>
+        <p:txBody>
+          <a:bodyPr rtlCol="0" anchor="ctr"/>
+          <a:lstStyle/>
+          <a:p>
+            <a:pPr algn="ctr"/>
+            <a:endParaRPr lang="en-VN"/>
+          </a:p>
+        </p:txBody>
+      </p:sp>
+      <p:cxnSp>
+        <p:nvCxnSpPr>
+          <p:cNvPr id="39" name="Straight Arrow Connector 38">
+            <a:extLst>
+              <a:ext uri="{FF2B5EF4-FFF2-40B4-BE49-F238E27FC236}">
+                <a16:creationId xmlns:a16="http://schemas.microsoft.com/office/drawing/2014/main" id="{6595E4DE-B9D2-A549-8541-E87CE6658A66}"/>
+              </a:ext>
+            </a:extLst>
+          </p:cNvPr>
+          <p:cNvCxnSpPr>
+            <a:cxnSpLocks/>
+          </p:cNvCxnSpPr>
+          <p:nvPr/>
+        </p:nvCxnSpPr>
+        <p:spPr>
+          <a:xfrm>
+            <a:off x="6756668" y="2206965"/>
+            <a:ext cx="596878" cy="0"/>
+          </a:xfrm>
+          <a:prstGeom prst="straightConnector1">
+            <a:avLst/>
+          </a:prstGeom>
+          <a:ln>
+            <a:tailEnd type="triangle"/>
+          </a:ln>
+        </p:spPr>
+        <p:style>
+          <a:lnRef idx="1">
+            <a:schemeClr val="accent1"/>
+          </a:lnRef>
+          <a:fillRef idx="0">
+            <a:schemeClr val="accent1"/>
+          </a:fillRef>
+          <a:effectRef idx="0">
+            <a:schemeClr val="accent1"/>
+          </a:effectRef>
+          <a:fontRef idx="minor">
+            <a:schemeClr val="tx1"/>
+          </a:fontRef>
+        </p:style>
+      </p:cxnSp>
+      <p:cxnSp>
+        <p:nvCxnSpPr>
+          <p:cNvPr id="40" name="Straight Arrow Connector 39">
+            <a:extLst>
+              <a:ext uri="{FF2B5EF4-FFF2-40B4-BE49-F238E27FC236}">
+                <a16:creationId xmlns:a16="http://schemas.microsoft.com/office/drawing/2014/main" id="{7C6D285A-69F1-1B4B-BA6B-C9AEAE7E8AB8}"/>
+              </a:ext>
+            </a:extLst>
+          </p:cNvPr>
+          <p:cNvCxnSpPr>
+            <a:cxnSpLocks/>
+          </p:cNvCxnSpPr>
+          <p:nvPr/>
+        </p:nvCxnSpPr>
+        <p:spPr>
+          <a:xfrm>
+            <a:off x="6756354" y="2974465"/>
+            <a:ext cx="578839" cy="0"/>
+          </a:xfrm>
+          <a:prstGeom prst="straightConnector1">
+            <a:avLst/>
+          </a:prstGeom>
+          <a:ln>
+            <a:tailEnd type="triangle"/>
+          </a:ln>
+        </p:spPr>
+        <p:style>
+          <a:lnRef idx="1">
+            <a:schemeClr val="accent1"/>
+          </a:lnRef>
+          <a:fillRef idx="0">
+            <a:schemeClr val="accent1"/>
+          </a:fillRef>
+          <a:effectRef idx="0">
+            <a:schemeClr val="accent1"/>
+          </a:effectRef>
+          <a:fontRef idx="minor">
+            <a:schemeClr val="tx1"/>
+          </a:fontRef>
+        </p:style>
+      </p:cxnSp>
+      <p:cxnSp>
+        <p:nvCxnSpPr>
+          <p:cNvPr id="41" name="Straight Arrow Connector 40">
+            <a:extLst>
+              <a:ext uri="{FF2B5EF4-FFF2-40B4-BE49-F238E27FC236}">
+                <a16:creationId xmlns:a16="http://schemas.microsoft.com/office/drawing/2014/main" id="{A42EF9D8-0043-8340-8A86-46F0C160FB71}"/>
+              </a:ext>
+            </a:extLst>
+          </p:cNvPr>
+          <p:cNvCxnSpPr>
+            <a:cxnSpLocks/>
+          </p:cNvCxnSpPr>
+          <p:nvPr/>
+        </p:nvCxnSpPr>
+        <p:spPr>
+          <a:xfrm>
+            <a:off x="6756360" y="4090254"/>
+            <a:ext cx="597517" cy="0"/>
+          </a:xfrm>
+          <a:prstGeom prst="straightConnector1">
+            <a:avLst/>
+          </a:prstGeom>
+          <a:ln>
+            <a:tailEnd type="triangle"/>
+          </a:ln>
+        </p:spPr>
+        <p:style>
+          <a:lnRef idx="1">
+            <a:schemeClr val="accent1"/>
+          </a:lnRef>
+          <a:fillRef idx="0">
+            <a:schemeClr val="accent1"/>
+          </a:fillRef>
+          <a:effectRef idx="0">
+            <a:schemeClr val="accent1"/>
+          </a:effectRef>
+          <a:fontRef idx="minor">
+            <a:schemeClr val="tx1"/>
+          </a:fontRef>
+        </p:style>
+      </p:cxnSp>
+      <p:sp>
+        <p:nvSpPr>
+          <p:cNvPr id="42" name="Right Brace 41">
+            <a:extLst>
+              <a:ext uri="{FF2B5EF4-FFF2-40B4-BE49-F238E27FC236}">
+                <a16:creationId xmlns:a16="http://schemas.microsoft.com/office/drawing/2014/main" id="{885D8840-D36C-264D-9042-A976644D721C}"/>
+              </a:ext>
+            </a:extLst>
+          </p:cNvPr>
+          <p:cNvSpPr/>
+          <p:nvPr/>
+        </p:nvSpPr>
+        <p:spPr>
+          <a:xfrm>
+            <a:off x="8974037" y="1841838"/>
+            <a:ext cx="302720" cy="2555779"/>
+          </a:xfrm>
+          <a:prstGeom prst="rightBrace">
+            <a:avLst/>
+          </a:prstGeom>
+        </p:spPr>
+        <p:style>
+          <a:lnRef idx="1">
+            <a:schemeClr val="accent1"/>
+          </a:lnRef>
+          <a:fillRef idx="0">
+            <a:schemeClr val="accent1"/>
+          </a:fillRef>
+          <a:effectRef idx="0">
+            <a:schemeClr val="accent1"/>
+          </a:effectRef>
+          <a:fontRef idx="minor">
+            <a:schemeClr val="tx1"/>
+          </a:fontRef>
+        </p:style>
+        <p:txBody>
+          <a:bodyPr rtlCol="0" anchor="ctr"/>
+          <a:lstStyle/>
+          <a:p>
+            <a:pPr algn="ctr"/>
+            <a:endParaRPr lang="en-VN"/>
+          </a:p>
+        </p:txBody>
+      </p:sp>
+      <mc:AlternateContent xmlns:mc="http://schemas.openxmlformats.org/markup-compatibility/2006">
+        <mc:Choice xmlns:a14="http://schemas.microsoft.com/office/drawing/2010/main" Requires="a14">
+          <p:sp>
+            <p:nvSpPr>
+              <p:cNvPr id="53" name="TextBox 52">
+                <a:extLst>
+                  <a:ext uri="{FF2B5EF4-FFF2-40B4-BE49-F238E27FC236}">
+                    <a16:creationId xmlns:a16="http://schemas.microsoft.com/office/drawing/2014/main" id="{1D1B830E-AFBB-354F-B806-481D0D7EDAA2}"/>
+                  </a:ext>
+                </a:extLst>
+              </p:cNvPr>
+              <p:cNvSpPr txBox="1"/>
+              <p:nvPr/>
+            </p:nvSpPr>
+            <p:spPr>
+              <a:xfrm>
+                <a:off x="8288993" y="5416124"/>
+                <a:ext cx="974947" cy="369332"/>
+              </a:xfrm>
+              <a:prstGeom prst="rect">
+                <a:avLst/>
+              </a:prstGeom>
+              <a:noFill/>
+            </p:spPr>
+            <p:txBody>
+              <a:bodyPr wrap="none" rtlCol="0">
+                <a:spAutoFit/>
+              </a:bodyPr>
+              <a:lstStyle/>
+              <a:p>
+                <a:pPr/>
+                <a14:m>
+                  <m:oMathPara xmlns:m="http://schemas.openxmlformats.org/officeDocument/2006/math">
+                    <m:oMathParaPr>
+                      <m:jc m:val="centerGroup"/>
+                    </m:oMathParaPr>
+                    <m:oMath xmlns:m="http://schemas.openxmlformats.org/officeDocument/2006/math">
+                      <m:r>
+                        <m:rPr>
+                          <m:sty m:val="p"/>
+                        </m:rPr>
+                        <a:rPr lang="en-VN" i="0">
+                          <a:latin typeface="Cambria Math" panose="02040503050406030204" pitchFamily="18" charset="0"/>
+                        </a:rPr>
+                        <m:t>argmax</m:t>
+                      </m:r>
+                    </m:oMath>
+                  </m:oMathPara>
+                </a14:m>
+                <a:endParaRPr lang="en-VN"/>
+              </a:p>
+            </p:txBody>
+          </p:sp>
+        </mc:Choice>
+        <mc:Fallback>
+          <p:sp>
+            <p:nvSpPr>
+              <p:cNvPr id="53" name="TextBox 52">
+                <a:extLst>
+                  <a:ext uri="{FF2B5EF4-FFF2-40B4-BE49-F238E27FC236}">
+                    <a16:creationId xmlns:a16="http://schemas.microsoft.com/office/drawing/2014/main" id="{1D1B830E-AFBB-354F-B806-481D0D7EDAA2}"/>
+                  </a:ext>
+                </a:extLst>
+              </p:cNvPr>
+              <p:cNvSpPr txBox="1">
+                <a:spLocks noRot="1" noChangeAspect="1" noMove="1" noResize="1" noEditPoints="1" noAdjustHandles="1" noChangeArrowheads="1" noChangeShapeType="1" noTextEdit="1"/>
+              </p:cNvSpPr>
+              <p:nvPr/>
+            </p:nvSpPr>
+            <p:spPr>
+              <a:xfrm>
+                <a:off x="8288993" y="5416124"/>
+                <a:ext cx="974947" cy="369332"/>
+              </a:xfrm>
+              <a:prstGeom prst="rect">
+                <a:avLst/>
+              </a:prstGeom>
+              <a:blipFill>
+                <a:blip r:embed="rId7"/>
+                <a:stretch>
+                  <a:fillRect b="-3226"/>
+                </a:stretch>
+              </a:blipFill>
+            </p:spPr>
+            <p:txBody>
+              <a:bodyPr/>
+              <a:lstStyle/>
+              <a:p>
+                <a:r>
+                  <a:rPr lang="en-VN">
+                    <a:noFill/>
+                  </a:rPr>
+                  <a:t> </a:t>
+                </a:r>
+              </a:p>
+            </p:txBody>
+          </p:sp>
+        </mc:Fallback>
+      </mc:AlternateContent>
+      <p:grpSp>
+        <p:nvGrpSpPr>
+          <p:cNvPr id="54" name="Group 53">
+            <a:extLst>
+              <a:ext uri="{FF2B5EF4-FFF2-40B4-BE49-F238E27FC236}">
+                <a16:creationId xmlns:a16="http://schemas.microsoft.com/office/drawing/2014/main" id="{2CEF04E3-7BFC-294F-AAE0-E889C059C5DD}"/>
+              </a:ext>
+            </a:extLst>
+          </p:cNvPr>
+          <p:cNvGrpSpPr/>
+          <p:nvPr/>
+        </p:nvGrpSpPr>
+        <p:grpSpPr>
+          <a:xfrm>
+            <a:off x="9498403" y="2825215"/>
+            <a:ext cx="531402" cy="531402"/>
+            <a:chOff x="1381615" y="1886712"/>
+            <a:chExt cx="719328" cy="719328"/>
+          </a:xfrm>
+        </p:grpSpPr>
+        <p:sp>
+          <p:nvSpPr>
+            <p:cNvPr id="55" name="Oval 54">
+              <a:extLst>
+                <a:ext uri="{FF2B5EF4-FFF2-40B4-BE49-F238E27FC236}">
+                  <a16:creationId xmlns:a16="http://schemas.microsoft.com/office/drawing/2014/main" id="{FC3DF3B6-8D99-4244-B1CA-816DE114A728}"/>
+                </a:ext>
+              </a:extLst>
+            </p:cNvPr>
+            <p:cNvSpPr/>
+            <p:nvPr/>
+          </p:nvSpPr>
+          <p:spPr>
+            <a:xfrm>
+              <a:off x="1381615" y="1886712"/>
+              <a:ext cx="719328" cy="719328"/>
+            </a:xfrm>
+            <a:prstGeom prst="ellipse">
+              <a:avLst/>
+            </a:prstGeom>
+            <a:noFill/>
+            <a:ln w="31750" cap="flat" cmpd="sng" algn="ctr">
+              <a:solidFill>
+                <a:schemeClr val="accent5"/>
+              </a:solidFill>
+              <a:prstDash val="solid"/>
+              <a:round/>
+              <a:headEnd type="none" w="med" len="med"/>
+              <a:tailEnd type="none" w="med" len="med"/>
+            </a:ln>
+          </p:spPr>
+          <p:style>
+            <a:lnRef idx="0">
+              <a:scrgbClr r="0" g="0" b="0"/>
+            </a:lnRef>
+            <a:fillRef idx="0">
+              <a:scrgbClr r="0" g="0" b="0"/>
+            </a:fillRef>
+            <a:effectRef idx="0">
+              <a:scrgbClr r="0" g="0" b="0"/>
+            </a:effectRef>
+            <a:fontRef idx="minor">
+              <a:schemeClr val="accent5"/>
+            </a:fontRef>
+          </p:style>
+          <p:txBody>
+            <a:bodyPr rtlCol="0" anchor="ctr"/>
+            <a:lstStyle/>
+            <a:p>
+              <a:pPr algn="ctr"/>
+              <a:endParaRPr lang="en-VN"/>
+            </a:p>
+          </p:txBody>
+        </p:sp>
+        <mc:AlternateContent xmlns:mc="http://schemas.openxmlformats.org/markup-compatibility/2006" xmlns:a14="http://schemas.microsoft.com/office/drawing/2010/main">
+          <mc:Choice Requires="a14">
+            <p:sp>
+              <p:nvSpPr>
+                <p:cNvPr id="56" name="TextBox 55">
+                  <a:extLst>
+                    <a:ext uri="{FF2B5EF4-FFF2-40B4-BE49-F238E27FC236}">
+                      <a16:creationId xmlns:a16="http://schemas.microsoft.com/office/drawing/2014/main" id="{92E92A0F-4FCE-E34E-8A9B-3C9053913E4E}"/>
+                    </a:ext>
+                  </a:extLst>
+                </p:cNvPr>
+                <p:cNvSpPr txBox="1"/>
+                <p:nvPr/>
+              </p:nvSpPr>
+              <p:spPr>
+                <a:xfrm>
+                  <a:off x="1501289" y="1975316"/>
+                  <a:ext cx="479980" cy="499943"/>
+                </a:xfrm>
+                <a:prstGeom prst="rect">
+                  <a:avLst/>
+                </a:prstGeom>
+                <a:noFill/>
+              </p:spPr>
+              <p:txBody>
+                <a:bodyPr wrap="none" rtlCol="0">
+                  <a:spAutoFit/>
+                </a:bodyPr>
+                <a:lstStyle/>
+                <a:p>
+                  <a:pPr/>
+                  <a14:m>
+                    <m:oMathPara xmlns:m="http://schemas.openxmlformats.org/officeDocument/2006/math">
+                      <m:oMathParaPr>
+                        <m:jc m:val="centerGroup"/>
+                      </m:oMathParaPr>
+                      <m:oMath xmlns:m="http://schemas.openxmlformats.org/officeDocument/2006/math">
+                        <m:r>
+                          <m:rPr>
+                            <m:sty m:val="p"/>
+                          </m:rPr>
+                          <a:rPr lang="en-VN" i="0">
+                            <a:latin typeface="Cambria Math" panose="02040503050406030204" pitchFamily="18" charset="0"/>
+                          </a:rPr>
+                          <m:t>y</m:t>
+                        </m:r>
+                      </m:oMath>
+                    </m:oMathPara>
+                  </a14:m>
+                  <a:endParaRPr lang="en-VN"/>
+                </a:p>
+              </p:txBody>
+            </p:sp>
+          </mc:Choice>
+          <mc:Fallback xmlns="">
+            <p:sp>
+              <p:nvSpPr>
+                <p:cNvPr id="130" name="TextBox 129">
+                  <a:extLst>
+                    <a:ext uri="{FF2B5EF4-FFF2-40B4-BE49-F238E27FC236}">
+                      <a16:creationId xmlns:a16="http://schemas.microsoft.com/office/drawing/2014/main" id="{4DE71F31-B04B-1542-B27C-304674AC4E3C}"/>
+                    </a:ext>
+                  </a:extLst>
+                </p:cNvPr>
+                <p:cNvSpPr txBox="1">
+                  <a:spLocks noRot="1" noChangeAspect="1" noMove="1" noResize="1" noEditPoints="1" noAdjustHandles="1" noChangeArrowheads="1" noChangeShapeType="1" noTextEdit="1"/>
+                </p:cNvSpPr>
+                <p:nvPr/>
+              </p:nvSpPr>
+              <p:spPr>
+                <a:xfrm>
+                  <a:off x="1501289" y="1975316"/>
+                  <a:ext cx="479980" cy="499943"/>
+                </a:xfrm>
+                <a:prstGeom prst="rect">
+                  <a:avLst/>
+                </a:prstGeom>
+                <a:blipFill>
+                  <a:blip r:embed="rId14"/>
+                  <a:stretch>
+                    <a:fillRect b="-3333"/>
+                  </a:stretch>
+                </a:blipFill>
+              </p:spPr>
+              <p:txBody>
+                <a:bodyPr/>
+                <a:lstStyle/>
+                <a:p>
+                  <a:r>
+                    <a:rPr lang="en-VN">
+                      <a:noFill/>
+                    </a:rPr>
+                    <a:t> </a:t>
+                  </a:r>
+                </a:p>
+              </p:txBody>
+            </p:sp>
+          </mc:Fallback>
+        </mc:AlternateContent>
+      </p:grpSp>
+      <mc:AlternateContent xmlns:mc="http://schemas.openxmlformats.org/markup-compatibility/2006">
+        <mc:Choice xmlns:a14="http://schemas.microsoft.com/office/drawing/2010/main" Requires="a14">
+          <p:sp>
+            <p:nvSpPr>
+              <p:cNvPr id="57" name="TextBox 56">
+                <a:extLst>
+                  <a:ext uri="{FF2B5EF4-FFF2-40B4-BE49-F238E27FC236}">
+                    <a16:creationId xmlns:a16="http://schemas.microsoft.com/office/drawing/2014/main" id="{49784F22-3E1D-5A4E-ADA9-0267B427F237}"/>
+                  </a:ext>
+                </a:extLst>
+              </p:cNvPr>
+              <p:cNvSpPr txBox="1"/>
+              <p:nvPr/>
+            </p:nvSpPr>
+            <p:spPr>
+              <a:xfrm>
+                <a:off x="7104557" y="5416124"/>
+                <a:ext cx="972830" cy="369332"/>
+              </a:xfrm>
+              <a:prstGeom prst="rect">
+                <a:avLst/>
+              </a:prstGeom>
+              <a:noFill/>
+            </p:spPr>
+            <p:txBody>
+              <a:bodyPr wrap="none" rtlCol="0">
+                <a:spAutoFit/>
+              </a:bodyPr>
+              <a:lstStyle/>
+              <a:p>
+                <a14:m>
+                  <m:oMath xmlns:m="http://schemas.openxmlformats.org/officeDocument/2006/math">
+                    <m:r>
+                      <m:rPr>
+                        <m:sty m:val="p"/>
+                      </m:rPr>
+                      <a:rPr lang="en-US" b="0" i="0">
+                        <a:latin typeface="Cambria Math" panose="02040503050406030204" pitchFamily="18" charset="0"/>
+                        <a:ea typeface="Cambria Math" panose="02040503050406030204" pitchFamily="18" charset="0"/>
+                      </a:rPr>
+                      <m:t>S</m:t>
+                    </m:r>
+                    <m:r>
+                      <m:rPr>
+                        <m:sty m:val="p"/>
+                      </m:rPr>
+                      <a:rPr lang="en-US" b="0" i="1">
+                        <a:latin typeface="Cambria Math" panose="02040503050406030204" pitchFamily="18" charset="0"/>
+                        <a:ea typeface="Cambria Math" panose="02040503050406030204" pitchFamily="18" charset="0"/>
+                      </a:rPr>
+                      <m:t>of</m:t>
+                    </m:r>
+                  </m:oMath>
+                </a14:m>
+                <a:r>
+                  <a:rPr lang="en-VN">
+                    <a:latin typeface="Cambria Math" panose="02040503050406030204" pitchFamily="18" charset="0"/>
+                    <a:ea typeface="Cambria Math" panose="02040503050406030204" pitchFamily="18" charset="0"/>
+                  </a:rPr>
+                  <a:t>tMax</a:t>
+                </a:r>
+              </a:p>
+            </p:txBody>
+          </p:sp>
+        </mc:Choice>
+        <mc:Fallback>
+          <p:sp>
+            <p:nvSpPr>
+              <p:cNvPr id="57" name="TextBox 56">
+                <a:extLst>
+                  <a:ext uri="{FF2B5EF4-FFF2-40B4-BE49-F238E27FC236}">
+                    <a16:creationId xmlns:a16="http://schemas.microsoft.com/office/drawing/2014/main" id="{49784F22-3E1D-5A4E-ADA9-0267B427F237}"/>
+                  </a:ext>
+                </a:extLst>
+              </p:cNvPr>
+              <p:cNvSpPr txBox="1">
+                <a:spLocks noRot="1" noChangeAspect="1" noMove="1" noResize="1" noEditPoints="1" noAdjustHandles="1" noChangeArrowheads="1" noChangeShapeType="1" noTextEdit="1"/>
+              </p:cNvSpPr>
+              <p:nvPr/>
+            </p:nvSpPr>
+            <p:spPr>
+              <a:xfrm>
+                <a:off x="7104557" y="5416124"/>
+                <a:ext cx="972830" cy="369332"/>
+              </a:xfrm>
+              <a:prstGeom prst="rect">
+                <a:avLst/>
+              </a:prstGeom>
+              <a:blipFill>
+                <a:blip r:embed="rId15"/>
+                <a:stretch>
+                  <a:fillRect t="-3226" r="-3846" b="-22581"/>
+                </a:stretch>
+              </a:blipFill>
+            </p:spPr>
+            <p:txBody>
+              <a:bodyPr/>
+              <a:lstStyle/>
+              <a:p>
+                <a:r>
+                  <a:rPr lang="en-VN">
+                    <a:noFill/>
+                  </a:rPr>
+                  <a:t> </a:t>
+                </a:r>
+              </a:p>
+            </p:txBody>
+          </p:sp>
+        </mc:Fallback>
+      </mc:AlternateContent>
+      <mc:AlternateContent xmlns:mc="http://schemas.openxmlformats.org/markup-compatibility/2006" xmlns:a14="http://schemas.microsoft.com/office/drawing/2010/main">
+        <mc:Choice Requires="a14">
+          <p:sp>
+            <p:nvSpPr>
+              <p:cNvPr id="58" name="TextBox 57">
+                <a:extLst>
+                  <a:ext uri="{FF2B5EF4-FFF2-40B4-BE49-F238E27FC236}">
+                    <a16:creationId xmlns:a16="http://schemas.microsoft.com/office/drawing/2014/main" id="{66E0F00A-0083-5641-9855-7D2EAE17FD88}"/>
+                  </a:ext>
+                </a:extLst>
+              </p:cNvPr>
+              <p:cNvSpPr txBox="1"/>
+              <p:nvPr/>
+            </p:nvSpPr>
+            <p:spPr>
+              <a:xfrm>
+                <a:off x="1208144" y="5416124"/>
+                <a:ext cx="1901483" cy="369332"/>
+              </a:xfrm>
+              <a:prstGeom prst="rect">
+                <a:avLst/>
+              </a:prstGeom>
+              <a:noFill/>
+            </p:spPr>
+            <p:txBody>
+              <a:bodyPr wrap="none" rtlCol="0">
+                <a:spAutoFit/>
+              </a:bodyPr>
+              <a:lstStyle/>
+              <a:p>
+                <a:pPr/>
+                <a14:m>
+                  <m:oMathPara xmlns:m="http://schemas.openxmlformats.org/officeDocument/2006/math">
+                    <m:oMathParaPr>
+                      <m:jc m:val="centerGroup"/>
+                    </m:oMathParaPr>
+                    <m:oMath xmlns:m="http://schemas.openxmlformats.org/officeDocument/2006/math">
+                      <m:r>
+                        <m:rPr>
+                          <m:sty m:val="p"/>
+                        </m:rPr>
+                        <a:rPr lang="en-US" b="0" i="0">
+                          <a:latin typeface="Cambria Math" panose="02040503050406030204" pitchFamily="18" charset="0"/>
+                        </a:rPr>
+                        <m:t>Flatten</m:t>
+                      </m:r>
+                      <m:r>
+                        <a:rPr lang="en-US" b="0" i="0">
+                          <a:latin typeface="Cambria Math" panose="02040503050406030204" pitchFamily="18" charset="0"/>
+                        </a:rPr>
+                        <m:t> (92, 112)</m:t>
+                      </m:r>
+                    </m:oMath>
+                  </m:oMathPara>
+                </a14:m>
+                <a:endParaRPr lang="en-VN"/>
+              </a:p>
+            </p:txBody>
+          </p:sp>
+        </mc:Choice>
+        <mc:Fallback xmlns="">
+          <p:sp>
+            <p:nvSpPr>
+              <p:cNvPr id="58" name="TextBox 57">
+                <a:extLst>
+                  <a:ext uri="{FF2B5EF4-FFF2-40B4-BE49-F238E27FC236}">
+                    <a16:creationId xmlns:a16="http://schemas.microsoft.com/office/drawing/2014/main" id="{66E0F00A-0083-5641-9855-7D2EAE17FD88}"/>
+                  </a:ext>
+                </a:extLst>
+              </p:cNvPr>
+              <p:cNvSpPr txBox="1">
+                <a:spLocks noRot="1" noChangeAspect="1" noMove="1" noResize="1" noEditPoints="1" noAdjustHandles="1" noChangeArrowheads="1" noChangeShapeType="1" noTextEdit="1"/>
+              </p:cNvSpPr>
+              <p:nvPr/>
+            </p:nvSpPr>
+            <p:spPr>
+              <a:xfrm>
+                <a:off x="1208144" y="5416124"/>
+                <a:ext cx="1901483" cy="369332"/>
+              </a:xfrm>
+              <a:prstGeom prst="rect">
+                <a:avLst/>
+              </a:prstGeom>
+              <a:blipFill>
+                <a:blip r:embed="rId16"/>
+                <a:stretch>
+                  <a:fillRect b="-12903"/>
+                </a:stretch>
+              </a:blipFill>
+            </p:spPr>
+            <p:txBody>
+              <a:bodyPr/>
+              <a:lstStyle/>
+              <a:p>
+                <a:r>
+                  <a:rPr lang="en-VN">
+                    <a:noFill/>
+                  </a:rPr>
+                  <a:t> </a:t>
+                </a:r>
+              </a:p>
+            </p:txBody>
+          </p:sp>
+        </mc:Fallback>
+      </mc:AlternateContent>
+      <p:grpSp>
+        <p:nvGrpSpPr>
+          <p:cNvPr id="59" name="Group 58">
+            <a:extLst>
+              <a:ext uri="{FF2B5EF4-FFF2-40B4-BE49-F238E27FC236}">
+                <a16:creationId xmlns:a16="http://schemas.microsoft.com/office/drawing/2014/main" id="{FA8BD9C5-15A9-C743-8B7C-BC032BA9A68B}"/>
+              </a:ext>
+            </a:extLst>
+          </p:cNvPr>
+          <p:cNvGrpSpPr/>
+          <p:nvPr/>
+        </p:nvGrpSpPr>
+        <p:grpSpPr>
+          <a:xfrm>
+            <a:off x="1799222" y="2863916"/>
+            <a:ext cx="719328" cy="719328"/>
+            <a:chOff x="1381615" y="3069336"/>
+            <a:chExt cx="719328" cy="719328"/>
+          </a:xfrm>
+        </p:grpSpPr>
+        <p:sp>
+          <p:nvSpPr>
+            <p:cNvPr id="60" name="Oval 59">
+              <a:extLst>
+                <a:ext uri="{FF2B5EF4-FFF2-40B4-BE49-F238E27FC236}">
+                  <a16:creationId xmlns:a16="http://schemas.microsoft.com/office/drawing/2014/main" id="{E3B92501-CA4E-124A-950E-4D658F6058D5}"/>
+                </a:ext>
+              </a:extLst>
+            </p:cNvPr>
+            <p:cNvSpPr/>
+            <p:nvPr/>
+          </p:nvSpPr>
+          <p:spPr>
+            <a:xfrm>
+              <a:off x="1381615" y="3069336"/>
+              <a:ext cx="719328" cy="719328"/>
+            </a:xfrm>
+            <a:prstGeom prst="ellipse">
+              <a:avLst/>
+            </a:prstGeom>
+            <a:noFill/>
+            <a:ln w="31750" cap="flat" cmpd="sng" algn="ctr">
+              <a:solidFill>
+                <a:schemeClr val="accent5"/>
+              </a:solidFill>
+              <a:prstDash val="solid"/>
+              <a:round/>
+              <a:headEnd type="none" w="med" len="med"/>
+              <a:tailEnd type="none" w="med" len="med"/>
+            </a:ln>
+          </p:spPr>
+          <p:style>
+            <a:lnRef idx="0">
+              <a:scrgbClr r="0" g="0" b="0"/>
+            </a:lnRef>
+            <a:fillRef idx="0">
+              <a:scrgbClr r="0" g="0" b="0"/>
+            </a:fillRef>
+            <a:effectRef idx="0">
+              <a:scrgbClr r="0" g="0" b="0"/>
+            </a:effectRef>
+            <a:fontRef idx="minor">
+              <a:schemeClr val="accent5"/>
+            </a:fontRef>
+          </p:style>
+          <p:txBody>
+            <a:bodyPr rtlCol="0" anchor="ctr"/>
+            <a:lstStyle/>
+            <a:p>
+              <a:pPr algn="ctr"/>
+              <a:endParaRPr lang="en-VN"/>
+            </a:p>
+          </p:txBody>
+        </p:sp>
+        <mc:AlternateContent xmlns:mc="http://schemas.openxmlformats.org/markup-compatibility/2006" xmlns:a14="http://schemas.microsoft.com/office/drawing/2010/main">
+          <mc:Choice Requires="a14">
+            <p:sp>
+              <p:nvSpPr>
+                <p:cNvPr id="61" name="TextBox 60">
+                  <a:extLst>
+                    <a:ext uri="{FF2B5EF4-FFF2-40B4-BE49-F238E27FC236}">
+                      <a16:creationId xmlns:a16="http://schemas.microsoft.com/office/drawing/2014/main" id="{6C520890-A53C-B141-BA2C-7D70C9B2BD33}"/>
+                    </a:ext>
+                  </a:extLst>
+                </p:cNvPr>
+                <p:cNvSpPr txBox="1"/>
+                <p:nvPr/>
+              </p:nvSpPr>
+              <p:spPr>
+                <a:xfrm>
+                  <a:off x="1549274" y="3244334"/>
+                  <a:ext cx="461601" cy="369332"/>
+                </a:xfrm>
+                <a:prstGeom prst="rect">
+                  <a:avLst/>
+                </a:prstGeom>
+                <a:noFill/>
+              </p:spPr>
+              <p:txBody>
+                <a:bodyPr wrap="none" rtlCol="0">
+                  <a:spAutoFit/>
+                </a:bodyPr>
+                <a:lstStyle/>
+                <a:p>
+                  <a:pPr/>
+                  <a14:m>
+                    <m:oMathPara xmlns:m="http://schemas.openxmlformats.org/officeDocument/2006/math">
+                      <m:oMathParaPr>
+                        <m:jc m:val="centerGroup"/>
+                      </m:oMathParaPr>
+                      <m:oMath xmlns:m="http://schemas.openxmlformats.org/officeDocument/2006/math">
+                        <m:sSub>
+                          <m:sSubPr>
+                            <m:ctrlPr>
+                              <a:rPr lang="en-US" b="0" i="1">
+                                <a:latin typeface="Cambria Math" panose="02040503050406030204" pitchFamily="18" charset="0"/>
+                              </a:rPr>
+                            </m:ctrlPr>
+                          </m:sSubPr>
+                          <m:e>
+                            <m:r>
+                              <m:rPr>
+                                <m:sty m:val="p"/>
+                              </m:rPr>
+                              <a:rPr lang="en-US" b="0" i="0">
+                                <a:latin typeface="Cambria Math" panose="02040503050406030204" pitchFamily="18" charset="0"/>
+                              </a:rPr>
+                              <m:t>x</m:t>
+                            </m:r>
+                          </m:e>
+                          <m:sub>
+                            <m:r>
+                              <a:rPr lang="en-US" b="0" i="0">
+                                <a:latin typeface="Cambria Math" panose="02040503050406030204" pitchFamily="18" charset="0"/>
+                              </a:rPr>
+                              <m:t>3</m:t>
+                            </m:r>
+                          </m:sub>
+                        </m:sSub>
+                      </m:oMath>
+                    </m:oMathPara>
+                  </a14:m>
+                  <a:endParaRPr lang="en-VN"/>
+                </a:p>
+              </p:txBody>
+            </p:sp>
+          </mc:Choice>
+          <mc:Fallback xmlns="">
+            <p:sp>
+              <p:nvSpPr>
+                <p:cNvPr id="146" name="TextBox 145">
+                  <a:extLst>
+                    <a:ext uri="{FF2B5EF4-FFF2-40B4-BE49-F238E27FC236}">
+                      <a16:creationId xmlns:a16="http://schemas.microsoft.com/office/drawing/2014/main" id="{292608B1-DDFE-D149-91D9-CA6FB7774DA8}"/>
+                    </a:ext>
+                  </a:extLst>
+                </p:cNvPr>
+                <p:cNvSpPr txBox="1">
+                  <a:spLocks noRot="1" noChangeAspect="1" noMove="1" noResize="1" noEditPoints="1" noAdjustHandles="1" noChangeArrowheads="1" noChangeShapeType="1" noTextEdit="1"/>
+                </p:cNvSpPr>
+                <p:nvPr/>
+              </p:nvSpPr>
+              <p:spPr>
+                <a:xfrm>
+                  <a:off x="1549274" y="3244334"/>
+                  <a:ext cx="461601" cy="369332"/>
+                </a:xfrm>
+                <a:prstGeom prst="rect">
+                  <a:avLst/>
+                </a:prstGeom>
+                <a:blipFill>
+                  <a:blip r:embed="rId17"/>
+                  <a:stretch>
+                    <a:fillRect/>
+                  </a:stretch>
+                </a:blipFill>
+              </p:spPr>
+              <p:txBody>
+                <a:bodyPr/>
+                <a:lstStyle/>
+                <a:p>
+                  <a:r>
+                    <a:rPr lang="en-VN">
+                      <a:noFill/>
+                    </a:rPr>
+                    <a:t> </a:t>
+                  </a:r>
+                </a:p>
+              </p:txBody>
+            </p:sp>
+          </mc:Fallback>
+        </mc:AlternateContent>
+      </p:grpSp>
+      <p:grpSp>
+        <p:nvGrpSpPr>
+          <p:cNvPr id="62" name="Group 61">
+            <a:extLst>
+              <a:ext uri="{FF2B5EF4-FFF2-40B4-BE49-F238E27FC236}">
+                <a16:creationId xmlns:a16="http://schemas.microsoft.com/office/drawing/2014/main" id="{E54A1E0C-CFBB-C84A-9E4B-2D66E67B609E}"/>
+              </a:ext>
+            </a:extLst>
+          </p:cNvPr>
+          <p:cNvGrpSpPr/>
+          <p:nvPr/>
+        </p:nvGrpSpPr>
+        <p:grpSpPr>
+          <a:xfrm>
+            <a:off x="1718431" y="4566174"/>
+            <a:ext cx="929678" cy="719328"/>
+            <a:chOff x="1290186" y="3069336"/>
+            <a:chExt cx="929678" cy="719328"/>
+          </a:xfrm>
+        </p:grpSpPr>
+        <p:sp>
+          <p:nvSpPr>
+            <p:cNvPr id="63" name="Oval 62">
+              <a:extLst>
+                <a:ext uri="{FF2B5EF4-FFF2-40B4-BE49-F238E27FC236}">
+                  <a16:creationId xmlns:a16="http://schemas.microsoft.com/office/drawing/2014/main" id="{E595EA3F-E7C8-914F-BC0E-437AF959EE1D}"/>
+                </a:ext>
+              </a:extLst>
+            </p:cNvPr>
+            <p:cNvSpPr/>
+            <p:nvPr/>
+          </p:nvSpPr>
+          <p:spPr>
+            <a:xfrm>
+              <a:off x="1381615" y="3069336"/>
+              <a:ext cx="719328" cy="719328"/>
+            </a:xfrm>
+            <a:prstGeom prst="ellipse">
+              <a:avLst/>
+            </a:prstGeom>
+            <a:noFill/>
+            <a:ln w="31750" cap="flat" cmpd="sng" algn="ctr">
+              <a:solidFill>
+                <a:schemeClr val="accent5"/>
+              </a:solidFill>
+              <a:prstDash val="solid"/>
+              <a:round/>
+              <a:headEnd type="none" w="med" len="med"/>
+              <a:tailEnd type="none" w="med" len="med"/>
+            </a:ln>
+          </p:spPr>
+          <p:style>
+            <a:lnRef idx="0">
+              <a:scrgbClr r="0" g="0" b="0"/>
+            </a:lnRef>
+            <a:fillRef idx="0">
+              <a:scrgbClr r="0" g="0" b="0"/>
+            </a:fillRef>
+            <a:effectRef idx="0">
+              <a:scrgbClr r="0" g="0" b="0"/>
+            </a:effectRef>
+            <a:fontRef idx="minor">
+              <a:schemeClr val="accent5"/>
+            </a:fontRef>
+          </p:style>
+          <p:txBody>
+            <a:bodyPr rtlCol="0" anchor="ctr"/>
+            <a:lstStyle/>
+            <a:p>
+              <a:pPr algn="ctr"/>
+              <a:endParaRPr lang="en-VN"/>
+            </a:p>
+          </p:txBody>
+        </p:sp>
+        <mc:AlternateContent xmlns:mc="http://schemas.openxmlformats.org/markup-compatibility/2006" xmlns:a14="http://schemas.microsoft.com/office/drawing/2010/main">
+          <mc:Choice Requires="a14">
+            <p:sp>
+              <p:nvSpPr>
+                <p:cNvPr id="64" name="TextBox 63">
+                  <a:extLst>
+                    <a:ext uri="{FF2B5EF4-FFF2-40B4-BE49-F238E27FC236}">
+                      <a16:creationId xmlns:a16="http://schemas.microsoft.com/office/drawing/2014/main" id="{1C13B23F-CC92-C745-BD37-C77EA1DFC7AF}"/>
+                    </a:ext>
+                  </a:extLst>
+                </p:cNvPr>
+                <p:cNvSpPr txBox="1"/>
+                <p:nvPr/>
+              </p:nvSpPr>
+              <p:spPr>
+                <a:xfrm>
+                  <a:off x="1290186" y="3246300"/>
+                  <a:ext cx="929678" cy="369332"/>
+                </a:xfrm>
+                <a:prstGeom prst="rect">
+                  <a:avLst/>
+                </a:prstGeom>
+                <a:noFill/>
+              </p:spPr>
+              <p:txBody>
+                <a:bodyPr wrap="none" rtlCol="0">
+                  <a:spAutoFit/>
+                </a:bodyPr>
+                <a:lstStyle/>
+                <a:p>
+                  <a:pPr/>
+                  <a14:m>
+                    <m:oMathPara xmlns:m="http://schemas.openxmlformats.org/officeDocument/2006/math">
+                      <m:oMathParaPr>
+                        <m:jc m:val="centerGroup"/>
+                      </m:oMathParaPr>
+                      <m:oMath xmlns:m="http://schemas.openxmlformats.org/officeDocument/2006/math">
+                        <m:sSub>
+                          <m:sSubPr>
+                            <m:ctrlPr>
+                              <a:rPr lang="en-US" b="0" i="1">
+                                <a:latin typeface="Cambria Math" panose="02040503050406030204" pitchFamily="18" charset="0"/>
+                              </a:rPr>
+                            </m:ctrlPr>
+                          </m:sSubPr>
+                          <m:e>
+                            <m:r>
+                              <m:rPr>
+                                <m:sty m:val="p"/>
+                              </m:rPr>
+                              <a:rPr lang="en-US" b="0" i="0">
+                                <a:latin typeface="Cambria Math" panose="02040503050406030204" pitchFamily="18" charset="0"/>
+                              </a:rPr>
+                              <m:t>x</m:t>
+                            </m:r>
+                          </m:e>
+                          <m:sub>
+                            <m:r>
+                              <a:rPr lang="en-US" b="0" i="0">
+                                <a:latin typeface="Cambria Math" panose="02040503050406030204" pitchFamily="18" charset="0"/>
+                              </a:rPr>
+                              <m:t>92</m:t>
+                            </m:r>
+                            <m:r>
+                              <a:rPr lang="en-US" b="0" i="1">
+                                <a:latin typeface="Cambria Math" panose="02040503050406030204" pitchFamily="18" charset="0"/>
+                              </a:rPr>
+                              <m:t>∗112</m:t>
+                            </m:r>
+                          </m:sub>
+                        </m:sSub>
+                      </m:oMath>
+                    </m:oMathPara>
+                  </a14:m>
+                  <a:endParaRPr lang="en-VN"/>
+                </a:p>
+              </p:txBody>
+            </p:sp>
+          </mc:Choice>
+          <mc:Fallback xmlns="">
+            <p:sp>
+              <p:nvSpPr>
+                <p:cNvPr id="64" name="TextBox 63">
+                  <a:extLst>
+                    <a:ext uri="{FF2B5EF4-FFF2-40B4-BE49-F238E27FC236}">
+                      <a16:creationId xmlns:a16="http://schemas.microsoft.com/office/drawing/2014/main" id="{1C13B23F-CC92-C745-BD37-C77EA1DFC7AF}"/>
+                    </a:ext>
+                  </a:extLst>
+                </p:cNvPr>
+                <p:cNvSpPr txBox="1">
+                  <a:spLocks noRot="1" noChangeAspect="1" noMove="1" noResize="1" noEditPoints="1" noAdjustHandles="1" noChangeArrowheads="1" noChangeShapeType="1" noTextEdit="1"/>
+                </p:cNvSpPr>
+                <p:nvPr/>
+              </p:nvSpPr>
+              <p:spPr>
+                <a:xfrm>
+                  <a:off x="1290186" y="3246300"/>
+                  <a:ext cx="929678" cy="369332"/>
+                </a:xfrm>
+                <a:prstGeom prst="rect">
+                  <a:avLst/>
+                </a:prstGeom>
+                <a:blipFill>
+                  <a:blip r:embed="rId18"/>
+                  <a:stretch>
+                    <a:fillRect/>
+                  </a:stretch>
+                </a:blipFill>
+              </p:spPr>
+              <p:txBody>
+                <a:bodyPr/>
+                <a:lstStyle/>
+                <a:p>
+                  <a:r>
+                    <a:rPr lang="en-VN">
+                      <a:noFill/>
+                    </a:rPr>
+                    <a:t> </a:t>
+                  </a:r>
+                </a:p>
+              </p:txBody>
+            </p:sp>
+          </mc:Fallback>
+        </mc:AlternateContent>
+      </p:grpSp>
+      <p:cxnSp>
+        <p:nvCxnSpPr>
+          <p:cNvPr id="65" name="Straight Arrow Connector 64">
+            <a:extLst>
+              <a:ext uri="{FF2B5EF4-FFF2-40B4-BE49-F238E27FC236}">
+                <a16:creationId xmlns:a16="http://schemas.microsoft.com/office/drawing/2014/main" id="{47EE4ECE-52D7-0142-B733-5FF5A2BF1F1B}"/>
+              </a:ext>
+            </a:extLst>
+          </p:cNvPr>
+          <p:cNvCxnSpPr>
+            <a:stCxn id="60" idx="6"/>
+            <a:endCxn id="11" idx="2"/>
+          </p:cNvCxnSpPr>
+          <p:nvPr/>
+        </p:nvCxnSpPr>
+        <p:spPr>
+          <a:xfrm flipV="1">
+            <a:off x="2518550" y="1815150"/>
+            <a:ext cx="2085237" cy="1408430"/>
+          </a:xfrm>
+          <a:prstGeom prst="straightConnector1">
+            <a:avLst/>
+          </a:prstGeom>
+          <a:ln>
+            <a:tailEnd type="triangle"/>
+          </a:ln>
+        </p:spPr>
+        <p:style>
+          <a:lnRef idx="1">
+            <a:schemeClr val="accent1"/>
+          </a:lnRef>
+          <a:fillRef idx="0">
+            <a:schemeClr val="accent1"/>
+          </a:fillRef>
+          <a:effectRef idx="0">
+            <a:schemeClr val="accent1"/>
+          </a:effectRef>
+          <a:fontRef idx="minor">
+            <a:schemeClr val="tx1"/>
+          </a:fontRef>
+        </p:style>
+      </p:cxnSp>
+      <p:cxnSp>
+        <p:nvCxnSpPr>
+          <p:cNvPr id="66" name="Straight Arrow Connector 65">
+            <a:extLst>
+              <a:ext uri="{FF2B5EF4-FFF2-40B4-BE49-F238E27FC236}">
+                <a16:creationId xmlns:a16="http://schemas.microsoft.com/office/drawing/2014/main" id="{5C5F4564-4073-1E40-92AD-CB45E7C31265}"/>
+              </a:ext>
+            </a:extLst>
+          </p:cNvPr>
+          <p:cNvCxnSpPr>
+            <a:cxnSpLocks/>
+            <a:stCxn id="60" idx="6"/>
+            <a:endCxn id="13" idx="2"/>
+          </p:cNvCxnSpPr>
+          <p:nvPr/>
+        </p:nvCxnSpPr>
+        <p:spPr>
+          <a:xfrm flipV="1">
+            <a:off x="2518550" y="2831481"/>
+            <a:ext cx="2085237" cy="392099"/>
+          </a:xfrm>
+          <a:prstGeom prst="straightConnector1">
+            <a:avLst/>
+          </a:prstGeom>
+          <a:ln>
+            <a:tailEnd type="triangle"/>
+          </a:ln>
+        </p:spPr>
+        <p:style>
+          <a:lnRef idx="1">
+            <a:schemeClr val="accent1"/>
+          </a:lnRef>
+          <a:fillRef idx="0">
+            <a:schemeClr val="accent1"/>
+          </a:fillRef>
+          <a:effectRef idx="0">
+            <a:schemeClr val="accent1"/>
+          </a:effectRef>
+          <a:fontRef idx="minor">
+            <a:schemeClr val="tx1"/>
+          </a:fontRef>
+        </p:style>
+      </p:cxnSp>
+      <p:cxnSp>
+        <p:nvCxnSpPr>
+          <p:cNvPr id="67" name="Straight Arrow Connector 66">
+            <a:extLst>
+              <a:ext uri="{FF2B5EF4-FFF2-40B4-BE49-F238E27FC236}">
+                <a16:creationId xmlns:a16="http://schemas.microsoft.com/office/drawing/2014/main" id="{D7D143E9-DA79-F04D-93F1-A74977878CFC}"/>
+              </a:ext>
+            </a:extLst>
+          </p:cNvPr>
+          <p:cNvCxnSpPr>
+            <a:stCxn id="60" idx="6"/>
+            <a:endCxn id="14" idx="2"/>
+          </p:cNvCxnSpPr>
+          <p:nvPr/>
+        </p:nvCxnSpPr>
+        <p:spPr>
+          <a:xfrm>
+            <a:off x="2518550" y="3223580"/>
+            <a:ext cx="2048661" cy="1174037"/>
+          </a:xfrm>
+          <a:prstGeom prst="straightConnector1">
+            <a:avLst/>
+          </a:prstGeom>
+          <a:ln>
+            <a:tailEnd type="triangle"/>
+          </a:ln>
+        </p:spPr>
+        <p:style>
+          <a:lnRef idx="1">
+            <a:schemeClr val="accent1"/>
+          </a:lnRef>
+          <a:fillRef idx="0">
+            <a:schemeClr val="accent1"/>
+          </a:fillRef>
+          <a:effectRef idx="0">
+            <a:schemeClr val="accent1"/>
+          </a:effectRef>
+          <a:fontRef idx="minor">
+            <a:schemeClr val="tx1"/>
+          </a:fontRef>
+        </p:style>
+      </p:cxnSp>
+      <p:cxnSp>
+        <p:nvCxnSpPr>
+          <p:cNvPr id="68" name="Straight Arrow Connector 67">
+            <a:extLst>
+              <a:ext uri="{FF2B5EF4-FFF2-40B4-BE49-F238E27FC236}">
+                <a16:creationId xmlns:a16="http://schemas.microsoft.com/office/drawing/2014/main" id="{ECBC983F-0774-A142-B8C4-A5A62D51D987}"/>
+              </a:ext>
+            </a:extLst>
+          </p:cNvPr>
+          <p:cNvCxnSpPr>
+            <a:stCxn id="63" idx="6"/>
+            <a:endCxn id="11" idx="2"/>
+          </p:cNvCxnSpPr>
+          <p:nvPr/>
+        </p:nvCxnSpPr>
+        <p:spPr>
+          <a:xfrm flipV="1">
+            <a:off x="2529188" y="1815150"/>
+            <a:ext cx="2074599" cy="3110688"/>
+          </a:xfrm>
+          <a:prstGeom prst="straightConnector1">
+            <a:avLst/>
+          </a:prstGeom>
+          <a:ln>
+            <a:tailEnd type="triangle"/>
+          </a:ln>
+        </p:spPr>
+        <p:style>
+          <a:lnRef idx="1">
+            <a:schemeClr val="accent1"/>
+          </a:lnRef>
+          <a:fillRef idx="0">
+            <a:schemeClr val="accent1"/>
+          </a:fillRef>
+          <a:effectRef idx="0">
+            <a:schemeClr val="accent1"/>
+          </a:effectRef>
+          <a:fontRef idx="minor">
+            <a:schemeClr val="tx1"/>
+          </a:fontRef>
+        </p:style>
+      </p:cxnSp>
+      <p:cxnSp>
+        <p:nvCxnSpPr>
+          <p:cNvPr id="69" name="Straight Arrow Connector 68">
+            <a:extLst>
+              <a:ext uri="{FF2B5EF4-FFF2-40B4-BE49-F238E27FC236}">
+                <a16:creationId xmlns:a16="http://schemas.microsoft.com/office/drawing/2014/main" id="{CA25BC7F-1B36-B44C-98EC-4DD0372CFCEB}"/>
+              </a:ext>
+            </a:extLst>
+          </p:cNvPr>
+          <p:cNvCxnSpPr>
+            <a:stCxn id="63" idx="6"/>
+            <a:endCxn id="13" idx="2"/>
+          </p:cNvCxnSpPr>
+          <p:nvPr/>
+        </p:nvCxnSpPr>
+        <p:spPr>
+          <a:xfrm flipV="1">
+            <a:off x="2529188" y="2831481"/>
+            <a:ext cx="2074599" cy="2094357"/>
+          </a:xfrm>
+          <a:prstGeom prst="straightConnector1">
+            <a:avLst/>
+          </a:prstGeom>
+          <a:ln>
+            <a:tailEnd type="triangle"/>
+          </a:ln>
+        </p:spPr>
+        <p:style>
+          <a:lnRef idx="1">
+            <a:schemeClr val="accent1"/>
+          </a:lnRef>
+          <a:fillRef idx="0">
+            <a:schemeClr val="accent1"/>
+          </a:fillRef>
+          <a:effectRef idx="0">
+            <a:schemeClr val="accent1"/>
+          </a:effectRef>
+          <a:fontRef idx="minor">
+            <a:schemeClr val="tx1"/>
+          </a:fontRef>
+        </p:style>
+      </p:cxnSp>
+      <p:cxnSp>
+        <p:nvCxnSpPr>
+          <p:cNvPr id="70" name="Straight Arrow Connector 69">
+            <a:extLst>
+              <a:ext uri="{FF2B5EF4-FFF2-40B4-BE49-F238E27FC236}">
+                <a16:creationId xmlns:a16="http://schemas.microsoft.com/office/drawing/2014/main" id="{788FD5BC-B350-A04B-9378-276FCA78386A}"/>
+              </a:ext>
+            </a:extLst>
+          </p:cNvPr>
+          <p:cNvCxnSpPr>
+            <a:stCxn id="63" idx="6"/>
+            <a:endCxn id="14" idx="2"/>
+          </p:cNvCxnSpPr>
+          <p:nvPr/>
+        </p:nvCxnSpPr>
+        <p:spPr>
+          <a:xfrm flipV="1">
+            <a:off x="2529188" y="4397617"/>
+            <a:ext cx="2038023" cy="528221"/>
+          </a:xfrm>
+          <a:prstGeom prst="straightConnector1">
+            <a:avLst/>
+          </a:prstGeom>
+          <a:ln>
+            <a:tailEnd type="triangle"/>
+          </a:ln>
+        </p:spPr>
+        <p:style>
+          <a:lnRef idx="1">
+            <a:schemeClr val="accent1"/>
+          </a:lnRef>
+          <a:fillRef idx="0">
+            <a:schemeClr val="accent1"/>
+          </a:fillRef>
+          <a:effectRef idx="0">
+            <a:schemeClr val="accent1"/>
+          </a:effectRef>
+          <a:fontRef idx="minor">
+            <a:schemeClr val="tx1"/>
+          </a:fontRef>
+        </p:style>
+      </p:cxnSp>
+      <p:sp>
+        <p:nvSpPr>
+          <p:cNvPr id="71" name="TextBox 70">
+            <a:extLst>
+              <a:ext uri="{FF2B5EF4-FFF2-40B4-BE49-F238E27FC236}">
+                <a16:creationId xmlns:a16="http://schemas.microsoft.com/office/drawing/2014/main" id="{39EA1F59-D007-1642-B451-5722F30DBC03}"/>
+              </a:ext>
+            </a:extLst>
+          </p:cNvPr>
+          <p:cNvSpPr txBox="1"/>
+          <p:nvPr/>
+        </p:nvSpPr>
+        <p:spPr>
+          <a:xfrm rot="5400000">
+            <a:off x="1971729" y="3869904"/>
+            <a:ext cx="569387" cy="369332"/>
+          </a:xfrm>
+          <a:prstGeom prst="rect">
+            <a:avLst/>
+          </a:prstGeom>
+          <a:noFill/>
+        </p:spPr>
+        <p:txBody>
+          <a:bodyPr wrap="none" rtlCol="0">
+            <a:spAutoFit/>
+          </a:bodyPr>
+          <a:lstStyle/>
+          <a:p>
+            <a:r>
+              <a:rPr lang="en-VN"/>
+              <a:t>.  .  .</a:t>
+            </a:r>
+          </a:p>
+        </p:txBody>
+      </p:sp>
+      <p:sp>
+        <p:nvSpPr>
+          <p:cNvPr id="72" name="TextBox 71">
+            <a:extLst>
+              <a:ext uri="{FF2B5EF4-FFF2-40B4-BE49-F238E27FC236}">
+                <a16:creationId xmlns:a16="http://schemas.microsoft.com/office/drawing/2014/main" id="{C01282D8-E9E4-A64E-BC66-DBE0F7758137}"/>
+              </a:ext>
+            </a:extLst>
+          </p:cNvPr>
+          <p:cNvSpPr txBox="1"/>
+          <p:nvPr/>
+        </p:nvSpPr>
+        <p:spPr>
+          <a:xfrm rot="5400000">
+            <a:off x="4724043" y="3442248"/>
+            <a:ext cx="569387" cy="369332"/>
+          </a:xfrm>
+          <a:prstGeom prst="rect">
+            <a:avLst/>
+          </a:prstGeom>
+          <a:noFill/>
+        </p:spPr>
+        <p:txBody>
+          <a:bodyPr wrap="none" rtlCol="0">
+            <a:spAutoFit/>
+          </a:bodyPr>
+          <a:lstStyle/>
+          <a:p>
+            <a:r>
+              <a:rPr lang="en-VN"/>
+              <a:t>.  .  .</a:t>
+            </a:r>
+          </a:p>
+        </p:txBody>
+      </p:sp>
+      <mc:AlternateContent xmlns:mc="http://schemas.openxmlformats.org/markup-compatibility/2006" xmlns:a14="http://schemas.microsoft.com/office/drawing/2010/main">
+        <mc:Choice Requires="a14">
+          <p:sp>
+            <p:nvSpPr>
+              <p:cNvPr id="74" name="TextBox 73">
+                <a:extLst>
+                  <a:ext uri="{FF2B5EF4-FFF2-40B4-BE49-F238E27FC236}">
+                    <a16:creationId xmlns:a16="http://schemas.microsoft.com/office/drawing/2014/main" id="{7F52346B-96E5-A14D-B4D7-26496B733F89}"/>
+                  </a:ext>
+                </a:extLst>
+              </p:cNvPr>
+              <p:cNvSpPr txBox="1"/>
+              <p:nvPr/>
+            </p:nvSpPr>
+            <p:spPr>
+              <a:xfrm>
+                <a:off x="3770136" y="5318791"/>
+                <a:ext cx="2221506" cy="646331"/>
+              </a:xfrm>
+              <a:prstGeom prst="rect">
+                <a:avLst/>
+              </a:prstGeom>
+              <a:noFill/>
+            </p:spPr>
+            <p:txBody>
+              <a:bodyPr wrap="none" rtlCol="0">
+                <a:spAutoFit/>
+              </a:bodyPr>
+              <a:lstStyle/>
+              <a:p>
+                <a:pPr/>
+                <a14:m>
+                  <m:oMathPara xmlns:m="http://schemas.openxmlformats.org/officeDocument/2006/math">
+                    <m:oMathParaPr>
+                      <m:jc m:val="centerGroup"/>
+                    </m:oMathParaPr>
+                    <m:oMath xmlns:m="http://schemas.openxmlformats.org/officeDocument/2006/math">
+                      <m:r>
+                        <m:rPr>
+                          <m:sty m:val="p"/>
+                        </m:rPr>
+                        <a:rPr lang="en-US" b="0" i="0">
+                          <a:latin typeface="Cambria Math" panose="02040503050406030204" pitchFamily="18" charset="0"/>
+                          <a:ea typeface="Cambria Math" panose="02040503050406030204" pitchFamily="18" charset="0"/>
+                        </a:rPr>
+                        <m:t>D</m:t>
+                      </m:r>
+                      <m:r>
+                        <m:rPr>
+                          <m:sty m:val="p"/>
+                        </m:rPr>
+                        <a:rPr lang="en-US" i="0">
+                          <a:latin typeface="Cambria Math" panose="02040503050406030204" pitchFamily="18" charset="0"/>
+                          <a:ea typeface="Cambria Math" panose="02040503050406030204" pitchFamily="18" charset="0"/>
+                        </a:rPr>
+                        <m:t>ens</m:t>
+                      </m:r>
+                      <m:r>
+                        <m:rPr>
+                          <m:sty m:val="p"/>
+                        </m:rPr>
+                        <a:rPr lang="en-US" b="0" i="0">
+                          <a:latin typeface="Cambria Math" panose="02040503050406030204" pitchFamily="18" charset="0"/>
+                          <a:ea typeface="Cambria Math" panose="02040503050406030204" pitchFamily="18" charset="0"/>
+                        </a:rPr>
+                        <m:t>e</m:t>
+                      </m:r>
+                      <m:r>
+                        <a:rPr lang="en-US" b="0" i="0">
+                          <a:latin typeface="Cambria Math" panose="02040503050406030204" pitchFamily="18" charset="0"/>
+                          <a:ea typeface="Cambria Math" panose="02040503050406030204" pitchFamily="18" charset="0"/>
+                        </a:rPr>
+                        <m:t> (128)</m:t>
+                      </m:r>
+                    </m:oMath>
+                  </m:oMathPara>
+                </a14:m>
+                <a:endParaRPr lang="en-US" b="0">
+                  <a:latin typeface="Cambria Math" panose="02040503050406030204" pitchFamily="18" charset="0"/>
+                  <a:ea typeface="Cambria Math" panose="02040503050406030204" pitchFamily="18" charset="0"/>
+                </a:endParaRPr>
+              </a:p>
+              <a:p>
+                <a:r>
+                  <a:rPr lang="en-US">
+                    <a:latin typeface="Cambria Math" panose="02040503050406030204" pitchFamily="18" charset="0"/>
+                    <a:ea typeface="Cambria Math" panose="02040503050406030204" pitchFamily="18" charset="0"/>
+                  </a:rPr>
+                  <a:t>w</a:t>
+                </a:r>
+                <a:r>
+                  <a:rPr lang="en-VN">
+                    <a:latin typeface="Cambria Math" panose="02040503050406030204" pitchFamily="18" charset="0"/>
+                    <a:ea typeface="Cambria Math" panose="02040503050406030204" pitchFamily="18" charset="0"/>
+                  </a:rPr>
+                  <a:t>ith ReLU activation</a:t>
+                </a:r>
+              </a:p>
+            </p:txBody>
+          </p:sp>
+        </mc:Choice>
+        <mc:Fallback xmlns="">
+          <p:sp>
+            <p:nvSpPr>
+              <p:cNvPr id="74" name="TextBox 73">
+                <a:extLst>
+                  <a:ext uri="{FF2B5EF4-FFF2-40B4-BE49-F238E27FC236}">
+                    <a16:creationId xmlns:a16="http://schemas.microsoft.com/office/drawing/2014/main" id="{7F52346B-96E5-A14D-B4D7-26496B733F89}"/>
+                  </a:ext>
+                </a:extLst>
+              </p:cNvPr>
+              <p:cNvSpPr txBox="1">
+                <a:spLocks noRot="1" noChangeAspect="1" noMove="1" noResize="1" noEditPoints="1" noAdjustHandles="1" noChangeArrowheads="1" noChangeShapeType="1" noTextEdit="1"/>
+              </p:cNvSpPr>
+              <p:nvPr/>
+            </p:nvSpPr>
+            <p:spPr>
+              <a:xfrm>
+                <a:off x="3770136" y="5318791"/>
+                <a:ext cx="2221506" cy="646331"/>
+              </a:xfrm>
+              <a:prstGeom prst="rect">
+                <a:avLst/>
+              </a:prstGeom>
+              <a:blipFill>
+                <a:blip r:embed="rId19"/>
+                <a:stretch>
+                  <a:fillRect l="-2273" r="-1136" b="-11538"/>
+                </a:stretch>
+              </a:blipFill>
+            </p:spPr>
+            <p:txBody>
+              <a:bodyPr/>
+              <a:lstStyle/>
+              <a:p>
+                <a:r>
+                  <a:rPr lang="en-VN">
+                    <a:noFill/>
+                  </a:rPr>
+                  <a:t> </a:t>
+                </a:r>
+              </a:p>
+            </p:txBody>
+          </p:sp>
+        </mc:Fallback>
+      </mc:AlternateContent>
+      <mc:AlternateContent xmlns:mc="http://schemas.openxmlformats.org/markup-compatibility/2006">
+        <mc:Choice xmlns:a14="http://schemas.microsoft.com/office/drawing/2010/main" Requires="a14">
+          <p:sp>
+            <p:nvSpPr>
+              <p:cNvPr id="75" name="TextBox 74">
+                <a:extLst>
+                  <a:ext uri="{FF2B5EF4-FFF2-40B4-BE49-F238E27FC236}">
+                    <a16:creationId xmlns:a16="http://schemas.microsoft.com/office/drawing/2014/main" id="{D94F6D9F-D449-CE44-BDCE-A70ACA475983}"/>
+                  </a:ext>
+                </a:extLst>
+              </p:cNvPr>
+              <p:cNvSpPr txBox="1"/>
+              <p:nvPr/>
+            </p:nvSpPr>
+            <p:spPr>
+              <a:xfrm>
+                <a:off x="5874733" y="985361"/>
+                <a:ext cx="1229824" cy="646331"/>
+              </a:xfrm>
+              <a:prstGeom prst="rect">
+                <a:avLst/>
+              </a:prstGeom>
+              <a:noFill/>
+            </p:spPr>
+            <p:txBody>
+              <a:bodyPr wrap="none" rtlCol="0">
+                <a:spAutoFit/>
+              </a:bodyPr>
+              <a:lstStyle/>
+              <a:p>
+                <a:pPr/>
+                <a14:m>
+                  <m:oMathPara xmlns:m="http://schemas.openxmlformats.org/officeDocument/2006/math">
+                    <m:oMathParaPr>
+                      <m:jc m:val="centerGroup"/>
+                    </m:oMathParaPr>
+                    <m:oMath xmlns:m="http://schemas.openxmlformats.org/officeDocument/2006/math">
+                      <m:r>
+                        <m:rPr>
+                          <m:sty m:val="p"/>
+                        </m:rPr>
+                        <a:rPr lang="en-VN" i="0">
+                          <a:latin typeface="Cambria Math" panose="02040503050406030204" pitchFamily="18" charset="0"/>
+                        </a:rPr>
+                        <m:t>One</m:t>
+                      </m:r>
+                      <m:r>
+                        <a:rPr lang="en-VN" i="0">
+                          <a:latin typeface="Cambria Math" panose="02040503050406030204" pitchFamily="18" charset="0"/>
+                        </a:rPr>
+                        <m:t>−</m:t>
+                      </m:r>
+                      <m:r>
+                        <m:rPr>
+                          <m:sty m:val="p"/>
+                        </m:rPr>
+                        <a:rPr lang="en-VN" i="0">
+                          <a:latin typeface="Cambria Math" panose="02040503050406030204" pitchFamily="18" charset="0"/>
+                        </a:rPr>
+                        <m:t>hot</m:t>
+                      </m:r>
+                    </m:oMath>
+                  </m:oMathPara>
+                </a14:m>
+                <a:endParaRPr lang="en-US" i="0">
+                  <a:latin typeface="Cambria Math" panose="02040503050406030204" pitchFamily="18" charset="0"/>
+                </a:endParaRPr>
+              </a:p>
+              <a:p>
+                <a:pPr/>
+                <a14:m>
+                  <m:oMathPara xmlns:m="http://schemas.openxmlformats.org/officeDocument/2006/math">
+                    <m:oMathParaPr>
+                      <m:jc m:val="centerGroup"/>
+                    </m:oMathParaPr>
+                    <m:oMath xmlns:m="http://schemas.openxmlformats.org/officeDocument/2006/math">
+                      <m:r>
+                        <a:rPr lang="en-VN" i="0">
+                          <a:latin typeface="Cambria Math" panose="02040503050406030204" pitchFamily="18" charset="0"/>
+                        </a:rPr>
+                        <m:t> </m:t>
+                      </m:r>
+                      <m:r>
+                        <m:rPr>
+                          <m:sty m:val="p"/>
+                        </m:rPr>
+                        <a:rPr lang="en-VN" i="0">
+                          <a:latin typeface="Cambria Math" panose="02040503050406030204" pitchFamily="18" charset="0"/>
+                        </a:rPr>
+                        <m:t>targets</m:t>
+                      </m:r>
+                    </m:oMath>
+                  </m:oMathPara>
+                </a14:m>
+                <a:endParaRPr lang="en-VN"/>
+              </a:p>
+            </p:txBody>
+          </p:sp>
+        </mc:Choice>
+        <mc:Fallback>
+          <p:sp>
+            <p:nvSpPr>
+              <p:cNvPr id="75" name="TextBox 74">
+                <a:extLst>
+                  <a:ext uri="{FF2B5EF4-FFF2-40B4-BE49-F238E27FC236}">
+                    <a16:creationId xmlns:a16="http://schemas.microsoft.com/office/drawing/2014/main" id="{D94F6D9F-D449-CE44-BDCE-A70ACA475983}"/>
+                  </a:ext>
+                </a:extLst>
+              </p:cNvPr>
+              <p:cNvSpPr txBox="1">
+                <a:spLocks noRot="1" noChangeAspect="1" noMove="1" noResize="1" noEditPoints="1" noAdjustHandles="1" noChangeArrowheads="1" noChangeShapeType="1" noTextEdit="1"/>
+              </p:cNvSpPr>
+              <p:nvPr/>
+            </p:nvSpPr>
+            <p:spPr>
+              <a:xfrm>
+                <a:off x="5874733" y="985361"/>
+                <a:ext cx="1229824" cy="646331"/>
+              </a:xfrm>
+              <a:prstGeom prst="rect">
+                <a:avLst/>
+              </a:prstGeom>
+              <a:blipFill>
+                <a:blip r:embed="rId20"/>
+                <a:stretch>
+                  <a:fillRect b="-9804"/>
+                </a:stretch>
+              </a:blipFill>
+            </p:spPr>
+            <p:txBody>
+              <a:bodyPr/>
+              <a:lstStyle/>
+              <a:p>
+                <a:r>
+                  <a:rPr lang="en-VN">
+                    <a:noFill/>
+                  </a:rPr>
+                  <a:t> </a:t>
+                </a:r>
+              </a:p>
+            </p:txBody>
+          </p:sp>
+        </mc:Fallback>
+      </mc:AlternateContent>
+      <p:grpSp>
+        <p:nvGrpSpPr>
+          <p:cNvPr id="85" name="Group 84">
+            <a:extLst>
+              <a:ext uri="{FF2B5EF4-FFF2-40B4-BE49-F238E27FC236}">
+                <a16:creationId xmlns:a16="http://schemas.microsoft.com/office/drawing/2014/main" id="{BCFFE902-6BA2-F444-B8D5-4809C41A3ABC}"/>
+              </a:ext>
+            </a:extLst>
+          </p:cNvPr>
+          <p:cNvGrpSpPr/>
+          <p:nvPr/>
+        </p:nvGrpSpPr>
+        <p:grpSpPr>
+          <a:xfrm>
+            <a:off x="6225266" y="1941264"/>
+            <a:ext cx="531402" cy="531402"/>
+            <a:chOff x="1381615" y="1886712"/>
+            <a:chExt cx="719328" cy="719328"/>
+          </a:xfrm>
+        </p:grpSpPr>
+        <p:sp>
+          <p:nvSpPr>
+            <p:cNvPr id="86" name="Oval 85">
+              <a:extLst>
+                <a:ext uri="{FF2B5EF4-FFF2-40B4-BE49-F238E27FC236}">
+                  <a16:creationId xmlns:a16="http://schemas.microsoft.com/office/drawing/2014/main" id="{98EE415F-CBC7-B044-AD19-A76D2938D333}"/>
+                </a:ext>
+              </a:extLst>
+            </p:cNvPr>
+            <p:cNvSpPr/>
+            <p:nvPr/>
+          </p:nvSpPr>
+          <p:spPr>
+            <a:xfrm>
+              <a:off x="1381615" y="1886712"/>
+              <a:ext cx="719328" cy="719328"/>
+            </a:xfrm>
+            <a:prstGeom prst="ellipse">
+              <a:avLst/>
+            </a:prstGeom>
+            <a:noFill/>
+            <a:ln w="31750" cap="flat" cmpd="sng" algn="ctr">
+              <a:solidFill>
+                <a:schemeClr val="accent5"/>
+              </a:solidFill>
+              <a:prstDash val="solid"/>
+              <a:round/>
+              <a:headEnd type="none" w="med" len="med"/>
+              <a:tailEnd type="none" w="med" len="med"/>
+            </a:ln>
+          </p:spPr>
+          <p:style>
+            <a:lnRef idx="0">
+              <a:scrgbClr r="0" g="0" b="0"/>
+            </a:lnRef>
+            <a:fillRef idx="0">
+              <a:scrgbClr r="0" g="0" b="0"/>
+            </a:fillRef>
+            <a:effectRef idx="0">
+              <a:scrgbClr r="0" g="0" b="0"/>
+            </a:effectRef>
+            <a:fontRef idx="minor">
+              <a:schemeClr val="accent5"/>
+            </a:fontRef>
+          </p:style>
+          <p:txBody>
+            <a:bodyPr rtlCol="0" anchor="ctr"/>
+            <a:lstStyle/>
+            <a:p>
+              <a:pPr algn="ctr"/>
+              <a:endParaRPr lang="en-VN"/>
+            </a:p>
+          </p:txBody>
+        </p:sp>
+        <mc:AlternateContent xmlns:mc="http://schemas.openxmlformats.org/markup-compatibility/2006" xmlns:a14="http://schemas.microsoft.com/office/drawing/2010/main">
+          <mc:Choice Requires="a14">
+            <p:sp>
+              <p:nvSpPr>
+                <p:cNvPr id="87" name="TextBox 86">
+                  <a:extLst>
+                    <a:ext uri="{FF2B5EF4-FFF2-40B4-BE49-F238E27FC236}">
+                      <a16:creationId xmlns:a16="http://schemas.microsoft.com/office/drawing/2014/main" id="{638AC260-D220-2F45-AD8D-9CF13D19E927}"/>
+                    </a:ext>
+                  </a:extLst>
+                </p:cNvPr>
+                <p:cNvSpPr txBox="1"/>
+                <p:nvPr/>
+              </p:nvSpPr>
+              <p:spPr>
+                <a:xfrm>
+                  <a:off x="1473461" y="1996404"/>
+                  <a:ext cx="578754" cy="499943"/>
+                </a:xfrm>
+                <a:prstGeom prst="rect">
+                  <a:avLst/>
+                </a:prstGeom>
+                <a:noFill/>
+              </p:spPr>
+              <p:txBody>
+                <a:bodyPr wrap="none" rtlCol="0">
+                  <a:spAutoFit/>
+                </a:bodyPr>
+                <a:lstStyle/>
+                <a:p>
+                  <a:pPr/>
+                  <a14:m>
+                    <m:oMathPara xmlns:m="http://schemas.openxmlformats.org/officeDocument/2006/math">
+                      <m:oMathParaPr>
+                        <m:jc m:val="centerGroup"/>
+                      </m:oMathParaPr>
+                      <m:oMath xmlns:m="http://schemas.openxmlformats.org/officeDocument/2006/math">
+                        <m:sSub>
+                          <m:sSubPr>
+                            <m:ctrlPr>
+                              <a:rPr lang="en-US" b="0" i="1">
+                                <a:latin typeface="Cambria Math" panose="02040503050406030204" pitchFamily="18" charset="0"/>
+                              </a:rPr>
+                            </m:ctrlPr>
+                          </m:sSubPr>
+                          <m:e>
+                            <m:r>
+                              <m:rPr>
+                                <m:sty m:val="p"/>
+                              </m:rPr>
+                              <a:rPr lang="en-US" b="0" i="0">
+                                <a:latin typeface="Cambria Math" panose="02040503050406030204" pitchFamily="18" charset="0"/>
+                              </a:rPr>
+                              <m:t>t</m:t>
+                            </m:r>
+                          </m:e>
+                          <m:sub>
+                            <m:r>
+                              <a:rPr lang="en-US" b="0" i="0">
+                                <a:latin typeface="Cambria Math" panose="02040503050406030204" pitchFamily="18" charset="0"/>
+                              </a:rPr>
+                              <m:t>1</m:t>
+                            </m:r>
+                          </m:sub>
+                        </m:sSub>
+                      </m:oMath>
+                    </m:oMathPara>
+                  </a14:m>
+                  <a:endParaRPr lang="en-VN"/>
+                </a:p>
+              </p:txBody>
+            </p:sp>
+          </mc:Choice>
+          <mc:Fallback xmlns="">
+            <p:sp>
+              <p:nvSpPr>
+                <p:cNvPr id="117" name="TextBox 116">
+                  <a:extLst>
+                    <a:ext uri="{FF2B5EF4-FFF2-40B4-BE49-F238E27FC236}">
+                      <a16:creationId xmlns:a16="http://schemas.microsoft.com/office/drawing/2014/main" id="{10E23963-A4B0-3344-8A7A-6D924E161B6E}"/>
+                    </a:ext>
+                  </a:extLst>
+                </p:cNvPr>
+                <p:cNvSpPr txBox="1">
+                  <a:spLocks noRot="1" noChangeAspect="1" noMove="1" noResize="1" noEditPoints="1" noAdjustHandles="1" noChangeArrowheads="1" noChangeShapeType="1" noTextEdit="1"/>
+                </p:cNvSpPr>
+                <p:nvPr/>
+              </p:nvSpPr>
+              <p:spPr>
+                <a:xfrm>
+                  <a:off x="1473461" y="1996404"/>
+                  <a:ext cx="578754" cy="499943"/>
+                </a:xfrm>
+                <a:prstGeom prst="rect">
+                  <a:avLst/>
+                </a:prstGeom>
+                <a:blipFill>
+                  <a:blip r:embed="rId10"/>
+                  <a:stretch>
+                    <a:fillRect/>
+                  </a:stretch>
+                </a:blipFill>
+              </p:spPr>
+              <p:txBody>
+                <a:bodyPr/>
+                <a:lstStyle/>
+                <a:p>
+                  <a:r>
+                    <a:rPr lang="en-VN">
+                      <a:noFill/>
+                    </a:rPr>
+                    <a:t> </a:t>
+                  </a:r>
+                </a:p>
+              </p:txBody>
+            </p:sp>
+          </mc:Fallback>
+        </mc:AlternateContent>
+      </p:grpSp>
+      <p:grpSp>
+        <p:nvGrpSpPr>
+          <p:cNvPr id="88" name="Group 87">
+            <a:extLst>
+              <a:ext uri="{FF2B5EF4-FFF2-40B4-BE49-F238E27FC236}">
+                <a16:creationId xmlns:a16="http://schemas.microsoft.com/office/drawing/2014/main" id="{E11E3252-7DF6-9D46-A351-7C297172F1B6}"/>
+              </a:ext>
+            </a:extLst>
+          </p:cNvPr>
+          <p:cNvGrpSpPr/>
+          <p:nvPr/>
+        </p:nvGrpSpPr>
+        <p:grpSpPr>
+          <a:xfrm>
+            <a:off x="6224952" y="2708764"/>
+            <a:ext cx="531402" cy="531402"/>
+            <a:chOff x="1381615" y="1886712"/>
+            <a:chExt cx="719328" cy="719328"/>
+          </a:xfrm>
+        </p:grpSpPr>
+        <p:sp>
+          <p:nvSpPr>
+            <p:cNvPr id="89" name="Oval 88">
+              <a:extLst>
+                <a:ext uri="{FF2B5EF4-FFF2-40B4-BE49-F238E27FC236}">
+                  <a16:creationId xmlns:a16="http://schemas.microsoft.com/office/drawing/2014/main" id="{9B0ABFEC-5038-CF4F-833A-2F54D76DE9A5}"/>
+                </a:ext>
+              </a:extLst>
+            </p:cNvPr>
+            <p:cNvSpPr/>
+            <p:nvPr/>
+          </p:nvSpPr>
+          <p:spPr>
+            <a:xfrm>
+              <a:off x="1381615" y="1886712"/>
+              <a:ext cx="719328" cy="719328"/>
+            </a:xfrm>
+            <a:prstGeom prst="ellipse">
+              <a:avLst/>
+            </a:prstGeom>
+            <a:noFill/>
+            <a:ln w="31750" cap="flat" cmpd="sng" algn="ctr">
+              <a:solidFill>
+                <a:schemeClr val="accent5"/>
+              </a:solidFill>
+              <a:prstDash val="solid"/>
+              <a:round/>
+              <a:headEnd type="none" w="med" len="med"/>
+              <a:tailEnd type="none" w="med" len="med"/>
+            </a:ln>
+          </p:spPr>
+          <p:style>
+            <a:lnRef idx="0">
+              <a:scrgbClr r="0" g="0" b="0"/>
+            </a:lnRef>
+            <a:fillRef idx="0">
+              <a:scrgbClr r="0" g="0" b="0"/>
+            </a:fillRef>
+            <a:effectRef idx="0">
+              <a:scrgbClr r="0" g="0" b="0"/>
+            </a:effectRef>
+            <a:fontRef idx="minor">
+              <a:schemeClr val="accent5"/>
+            </a:fontRef>
+          </p:style>
+          <p:txBody>
+            <a:bodyPr rtlCol="0" anchor="ctr"/>
+            <a:lstStyle/>
+            <a:p>
+              <a:pPr algn="ctr"/>
+              <a:endParaRPr lang="en-VN"/>
+            </a:p>
+          </p:txBody>
+        </p:sp>
+        <mc:AlternateContent xmlns:mc="http://schemas.openxmlformats.org/markup-compatibility/2006" xmlns:a14="http://schemas.microsoft.com/office/drawing/2010/main">
+          <mc:Choice Requires="a14">
+            <p:sp>
+              <p:nvSpPr>
+                <p:cNvPr id="90" name="TextBox 89">
+                  <a:extLst>
+                    <a:ext uri="{FF2B5EF4-FFF2-40B4-BE49-F238E27FC236}">
+                      <a16:creationId xmlns:a16="http://schemas.microsoft.com/office/drawing/2014/main" id="{D4B3D7D8-1BA1-5A4E-8C96-24725441C472}"/>
+                    </a:ext>
+                  </a:extLst>
+                </p:cNvPr>
+                <p:cNvSpPr txBox="1"/>
+                <p:nvPr/>
+              </p:nvSpPr>
+              <p:spPr>
+                <a:xfrm>
+                  <a:off x="1470117" y="1975316"/>
+                  <a:ext cx="585438" cy="499943"/>
+                </a:xfrm>
+                <a:prstGeom prst="rect">
+                  <a:avLst/>
+                </a:prstGeom>
+                <a:noFill/>
+              </p:spPr>
+              <p:txBody>
+                <a:bodyPr wrap="none" rtlCol="0">
+                  <a:spAutoFit/>
+                </a:bodyPr>
+                <a:lstStyle/>
+                <a:p>
+                  <a:pPr/>
+                  <a14:m>
+                    <m:oMathPara xmlns:m="http://schemas.openxmlformats.org/officeDocument/2006/math">
+                      <m:oMathParaPr>
+                        <m:jc m:val="centerGroup"/>
+                      </m:oMathParaPr>
+                      <m:oMath xmlns:m="http://schemas.openxmlformats.org/officeDocument/2006/math">
+                        <m:sSub>
+                          <m:sSubPr>
+                            <m:ctrlPr>
+                              <a:rPr lang="en-US" b="0" i="1">
+                                <a:latin typeface="Cambria Math" panose="02040503050406030204" pitchFamily="18" charset="0"/>
+                              </a:rPr>
+                            </m:ctrlPr>
+                          </m:sSubPr>
+                          <m:e>
+                            <m:r>
+                              <m:rPr>
+                                <m:sty m:val="p"/>
+                              </m:rPr>
+                              <a:rPr lang="en-US" b="0" i="0">
+                                <a:latin typeface="Cambria Math" panose="02040503050406030204" pitchFamily="18" charset="0"/>
+                              </a:rPr>
+                              <m:t>t</m:t>
+                            </m:r>
+                          </m:e>
+                          <m:sub>
+                            <m:r>
+                              <a:rPr lang="en-US" b="0" i="0">
+                                <a:latin typeface="Cambria Math" panose="02040503050406030204" pitchFamily="18" charset="0"/>
+                              </a:rPr>
+                              <m:t>2</m:t>
+                            </m:r>
+                          </m:sub>
+                        </m:sSub>
+                      </m:oMath>
+                    </m:oMathPara>
+                  </a14:m>
+                  <a:endParaRPr lang="en-VN" b="1"/>
+                </a:p>
+              </p:txBody>
+            </p:sp>
+          </mc:Choice>
+          <mc:Fallback xmlns="">
+            <p:sp>
+              <p:nvSpPr>
+                <p:cNvPr id="120" name="TextBox 119">
+                  <a:extLst>
+                    <a:ext uri="{FF2B5EF4-FFF2-40B4-BE49-F238E27FC236}">
+                      <a16:creationId xmlns:a16="http://schemas.microsoft.com/office/drawing/2014/main" id="{A043EDB1-CA18-FB43-A986-DEFE2A9B68EC}"/>
+                    </a:ext>
+                  </a:extLst>
+                </p:cNvPr>
+                <p:cNvSpPr txBox="1">
+                  <a:spLocks noRot="1" noChangeAspect="1" noMove="1" noResize="1" noEditPoints="1" noAdjustHandles="1" noChangeArrowheads="1" noChangeShapeType="1" noTextEdit="1"/>
+                </p:cNvSpPr>
+                <p:nvPr/>
+              </p:nvSpPr>
+              <p:spPr>
+                <a:xfrm>
+                  <a:off x="1470117" y="1975316"/>
+                  <a:ext cx="585438" cy="499943"/>
+                </a:xfrm>
+                <a:prstGeom prst="rect">
+                  <a:avLst/>
+                </a:prstGeom>
+                <a:blipFill>
+                  <a:blip r:embed="rId11"/>
+                  <a:stretch>
+                    <a:fillRect/>
+                  </a:stretch>
+                </a:blipFill>
+              </p:spPr>
+              <p:txBody>
+                <a:bodyPr/>
+                <a:lstStyle/>
+                <a:p>
+                  <a:r>
+                    <a:rPr lang="en-VN">
+                      <a:noFill/>
+                    </a:rPr>
+                    <a:t> </a:t>
+                  </a:r>
+                </a:p>
+              </p:txBody>
+            </p:sp>
+          </mc:Fallback>
+        </mc:AlternateContent>
+      </p:grpSp>
+      <p:grpSp>
+        <p:nvGrpSpPr>
+          <p:cNvPr id="91" name="Group 90">
+            <a:extLst>
+              <a:ext uri="{FF2B5EF4-FFF2-40B4-BE49-F238E27FC236}">
+                <a16:creationId xmlns:a16="http://schemas.microsoft.com/office/drawing/2014/main" id="{FD24BBA3-1F4D-0A46-852F-4A8C803EA929}"/>
+              </a:ext>
+            </a:extLst>
+          </p:cNvPr>
+          <p:cNvGrpSpPr/>
+          <p:nvPr/>
+        </p:nvGrpSpPr>
+        <p:grpSpPr>
+          <a:xfrm>
+            <a:off x="6224956" y="3824553"/>
+            <a:ext cx="559084" cy="531402"/>
+            <a:chOff x="1381615" y="1886712"/>
+            <a:chExt cx="756797" cy="719328"/>
+          </a:xfrm>
+        </p:grpSpPr>
+        <p:sp>
+          <p:nvSpPr>
+            <p:cNvPr id="92" name="Oval 91">
+              <a:extLst>
+                <a:ext uri="{FF2B5EF4-FFF2-40B4-BE49-F238E27FC236}">
+                  <a16:creationId xmlns:a16="http://schemas.microsoft.com/office/drawing/2014/main" id="{0317573C-7CAF-F040-AE73-97E0B4824806}"/>
+                </a:ext>
+              </a:extLst>
+            </p:cNvPr>
+            <p:cNvSpPr/>
+            <p:nvPr/>
+          </p:nvSpPr>
+          <p:spPr>
+            <a:xfrm>
+              <a:off x="1381615" y="1886712"/>
+              <a:ext cx="719328" cy="719328"/>
+            </a:xfrm>
+            <a:prstGeom prst="ellipse">
+              <a:avLst/>
+            </a:prstGeom>
+            <a:noFill/>
+            <a:ln w="31750" cap="flat" cmpd="sng" algn="ctr">
+              <a:solidFill>
+                <a:schemeClr val="accent5"/>
+              </a:solidFill>
+              <a:prstDash val="solid"/>
+              <a:round/>
+              <a:headEnd type="none" w="med" len="med"/>
+              <a:tailEnd type="none" w="med" len="med"/>
+            </a:ln>
+          </p:spPr>
+          <p:style>
+            <a:lnRef idx="0">
+              <a:scrgbClr r="0" g="0" b="0"/>
+            </a:lnRef>
+            <a:fillRef idx="0">
+              <a:scrgbClr r="0" g="0" b="0"/>
+            </a:fillRef>
+            <a:effectRef idx="0">
+              <a:scrgbClr r="0" g="0" b="0"/>
+            </a:effectRef>
+            <a:fontRef idx="minor">
+              <a:schemeClr val="accent5"/>
+            </a:fontRef>
+          </p:style>
+          <p:txBody>
+            <a:bodyPr rtlCol="0" anchor="ctr"/>
+            <a:lstStyle/>
+            <a:p>
+              <a:pPr algn="ctr"/>
+              <a:endParaRPr lang="en-VN"/>
+            </a:p>
+          </p:txBody>
+        </p:sp>
+        <mc:AlternateContent xmlns:mc="http://schemas.openxmlformats.org/markup-compatibility/2006">
+          <mc:Choice xmlns:a14="http://schemas.microsoft.com/office/drawing/2010/main" Requires="a14">
+            <p:sp>
+              <p:nvSpPr>
+                <p:cNvPr id="93" name="TextBox 92">
+                  <a:extLst>
+                    <a:ext uri="{FF2B5EF4-FFF2-40B4-BE49-F238E27FC236}">
+                      <a16:creationId xmlns:a16="http://schemas.microsoft.com/office/drawing/2014/main" id="{5B29C5FB-B95A-B64A-AA57-E36C3D80C732}"/>
+                    </a:ext>
+                  </a:extLst>
+                </p:cNvPr>
+                <p:cNvSpPr txBox="1"/>
+                <p:nvPr/>
+              </p:nvSpPr>
+              <p:spPr>
+                <a:xfrm>
+                  <a:off x="1420609" y="1938528"/>
+                  <a:ext cx="717803" cy="499943"/>
+                </a:xfrm>
+                <a:prstGeom prst="rect">
+                  <a:avLst/>
+                </a:prstGeom>
+                <a:noFill/>
+              </p:spPr>
+              <p:txBody>
+                <a:bodyPr wrap="none" rtlCol="0">
+                  <a:spAutoFit/>
+                </a:bodyPr>
+                <a:lstStyle/>
+                <a:p>
+                  <a:pPr/>
+                  <a14:m>
+                    <m:oMathPara xmlns:m="http://schemas.openxmlformats.org/officeDocument/2006/math">
+                      <m:oMathParaPr>
+                        <m:jc m:val="centerGroup"/>
+                      </m:oMathParaPr>
+                      <m:oMath xmlns:m="http://schemas.openxmlformats.org/officeDocument/2006/math">
+                        <m:sSub>
+                          <m:sSubPr>
+                            <m:ctrlPr>
+                              <a:rPr lang="en-US" b="0" i="1">
+                                <a:latin typeface="Cambria Math" panose="02040503050406030204" pitchFamily="18" charset="0"/>
+                              </a:rPr>
+                            </m:ctrlPr>
+                          </m:sSubPr>
+                          <m:e>
+                            <m:r>
+                              <m:rPr>
+                                <m:sty m:val="p"/>
+                              </m:rPr>
+                              <a:rPr lang="en-US" b="0" i="0">
+                                <a:latin typeface="Cambria Math" panose="02040503050406030204" pitchFamily="18" charset="0"/>
+                              </a:rPr>
+                              <m:t>t</m:t>
+                            </m:r>
+                          </m:e>
+                          <m:sub>
+                            <m:r>
+                              <a:rPr lang="en-US" b="0" i="0">
+                                <a:latin typeface="Cambria Math" panose="02040503050406030204" pitchFamily="18" charset="0"/>
+                              </a:rPr>
+                              <m:t>40</m:t>
+                            </m:r>
+                          </m:sub>
+                        </m:sSub>
+                      </m:oMath>
+                    </m:oMathPara>
+                  </a14:m>
+                  <a:endParaRPr lang="en-VN"/>
+                </a:p>
+              </p:txBody>
+            </p:sp>
+          </mc:Choice>
+          <mc:Fallback>
+            <p:sp>
+              <p:nvSpPr>
+                <p:cNvPr id="93" name="TextBox 92">
+                  <a:extLst>
+                    <a:ext uri="{FF2B5EF4-FFF2-40B4-BE49-F238E27FC236}">
+                      <a16:creationId xmlns:a16="http://schemas.microsoft.com/office/drawing/2014/main" id="{5B29C5FB-B95A-B64A-AA57-E36C3D80C732}"/>
+                    </a:ext>
+                  </a:extLst>
+                </p:cNvPr>
+                <p:cNvSpPr txBox="1">
+                  <a:spLocks noRot="1" noChangeAspect="1" noMove="1" noResize="1" noEditPoints="1" noAdjustHandles="1" noChangeArrowheads="1" noChangeShapeType="1" noTextEdit="1"/>
+                </p:cNvSpPr>
+                <p:nvPr/>
+              </p:nvSpPr>
+              <p:spPr>
+                <a:xfrm>
+                  <a:off x="1420609" y="1938528"/>
+                  <a:ext cx="717803" cy="499943"/>
+                </a:xfrm>
+                <a:prstGeom prst="rect">
+                  <a:avLst/>
+                </a:prstGeom>
+                <a:blipFill>
+                  <a:blip r:embed="rId21"/>
+                  <a:stretch>
+                    <a:fillRect/>
+                  </a:stretch>
+                </a:blipFill>
+              </p:spPr>
+              <p:txBody>
+                <a:bodyPr/>
+                <a:lstStyle/>
+                <a:p>
+                  <a:r>
+                    <a:rPr lang="en-VN">
+                      <a:noFill/>
+                    </a:rPr>
+                    <a:t> </a:t>
+                  </a:r>
+                </a:p>
+              </p:txBody>
+            </p:sp>
+          </mc:Fallback>
+        </mc:AlternateContent>
+      </p:grpSp>
+      <p:cxnSp>
+        <p:nvCxnSpPr>
+          <p:cNvPr id="94" name="Straight Arrow Connector 93">
+            <a:extLst>
+              <a:ext uri="{FF2B5EF4-FFF2-40B4-BE49-F238E27FC236}">
+                <a16:creationId xmlns:a16="http://schemas.microsoft.com/office/drawing/2014/main" id="{123A3F34-733B-1F48-B906-B9269420719F}"/>
+              </a:ext>
+            </a:extLst>
+          </p:cNvPr>
+          <p:cNvCxnSpPr>
+            <a:stCxn id="14" idx="6"/>
+            <a:endCxn id="86" idx="2"/>
+          </p:cNvCxnSpPr>
+          <p:nvPr/>
+        </p:nvCxnSpPr>
+        <p:spPr>
+          <a:xfrm flipV="1">
+            <a:off x="5286539" y="2206965"/>
+            <a:ext cx="938727" cy="2190652"/>
+          </a:xfrm>
+          <a:prstGeom prst="straightConnector1">
+            <a:avLst/>
+          </a:prstGeom>
+          <a:ln>
+            <a:tailEnd type="triangle"/>
+          </a:ln>
+        </p:spPr>
+        <p:style>
+          <a:lnRef idx="1">
+            <a:schemeClr val="accent1"/>
+          </a:lnRef>
+          <a:fillRef idx="0">
+            <a:schemeClr val="accent1"/>
+          </a:fillRef>
+          <a:effectRef idx="0">
+            <a:schemeClr val="accent1"/>
+          </a:effectRef>
+          <a:fontRef idx="minor">
+            <a:schemeClr val="tx1"/>
+          </a:fontRef>
+        </p:style>
+      </p:cxnSp>
+      <p:cxnSp>
+        <p:nvCxnSpPr>
+          <p:cNvPr id="96" name="Straight Arrow Connector 95">
+            <a:extLst>
+              <a:ext uri="{FF2B5EF4-FFF2-40B4-BE49-F238E27FC236}">
+                <a16:creationId xmlns:a16="http://schemas.microsoft.com/office/drawing/2014/main" id="{58A6CE8B-82C2-8342-9AD2-A11AFF0E0FE6}"/>
+              </a:ext>
+            </a:extLst>
+          </p:cNvPr>
+          <p:cNvCxnSpPr>
+            <a:stCxn id="11" idx="6"/>
+            <a:endCxn id="89" idx="2"/>
+          </p:cNvCxnSpPr>
+          <p:nvPr/>
+        </p:nvCxnSpPr>
+        <p:spPr>
+          <a:xfrm>
+            <a:off x="5323115" y="1815150"/>
+            <a:ext cx="901837" cy="1159315"/>
+          </a:xfrm>
+          <a:prstGeom prst="straightConnector1">
+            <a:avLst/>
+          </a:prstGeom>
+          <a:ln>
+            <a:tailEnd type="triangle"/>
+          </a:ln>
+        </p:spPr>
+        <p:style>
+          <a:lnRef idx="1">
+            <a:schemeClr val="accent1"/>
+          </a:lnRef>
+          <a:fillRef idx="0">
+            <a:schemeClr val="accent1"/>
+          </a:fillRef>
+          <a:effectRef idx="0">
+            <a:schemeClr val="accent1"/>
+          </a:effectRef>
+          <a:fontRef idx="minor">
+            <a:schemeClr val="tx1"/>
+          </a:fontRef>
+        </p:style>
+      </p:cxnSp>
+      <p:cxnSp>
+        <p:nvCxnSpPr>
+          <p:cNvPr id="98" name="Straight Arrow Connector 97">
+            <a:extLst>
+              <a:ext uri="{FF2B5EF4-FFF2-40B4-BE49-F238E27FC236}">
+                <a16:creationId xmlns:a16="http://schemas.microsoft.com/office/drawing/2014/main" id="{202DC365-C68D-1244-BD99-D0F5880D83D0}"/>
+              </a:ext>
+            </a:extLst>
+          </p:cNvPr>
+          <p:cNvCxnSpPr>
+            <a:stCxn id="13" idx="6"/>
+            <a:endCxn id="89" idx="2"/>
+          </p:cNvCxnSpPr>
+          <p:nvPr/>
+        </p:nvCxnSpPr>
+        <p:spPr>
+          <a:xfrm>
+            <a:off x="5323115" y="2831481"/>
+            <a:ext cx="901837" cy="142984"/>
+          </a:xfrm>
+          <a:prstGeom prst="straightConnector1">
+            <a:avLst/>
+          </a:prstGeom>
+          <a:ln>
+            <a:tailEnd type="triangle"/>
+          </a:ln>
+        </p:spPr>
+        <p:style>
+          <a:lnRef idx="1">
+            <a:schemeClr val="accent1"/>
+          </a:lnRef>
+          <a:fillRef idx="0">
+            <a:schemeClr val="accent1"/>
+          </a:fillRef>
+          <a:effectRef idx="0">
+            <a:schemeClr val="accent1"/>
+          </a:effectRef>
+          <a:fontRef idx="minor">
+            <a:schemeClr val="tx1"/>
+          </a:fontRef>
+        </p:style>
+      </p:cxnSp>
+      <p:cxnSp>
+        <p:nvCxnSpPr>
+          <p:cNvPr id="100" name="Straight Arrow Connector 99">
+            <a:extLst>
+              <a:ext uri="{FF2B5EF4-FFF2-40B4-BE49-F238E27FC236}">
+                <a16:creationId xmlns:a16="http://schemas.microsoft.com/office/drawing/2014/main" id="{13EC0F7B-76A9-8944-A746-2FBA1085A9CA}"/>
+              </a:ext>
+            </a:extLst>
+          </p:cNvPr>
+          <p:cNvCxnSpPr>
+            <a:stCxn id="14" idx="6"/>
+            <a:endCxn id="89" idx="2"/>
+          </p:cNvCxnSpPr>
+          <p:nvPr/>
+        </p:nvCxnSpPr>
+        <p:spPr>
+          <a:xfrm flipV="1">
+            <a:off x="5286539" y="2974465"/>
+            <a:ext cx="938413" cy="1423152"/>
+          </a:xfrm>
+          <a:prstGeom prst="straightConnector1">
+            <a:avLst/>
+          </a:prstGeom>
+          <a:ln>
+            <a:tailEnd type="triangle"/>
+          </a:ln>
+        </p:spPr>
+        <p:style>
+          <a:lnRef idx="1">
+            <a:schemeClr val="accent1"/>
+          </a:lnRef>
+          <a:fillRef idx="0">
+            <a:schemeClr val="accent1"/>
+          </a:fillRef>
+          <a:effectRef idx="0">
+            <a:schemeClr val="accent1"/>
+          </a:effectRef>
+          <a:fontRef idx="minor">
+            <a:schemeClr val="tx1"/>
+          </a:fontRef>
+        </p:style>
+      </p:cxnSp>
+      <p:cxnSp>
+        <p:nvCxnSpPr>
+          <p:cNvPr id="102" name="Straight Arrow Connector 101">
+            <a:extLst>
+              <a:ext uri="{FF2B5EF4-FFF2-40B4-BE49-F238E27FC236}">
+                <a16:creationId xmlns:a16="http://schemas.microsoft.com/office/drawing/2014/main" id="{C6150DD5-BBB2-9F43-BDD3-DB1E81FD7D52}"/>
+              </a:ext>
+            </a:extLst>
+          </p:cNvPr>
+          <p:cNvCxnSpPr>
+            <a:stCxn id="11" idx="6"/>
+            <a:endCxn id="92" idx="2"/>
+          </p:cNvCxnSpPr>
+          <p:nvPr/>
+        </p:nvCxnSpPr>
+        <p:spPr>
+          <a:xfrm>
+            <a:off x="5323115" y="1815150"/>
+            <a:ext cx="901841" cy="2275104"/>
+          </a:xfrm>
+          <a:prstGeom prst="straightConnector1">
+            <a:avLst/>
+          </a:prstGeom>
+          <a:ln>
+            <a:tailEnd type="triangle"/>
+          </a:ln>
+        </p:spPr>
+        <p:style>
+          <a:lnRef idx="1">
+            <a:schemeClr val="accent1"/>
+          </a:lnRef>
+          <a:fillRef idx="0">
+            <a:schemeClr val="accent1"/>
+          </a:fillRef>
+          <a:effectRef idx="0">
+            <a:schemeClr val="accent1"/>
+          </a:effectRef>
+          <a:fontRef idx="minor">
+            <a:schemeClr val="tx1"/>
+          </a:fontRef>
+        </p:style>
+      </p:cxnSp>
+      <p:cxnSp>
+        <p:nvCxnSpPr>
+          <p:cNvPr id="105" name="Straight Arrow Connector 104">
+            <a:extLst>
+              <a:ext uri="{FF2B5EF4-FFF2-40B4-BE49-F238E27FC236}">
+                <a16:creationId xmlns:a16="http://schemas.microsoft.com/office/drawing/2014/main" id="{09564B30-DB36-224D-B490-660FBC4A9EDB}"/>
+              </a:ext>
+            </a:extLst>
+          </p:cNvPr>
+          <p:cNvCxnSpPr>
+            <a:stCxn id="13" idx="6"/>
+            <a:endCxn id="92" idx="2"/>
+          </p:cNvCxnSpPr>
+          <p:nvPr/>
+        </p:nvCxnSpPr>
+        <p:spPr>
+          <a:xfrm>
+            <a:off x="5323115" y="2831481"/>
+            <a:ext cx="901841" cy="1258773"/>
+          </a:xfrm>
+          <a:prstGeom prst="straightConnector1">
+            <a:avLst/>
+          </a:prstGeom>
+          <a:ln>
+            <a:tailEnd type="triangle"/>
+          </a:ln>
+        </p:spPr>
+        <p:style>
+          <a:lnRef idx="1">
+            <a:schemeClr val="accent1"/>
+          </a:lnRef>
+          <a:fillRef idx="0">
+            <a:schemeClr val="accent1"/>
+          </a:fillRef>
+          <a:effectRef idx="0">
+            <a:schemeClr val="accent1"/>
+          </a:effectRef>
+          <a:fontRef idx="minor">
+            <a:schemeClr val="tx1"/>
+          </a:fontRef>
+        </p:style>
+      </p:cxnSp>
+      <p:sp>
+        <p:nvSpPr>
+          <p:cNvPr id="106" name="TextBox 105">
+            <a:extLst>
+              <a:ext uri="{FF2B5EF4-FFF2-40B4-BE49-F238E27FC236}">
+                <a16:creationId xmlns:a16="http://schemas.microsoft.com/office/drawing/2014/main" id="{26B6F0F5-DD28-3749-A63E-E5C96259B1ED}"/>
+              </a:ext>
+            </a:extLst>
+          </p:cNvPr>
+          <p:cNvSpPr txBox="1"/>
+          <p:nvPr/>
+        </p:nvSpPr>
+        <p:spPr>
+          <a:xfrm rot="5400000">
+            <a:off x="6297682" y="3387031"/>
+            <a:ext cx="569387" cy="369332"/>
+          </a:xfrm>
+          <a:prstGeom prst="rect">
+            <a:avLst/>
+          </a:prstGeom>
+          <a:noFill/>
+        </p:spPr>
+        <p:txBody>
+          <a:bodyPr wrap="none" rtlCol="0">
+            <a:spAutoFit/>
+          </a:bodyPr>
+          <a:lstStyle/>
+          <a:p>
+            <a:r>
+              <a:rPr lang="en-VN"/>
+              <a:t>.  .  .</a:t>
+            </a:r>
+          </a:p>
+        </p:txBody>
+      </p:sp>
+      <p:grpSp>
+        <p:nvGrpSpPr>
+          <p:cNvPr id="119" name="Group 118">
+            <a:extLst>
+              <a:ext uri="{FF2B5EF4-FFF2-40B4-BE49-F238E27FC236}">
+                <a16:creationId xmlns:a16="http://schemas.microsoft.com/office/drawing/2014/main" id="{9964A8E9-01DB-BB41-942A-41A5F46BAB1B}"/>
+              </a:ext>
+            </a:extLst>
+          </p:cNvPr>
+          <p:cNvGrpSpPr/>
+          <p:nvPr/>
+        </p:nvGrpSpPr>
+        <p:grpSpPr>
+          <a:xfrm>
+            <a:off x="8446264" y="1941264"/>
+            <a:ext cx="531402" cy="531402"/>
+            <a:chOff x="1381615" y="1886712"/>
+            <a:chExt cx="719328" cy="719328"/>
+          </a:xfrm>
+        </p:grpSpPr>
+        <p:sp>
+          <p:nvSpPr>
+            <p:cNvPr id="120" name="Oval 119">
+              <a:extLst>
+                <a:ext uri="{FF2B5EF4-FFF2-40B4-BE49-F238E27FC236}">
+                  <a16:creationId xmlns:a16="http://schemas.microsoft.com/office/drawing/2014/main" id="{F7C36B61-2C46-CE46-9451-3C9EAB79CFD0}"/>
+                </a:ext>
+              </a:extLst>
+            </p:cNvPr>
+            <p:cNvSpPr/>
+            <p:nvPr/>
+          </p:nvSpPr>
+          <p:spPr>
+            <a:xfrm>
+              <a:off x="1381615" y="1886712"/>
+              <a:ext cx="719328" cy="719328"/>
+            </a:xfrm>
+            <a:prstGeom prst="ellipse">
+              <a:avLst/>
+            </a:prstGeom>
+            <a:noFill/>
+            <a:ln w="31750" cap="flat" cmpd="sng" algn="ctr">
+              <a:solidFill>
+                <a:schemeClr val="accent5"/>
+              </a:solidFill>
+              <a:prstDash val="solid"/>
+              <a:round/>
+              <a:headEnd type="none" w="med" len="med"/>
+              <a:tailEnd type="none" w="med" len="med"/>
+            </a:ln>
+          </p:spPr>
+          <p:style>
+            <a:lnRef idx="0">
+              <a:scrgbClr r="0" g="0" b="0"/>
+            </a:lnRef>
+            <a:fillRef idx="0">
+              <a:scrgbClr r="0" g="0" b="0"/>
+            </a:fillRef>
+            <a:effectRef idx="0">
+              <a:scrgbClr r="0" g="0" b="0"/>
+            </a:effectRef>
+            <a:fontRef idx="minor">
+              <a:schemeClr val="accent5"/>
+            </a:fontRef>
+          </p:style>
+          <p:txBody>
+            <a:bodyPr rtlCol="0" anchor="ctr"/>
+            <a:lstStyle/>
+            <a:p>
+              <a:pPr algn="ctr"/>
+              <a:endParaRPr lang="en-VN"/>
+            </a:p>
+          </p:txBody>
+        </p:sp>
+        <mc:AlternateContent xmlns:mc="http://schemas.openxmlformats.org/markup-compatibility/2006" xmlns:a14="http://schemas.microsoft.com/office/drawing/2010/main">
+          <mc:Choice Requires="a14">
+            <p:sp>
+              <p:nvSpPr>
+                <p:cNvPr id="121" name="TextBox 120">
+                  <a:extLst>
+                    <a:ext uri="{FF2B5EF4-FFF2-40B4-BE49-F238E27FC236}">
+                      <a16:creationId xmlns:a16="http://schemas.microsoft.com/office/drawing/2014/main" id="{208DAF10-B152-F44F-B036-930AB30C8869}"/>
+                    </a:ext>
+                  </a:extLst>
+                </p:cNvPr>
+                <p:cNvSpPr txBox="1"/>
+                <p:nvPr/>
+              </p:nvSpPr>
+              <p:spPr>
+                <a:xfrm>
+                  <a:off x="1473461" y="1996404"/>
+                  <a:ext cx="578754" cy="499943"/>
+                </a:xfrm>
+                <a:prstGeom prst="rect">
+                  <a:avLst/>
+                </a:prstGeom>
+                <a:noFill/>
+              </p:spPr>
+              <p:txBody>
+                <a:bodyPr wrap="none" rtlCol="0">
+                  <a:spAutoFit/>
+                </a:bodyPr>
+                <a:lstStyle/>
+                <a:p>
+                  <a:pPr/>
+                  <a14:m>
+                    <m:oMathPara xmlns:m="http://schemas.openxmlformats.org/officeDocument/2006/math">
+                      <m:oMathParaPr>
+                        <m:jc m:val="centerGroup"/>
+                      </m:oMathParaPr>
+                      <m:oMath xmlns:m="http://schemas.openxmlformats.org/officeDocument/2006/math">
+                        <m:sSub>
+                          <m:sSubPr>
+                            <m:ctrlPr>
+                              <a:rPr lang="en-US" b="0" i="1">
+                                <a:latin typeface="Cambria Math" panose="02040503050406030204" pitchFamily="18" charset="0"/>
+                              </a:rPr>
+                            </m:ctrlPr>
+                          </m:sSubPr>
+                          <m:e>
+                            <m:r>
+                              <m:rPr>
+                                <m:sty m:val="p"/>
+                              </m:rPr>
+                              <a:rPr lang="en-US" b="0" i="0">
+                                <a:latin typeface="Cambria Math" panose="02040503050406030204" pitchFamily="18" charset="0"/>
+                              </a:rPr>
+                              <m:t>t</m:t>
+                            </m:r>
+                          </m:e>
+                          <m:sub>
+                            <m:r>
+                              <a:rPr lang="en-US" b="0" i="0">
+                                <a:latin typeface="Cambria Math" panose="02040503050406030204" pitchFamily="18" charset="0"/>
+                              </a:rPr>
+                              <m:t>1</m:t>
+                            </m:r>
+                          </m:sub>
+                        </m:sSub>
+                      </m:oMath>
+                    </m:oMathPara>
+                  </a14:m>
+                  <a:endParaRPr lang="en-VN"/>
+                </a:p>
+              </p:txBody>
+            </p:sp>
+          </mc:Choice>
+          <mc:Fallback xmlns="">
+            <p:sp>
+              <p:nvSpPr>
+                <p:cNvPr id="117" name="TextBox 116">
+                  <a:extLst>
+                    <a:ext uri="{FF2B5EF4-FFF2-40B4-BE49-F238E27FC236}">
+                      <a16:creationId xmlns:a16="http://schemas.microsoft.com/office/drawing/2014/main" id="{10E23963-A4B0-3344-8A7A-6D924E161B6E}"/>
+                    </a:ext>
+                  </a:extLst>
+                </p:cNvPr>
+                <p:cNvSpPr txBox="1">
+                  <a:spLocks noRot="1" noChangeAspect="1" noMove="1" noResize="1" noEditPoints="1" noAdjustHandles="1" noChangeArrowheads="1" noChangeShapeType="1" noTextEdit="1"/>
+                </p:cNvSpPr>
+                <p:nvPr/>
+              </p:nvSpPr>
+              <p:spPr>
+                <a:xfrm>
+                  <a:off x="1473461" y="1996404"/>
+                  <a:ext cx="578754" cy="499943"/>
+                </a:xfrm>
+                <a:prstGeom prst="rect">
+                  <a:avLst/>
+                </a:prstGeom>
+                <a:blipFill>
+                  <a:blip r:embed="rId10"/>
+                  <a:stretch>
+                    <a:fillRect/>
+                  </a:stretch>
+                </a:blipFill>
+              </p:spPr>
+              <p:txBody>
+                <a:bodyPr/>
+                <a:lstStyle/>
+                <a:p>
+                  <a:r>
+                    <a:rPr lang="en-VN">
+                      <a:noFill/>
+                    </a:rPr>
+                    <a:t> </a:t>
+                  </a:r>
+                </a:p>
+              </p:txBody>
+            </p:sp>
+          </mc:Fallback>
+        </mc:AlternateContent>
+      </p:grpSp>
+      <p:grpSp>
+        <p:nvGrpSpPr>
+          <p:cNvPr id="122" name="Group 121">
+            <a:extLst>
+              <a:ext uri="{FF2B5EF4-FFF2-40B4-BE49-F238E27FC236}">
+                <a16:creationId xmlns:a16="http://schemas.microsoft.com/office/drawing/2014/main" id="{1B7028D1-342C-A34C-A73A-81D14332867D}"/>
+              </a:ext>
+            </a:extLst>
+          </p:cNvPr>
+          <p:cNvGrpSpPr/>
+          <p:nvPr/>
+        </p:nvGrpSpPr>
+        <p:grpSpPr>
+          <a:xfrm>
+            <a:off x="8445950" y="2708764"/>
+            <a:ext cx="531402" cy="531402"/>
+            <a:chOff x="1381615" y="1886712"/>
+            <a:chExt cx="719328" cy="719328"/>
+          </a:xfrm>
+        </p:grpSpPr>
+        <p:sp>
+          <p:nvSpPr>
+            <p:cNvPr id="123" name="Oval 122">
+              <a:extLst>
+                <a:ext uri="{FF2B5EF4-FFF2-40B4-BE49-F238E27FC236}">
+                  <a16:creationId xmlns:a16="http://schemas.microsoft.com/office/drawing/2014/main" id="{5BE77009-9E69-3B41-B5DB-19285CD77BAB}"/>
+                </a:ext>
+              </a:extLst>
+            </p:cNvPr>
+            <p:cNvSpPr/>
+            <p:nvPr/>
+          </p:nvSpPr>
+          <p:spPr>
+            <a:xfrm>
+              <a:off x="1381615" y="1886712"/>
+              <a:ext cx="719328" cy="719328"/>
+            </a:xfrm>
+            <a:prstGeom prst="ellipse">
+              <a:avLst/>
+            </a:prstGeom>
+            <a:noFill/>
+            <a:ln w="31750" cap="flat" cmpd="sng" algn="ctr">
+              <a:solidFill>
+                <a:schemeClr val="accent5"/>
+              </a:solidFill>
+              <a:prstDash val="solid"/>
+              <a:round/>
+              <a:headEnd type="none" w="med" len="med"/>
+              <a:tailEnd type="none" w="med" len="med"/>
+            </a:ln>
+          </p:spPr>
+          <p:style>
+            <a:lnRef idx="0">
+              <a:scrgbClr r="0" g="0" b="0"/>
+            </a:lnRef>
+            <a:fillRef idx="0">
+              <a:scrgbClr r="0" g="0" b="0"/>
+            </a:fillRef>
+            <a:effectRef idx="0">
+              <a:scrgbClr r="0" g="0" b="0"/>
+            </a:effectRef>
+            <a:fontRef idx="minor">
+              <a:schemeClr val="accent5"/>
+            </a:fontRef>
+          </p:style>
+          <p:txBody>
+            <a:bodyPr rtlCol="0" anchor="ctr"/>
+            <a:lstStyle/>
+            <a:p>
+              <a:pPr algn="ctr"/>
+              <a:endParaRPr lang="en-VN"/>
+            </a:p>
+          </p:txBody>
+        </p:sp>
+        <mc:AlternateContent xmlns:mc="http://schemas.openxmlformats.org/markup-compatibility/2006" xmlns:a14="http://schemas.microsoft.com/office/drawing/2010/main">
+          <mc:Choice Requires="a14">
+            <p:sp>
+              <p:nvSpPr>
+                <p:cNvPr id="124" name="TextBox 123">
+                  <a:extLst>
+                    <a:ext uri="{FF2B5EF4-FFF2-40B4-BE49-F238E27FC236}">
+                      <a16:creationId xmlns:a16="http://schemas.microsoft.com/office/drawing/2014/main" id="{DAE1F982-A38C-E642-A7B4-DCFE144FC95C}"/>
+                    </a:ext>
+                  </a:extLst>
+                </p:cNvPr>
+                <p:cNvSpPr txBox="1"/>
+                <p:nvPr/>
+              </p:nvSpPr>
+              <p:spPr>
+                <a:xfrm>
+                  <a:off x="1470117" y="1975316"/>
+                  <a:ext cx="585438" cy="499943"/>
+                </a:xfrm>
+                <a:prstGeom prst="rect">
+                  <a:avLst/>
+                </a:prstGeom>
+                <a:noFill/>
+              </p:spPr>
+              <p:txBody>
+                <a:bodyPr wrap="none" rtlCol="0">
+                  <a:spAutoFit/>
+                </a:bodyPr>
+                <a:lstStyle/>
+                <a:p>
+                  <a:pPr/>
+                  <a14:m>
+                    <m:oMathPara xmlns:m="http://schemas.openxmlformats.org/officeDocument/2006/math">
+                      <m:oMathParaPr>
+                        <m:jc m:val="centerGroup"/>
+                      </m:oMathParaPr>
+                      <m:oMath xmlns:m="http://schemas.openxmlformats.org/officeDocument/2006/math">
+                        <m:sSub>
+                          <m:sSubPr>
+                            <m:ctrlPr>
+                              <a:rPr lang="en-US" b="0" i="1">
+                                <a:latin typeface="Cambria Math" panose="02040503050406030204" pitchFamily="18" charset="0"/>
+                              </a:rPr>
+                            </m:ctrlPr>
+                          </m:sSubPr>
+                          <m:e>
+                            <m:r>
+                              <m:rPr>
+                                <m:sty m:val="p"/>
+                              </m:rPr>
+                              <a:rPr lang="en-US" b="0" i="0">
+                                <a:latin typeface="Cambria Math" panose="02040503050406030204" pitchFamily="18" charset="0"/>
+                              </a:rPr>
+                              <m:t>t</m:t>
+                            </m:r>
+                          </m:e>
+                          <m:sub>
+                            <m:r>
+                              <a:rPr lang="en-US" b="0" i="0">
+                                <a:latin typeface="Cambria Math" panose="02040503050406030204" pitchFamily="18" charset="0"/>
+                              </a:rPr>
+                              <m:t>2</m:t>
+                            </m:r>
+                          </m:sub>
+                        </m:sSub>
+                      </m:oMath>
+                    </m:oMathPara>
+                  </a14:m>
+                  <a:endParaRPr lang="en-VN" b="1"/>
+                </a:p>
+              </p:txBody>
+            </p:sp>
+          </mc:Choice>
+          <mc:Fallback xmlns="">
+            <p:sp>
+              <p:nvSpPr>
+                <p:cNvPr id="120" name="TextBox 119">
+                  <a:extLst>
+                    <a:ext uri="{FF2B5EF4-FFF2-40B4-BE49-F238E27FC236}">
+                      <a16:creationId xmlns:a16="http://schemas.microsoft.com/office/drawing/2014/main" id="{A043EDB1-CA18-FB43-A986-DEFE2A9B68EC}"/>
+                    </a:ext>
+                  </a:extLst>
+                </p:cNvPr>
+                <p:cNvSpPr txBox="1">
+                  <a:spLocks noRot="1" noChangeAspect="1" noMove="1" noResize="1" noEditPoints="1" noAdjustHandles="1" noChangeArrowheads="1" noChangeShapeType="1" noTextEdit="1"/>
+                </p:cNvSpPr>
+                <p:nvPr/>
+              </p:nvSpPr>
+              <p:spPr>
+                <a:xfrm>
+                  <a:off x="1470117" y="1975316"/>
+                  <a:ext cx="585438" cy="499943"/>
+                </a:xfrm>
+                <a:prstGeom prst="rect">
+                  <a:avLst/>
+                </a:prstGeom>
+                <a:blipFill>
+                  <a:blip r:embed="rId11"/>
+                  <a:stretch>
+                    <a:fillRect/>
+                  </a:stretch>
+                </a:blipFill>
+              </p:spPr>
+              <p:txBody>
+                <a:bodyPr/>
+                <a:lstStyle/>
+                <a:p>
+                  <a:r>
+                    <a:rPr lang="en-VN">
+                      <a:noFill/>
+                    </a:rPr>
+                    <a:t> </a:t>
+                  </a:r>
+                </a:p>
+              </p:txBody>
+            </p:sp>
+          </mc:Fallback>
+        </mc:AlternateContent>
+      </p:grpSp>
+      <p:grpSp>
+        <p:nvGrpSpPr>
+          <p:cNvPr id="125" name="Group 124">
+            <a:extLst>
+              <a:ext uri="{FF2B5EF4-FFF2-40B4-BE49-F238E27FC236}">
+                <a16:creationId xmlns:a16="http://schemas.microsoft.com/office/drawing/2014/main" id="{087CC839-569A-CA4F-8196-F9AA84256EAF}"/>
+              </a:ext>
+            </a:extLst>
+          </p:cNvPr>
+          <p:cNvGrpSpPr/>
+          <p:nvPr/>
+        </p:nvGrpSpPr>
+        <p:grpSpPr>
+          <a:xfrm>
+            <a:off x="8445950" y="3824553"/>
+            <a:ext cx="595654" cy="531402"/>
+            <a:chOff x="1381615" y="1886712"/>
+            <a:chExt cx="806302" cy="719328"/>
+          </a:xfrm>
+        </p:grpSpPr>
+        <p:sp>
+          <p:nvSpPr>
+            <p:cNvPr id="126" name="Oval 125">
+              <a:extLst>
+                <a:ext uri="{FF2B5EF4-FFF2-40B4-BE49-F238E27FC236}">
+                  <a16:creationId xmlns:a16="http://schemas.microsoft.com/office/drawing/2014/main" id="{0CEF44FA-03B0-6E40-92DC-8BAFFCEF3745}"/>
+                </a:ext>
+              </a:extLst>
+            </p:cNvPr>
+            <p:cNvSpPr/>
+            <p:nvPr/>
+          </p:nvSpPr>
+          <p:spPr>
+            <a:xfrm>
+              <a:off x="1381615" y="1886712"/>
+              <a:ext cx="719328" cy="719328"/>
+            </a:xfrm>
+            <a:prstGeom prst="ellipse">
+              <a:avLst/>
+            </a:prstGeom>
+            <a:noFill/>
+            <a:ln w="31750" cap="flat" cmpd="sng" algn="ctr">
+              <a:solidFill>
+                <a:schemeClr val="accent5"/>
+              </a:solidFill>
+              <a:prstDash val="solid"/>
+              <a:round/>
+              <a:headEnd type="none" w="med" len="med"/>
+              <a:tailEnd type="none" w="med" len="med"/>
+            </a:ln>
+          </p:spPr>
+          <p:style>
+            <a:lnRef idx="0">
+              <a:scrgbClr r="0" g="0" b="0"/>
+            </a:lnRef>
+            <a:fillRef idx="0">
+              <a:scrgbClr r="0" g="0" b="0"/>
+            </a:fillRef>
+            <a:effectRef idx="0">
+              <a:scrgbClr r="0" g="0" b="0"/>
+            </a:effectRef>
+            <a:fontRef idx="minor">
+              <a:schemeClr val="accent5"/>
+            </a:fontRef>
+          </p:style>
+          <p:txBody>
+            <a:bodyPr rtlCol="0" anchor="ctr"/>
+            <a:lstStyle/>
+            <a:p>
+              <a:pPr algn="ctr"/>
+              <a:endParaRPr lang="en-VN"/>
+            </a:p>
+          </p:txBody>
+        </p:sp>
+        <mc:AlternateContent xmlns:mc="http://schemas.openxmlformats.org/markup-compatibility/2006" xmlns:a14="http://schemas.microsoft.com/office/drawing/2010/main">
+          <mc:Choice Requires="a14">
+            <p:sp>
+              <p:nvSpPr>
+                <p:cNvPr id="127" name="TextBox 126">
+                  <a:extLst>
+                    <a:ext uri="{FF2B5EF4-FFF2-40B4-BE49-F238E27FC236}">
+                      <a16:creationId xmlns:a16="http://schemas.microsoft.com/office/drawing/2014/main" id="{7CD1E424-9CB1-6243-B003-58A1A4FB17BD}"/>
+                    </a:ext>
+                  </a:extLst>
+                </p:cNvPr>
+                <p:cNvSpPr txBox="1"/>
+                <p:nvPr/>
+              </p:nvSpPr>
+              <p:spPr>
+                <a:xfrm>
+                  <a:off x="1470117" y="1938528"/>
+                  <a:ext cx="717800" cy="499943"/>
+                </a:xfrm>
+                <a:prstGeom prst="rect">
+                  <a:avLst/>
+                </a:prstGeom>
+                <a:noFill/>
+              </p:spPr>
+              <p:txBody>
+                <a:bodyPr wrap="none" rtlCol="0">
+                  <a:spAutoFit/>
+                </a:bodyPr>
+                <a:lstStyle/>
+                <a:p>
+                  <a:pPr/>
+                  <a14:m>
+                    <m:oMathPara xmlns:m="http://schemas.openxmlformats.org/officeDocument/2006/math">
+                      <m:oMathParaPr>
+                        <m:jc m:val="centerGroup"/>
+                      </m:oMathParaPr>
+                      <m:oMath xmlns:m="http://schemas.openxmlformats.org/officeDocument/2006/math">
+                        <m:sSub>
+                          <m:sSubPr>
+                            <m:ctrlPr>
+                              <a:rPr lang="en-US" b="0" i="1">
+                                <a:latin typeface="Cambria Math" panose="02040503050406030204" pitchFamily="18" charset="0"/>
+                              </a:rPr>
+                            </m:ctrlPr>
+                          </m:sSubPr>
+                          <m:e>
+                            <m:r>
+                              <m:rPr>
+                                <m:sty m:val="p"/>
+                              </m:rPr>
+                              <a:rPr lang="en-US" b="0" i="0">
+                                <a:latin typeface="Cambria Math" panose="02040503050406030204" pitchFamily="18" charset="0"/>
+                              </a:rPr>
+                              <m:t>t</m:t>
+                            </m:r>
+                          </m:e>
+                          <m:sub>
+                            <m:r>
+                              <a:rPr lang="en-US" b="0" i="0">
+                                <a:latin typeface="Cambria Math" panose="02040503050406030204" pitchFamily="18" charset="0"/>
+                              </a:rPr>
+                              <m:t>40</m:t>
+                            </m:r>
+                          </m:sub>
+                        </m:sSub>
+                      </m:oMath>
+                    </m:oMathPara>
+                  </a14:m>
+                  <a:endParaRPr lang="en-VN"/>
+                </a:p>
+              </p:txBody>
+            </p:sp>
+          </mc:Choice>
+          <mc:Fallback xmlns="">
+            <p:sp>
+              <p:nvSpPr>
+                <p:cNvPr id="52" name="TextBox 51">
+                  <a:extLst>
+                    <a:ext uri="{FF2B5EF4-FFF2-40B4-BE49-F238E27FC236}">
+                      <a16:creationId xmlns:a16="http://schemas.microsoft.com/office/drawing/2014/main" id="{6E96DFEB-2BA1-F848-96A9-9D2A7B884792}"/>
+                    </a:ext>
+                  </a:extLst>
+                </p:cNvPr>
+                <p:cNvSpPr txBox="1">
+                  <a:spLocks noRot="1" noChangeAspect="1" noMove="1" noResize="1" noEditPoints="1" noAdjustHandles="1" noChangeArrowheads="1" noChangeShapeType="1" noTextEdit="1"/>
+                </p:cNvSpPr>
+                <p:nvPr/>
+              </p:nvSpPr>
+              <p:spPr>
+                <a:xfrm>
+                  <a:off x="1470117" y="1938528"/>
+                  <a:ext cx="717800" cy="499943"/>
+                </a:xfrm>
+                <a:prstGeom prst="rect">
+                  <a:avLst/>
+                </a:prstGeom>
+                <a:blipFill>
+                  <a:blip r:embed="rId12"/>
+                  <a:stretch>
+                    <a:fillRect/>
+                  </a:stretch>
+                </a:blipFill>
+              </p:spPr>
+              <p:txBody>
+                <a:bodyPr/>
+                <a:lstStyle/>
+                <a:p>
+                  <a:r>
+                    <a:rPr lang="en-VN">
+                      <a:noFill/>
+                    </a:rPr>
+                    <a:t> </a:t>
+                  </a:r>
+                </a:p>
+              </p:txBody>
+            </p:sp>
+          </mc:Fallback>
+        </mc:AlternateContent>
+      </p:grpSp>
+      <p:sp>
+        <p:nvSpPr>
+          <p:cNvPr id="128" name="TextBox 127">
+            <a:extLst>
+              <a:ext uri="{FF2B5EF4-FFF2-40B4-BE49-F238E27FC236}">
+                <a16:creationId xmlns:a16="http://schemas.microsoft.com/office/drawing/2014/main" id="{4242D68F-DFA9-7842-A84D-0F21CA616745}"/>
+              </a:ext>
+            </a:extLst>
+          </p:cNvPr>
+          <p:cNvSpPr txBox="1"/>
+          <p:nvPr/>
+        </p:nvSpPr>
+        <p:spPr>
+          <a:xfrm rot="5400000">
+            <a:off x="8518680" y="3387031"/>
+            <a:ext cx="569387" cy="369332"/>
+          </a:xfrm>
+          <a:prstGeom prst="rect">
+            <a:avLst/>
+          </a:prstGeom>
+          <a:noFill/>
+        </p:spPr>
+        <p:txBody>
+          <a:bodyPr wrap="none" rtlCol="0">
+            <a:spAutoFit/>
+          </a:bodyPr>
+          <a:lstStyle/>
+          <a:p>
+            <a:r>
+              <a:rPr lang="en-VN"/>
+              <a:t>.  .  .</a:t>
+            </a:r>
+          </a:p>
+        </p:txBody>
+      </p:sp>
+      <p:cxnSp>
+        <p:nvCxnSpPr>
+          <p:cNvPr id="146" name="Straight Arrow Connector 145">
+            <a:extLst>
+              <a:ext uri="{FF2B5EF4-FFF2-40B4-BE49-F238E27FC236}">
+                <a16:creationId xmlns:a16="http://schemas.microsoft.com/office/drawing/2014/main" id="{26B7061F-A043-244D-9D8D-A51783A25942}"/>
+              </a:ext>
+            </a:extLst>
+          </p:cNvPr>
+          <p:cNvCxnSpPr>
+            <a:cxnSpLocks/>
+          </p:cNvCxnSpPr>
+          <p:nvPr/>
+        </p:nvCxnSpPr>
+        <p:spPr>
+          <a:xfrm>
+            <a:off x="7844972" y="2206965"/>
+            <a:ext cx="596878" cy="0"/>
+          </a:xfrm>
+          <a:prstGeom prst="straightConnector1">
+            <a:avLst/>
+          </a:prstGeom>
+          <a:ln>
+            <a:tailEnd type="triangle"/>
+          </a:ln>
+        </p:spPr>
+        <p:style>
+          <a:lnRef idx="1">
+            <a:schemeClr val="accent1"/>
+          </a:lnRef>
+          <a:fillRef idx="0">
+            <a:schemeClr val="accent1"/>
+          </a:fillRef>
+          <a:effectRef idx="0">
+            <a:schemeClr val="accent1"/>
+          </a:effectRef>
+          <a:fontRef idx="minor">
+            <a:schemeClr val="tx1"/>
+          </a:fontRef>
+        </p:style>
+      </p:cxnSp>
+      <p:cxnSp>
+        <p:nvCxnSpPr>
+          <p:cNvPr id="147" name="Straight Arrow Connector 146">
+            <a:extLst>
+              <a:ext uri="{FF2B5EF4-FFF2-40B4-BE49-F238E27FC236}">
+                <a16:creationId xmlns:a16="http://schemas.microsoft.com/office/drawing/2014/main" id="{F8C532B8-0A53-D149-B96D-913704C9893E}"/>
+              </a:ext>
+            </a:extLst>
+          </p:cNvPr>
+          <p:cNvCxnSpPr>
+            <a:cxnSpLocks/>
+          </p:cNvCxnSpPr>
+          <p:nvPr/>
+        </p:nvCxnSpPr>
+        <p:spPr>
+          <a:xfrm>
+            <a:off x="7844658" y="2974465"/>
+            <a:ext cx="578839" cy="0"/>
+          </a:xfrm>
+          <a:prstGeom prst="straightConnector1">
+            <a:avLst/>
+          </a:prstGeom>
+          <a:ln>
+            <a:tailEnd type="triangle"/>
+          </a:ln>
+        </p:spPr>
+        <p:style>
+          <a:lnRef idx="1">
+            <a:schemeClr val="accent1"/>
+          </a:lnRef>
+          <a:fillRef idx="0">
+            <a:schemeClr val="accent1"/>
+          </a:fillRef>
+          <a:effectRef idx="0">
+            <a:schemeClr val="accent1"/>
+          </a:effectRef>
+          <a:fontRef idx="minor">
+            <a:schemeClr val="tx1"/>
+          </a:fontRef>
+        </p:style>
+      </p:cxnSp>
+      <p:cxnSp>
+        <p:nvCxnSpPr>
+          <p:cNvPr id="148" name="Straight Arrow Connector 147">
+            <a:extLst>
+              <a:ext uri="{FF2B5EF4-FFF2-40B4-BE49-F238E27FC236}">
+                <a16:creationId xmlns:a16="http://schemas.microsoft.com/office/drawing/2014/main" id="{EA2AB2AB-B227-BB41-837D-FE32593F99CC}"/>
+              </a:ext>
+            </a:extLst>
+          </p:cNvPr>
+          <p:cNvCxnSpPr>
+            <a:cxnSpLocks/>
+          </p:cNvCxnSpPr>
+          <p:nvPr/>
+        </p:nvCxnSpPr>
+        <p:spPr>
+          <a:xfrm>
+            <a:off x="7844664" y="4090254"/>
+            <a:ext cx="597517" cy="0"/>
+          </a:xfrm>
+          <a:prstGeom prst="straightConnector1">
+            <a:avLst/>
+          </a:prstGeom>
+          <a:ln>
+            <a:tailEnd type="triangle"/>
+          </a:ln>
+        </p:spPr>
+        <p:style>
+          <a:lnRef idx="1">
+            <a:schemeClr val="accent1"/>
+          </a:lnRef>
+          <a:fillRef idx="0">
+            <a:schemeClr val="accent1"/>
+          </a:fillRef>
+          <a:effectRef idx="0">
+            <a:schemeClr val="accent1"/>
+          </a:effectRef>
+          <a:fontRef idx="minor">
+            <a:schemeClr val="tx1"/>
+          </a:fontRef>
+        </p:style>
+      </p:cxnSp>
+      <mc:AlternateContent xmlns:mc="http://schemas.openxmlformats.org/markup-compatibility/2006">
+        <mc:Choice xmlns:a14="http://schemas.microsoft.com/office/drawing/2010/main" Requires="a14">
+          <p:sp>
+            <p:nvSpPr>
+              <p:cNvPr id="149" name="Rectangle 148">
+                <a:extLst>
+                  <a:ext uri="{FF2B5EF4-FFF2-40B4-BE49-F238E27FC236}">
+                    <a16:creationId xmlns:a16="http://schemas.microsoft.com/office/drawing/2014/main" id="{F8D1C3C8-07EF-7E4F-AC00-E79FDAE4B225}"/>
+                  </a:ext>
+                </a:extLst>
+              </p:cNvPr>
+              <p:cNvSpPr/>
+              <p:nvPr/>
+            </p:nvSpPr>
+            <p:spPr>
+              <a:xfrm>
+                <a:off x="6108089" y="5416124"/>
+                <a:ext cx="841897" cy="369332"/>
+              </a:xfrm>
+              <a:prstGeom prst="rect">
+                <a:avLst/>
+              </a:prstGeom>
+            </p:spPr>
+            <p:txBody>
+              <a:bodyPr wrap="none">
+                <a:spAutoFit/>
+              </a:bodyPr>
+              <a:lstStyle/>
+              <a:p>
+                <a14:m>
+                  <m:oMathPara xmlns:m="http://schemas.openxmlformats.org/officeDocument/2006/math">
+                    <m:oMathParaPr>
+                      <m:jc m:val="centerGroup"/>
+                    </m:oMathParaPr>
+                    <m:oMath xmlns:m="http://schemas.openxmlformats.org/officeDocument/2006/math">
+                      <m:r>
+                        <m:rPr>
+                          <m:sty m:val="p"/>
+                        </m:rPr>
+                        <a:rPr lang="en-US">
+                          <a:latin typeface="Cambria Math" panose="02040503050406030204" pitchFamily="18" charset="0"/>
+                          <a:ea typeface="Cambria Math" panose="02040503050406030204" pitchFamily="18" charset="0"/>
+                        </a:rPr>
+                        <m:t>Dense</m:t>
+                      </m:r>
+                    </m:oMath>
+                  </m:oMathPara>
+                </a14:m>
+                <a:endParaRPr lang="en-VN"/>
+              </a:p>
+            </p:txBody>
+          </p:sp>
+        </mc:Choice>
+        <mc:Fallback>
+          <p:sp>
+            <p:nvSpPr>
+              <p:cNvPr id="149" name="Rectangle 148">
+                <a:extLst>
+                  <a:ext uri="{FF2B5EF4-FFF2-40B4-BE49-F238E27FC236}">
+                    <a16:creationId xmlns:a16="http://schemas.microsoft.com/office/drawing/2014/main" id="{F8D1C3C8-07EF-7E4F-AC00-E79FDAE4B225}"/>
+                  </a:ext>
+                </a:extLst>
+              </p:cNvPr>
+              <p:cNvSpPr>
+                <a:spLocks noRot="1" noChangeAspect="1" noMove="1" noResize="1" noEditPoints="1" noAdjustHandles="1" noChangeArrowheads="1" noChangeShapeType="1" noTextEdit="1"/>
+              </p:cNvSpPr>
+              <p:nvPr/>
+            </p:nvSpPr>
+            <p:spPr>
+              <a:xfrm>
+                <a:off x="6108089" y="5416124"/>
+                <a:ext cx="841897" cy="369332"/>
+              </a:xfrm>
+              <a:prstGeom prst="rect">
+                <a:avLst/>
+              </a:prstGeom>
+              <a:blipFill>
+                <a:blip r:embed="rId22"/>
+                <a:stretch>
+                  <a:fillRect/>
+                </a:stretch>
+              </a:blipFill>
+            </p:spPr>
+            <p:txBody>
+              <a:bodyPr/>
+              <a:lstStyle/>
+              <a:p>
+                <a:r>
+                  <a:rPr lang="en-VN">
+                    <a:noFill/>
+                  </a:rPr>
+                  <a:t> </a:t>
+                </a:r>
+              </a:p>
+            </p:txBody>
+          </p:sp>
+        </mc:Fallback>
+      </mc:AlternateContent>
+    </p:spTree>
+    <p:extLst>
+      <p:ext uri="{BB962C8B-B14F-4D97-AF65-F5344CB8AC3E}">
+        <p14:creationId xmlns:p14="http://schemas.microsoft.com/office/powerpoint/2010/main" val="4206393523"/>
+      </p:ext>
+    </p:extLst>
+  </p:cSld>
+  <p:clrMapOvr>
+    <a:masterClrMapping/>
+  </p:clrMapOvr>
+</p:sld>
+</file>
+
+<file path=ppt/slides/slide3.xml><?xml version="1.0" encoding="utf-8"?>
+<p:sld xmlns:a="http://schemas.openxmlformats.org/drawingml/2006/main" xmlns:r="http://schemas.openxmlformats.org/officeDocument/2006/relationships" xmlns:p="http://schemas.openxmlformats.org/presentationml/2006/main">
+  <p:cSld>
+    <p:spTree>
+      <p:nvGrpSpPr>
+        <p:cNvPr id="1" name=""/>
+        <p:cNvGrpSpPr/>
+        <p:nvPr/>
+      </p:nvGrpSpPr>
+      <p:grpSpPr>
+        <a:xfrm>
+          <a:off x="0" y="0"/>
+          <a:ext cx="0" cy="0"/>
+          <a:chOff x="0" y="0"/>
+          <a:chExt cx="0" cy="0"/>
+        </a:xfrm>
+      </p:grpSpPr>
+      <p:grpSp>
+        <p:nvGrpSpPr>
           <p:cNvPr id="15" name="Group 14">
             <a:extLst>
               <a:ext uri="{FF2B5EF4-FFF2-40B4-BE49-F238E27FC236}">
@@ -12306,7 +17034,7 @@
 </p:sld>
 </file>
 
-<file path=ppt/slides/slide3.xml><?xml version="1.0" encoding="utf-8"?>
+<file path=ppt/slides/slide4.xml><?xml version="1.0" encoding="utf-8"?>
 <p:sld xmlns:a="http://schemas.openxmlformats.org/drawingml/2006/main" xmlns:r="http://schemas.openxmlformats.org/officeDocument/2006/relationships" xmlns:p="http://schemas.openxmlformats.org/presentationml/2006/main">
   <p:cSld>
     <p:spTree>
@@ -13857,7 +18585,7 @@
 </p:sld>
 </file>
 
-<file path=ppt/slides/slide4.xml><?xml version="1.0" encoding="utf-8"?>
+<file path=ppt/slides/slide5.xml><?xml version="1.0" encoding="utf-8"?>
 <p:sld xmlns:a="http://schemas.openxmlformats.org/drawingml/2006/main" xmlns:r="http://schemas.openxmlformats.org/officeDocument/2006/relationships" xmlns:p="http://schemas.openxmlformats.org/presentationml/2006/main">
   <p:cSld>
     <p:spTree>
@@ -15558,7 +20286,7 @@
 </p:sld>
 </file>
 
-<file path=ppt/slides/slide5.xml><?xml version="1.0" encoding="utf-8"?>
+<file path=ppt/slides/slide6.xml><?xml version="1.0" encoding="utf-8"?>
 <p:sld xmlns:a="http://schemas.openxmlformats.org/drawingml/2006/main" xmlns:r="http://schemas.openxmlformats.org/officeDocument/2006/relationships" xmlns:p="http://schemas.openxmlformats.org/presentationml/2006/main">
   <p:cSld>
     <p:spTree>
@@ -15648,7 +20376,7 @@
 </p:sld>
 </file>
 
-<file path=ppt/slides/slide6.xml><?xml version="1.0" encoding="utf-8"?>
+<file path=ppt/slides/slide7.xml><?xml version="1.0" encoding="utf-8"?>
 <p:sld xmlns:a="http://schemas.openxmlformats.org/drawingml/2006/main" xmlns:r="http://schemas.openxmlformats.org/officeDocument/2006/relationships" xmlns:p="http://schemas.openxmlformats.org/presentationml/2006/main">
   <p:cSld>
     <p:spTree>
@@ -15724,8 +20452,8 @@
           </a:prstGeom>
         </p:spPr>
       </p:pic>
-      <mc:AlternateContent xmlns:mc="http://schemas.openxmlformats.org/markup-compatibility/2006">
-        <mc:Choice xmlns:p14="http://schemas.microsoft.com/office/powerpoint/2010/main" Requires="p14">
+      <mc:AlternateContent xmlns:mc="http://schemas.openxmlformats.org/markup-compatibility/2006" xmlns:p14="http://schemas.microsoft.com/office/powerpoint/2010/main">
+        <mc:Choice Requires="p14">
           <p:contentPart p14:bwMode="auto" r:id="rId4">
             <p14:nvContentPartPr>
               <p14:cNvPr id="21" name="Ink 20">
@@ -15744,7 +20472,7 @@
             </p14:xfrm>
           </p:contentPart>
         </mc:Choice>
-        <mc:Fallback>
+        <mc:Fallback xmlns="">
           <p:pic>
             <p:nvPicPr>
               <p:cNvPr id="21" name="Ink 20">
@@ -15775,8 +20503,8 @@
           </p:pic>
         </mc:Fallback>
       </mc:AlternateContent>
-      <mc:AlternateContent xmlns:mc="http://schemas.openxmlformats.org/markup-compatibility/2006">
-        <mc:Choice xmlns:p14="http://schemas.microsoft.com/office/powerpoint/2010/main" Requires="p14">
+      <mc:AlternateContent xmlns:mc="http://schemas.openxmlformats.org/markup-compatibility/2006" xmlns:p14="http://schemas.microsoft.com/office/powerpoint/2010/main">
+        <mc:Choice Requires="p14">
           <p:contentPart p14:bwMode="auto" r:id="rId6">
             <p14:nvContentPartPr>
               <p14:cNvPr id="23" name="Ink 22">
@@ -15795,7 +20523,7 @@
             </p14:xfrm>
           </p:contentPart>
         </mc:Choice>
-        <mc:Fallback>
+        <mc:Fallback xmlns="">
           <p:pic>
             <p:nvPicPr>
               <p:cNvPr id="23" name="Ink 22">
@@ -15826,8 +20554,8 @@
           </p:pic>
         </mc:Fallback>
       </mc:AlternateContent>
-      <mc:AlternateContent xmlns:mc="http://schemas.openxmlformats.org/markup-compatibility/2006">
-        <mc:Choice xmlns:p14="http://schemas.microsoft.com/office/powerpoint/2010/main" Requires="p14">
+      <mc:AlternateContent xmlns:mc="http://schemas.openxmlformats.org/markup-compatibility/2006" xmlns:p14="http://schemas.microsoft.com/office/powerpoint/2010/main">
+        <mc:Choice Requires="p14">
           <p:contentPart p14:bwMode="auto" r:id="rId8">
             <p14:nvContentPartPr>
               <p14:cNvPr id="26" name="Ink 25">
@@ -15846,7 +20574,7 @@
             </p14:xfrm>
           </p:contentPart>
         </mc:Choice>
-        <mc:Fallback>
+        <mc:Fallback xmlns="">
           <p:pic>
             <p:nvPicPr>
               <p:cNvPr id="26" name="Ink 25">

--- a/Perceptron.pptx
+++ b/Perceptron.pptx
@@ -347,7 +347,7 @@
           <a:lstStyle/>
           <a:p>
             <a:fld id="{7EE0D05D-1BF7-6844-A448-DE6324502727}" type="datetimeFigureOut">
-              <a:t>6/13/20</a:t>
+              <a:t>6/14/20</a:t>
             </a:fld>
             <a:endParaRPr lang="en-VN"/>
           </a:p>
@@ -545,7 +545,7 @@
           <a:lstStyle/>
           <a:p>
             <a:fld id="{7EE0D05D-1BF7-6844-A448-DE6324502727}" type="datetimeFigureOut">
-              <a:t>6/13/20</a:t>
+              <a:t>6/14/20</a:t>
             </a:fld>
             <a:endParaRPr lang="en-VN"/>
           </a:p>
@@ -753,7 +753,7 @@
           <a:lstStyle/>
           <a:p>
             <a:fld id="{7EE0D05D-1BF7-6844-A448-DE6324502727}" type="datetimeFigureOut">
-              <a:t>6/13/20</a:t>
+              <a:t>6/14/20</a:t>
             </a:fld>
             <a:endParaRPr lang="en-VN"/>
           </a:p>
@@ -951,7 +951,7 @@
           <a:lstStyle/>
           <a:p>
             <a:fld id="{7EE0D05D-1BF7-6844-A448-DE6324502727}" type="datetimeFigureOut">
-              <a:t>6/13/20</a:t>
+              <a:t>6/14/20</a:t>
             </a:fld>
             <a:endParaRPr lang="en-VN"/>
           </a:p>
@@ -1225,7 +1225,7 @@
           <a:lstStyle/>
           <a:p>
             <a:fld id="{7EE0D05D-1BF7-6844-A448-DE6324502727}" type="datetimeFigureOut">
-              <a:t>6/13/20</a:t>
+              <a:t>6/14/20</a:t>
             </a:fld>
             <a:endParaRPr lang="en-VN"/>
           </a:p>
@@ -1491,7 +1491,7 @@
           <a:lstStyle/>
           <a:p>
             <a:fld id="{7EE0D05D-1BF7-6844-A448-DE6324502727}" type="datetimeFigureOut">
-              <a:t>6/13/20</a:t>
+              <a:t>6/14/20</a:t>
             </a:fld>
             <a:endParaRPr lang="en-VN"/>
           </a:p>
@@ -1904,7 +1904,7 @@
           <a:lstStyle/>
           <a:p>
             <a:fld id="{7EE0D05D-1BF7-6844-A448-DE6324502727}" type="datetimeFigureOut">
-              <a:t>6/13/20</a:t>
+              <a:t>6/14/20</a:t>
             </a:fld>
             <a:endParaRPr lang="en-VN"/>
           </a:p>
@@ -2044,7 +2044,7 @@
           <a:lstStyle/>
           <a:p>
             <a:fld id="{7EE0D05D-1BF7-6844-A448-DE6324502727}" type="datetimeFigureOut">
-              <a:t>6/13/20</a:t>
+              <a:t>6/14/20</a:t>
             </a:fld>
             <a:endParaRPr lang="en-VN"/>
           </a:p>
@@ -2155,7 +2155,7 @@
           <a:lstStyle/>
           <a:p>
             <a:fld id="{7EE0D05D-1BF7-6844-A448-DE6324502727}" type="datetimeFigureOut">
-              <a:t>6/13/20</a:t>
+              <a:t>6/14/20</a:t>
             </a:fld>
             <a:endParaRPr lang="en-VN"/>
           </a:p>
@@ -2466,7 +2466,7 @@
           <a:lstStyle/>
           <a:p>
             <a:fld id="{7EE0D05D-1BF7-6844-A448-DE6324502727}" type="datetimeFigureOut">
-              <a:t>6/13/20</a:t>
+              <a:t>6/14/20</a:t>
             </a:fld>
             <a:endParaRPr lang="en-VN"/>
           </a:p>
@@ -2753,7 +2753,7 @@
           <a:lstStyle/>
           <a:p>
             <a:fld id="{7EE0D05D-1BF7-6844-A448-DE6324502727}" type="datetimeFigureOut">
-              <a:t>6/13/20</a:t>
+              <a:t>6/14/20</a:t>
             </a:fld>
             <a:endParaRPr lang="en-VN"/>
           </a:p>
@@ -2994,7 +2994,7 @@
           </a:lstStyle>
           <a:p>
             <a:fld id="{7EE0D05D-1BF7-6844-A448-DE6324502727}" type="datetimeFigureOut">
-              <a:t>6/13/20</a:t>
+              <a:t>6/14/20</a:t>
             </a:fld>
             <a:endParaRPr lang="en-VN"/>
           </a:p>
@@ -9286,7 +9286,7 @@
         </p:nvGrpSpPr>
         <p:grpSpPr>
           <a:xfrm>
-            <a:off x="4603787" y="1455486"/>
+            <a:off x="4298987" y="1455486"/>
             <a:ext cx="719328" cy="719328"/>
             <a:chOff x="1381615" y="1886712"/>
             <a:chExt cx="719328" cy="719328"/>
@@ -9473,7 +9473,7 @@
         </p:nvSpPr>
         <p:spPr>
           <a:xfrm>
-            <a:off x="4603787" y="2471817"/>
+            <a:off x="4298987" y="2471817"/>
             <a:ext cx="719328" cy="719328"/>
           </a:xfrm>
           <a:prstGeom prst="ellipse">
@@ -9527,7 +9527,7 @@
         </p:nvSpPr>
         <p:spPr>
           <a:xfrm>
-            <a:off x="4567211" y="4037953"/>
+            <a:off x="4262411" y="4037953"/>
             <a:ext cx="719328" cy="719328"/>
           </a:xfrm>
           <a:prstGeom prst="ellipse">
@@ -9585,7 +9585,7 @@
         <p:spPr>
           <a:xfrm>
             <a:off x="2518550" y="1046949"/>
-            <a:ext cx="2085237" cy="768201"/>
+            <a:ext cx="1780437" cy="768201"/>
           </a:xfrm>
           <a:prstGeom prst="straightConnector1">
             <a:avLst/>
@@ -9628,7 +9628,7 @@
         <p:spPr>
           <a:xfrm>
             <a:off x="2518550" y="1046949"/>
-            <a:ext cx="2085237" cy="1784532"/>
+            <a:ext cx="1780437" cy="1784532"/>
           </a:xfrm>
           <a:prstGeom prst="straightConnector1">
             <a:avLst/>
@@ -9671,7 +9671,7 @@
         <p:spPr>
           <a:xfrm>
             <a:off x="2518550" y="1046949"/>
-            <a:ext cx="2048661" cy="3350668"/>
+            <a:ext cx="1743861" cy="3350668"/>
           </a:xfrm>
           <a:prstGeom prst="straightConnector1">
             <a:avLst/>
@@ -9714,7 +9714,7 @@
         <p:spPr>
           <a:xfrm flipV="1">
             <a:off x="2518550" y="1815150"/>
-            <a:ext cx="2085237" cy="260702"/>
+            <a:ext cx="1780437" cy="260702"/>
           </a:xfrm>
           <a:prstGeom prst="straightConnector1">
             <a:avLst/>
@@ -9757,7 +9757,7 @@
         <p:spPr>
           <a:xfrm>
             <a:off x="2518550" y="2075852"/>
-            <a:ext cx="2085237" cy="755629"/>
+            <a:ext cx="1780437" cy="755629"/>
           </a:xfrm>
           <a:prstGeom prst="straightConnector1">
             <a:avLst/>
@@ -9799,7 +9799,7 @@
         <p:spPr>
           <a:xfrm>
             <a:off x="2518550" y="2075852"/>
-            <a:ext cx="2048661" cy="2321765"/>
+            <a:ext cx="1743861" cy="2321765"/>
           </a:xfrm>
           <a:prstGeom prst="straightConnector1">
             <a:avLst/>
@@ -9841,8 +9841,8 @@
         </p:nvCxnSpPr>
         <p:spPr>
           <a:xfrm>
-            <a:off x="5323115" y="1815150"/>
-            <a:ext cx="902151" cy="391815"/>
+            <a:off x="5018315" y="1815150"/>
+            <a:ext cx="1206951" cy="391815"/>
           </a:xfrm>
           <a:prstGeom prst="straightConnector1">
             <a:avLst/>
@@ -9884,8 +9884,8 @@
         </p:nvCxnSpPr>
         <p:spPr>
           <a:xfrm flipV="1">
-            <a:off x="5323115" y="2206965"/>
-            <a:ext cx="902151" cy="624516"/>
+            <a:off x="5018315" y="2206965"/>
+            <a:ext cx="1206951" cy="624516"/>
           </a:xfrm>
           <a:prstGeom prst="straightConnector1">
             <a:avLst/>
@@ -9927,8 +9927,8 @@
         </p:nvCxnSpPr>
         <p:spPr>
           <a:xfrm flipV="1">
-            <a:off x="5286539" y="4090254"/>
-            <a:ext cx="938417" cy="307363"/>
+            <a:off x="4981739" y="4090254"/>
+            <a:ext cx="1243217" cy="307363"/>
           </a:xfrm>
           <a:prstGeom prst="straightConnector1">
             <a:avLst/>
@@ -9952,8 +9952,8 @@
           </a:fontRef>
         </p:style>
       </p:cxnSp>
-      <mc:AlternateContent xmlns:mc="http://schemas.openxmlformats.org/markup-compatibility/2006" xmlns:a14="http://schemas.microsoft.com/office/drawing/2010/main">
-        <mc:Choice Requires="a14">
+      <mc:AlternateContent xmlns:mc="http://schemas.openxmlformats.org/markup-compatibility/2006">
+        <mc:Choice xmlns:a14="http://schemas.microsoft.com/office/drawing/2010/main" Requires="a14">
           <p:sp>
             <p:nvSpPr>
               <p:cNvPr id="24" name="TextBox 23">
@@ -9968,7 +9968,7 @@
             </p:nvSpPr>
             <p:spPr>
               <a:xfrm>
-                <a:off x="4746235" y="2586519"/>
+                <a:off x="4441435" y="2586519"/>
                 <a:ext cx="483274" cy="539507"/>
               </a:xfrm>
               <a:prstGeom prst="rect">
@@ -10019,7 +10019,7 @@
             </p:txBody>
           </p:sp>
         </mc:Choice>
-        <mc:Fallback xmlns="">
+        <mc:Fallback>
           <p:sp>
             <p:nvSpPr>
               <p:cNvPr id="24" name="TextBox 23">
@@ -10036,7 +10036,7 @@
             </p:nvSpPr>
             <p:spPr>
               <a:xfrm>
-                <a:off x="4746235" y="2586519"/>
+                <a:off x="4441435" y="2586519"/>
                 <a:ext cx="483274" cy="539507"/>
               </a:xfrm>
               <a:prstGeom prst="rect">
@@ -10064,8 +10064,8 @@
           </p:sp>
         </mc:Fallback>
       </mc:AlternateContent>
-      <mc:AlternateContent xmlns:mc="http://schemas.openxmlformats.org/markup-compatibility/2006" xmlns:a14="http://schemas.microsoft.com/office/drawing/2010/main">
-        <mc:Choice Requires="a14">
+      <mc:AlternateContent xmlns:mc="http://schemas.openxmlformats.org/markup-compatibility/2006">
+        <mc:Choice xmlns:a14="http://schemas.microsoft.com/office/drawing/2010/main" Requires="a14">
           <p:sp>
             <p:nvSpPr>
               <p:cNvPr id="25" name="TextBox 24">
@@ -10080,7 +10080,7 @@
             </p:nvSpPr>
             <p:spPr>
               <a:xfrm>
-                <a:off x="4722306" y="4162309"/>
+                <a:off x="4417506" y="4162309"/>
                 <a:ext cx="483274" cy="539507"/>
               </a:xfrm>
               <a:prstGeom prst="rect">
@@ -10131,7 +10131,7 @@
             </p:txBody>
           </p:sp>
         </mc:Choice>
-        <mc:Fallback xmlns="">
+        <mc:Fallback>
           <p:sp>
             <p:nvSpPr>
               <p:cNvPr id="25" name="TextBox 24">
@@ -10148,7 +10148,7 @@
             </p:nvSpPr>
             <p:spPr>
               <a:xfrm>
-                <a:off x="4722306" y="4162309"/>
+                <a:off x="4417506" y="4162309"/>
                 <a:ext cx="483274" cy="539507"/>
               </a:xfrm>
               <a:prstGeom prst="rect">
@@ -10190,7 +10190,7 @@
         </p:nvSpPr>
         <p:spPr>
           <a:xfrm>
-            <a:off x="7336972" y="1273886"/>
+            <a:off x="7471084" y="1273886"/>
             <a:ext cx="508000" cy="3953812"/>
           </a:xfrm>
           <a:prstGeom prst="roundRect">
@@ -10239,7 +10239,7 @@
         <p:spPr>
           <a:xfrm>
             <a:off x="6756668" y="2206965"/>
-            <a:ext cx="596878" cy="0"/>
+            <a:ext cx="714416" cy="0"/>
           </a:xfrm>
           <a:prstGeom prst="straightConnector1">
             <a:avLst/>
@@ -10280,7 +10280,7 @@
         <p:spPr>
           <a:xfrm>
             <a:off x="6756354" y="2974465"/>
-            <a:ext cx="578839" cy="0"/>
+            <a:ext cx="714730" cy="0"/>
           </a:xfrm>
           <a:prstGeom prst="straightConnector1">
             <a:avLst/>
@@ -10321,7 +10321,7 @@
         <p:spPr>
           <a:xfrm>
             <a:off x="6756360" y="4090254"/>
-            <a:ext cx="597517" cy="0"/>
+            <a:ext cx="714724" cy="0"/>
           </a:xfrm>
           <a:prstGeom prst="straightConnector1">
             <a:avLst/>
@@ -10389,8 +10389,8 @@
           </a:p>
         </p:txBody>
       </p:sp>
-      <mc:AlternateContent xmlns:mc="http://schemas.openxmlformats.org/markup-compatibility/2006">
-        <mc:Choice xmlns:a14="http://schemas.microsoft.com/office/drawing/2010/main" Requires="a14">
+      <mc:AlternateContent xmlns:mc="http://schemas.openxmlformats.org/markup-compatibility/2006" xmlns:a14="http://schemas.microsoft.com/office/drawing/2010/main">
+        <mc:Choice Requires="a14">
           <p:sp>
             <p:nvSpPr>
               <p:cNvPr id="53" name="TextBox 52">
@@ -10443,7 +10443,7 @@
             </p:txBody>
           </p:sp>
         </mc:Choice>
-        <mc:Fallback>
+        <mc:Fallback xmlns="">
           <p:sp>
             <p:nvSpPr>
               <p:cNvPr id="53" name="TextBox 52">
@@ -10678,7 +10678,7 @@
             </p:nvSpPr>
             <p:spPr>
               <a:xfrm>
-                <a:off x="7104557" y="5416124"/>
+                <a:off x="7238669" y="5416124"/>
                 <a:ext cx="972830" cy="369332"/>
               </a:xfrm>
               <a:prstGeom prst="rect">
@@ -10744,7 +10744,7 @@
             </p:nvSpPr>
             <p:spPr>
               <a:xfrm>
-                <a:off x="7104557" y="5416124"/>
+                <a:off x="7238669" y="5416124"/>
                 <a:ext cx="972830" cy="369332"/>
               </a:xfrm>
               <a:prstGeom prst="rect">
@@ -11287,7 +11287,7 @@
         <p:spPr>
           <a:xfrm flipV="1">
             <a:off x="2518550" y="1815150"/>
-            <a:ext cx="2085237" cy="1408430"/>
+            <a:ext cx="1780437" cy="1408430"/>
           </a:xfrm>
           <a:prstGeom prst="straightConnector1">
             <a:avLst/>
@@ -11330,7 +11330,7 @@
         <p:spPr>
           <a:xfrm flipV="1">
             <a:off x="2518550" y="2831481"/>
-            <a:ext cx="2085237" cy="392099"/>
+            <a:ext cx="1780437" cy="392099"/>
           </a:xfrm>
           <a:prstGeom prst="straightConnector1">
             <a:avLst/>
@@ -11372,7 +11372,7 @@
         <p:spPr>
           <a:xfrm>
             <a:off x="2518550" y="3223580"/>
-            <a:ext cx="2048661" cy="1174037"/>
+            <a:ext cx="1743861" cy="1174037"/>
           </a:xfrm>
           <a:prstGeom prst="straightConnector1">
             <a:avLst/>
@@ -11414,7 +11414,7 @@
         <p:spPr>
           <a:xfrm flipV="1">
             <a:off x="2529188" y="1815150"/>
-            <a:ext cx="2074599" cy="3110688"/>
+            <a:ext cx="1769799" cy="3110688"/>
           </a:xfrm>
           <a:prstGeom prst="straightConnector1">
             <a:avLst/>
@@ -11456,7 +11456,7 @@
         <p:spPr>
           <a:xfrm flipV="1">
             <a:off x="2529188" y="2831481"/>
-            <a:ext cx="2074599" cy="2094357"/>
+            <a:ext cx="1769799" cy="2094357"/>
           </a:xfrm>
           <a:prstGeom prst="straightConnector1">
             <a:avLst/>
@@ -11498,7 +11498,7 @@
         <p:spPr>
           <a:xfrm flipV="1">
             <a:off x="2529188" y="4397617"/>
-            <a:ext cx="2038023" cy="528221"/>
+            <a:ext cx="1733223" cy="528221"/>
           </a:xfrm>
           <a:prstGeom prst="straightConnector1">
             <a:avLst/>
@@ -11571,7 +11571,7 @@
         </p:nvSpPr>
         <p:spPr>
           <a:xfrm rot="5400000">
-            <a:off x="4724043" y="3442248"/>
+            <a:off x="4419243" y="3442248"/>
             <a:ext cx="569387" cy="369332"/>
           </a:xfrm>
           <a:prstGeom prst="rect">
@@ -11592,8 +11592,8 @@
           </a:p>
         </p:txBody>
       </p:sp>
-      <mc:AlternateContent xmlns:mc="http://schemas.openxmlformats.org/markup-compatibility/2006" xmlns:a14="http://schemas.microsoft.com/office/drawing/2010/main">
-        <mc:Choice Requires="a14">
+      <mc:AlternateContent xmlns:mc="http://schemas.openxmlformats.org/markup-compatibility/2006">
+        <mc:Choice xmlns:a14="http://schemas.microsoft.com/office/drawing/2010/main" Requires="a14">
           <p:sp>
             <p:nvSpPr>
               <p:cNvPr id="74" name="TextBox 73">
@@ -11608,7 +11608,7 @@
             </p:nvSpPr>
             <p:spPr>
               <a:xfrm>
-                <a:off x="3770136" y="5318791"/>
+                <a:off x="3465336" y="5318791"/>
                 <a:ext cx="2221506" cy="646331"/>
               </a:xfrm>
               <a:prstGeom prst="rect">
@@ -11693,7 +11693,7 @@
             </p:txBody>
           </p:sp>
         </mc:Choice>
-        <mc:Fallback xmlns="">
+        <mc:Fallback>
           <p:sp>
             <p:nvSpPr>
               <p:cNvPr id="74" name="TextBox 73">
@@ -11710,7 +11710,7 @@
             </p:nvSpPr>
             <p:spPr>
               <a:xfrm>
-                <a:off x="3770136" y="5318791"/>
+                <a:off x="3465336" y="5318791"/>
                 <a:ext cx="2221506" cy="646331"/>
               </a:xfrm>
               <a:prstGeom prst="rect">
@@ -11738,8 +11738,8 @@
           </p:sp>
         </mc:Fallback>
       </mc:AlternateContent>
-      <mc:AlternateContent xmlns:mc="http://schemas.openxmlformats.org/markup-compatibility/2006">
-        <mc:Choice xmlns:a14="http://schemas.microsoft.com/office/drawing/2010/main" Requires="a14">
+      <mc:AlternateContent xmlns:mc="http://schemas.openxmlformats.org/markup-compatibility/2006" xmlns:a14="http://schemas.microsoft.com/office/drawing/2010/main">
+        <mc:Choice Requires="a14">
           <p:sp>
             <p:nvSpPr>
               <p:cNvPr id="75" name="TextBox 74">
@@ -11837,7 +11837,7 @@
             </p:txBody>
           </p:sp>
         </mc:Choice>
-        <mc:Fallback>
+        <mc:Fallback xmlns="">
           <p:sp>
             <p:nvSpPr>
               <p:cNvPr id="75" name="TextBox 74">
@@ -12342,8 +12342,8 @@
             </a:p>
           </p:txBody>
         </p:sp>
-        <mc:AlternateContent xmlns:mc="http://schemas.openxmlformats.org/markup-compatibility/2006">
-          <mc:Choice xmlns:a14="http://schemas.microsoft.com/office/drawing/2010/main" Requires="a14">
+        <mc:AlternateContent xmlns:mc="http://schemas.openxmlformats.org/markup-compatibility/2006" xmlns:a14="http://schemas.microsoft.com/office/drawing/2010/main">
+          <mc:Choice Requires="a14">
             <p:sp>
               <p:nvSpPr>
                 <p:cNvPr id="93" name="TextBox 92">
@@ -12415,7 +12415,7 @@
               </p:txBody>
             </p:sp>
           </mc:Choice>
-          <mc:Fallback>
+          <mc:Fallback xmlns="">
             <p:sp>
               <p:nvSpPr>
                 <p:cNvPr id="93" name="TextBox 92">
@@ -12478,8 +12478,8 @@
         </p:nvCxnSpPr>
         <p:spPr>
           <a:xfrm flipV="1">
-            <a:off x="5286539" y="2206965"/>
-            <a:ext cx="938727" cy="2190652"/>
+            <a:off x="4981739" y="2206965"/>
+            <a:ext cx="1243527" cy="2190652"/>
           </a:xfrm>
           <a:prstGeom prst="straightConnector1">
             <a:avLst/>
@@ -12520,8 +12520,8 @@
         </p:nvCxnSpPr>
         <p:spPr>
           <a:xfrm>
-            <a:off x="5323115" y="1815150"/>
-            <a:ext cx="901837" cy="1159315"/>
+            <a:off x="5018315" y="1815150"/>
+            <a:ext cx="1206637" cy="1159315"/>
           </a:xfrm>
           <a:prstGeom prst="straightConnector1">
             <a:avLst/>
@@ -12562,8 +12562,8 @@
         </p:nvCxnSpPr>
         <p:spPr>
           <a:xfrm>
-            <a:off x="5323115" y="2831481"/>
-            <a:ext cx="901837" cy="142984"/>
+            <a:off x="5018315" y="2831481"/>
+            <a:ext cx="1206637" cy="142984"/>
           </a:xfrm>
           <a:prstGeom prst="straightConnector1">
             <a:avLst/>
@@ -12604,8 +12604,8 @@
         </p:nvCxnSpPr>
         <p:spPr>
           <a:xfrm flipV="1">
-            <a:off x="5286539" y="2974465"/>
-            <a:ext cx="938413" cy="1423152"/>
+            <a:off x="4981739" y="2974465"/>
+            <a:ext cx="1243213" cy="1423152"/>
           </a:xfrm>
           <a:prstGeom prst="straightConnector1">
             <a:avLst/>
@@ -12646,8 +12646,8 @@
         </p:nvCxnSpPr>
         <p:spPr>
           <a:xfrm>
-            <a:off x="5323115" y="1815150"/>
-            <a:ext cx="901841" cy="2275104"/>
+            <a:off x="5018315" y="1815150"/>
+            <a:ext cx="1206641" cy="2275104"/>
           </a:xfrm>
           <a:prstGeom prst="straightConnector1">
             <a:avLst/>
@@ -12688,8 +12688,8 @@
         </p:nvCxnSpPr>
         <p:spPr>
           <a:xfrm>
-            <a:off x="5323115" y="2831481"/>
-            <a:ext cx="901841" cy="1258773"/>
+            <a:off x="5018315" y="2831481"/>
+            <a:ext cx="1206641" cy="1258773"/>
           </a:xfrm>
           <a:prstGeom prst="straightConnector1">
             <a:avLst/>
@@ -13378,8 +13378,8 @@
         </p:nvCxnSpPr>
         <p:spPr>
           <a:xfrm>
-            <a:off x="7844972" y="2206965"/>
-            <a:ext cx="596878" cy="0"/>
+            <a:off x="7979084" y="2206965"/>
+            <a:ext cx="462766" cy="0"/>
           </a:xfrm>
           <a:prstGeom prst="straightConnector1">
             <a:avLst/>
@@ -13419,8 +13419,8 @@
         </p:nvCxnSpPr>
         <p:spPr>
           <a:xfrm>
-            <a:off x="7844658" y="2974465"/>
-            <a:ext cx="578839" cy="0"/>
+            <a:off x="7979084" y="2974465"/>
+            <a:ext cx="444413" cy="0"/>
           </a:xfrm>
           <a:prstGeom prst="straightConnector1">
             <a:avLst/>
@@ -13460,8 +13460,8 @@
         </p:nvCxnSpPr>
         <p:spPr>
           <a:xfrm>
-            <a:off x="7844664" y="4090254"/>
-            <a:ext cx="597517" cy="0"/>
+            <a:off x="7979084" y="4090254"/>
+            <a:ext cx="463097" cy="0"/>
           </a:xfrm>
           <a:prstGeom prst="straightConnector1">
             <a:avLst/>
@@ -13501,8 +13501,8 @@
             </p:nvSpPr>
             <p:spPr>
               <a:xfrm>
-                <a:off x="6108089" y="5416124"/>
-                <a:ext cx="841897" cy="369332"/>
+                <a:off x="5949593" y="5416124"/>
+                <a:ext cx="1290738" cy="369332"/>
               </a:xfrm>
               <a:prstGeom prst="rect">
                 <a:avLst/>
@@ -13514,6 +13514,7 @@
               </a:bodyPr>
               <a:lstStyle/>
               <a:p>
+                <a:pPr/>
                 <a14:m>
                   <m:oMathPara xmlns:m="http://schemas.openxmlformats.org/officeDocument/2006/math">
                     <m:oMathParaPr>
@@ -13529,6 +13530,13 @@
                           <a:ea typeface="Cambria Math" panose="02040503050406030204" pitchFamily="18" charset="0"/>
                         </a:rPr>
                         <m:t>Dense</m:t>
+                      </m:r>
+                      <m:r>
+                        <a:rPr lang="en-US" b="0" i="0">
+                          <a:latin typeface="Cambria Math" panose="02040503050406030204" pitchFamily="18" charset="0"/>
+                          <a:ea typeface="Cambria Math" panose="02040503050406030204" pitchFamily="18" charset="0"/>
+                        </a:rPr>
+                        <m:t>(40)</m:t>
                       </m:r>
                     </m:oMath>
                   </m:oMathPara>
@@ -13555,8 +13563,8 @@
             </p:nvSpPr>
             <p:spPr>
               <a:xfrm>
-                <a:off x="6108089" y="5416124"/>
-                <a:ext cx="841897" cy="369332"/>
+                <a:off x="5949593" y="5416124"/>
+                <a:ext cx="1290738" cy="369332"/>
               </a:xfrm>
               <a:prstGeom prst="rect">
                 <a:avLst/>
@@ -13564,7 +13572,7 @@
               <a:blipFill>
                 <a:blip r:embed="rId22"/>
                 <a:stretch>
-                  <a:fillRect/>
+                  <a:fillRect b="-9677"/>
                 </a:stretch>
               </a:blipFill>
             </p:spPr>
